--- a/資料/発表資料.pptx
+++ b/資料/発表資料.pptx
@@ -120,6 +120,11 @@
       </a:defRPr>
     </a:lvl9pPr>
   </p:defaultTextStyle>
+  <p:extLst>
+    <p:ext uri="{EFAFB233-063F-42B5-8137-9DF3F51BA10A}">
+      <p15:sldGuideLst xmlns:p15="http://schemas.microsoft.com/office/powerpoint/2012/main"/>
+    </p:ext>
+  </p:extLst>
 </p:presentation>
 </file>
 
@@ -896,7 +901,6 @@
           </c:val>
         </c:ser>
         <c:dLbls>
-          <c:dLblPos val="ctr"/>
           <c:showLegendKey val="0"/>
           <c:showVal val="0"/>
           <c:showCatName val="0"/>
@@ -906,11 +910,11 @@
         </c:dLbls>
         <c:gapWidth val="150"/>
         <c:overlap val="100"/>
-        <c:axId val="532901920"/>
-        <c:axId val="532905056"/>
+        <c:axId val="487001320"/>
+        <c:axId val="487002888"/>
       </c:barChart>
       <c:catAx>
-        <c:axId val="532901920"/>
+        <c:axId val="487001320"/>
         <c:scaling>
           <c:orientation val="minMax"/>
         </c:scaling>
@@ -953,7 +957,7 @@
             <a:endParaRPr lang="ja-JP"/>
           </a:p>
         </c:txPr>
-        <c:crossAx val="532905056"/>
+        <c:crossAx val="487002888"/>
         <c:crosses val="autoZero"/>
         <c:auto val="1"/>
         <c:lblAlgn val="ctr"/>
@@ -961,7 +965,7 @@
         <c:noMultiLvlLbl val="0"/>
       </c:catAx>
       <c:valAx>
-        <c:axId val="532905056"/>
+        <c:axId val="487002888"/>
         <c:scaling>
           <c:orientation val="minMax"/>
         </c:scaling>
@@ -1012,7 +1016,7 @@
             <a:endParaRPr lang="ja-JP"/>
           </a:p>
         </c:txPr>
-        <c:crossAx val="532901920"/>
+        <c:crossAx val="487001320"/>
         <c:crosses val="autoZero"/>
         <c:crossBetween val="between"/>
       </c:valAx>
@@ -3963,7 +3967,7 @@
           <a:p>
             <a:fld id="{BFAD3A34-8F14-4B69-8B11-A8D9DABF27D9}" type="datetimeFigureOut">
               <a:rPr kumimoji="1" lang="ja-JP" altLang="en-US" smtClean="0"/>
-              <a:t>2016/12/6</a:t>
+              <a:t>2016/12/9</a:t>
             </a:fld>
             <a:endParaRPr kumimoji="1" lang="ja-JP" altLang="en-US"/>
           </a:p>
@@ -4165,7 +4169,7 @@
           <a:p>
             <a:fld id="{BFAD3A34-8F14-4B69-8B11-A8D9DABF27D9}" type="datetimeFigureOut">
               <a:rPr kumimoji="1" lang="ja-JP" altLang="en-US" smtClean="0"/>
-              <a:t>2016/12/6</a:t>
+              <a:t>2016/12/9</a:t>
             </a:fld>
             <a:endParaRPr kumimoji="1" lang="ja-JP" altLang="en-US"/>
           </a:p>
@@ -4377,7 +4381,7 @@
           <a:p>
             <a:fld id="{BFAD3A34-8F14-4B69-8B11-A8D9DABF27D9}" type="datetimeFigureOut">
               <a:rPr kumimoji="1" lang="ja-JP" altLang="en-US" smtClean="0"/>
-              <a:t>2016/12/6</a:t>
+              <a:t>2016/12/9</a:t>
             </a:fld>
             <a:endParaRPr kumimoji="1" lang="ja-JP" altLang="en-US"/>
           </a:p>
@@ -4579,7 +4583,7 @@
           <a:p>
             <a:fld id="{BFAD3A34-8F14-4B69-8B11-A8D9DABF27D9}" type="datetimeFigureOut">
               <a:rPr kumimoji="1" lang="ja-JP" altLang="en-US" smtClean="0"/>
-              <a:t>2016/12/6</a:t>
+              <a:t>2016/12/9</a:t>
             </a:fld>
             <a:endParaRPr kumimoji="1" lang="ja-JP" altLang="en-US"/>
           </a:p>
@@ -4823,7 +4827,7 @@
           <a:p>
             <a:fld id="{BFAD3A34-8F14-4B69-8B11-A8D9DABF27D9}" type="datetimeFigureOut">
               <a:rPr kumimoji="1" lang="ja-JP" altLang="en-US" smtClean="0"/>
-              <a:t>2016/12/6</a:t>
+              <a:t>2016/12/9</a:t>
             </a:fld>
             <a:endParaRPr kumimoji="1" lang="ja-JP" altLang="en-US"/>
           </a:p>
@@ -5119,7 +5123,7 @@
           <a:p>
             <a:fld id="{BFAD3A34-8F14-4B69-8B11-A8D9DABF27D9}" type="datetimeFigureOut">
               <a:rPr kumimoji="1" lang="ja-JP" altLang="en-US" smtClean="0"/>
-              <a:t>2016/12/6</a:t>
+              <a:t>2016/12/9</a:t>
             </a:fld>
             <a:endParaRPr kumimoji="1" lang="ja-JP" altLang="en-US"/>
           </a:p>
@@ -5550,7 +5554,7 @@
           <a:p>
             <a:fld id="{BFAD3A34-8F14-4B69-8B11-A8D9DABF27D9}" type="datetimeFigureOut">
               <a:rPr kumimoji="1" lang="ja-JP" altLang="en-US" smtClean="0"/>
-              <a:t>2016/12/6</a:t>
+              <a:t>2016/12/9</a:t>
             </a:fld>
             <a:endParaRPr kumimoji="1" lang="ja-JP" altLang="en-US"/>
           </a:p>
@@ -5668,7 +5672,7 @@
           <a:p>
             <a:fld id="{BFAD3A34-8F14-4B69-8B11-A8D9DABF27D9}" type="datetimeFigureOut">
               <a:rPr kumimoji="1" lang="ja-JP" altLang="en-US" smtClean="0"/>
-              <a:t>2016/12/6</a:t>
+              <a:t>2016/12/9</a:t>
             </a:fld>
             <a:endParaRPr kumimoji="1" lang="ja-JP" altLang="en-US"/>
           </a:p>
@@ -5763,7 +5767,7 @@
           <a:p>
             <a:fld id="{BFAD3A34-8F14-4B69-8B11-A8D9DABF27D9}" type="datetimeFigureOut">
               <a:rPr kumimoji="1" lang="ja-JP" altLang="en-US" smtClean="0"/>
-              <a:t>2016/12/6</a:t>
+              <a:t>2016/12/9</a:t>
             </a:fld>
             <a:endParaRPr kumimoji="1" lang="ja-JP" altLang="en-US"/>
           </a:p>
@@ -6072,7 +6076,7 @@
           <a:p>
             <a:fld id="{BFAD3A34-8F14-4B69-8B11-A8D9DABF27D9}" type="datetimeFigureOut">
               <a:rPr kumimoji="1" lang="ja-JP" altLang="en-US" smtClean="0"/>
-              <a:t>2016/12/6</a:t>
+              <a:t>2016/12/9</a:t>
             </a:fld>
             <a:endParaRPr kumimoji="1" lang="ja-JP" altLang="en-US"/>
           </a:p>
@@ -6329,7 +6333,7 @@
           <a:p>
             <a:fld id="{BFAD3A34-8F14-4B69-8B11-A8D9DABF27D9}" type="datetimeFigureOut">
               <a:rPr kumimoji="1" lang="ja-JP" altLang="en-US" smtClean="0"/>
-              <a:t>2016/12/6</a:t>
+              <a:t>2016/12/9</a:t>
             </a:fld>
             <a:endParaRPr kumimoji="1" lang="ja-JP" altLang="en-US"/>
           </a:p>
@@ -6574,7 +6578,7 @@
           <a:p>
             <a:fld id="{BFAD3A34-8F14-4B69-8B11-A8D9DABF27D9}" type="datetimeFigureOut">
               <a:rPr kumimoji="1" lang="ja-JP" altLang="en-US" smtClean="0"/>
-              <a:t>2016/12/6</a:t>
+              <a:t>2016/12/9</a:t>
             </a:fld>
             <a:endParaRPr kumimoji="1" lang="ja-JP" altLang="en-US"/>
           </a:p>
@@ -7044,10 +7048,7 @@
             <a:r>
               <a:rPr lang="ja-JP" altLang="en-US" sz="2400" dirty="0" smtClean="0">
                 <a:solidFill>
-                  <a:schemeClr val="tx1">
-                    <a:lumMod val="75000"/>
-                    <a:lumOff val="25000"/>
-                  </a:schemeClr>
+                  <a:schemeClr val="accent5"/>
                 </a:solidFill>
                 <a:latin typeface="HGP行書体" panose="03000600000000000000" pitchFamily="66" charset="-128"/>
                 <a:ea typeface="HGP行書体" panose="03000600000000000000" pitchFamily="66" charset="-128"/>
@@ -7056,10 +7057,7 @@
             </a:r>
             <a:endParaRPr lang="ja-JP" altLang="en-US" sz="2400" dirty="0">
               <a:solidFill>
-                <a:schemeClr val="tx1">
-                  <a:lumMod val="75000"/>
-                  <a:lumOff val="25000"/>
-                </a:schemeClr>
+                <a:schemeClr val="accent5"/>
               </a:solidFill>
               <a:latin typeface="HGP行書体" panose="03000600000000000000" pitchFamily="66" charset="-128"/>
               <a:ea typeface="HGP行書体" panose="03000600000000000000" pitchFamily="66" charset="-128"/>
@@ -7368,6 +7366,36 @@
           </a:p>
         </p:txBody>
       </p:sp>
+      <p:pic>
+        <p:nvPicPr>
+          <p:cNvPr id="4" name="図 3"/>
+          <p:cNvPicPr>
+            <a:picLocks noChangeAspect="1"/>
+          </p:cNvPicPr>
+          <p:nvPr/>
+        </p:nvPicPr>
+        <p:blipFill>
+          <a:blip r:embed="rId2">
+            <a:extLst>
+              <a:ext uri="{28A0092B-C50C-407E-A947-70E740481C1C}">
+                <a14:useLocalDpi xmlns:a14="http://schemas.microsoft.com/office/drawing/2010/main" val="0"/>
+              </a:ext>
+            </a:extLst>
+          </a:blip>
+          <a:stretch>
+            <a:fillRect/>
+          </a:stretch>
+        </p:blipFill>
+        <p:spPr>
+          <a:xfrm>
+            <a:off x="4771044" y="817808"/>
+            <a:ext cx="4314422" cy="6040192"/>
+          </a:xfrm>
+          <a:prstGeom prst="rect">
+            <a:avLst/>
+          </a:prstGeom>
+        </p:spPr>
+      </p:pic>
     </p:spTree>
     <p:extLst>
       <p:ext uri="{BB962C8B-B14F-4D97-AF65-F5344CB8AC3E}">
@@ -7678,7 +7706,7 @@
         </p:nvSpPr>
         <p:spPr>
           <a:xfrm>
-            <a:off x="1" y="6156102"/>
+            <a:off x="-5603" y="6432997"/>
             <a:ext cx="9144000" cy="283336"/>
           </a:xfrm>
           <a:prstGeom prst="rect">
@@ -8174,57 +8202,6 @@
           <a:xfrm>
             <a:off x="1" y="690779"/>
             <a:ext cx="9144001" cy="34289"/>
-          </a:xfrm>
-          <a:prstGeom prst="rect">
-            <a:avLst/>
-          </a:prstGeom>
-          <a:solidFill>
-            <a:srgbClr val="92D050"/>
-          </a:solidFill>
-          <a:ln>
-            <a:noFill/>
-          </a:ln>
-        </p:spPr>
-        <p:style>
-          <a:lnRef idx="2">
-            <a:schemeClr val="accent1">
-              <a:shade val="50000"/>
-            </a:schemeClr>
-          </a:lnRef>
-          <a:fillRef idx="1">
-            <a:schemeClr val="accent1"/>
-          </a:fillRef>
-          <a:effectRef idx="0">
-            <a:schemeClr val="accent1"/>
-          </a:effectRef>
-          <a:fontRef idx="minor">
-            <a:schemeClr val="lt1"/>
-          </a:fontRef>
-        </p:style>
-        <p:txBody>
-          <a:bodyPr rot="0" spcFirstLastPara="0" vertOverflow="overflow" horzOverflow="overflow" vert="horz" wrap="square" lIns="68580" tIns="34290" rIns="68580" bIns="34290" numCol="1" spcCol="0" rtlCol="0" fromWordArt="0" anchor="ctr" anchorCtr="0" forceAA="0" compatLnSpc="1">
-            <a:prstTxWarp prst="textNoShape">
-              <a:avLst/>
-            </a:prstTxWarp>
-            <a:noAutofit/>
-          </a:bodyPr>
-          <a:lstStyle/>
-          <a:p>
-            <a:pPr algn="ctr"/>
-            <a:endParaRPr lang="ja-JP" altLang="en-US" sz="1350"/>
-          </a:p>
-        </p:txBody>
-      </p:sp>
-      <p:sp>
-        <p:nvSpPr>
-          <p:cNvPr id="8" name="正方形/長方形 7"/>
-          <p:cNvSpPr/>
-          <p:nvPr/>
-        </p:nvSpPr>
-        <p:spPr>
-          <a:xfrm>
-            <a:off x="1" y="6156102"/>
-            <a:ext cx="9144000" cy="283336"/>
           </a:xfrm>
           <a:prstGeom prst="rect">
             <a:avLst/>
@@ -8540,6 +8517,57 @@
           </a:p>
         </p:txBody>
       </p:sp>
+      <p:sp>
+        <p:nvSpPr>
+          <p:cNvPr id="13" name="正方形/長方形 12"/>
+          <p:cNvSpPr/>
+          <p:nvPr/>
+        </p:nvSpPr>
+        <p:spPr>
+          <a:xfrm>
+            <a:off x="2" y="6426558"/>
+            <a:ext cx="9144000" cy="283336"/>
+          </a:xfrm>
+          <a:prstGeom prst="rect">
+            <a:avLst/>
+          </a:prstGeom>
+          <a:solidFill>
+            <a:srgbClr val="92D050"/>
+          </a:solidFill>
+          <a:ln>
+            <a:noFill/>
+          </a:ln>
+        </p:spPr>
+        <p:style>
+          <a:lnRef idx="2">
+            <a:schemeClr val="accent1">
+              <a:shade val="50000"/>
+            </a:schemeClr>
+          </a:lnRef>
+          <a:fillRef idx="1">
+            <a:schemeClr val="accent1"/>
+          </a:fillRef>
+          <a:effectRef idx="0">
+            <a:schemeClr val="accent1"/>
+          </a:effectRef>
+          <a:fontRef idx="minor">
+            <a:schemeClr val="lt1"/>
+          </a:fontRef>
+        </p:style>
+        <p:txBody>
+          <a:bodyPr rot="0" spcFirstLastPara="0" vertOverflow="overflow" horzOverflow="overflow" vert="horz" wrap="square" lIns="68580" tIns="34290" rIns="68580" bIns="34290" numCol="1" spcCol="0" rtlCol="0" fromWordArt="0" anchor="ctr" anchorCtr="0" forceAA="0" compatLnSpc="1">
+            <a:prstTxWarp prst="textNoShape">
+              <a:avLst/>
+            </a:prstTxWarp>
+            <a:noAutofit/>
+          </a:bodyPr>
+          <a:lstStyle/>
+          <a:p>
+            <a:pPr algn="ctr"/>
+            <a:endParaRPr lang="ja-JP" altLang="en-US" sz="1350"/>
+          </a:p>
+        </p:txBody>
+      </p:sp>
     </p:spTree>
     <p:extLst>
       <p:ext uri="{BB962C8B-B14F-4D97-AF65-F5344CB8AC3E}">
@@ -8784,57 +8812,6 @@
           <a:xfrm>
             <a:off x="1" y="690779"/>
             <a:ext cx="9144001" cy="34289"/>
-          </a:xfrm>
-          <a:prstGeom prst="rect">
-            <a:avLst/>
-          </a:prstGeom>
-          <a:solidFill>
-            <a:srgbClr val="92D050"/>
-          </a:solidFill>
-          <a:ln>
-            <a:noFill/>
-          </a:ln>
-        </p:spPr>
-        <p:style>
-          <a:lnRef idx="2">
-            <a:schemeClr val="accent1">
-              <a:shade val="50000"/>
-            </a:schemeClr>
-          </a:lnRef>
-          <a:fillRef idx="1">
-            <a:schemeClr val="accent1"/>
-          </a:fillRef>
-          <a:effectRef idx="0">
-            <a:schemeClr val="accent1"/>
-          </a:effectRef>
-          <a:fontRef idx="minor">
-            <a:schemeClr val="lt1"/>
-          </a:fontRef>
-        </p:style>
-        <p:txBody>
-          <a:bodyPr rot="0" spcFirstLastPara="0" vertOverflow="overflow" horzOverflow="overflow" vert="horz" wrap="square" lIns="68580" tIns="34290" rIns="68580" bIns="34290" numCol="1" spcCol="0" rtlCol="0" fromWordArt="0" anchor="ctr" anchorCtr="0" forceAA="0" compatLnSpc="1">
-            <a:prstTxWarp prst="textNoShape">
-              <a:avLst/>
-            </a:prstTxWarp>
-            <a:noAutofit/>
-          </a:bodyPr>
-          <a:lstStyle/>
-          <a:p>
-            <a:pPr algn="ctr"/>
-            <a:endParaRPr lang="ja-JP" altLang="en-US" sz="1350"/>
-          </a:p>
-        </p:txBody>
-      </p:sp>
-      <p:sp>
-        <p:nvSpPr>
-          <p:cNvPr id="8" name="正方形/長方形 7"/>
-          <p:cNvSpPr/>
-          <p:nvPr/>
-        </p:nvSpPr>
-        <p:spPr>
-          <a:xfrm>
-            <a:off x="1" y="6156102"/>
-            <a:ext cx="9144000" cy="283336"/>
           </a:xfrm>
           <a:prstGeom prst="rect">
             <a:avLst/>
@@ -9251,6 +9228,57 @@
           </a:p>
         </p:txBody>
       </p:sp>
+      <p:sp>
+        <p:nvSpPr>
+          <p:cNvPr id="14" name="正方形/長方形 13"/>
+          <p:cNvSpPr/>
+          <p:nvPr/>
+        </p:nvSpPr>
+        <p:spPr>
+          <a:xfrm>
+            <a:off x="2" y="6426558"/>
+            <a:ext cx="9144000" cy="283336"/>
+          </a:xfrm>
+          <a:prstGeom prst="rect">
+            <a:avLst/>
+          </a:prstGeom>
+          <a:solidFill>
+            <a:srgbClr val="92D050"/>
+          </a:solidFill>
+          <a:ln>
+            <a:noFill/>
+          </a:ln>
+        </p:spPr>
+        <p:style>
+          <a:lnRef idx="2">
+            <a:schemeClr val="accent1">
+              <a:shade val="50000"/>
+            </a:schemeClr>
+          </a:lnRef>
+          <a:fillRef idx="1">
+            <a:schemeClr val="accent1"/>
+          </a:fillRef>
+          <a:effectRef idx="0">
+            <a:schemeClr val="accent1"/>
+          </a:effectRef>
+          <a:fontRef idx="minor">
+            <a:schemeClr val="lt1"/>
+          </a:fontRef>
+        </p:style>
+        <p:txBody>
+          <a:bodyPr rot="0" spcFirstLastPara="0" vertOverflow="overflow" horzOverflow="overflow" vert="horz" wrap="square" lIns="68580" tIns="34290" rIns="68580" bIns="34290" numCol="1" spcCol="0" rtlCol="0" fromWordArt="0" anchor="ctr" anchorCtr="0" forceAA="0" compatLnSpc="1">
+            <a:prstTxWarp prst="textNoShape">
+              <a:avLst/>
+            </a:prstTxWarp>
+            <a:noAutofit/>
+          </a:bodyPr>
+          <a:lstStyle/>
+          <a:p>
+            <a:pPr algn="ctr"/>
+            <a:endParaRPr lang="ja-JP" altLang="en-US" sz="1350"/>
+          </a:p>
+        </p:txBody>
+      </p:sp>
     </p:spTree>
     <p:extLst>
       <p:ext uri="{BB962C8B-B14F-4D97-AF65-F5344CB8AC3E}">
@@ -9495,57 +9523,6 @@
           <a:xfrm>
             <a:off x="1" y="690779"/>
             <a:ext cx="9144001" cy="34289"/>
-          </a:xfrm>
-          <a:prstGeom prst="rect">
-            <a:avLst/>
-          </a:prstGeom>
-          <a:solidFill>
-            <a:srgbClr val="92D050"/>
-          </a:solidFill>
-          <a:ln>
-            <a:noFill/>
-          </a:ln>
-        </p:spPr>
-        <p:style>
-          <a:lnRef idx="2">
-            <a:schemeClr val="accent1">
-              <a:shade val="50000"/>
-            </a:schemeClr>
-          </a:lnRef>
-          <a:fillRef idx="1">
-            <a:schemeClr val="accent1"/>
-          </a:fillRef>
-          <a:effectRef idx="0">
-            <a:schemeClr val="accent1"/>
-          </a:effectRef>
-          <a:fontRef idx="minor">
-            <a:schemeClr val="lt1"/>
-          </a:fontRef>
-        </p:style>
-        <p:txBody>
-          <a:bodyPr rot="0" spcFirstLastPara="0" vertOverflow="overflow" horzOverflow="overflow" vert="horz" wrap="square" lIns="68580" tIns="34290" rIns="68580" bIns="34290" numCol="1" spcCol="0" rtlCol="0" fromWordArt="0" anchor="ctr" anchorCtr="0" forceAA="0" compatLnSpc="1">
-            <a:prstTxWarp prst="textNoShape">
-              <a:avLst/>
-            </a:prstTxWarp>
-            <a:noAutofit/>
-          </a:bodyPr>
-          <a:lstStyle/>
-          <a:p>
-            <a:pPr algn="ctr"/>
-            <a:endParaRPr lang="ja-JP" altLang="en-US" sz="1350"/>
-          </a:p>
-        </p:txBody>
-      </p:sp>
-      <p:sp>
-        <p:nvSpPr>
-          <p:cNvPr id="8" name="正方形/長方形 7"/>
-          <p:cNvSpPr/>
-          <p:nvPr/>
-        </p:nvSpPr>
-        <p:spPr>
-          <a:xfrm>
-            <a:off x="1" y="6156102"/>
-            <a:ext cx="9144000" cy="283336"/>
           </a:xfrm>
           <a:prstGeom prst="rect">
             <a:avLst/>
@@ -9716,7 +9693,20 @@
                 <a:latin typeface="+mj-ea"/>
                 <a:ea typeface="+mj-ea"/>
               </a:rPr>
-              <a:t>開発コンセプト</a:t>
+              <a:t>開発</a:t>
+            </a:r>
+            <a:r>
+              <a:rPr lang="ja-JP" altLang="en-US" sz="3200" dirty="0" smtClean="0">
+                <a:solidFill>
+                  <a:schemeClr val="tx1">
+                    <a:lumMod val="65000"/>
+                    <a:lumOff val="35000"/>
+                  </a:schemeClr>
+                </a:solidFill>
+                <a:latin typeface="+mj-ea"/>
+                <a:ea typeface="+mj-ea"/>
+              </a:rPr>
+              <a:t>コンセプト</a:t>
             </a:r>
             <a:r>
               <a:rPr kumimoji="1" lang="en-US" altLang="ja-JP" sz="3200" dirty="0" smtClean="0">
@@ -9825,7 +9815,20 @@
                 <a:latin typeface="+mj-ea"/>
                 <a:ea typeface="+mj-ea"/>
               </a:rPr>
-              <a:t>開発環境、動作環境</a:t>
+              <a:t>開発</a:t>
+            </a:r>
+            <a:r>
+              <a:rPr lang="ja-JP" altLang="en-US" sz="3200" dirty="0" smtClean="0">
+                <a:solidFill>
+                  <a:schemeClr val="tx1">
+                    <a:lumMod val="65000"/>
+                    <a:lumOff val="35000"/>
+                  </a:schemeClr>
+                </a:solidFill>
+                <a:latin typeface="+mj-ea"/>
+                <a:ea typeface="+mj-ea"/>
+              </a:rPr>
+              <a:t>環境、動作環境</a:t>
             </a:r>
             <a:r>
               <a:rPr kumimoji="1" lang="en-US" altLang="ja-JP" sz="3200" dirty="0" smtClean="0">
@@ -9932,7 +9935,19 @@
                 </a:solidFill>
                 <a:latin typeface="+mn-ea"/>
               </a:rPr>
-              <a:t>進捗状況</a:t>
+              <a:t>進捗</a:t>
+            </a:r>
+            <a:r>
+              <a:rPr lang="ja-JP" altLang="en-US" sz="3200" dirty="0" smtClean="0">
+                <a:solidFill>
+                  <a:schemeClr val="tx1">
+                    <a:lumMod val="65000"/>
+                    <a:lumOff val="35000"/>
+                  </a:schemeClr>
+                </a:solidFill>
+                <a:latin typeface="+mn-ea"/>
+              </a:rPr>
+              <a:t>状況</a:t>
             </a:r>
             <a:r>
               <a:rPr kumimoji="1" lang="en-US" altLang="ja-JP" sz="3200" dirty="0" smtClean="0">
@@ -10022,7 +10037,17 @@
                 <a:latin typeface="+mj-ea"/>
                 <a:ea typeface="+mj-ea"/>
               </a:rPr>
-              <a:t>問題点と改善点</a:t>
+              <a:t>問題点</a:t>
+            </a:r>
+            <a:r>
+              <a:rPr lang="ja-JP" altLang="en-US" sz="3200" dirty="0" smtClean="0">
+                <a:solidFill>
+                  <a:schemeClr val="bg1"/>
+                </a:solidFill>
+                <a:latin typeface="+mj-ea"/>
+                <a:ea typeface="+mj-ea"/>
+              </a:rPr>
+              <a:t>と改善点</a:t>
             </a:r>
             <a:r>
               <a:rPr kumimoji="1" lang="en-US" altLang="ja-JP" sz="3200" dirty="0" smtClean="0">
@@ -10331,13 +10356,230 @@
       </p:sp>
       <p:sp>
         <p:nvSpPr>
-          <p:cNvPr id="8" name="正方形/長方形 7"/>
+          <p:cNvPr id="3" name="テキスト ボックス 2"/>
+          <p:cNvSpPr txBox="1"/>
+          <p:nvPr/>
+        </p:nvSpPr>
+        <p:spPr>
+          <a:xfrm>
+            <a:off x="903329" y="1797057"/>
+            <a:ext cx="7952484" cy="2332946"/>
+          </a:xfrm>
+          <a:prstGeom prst="rect">
+            <a:avLst/>
+          </a:prstGeom>
+          <a:noFill/>
+        </p:spPr>
+        <p:txBody>
+          <a:bodyPr wrap="square" rtlCol="0">
+            <a:spAutoFit/>
+          </a:bodyPr>
+          <a:lstStyle/>
+          <a:p>
+            <a:pPr marL="457200" indent="-457200">
+              <a:lnSpc>
+                <a:spcPct val="130000"/>
+              </a:lnSpc>
+              <a:buFont typeface="Arial" panose="020B0604020202020204" pitchFamily="34" charset="0"/>
+              <a:buChar char="•"/>
+            </a:pPr>
+            <a:r>
+              <a:rPr lang="ja-JP" altLang="en-US" sz="2800" dirty="0" smtClean="0">
+                <a:solidFill>
+                  <a:schemeClr val="tx1">
+                    <a:lumMod val="65000"/>
+                    <a:lumOff val="35000"/>
+                  </a:schemeClr>
+                </a:solidFill>
+              </a:rPr>
+              <a:t>パスワード</a:t>
+            </a:r>
+            <a:r>
+              <a:rPr lang="ja-JP" altLang="en-US" sz="2800" dirty="0">
+                <a:solidFill>
+                  <a:schemeClr val="tx1">
+                    <a:lumMod val="65000"/>
+                    <a:lumOff val="35000"/>
+                  </a:schemeClr>
+                </a:solidFill>
+              </a:rPr>
+              <a:t>が</a:t>
+            </a:r>
+            <a:r>
+              <a:rPr lang="en-US" altLang="ja-JP" sz="2800" dirty="0">
+                <a:solidFill>
+                  <a:schemeClr val="tx1">
+                    <a:lumMod val="65000"/>
+                    <a:lumOff val="35000"/>
+                  </a:schemeClr>
+                </a:solidFill>
+              </a:rPr>
+              <a:t>DB</a:t>
+            </a:r>
+            <a:r>
+              <a:rPr lang="ja-JP" altLang="en-US" sz="2800" dirty="0">
+                <a:solidFill>
+                  <a:schemeClr val="tx1">
+                    <a:lumMod val="65000"/>
+                    <a:lumOff val="35000"/>
+                  </a:schemeClr>
+                </a:solidFill>
+              </a:rPr>
+              <a:t>上で暗号化</a:t>
+            </a:r>
+            <a:r>
+              <a:rPr lang="ja-JP" altLang="en-US" sz="2800" dirty="0" smtClean="0">
+                <a:solidFill>
+                  <a:schemeClr val="tx1">
+                    <a:lumMod val="65000"/>
+                    <a:lumOff val="35000"/>
+                  </a:schemeClr>
+                </a:solidFill>
+              </a:rPr>
+              <a:t>されていない</a:t>
+            </a:r>
+            <a:endParaRPr lang="en-US" altLang="ja-JP" sz="2800" dirty="0" smtClean="0">
+              <a:solidFill>
+                <a:schemeClr val="tx1">
+                  <a:lumMod val="65000"/>
+                  <a:lumOff val="35000"/>
+                </a:schemeClr>
+              </a:solidFill>
+            </a:endParaRPr>
+          </a:p>
+          <a:p>
+            <a:pPr marL="457200" indent="-457200">
+              <a:lnSpc>
+                <a:spcPct val="130000"/>
+              </a:lnSpc>
+              <a:buFont typeface="Arial" panose="020B0604020202020204" pitchFamily="34" charset="0"/>
+              <a:buChar char="•"/>
+            </a:pPr>
+            <a:r>
+              <a:rPr lang="ja-JP" altLang="en-US" sz="2800" dirty="0" smtClean="0">
+                <a:solidFill>
+                  <a:schemeClr val="tx1">
+                    <a:lumMod val="65000"/>
+                    <a:lumOff val="35000"/>
+                  </a:schemeClr>
+                </a:solidFill>
+              </a:rPr>
+              <a:t>システムの脆弱性</a:t>
+            </a:r>
+            <a:r>
+              <a:rPr lang="ja-JP" altLang="en-US" sz="2800" dirty="0">
+                <a:solidFill>
+                  <a:schemeClr val="tx1">
+                    <a:lumMod val="65000"/>
+                    <a:lumOff val="35000"/>
+                  </a:schemeClr>
+                </a:solidFill>
+              </a:rPr>
+              <a:t>が</a:t>
+            </a:r>
+            <a:r>
+              <a:rPr lang="ja-JP" altLang="en-US" sz="2800" dirty="0" smtClean="0">
+                <a:solidFill>
+                  <a:schemeClr val="tx1">
+                    <a:lumMod val="65000"/>
+                    <a:lumOff val="35000"/>
+                  </a:schemeClr>
+                </a:solidFill>
+              </a:rPr>
+              <a:t>ひどい。  </a:t>
+            </a:r>
+            <a:endParaRPr lang="en-US" altLang="ja-JP" sz="2800" dirty="0" smtClean="0">
+              <a:solidFill>
+                <a:schemeClr val="tx1">
+                  <a:lumMod val="65000"/>
+                  <a:lumOff val="35000"/>
+                </a:schemeClr>
+              </a:solidFill>
+            </a:endParaRPr>
+          </a:p>
+          <a:p>
+            <a:pPr marL="457200" indent="-457200">
+              <a:lnSpc>
+                <a:spcPct val="130000"/>
+              </a:lnSpc>
+              <a:buFont typeface="Arial" panose="020B0604020202020204" pitchFamily="34" charset="0"/>
+              <a:buChar char="•"/>
+            </a:pPr>
+            <a:r>
+              <a:rPr lang="ja-JP" altLang="en-US" sz="2800" dirty="0" smtClean="0">
+                <a:solidFill>
+                  <a:schemeClr val="tx1">
+                    <a:lumMod val="65000"/>
+                    <a:lumOff val="35000"/>
+                  </a:schemeClr>
+                </a:solidFill>
+              </a:rPr>
+              <a:t>セキュリティを</a:t>
+            </a:r>
+            <a:r>
+              <a:rPr lang="ja-JP" altLang="en-US" sz="2800" dirty="0" smtClean="0">
+                <a:solidFill>
+                  <a:schemeClr val="tx1">
+                    <a:lumMod val="65000"/>
+                    <a:lumOff val="35000"/>
+                  </a:schemeClr>
+                </a:solidFill>
+              </a:rPr>
+              <a:t>実装</a:t>
+            </a:r>
+            <a:r>
+              <a:rPr lang="ja-JP" altLang="en-US" sz="2800" dirty="0">
+                <a:solidFill>
+                  <a:schemeClr val="tx1">
+                    <a:lumMod val="65000"/>
+                    <a:lumOff val="35000"/>
+                  </a:schemeClr>
+                </a:solidFill>
+              </a:rPr>
+              <a:t>する上での</a:t>
+            </a:r>
+            <a:r>
+              <a:rPr lang="ja-JP" altLang="en-US" sz="2800" dirty="0" smtClean="0">
+                <a:solidFill>
+                  <a:schemeClr val="tx1">
+                    <a:lumMod val="65000"/>
+                    <a:lumOff val="35000"/>
+                  </a:schemeClr>
+                </a:solidFill>
+              </a:rPr>
+              <a:t>技術力</a:t>
+            </a:r>
+            <a:r>
+              <a:rPr lang="ja-JP" altLang="en-US" sz="2800" dirty="0" smtClean="0">
+                <a:solidFill>
+                  <a:schemeClr val="tx1">
+                    <a:lumMod val="65000"/>
+                    <a:lumOff val="35000"/>
+                  </a:schemeClr>
+                </a:solidFill>
+              </a:rPr>
+              <a:t>が不足している</a:t>
+            </a:r>
+            <a:endParaRPr kumimoji="1" lang="ja-JP" altLang="en-US" sz="2800" dirty="0">
+              <a:solidFill>
+                <a:schemeClr val="tx1">
+                  <a:lumMod val="65000"/>
+                  <a:lumOff val="35000"/>
+                </a:schemeClr>
+              </a:solidFill>
+            </a:endParaRPr>
+          </a:p>
+        </p:txBody>
+      </p:sp>
+      <p:sp>
+        <p:nvSpPr>
+          <p:cNvPr id="9" name="正方形/長方形 8"/>
           <p:cNvSpPr/>
           <p:nvPr/>
         </p:nvSpPr>
         <p:spPr>
           <a:xfrm>
-            <a:off x="1" y="6156102"/>
+            <a:off x="2" y="6426558"/>
             <a:ext cx="9144000" cy="283336"/>
           </a:xfrm>
           <a:prstGeom prst="rect">
@@ -10380,184 +10622,36 @@
           </a:p>
         </p:txBody>
       </p:sp>
-      <p:sp>
-        <p:nvSpPr>
-          <p:cNvPr id="3" name="テキスト ボックス 2"/>
-          <p:cNvSpPr txBox="1"/>
+      <p:pic>
+        <p:nvPicPr>
+          <p:cNvPr id="10" name="図 9"/>
+          <p:cNvPicPr>
+            <a:picLocks noChangeAspect="1"/>
+          </p:cNvPicPr>
           <p:nvPr/>
-        </p:nvSpPr>
+        </p:nvPicPr>
+        <p:blipFill>
+          <a:blip r:embed="rId2">
+            <a:extLst>
+              <a:ext uri="{28A0092B-C50C-407E-A947-70E740481C1C}">
+                <a14:useLocalDpi xmlns:a14="http://schemas.microsoft.com/office/drawing/2010/main" val="0"/>
+              </a:ext>
+            </a:extLst>
+          </a:blip>
+          <a:stretch>
+            <a:fillRect/>
+          </a:stretch>
+        </p:blipFill>
         <p:spPr>
           <a:xfrm>
-            <a:off x="903329" y="1797057"/>
-            <a:ext cx="7952484" cy="1643527"/>
+            <a:off x="5718219" y="2269903"/>
+            <a:ext cx="4588097" cy="4588097"/>
           </a:xfrm>
           <a:prstGeom prst="rect">
             <a:avLst/>
           </a:prstGeom>
-          <a:noFill/>
         </p:spPr>
-        <p:txBody>
-          <a:bodyPr wrap="square" rtlCol="0">
-            <a:spAutoFit/>
-          </a:bodyPr>
-          <a:lstStyle/>
-          <a:p>
-            <a:pPr>
-              <a:lnSpc>
-                <a:spcPct val="120000"/>
-              </a:lnSpc>
-            </a:pPr>
-            <a:r>
-              <a:rPr lang="ja-JP" altLang="en-US" sz="2800" dirty="0">
-                <a:solidFill>
-                  <a:schemeClr val="tx1">
-                    <a:lumMod val="65000"/>
-                    <a:lumOff val="35000"/>
-                  </a:schemeClr>
-                </a:solidFill>
-              </a:rPr>
-              <a:t>まず、パスワードが</a:t>
-            </a:r>
-            <a:r>
-              <a:rPr lang="en-US" altLang="ja-JP" sz="2800" dirty="0">
-                <a:solidFill>
-                  <a:schemeClr val="tx1">
-                    <a:lumMod val="65000"/>
-                    <a:lumOff val="35000"/>
-                  </a:schemeClr>
-                </a:solidFill>
-              </a:rPr>
-              <a:t>DB</a:t>
-            </a:r>
-            <a:r>
-              <a:rPr lang="ja-JP" altLang="en-US" sz="2800" dirty="0">
-                <a:solidFill>
-                  <a:schemeClr val="tx1">
-                    <a:lumMod val="65000"/>
-                    <a:lumOff val="35000"/>
-                  </a:schemeClr>
-                </a:solidFill>
-              </a:rPr>
-              <a:t>上で暗号化</a:t>
-            </a:r>
-            <a:r>
-              <a:rPr lang="ja-JP" altLang="en-US" sz="2800" dirty="0" smtClean="0">
-                <a:solidFill>
-                  <a:schemeClr val="tx1">
-                    <a:lumMod val="65000"/>
-                    <a:lumOff val="35000"/>
-                  </a:schemeClr>
-                </a:solidFill>
-              </a:rPr>
-              <a:t>されておらず</a:t>
-            </a:r>
-            <a:endParaRPr lang="en-US" altLang="ja-JP" sz="2800" dirty="0" smtClean="0">
-              <a:solidFill>
-                <a:schemeClr val="tx1">
-                  <a:lumMod val="65000"/>
-                  <a:lumOff val="35000"/>
-                </a:schemeClr>
-              </a:solidFill>
-            </a:endParaRPr>
-          </a:p>
-          <a:p>
-            <a:pPr>
-              <a:lnSpc>
-                <a:spcPct val="120000"/>
-              </a:lnSpc>
-            </a:pPr>
-            <a:r>
-              <a:rPr lang="ja-JP" altLang="en-US" sz="2800" dirty="0" smtClean="0">
-                <a:solidFill>
-                  <a:schemeClr val="tx1">
-                    <a:lumMod val="65000"/>
-                    <a:lumOff val="35000"/>
-                  </a:schemeClr>
-                </a:solidFill>
-              </a:rPr>
-              <a:t>システム上</a:t>
-            </a:r>
-            <a:r>
-              <a:rPr lang="ja-JP" altLang="en-US" sz="2800" dirty="0">
-                <a:solidFill>
-                  <a:schemeClr val="tx1">
-                    <a:lumMod val="65000"/>
-                    <a:lumOff val="35000"/>
-                  </a:schemeClr>
-                </a:solidFill>
-              </a:rPr>
-              <a:t>脆弱性が</a:t>
-            </a:r>
-            <a:r>
-              <a:rPr lang="ja-JP" altLang="en-US" sz="2800" dirty="0" smtClean="0">
-                <a:solidFill>
-                  <a:schemeClr val="tx1">
-                    <a:lumMod val="65000"/>
-                    <a:lumOff val="35000"/>
-                  </a:schemeClr>
-                </a:solidFill>
-              </a:rPr>
-              <a:t>ひどい。  </a:t>
-            </a:r>
-            <a:endParaRPr lang="en-US" altLang="ja-JP" sz="2800" dirty="0" smtClean="0">
-              <a:solidFill>
-                <a:schemeClr val="tx1">
-                  <a:lumMod val="65000"/>
-                  <a:lumOff val="35000"/>
-                </a:schemeClr>
-              </a:solidFill>
-            </a:endParaRPr>
-          </a:p>
-          <a:p>
-            <a:pPr>
-              <a:lnSpc>
-                <a:spcPct val="120000"/>
-              </a:lnSpc>
-            </a:pPr>
-            <a:r>
-              <a:rPr lang="ja-JP" altLang="en-US" sz="2800" dirty="0" smtClean="0">
-                <a:solidFill>
-                  <a:schemeClr val="tx1">
-                    <a:lumMod val="65000"/>
-                    <a:lumOff val="35000"/>
-                  </a:schemeClr>
-                </a:solidFill>
-              </a:rPr>
-              <a:t>それら</a:t>
-            </a:r>
-            <a:r>
-              <a:rPr lang="ja-JP" altLang="en-US" sz="2800" dirty="0">
-                <a:solidFill>
-                  <a:schemeClr val="tx1">
-                    <a:lumMod val="65000"/>
-                    <a:lumOff val="35000"/>
-                  </a:schemeClr>
-                </a:solidFill>
-              </a:rPr>
-              <a:t>を実装する上での技術力に不安感が感じる</a:t>
-            </a:r>
-            <a:r>
-              <a:rPr lang="ja-JP" altLang="en-US" sz="2800" dirty="0" smtClean="0">
-                <a:solidFill>
-                  <a:schemeClr val="tx1">
-                    <a:lumMod val="65000"/>
-                    <a:lumOff val="35000"/>
-                  </a:schemeClr>
-                </a:solidFill>
-              </a:rPr>
-              <a:t>。</a:t>
-            </a:r>
-            <a:endParaRPr kumimoji="1" lang="ja-JP" altLang="en-US" sz="2800" dirty="0">
-              <a:solidFill>
-                <a:schemeClr val="tx1">
-                  <a:lumMod val="65000"/>
-                  <a:lumOff val="35000"/>
-                </a:schemeClr>
-              </a:solidFill>
-            </a:endParaRPr>
-          </a:p>
-        </p:txBody>
-      </p:sp>
+      </p:pic>
     </p:spTree>
     <p:extLst>
       <p:ext uri="{BB962C8B-B14F-4D97-AF65-F5344CB8AC3E}">
@@ -10845,13 +10939,148 @@
       </p:sp>
       <p:sp>
         <p:nvSpPr>
-          <p:cNvPr id="8" name="正方形/長方形 7"/>
+          <p:cNvPr id="9" name="テキスト ボックス 8"/>
+          <p:cNvSpPr txBox="1"/>
+          <p:nvPr/>
+        </p:nvSpPr>
+        <p:spPr>
+          <a:xfrm>
+            <a:off x="747414" y="1797057"/>
+            <a:ext cx="8396586" cy="1772793"/>
+          </a:xfrm>
+          <a:prstGeom prst="rect">
+            <a:avLst/>
+          </a:prstGeom>
+          <a:noFill/>
+        </p:spPr>
+        <p:txBody>
+          <a:bodyPr wrap="square" rtlCol="0">
+            <a:spAutoFit/>
+          </a:bodyPr>
+          <a:lstStyle/>
+          <a:p>
+            <a:pPr marL="457200" indent="-457200">
+              <a:lnSpc>
+                <a:spcPct val="130000"/>
+              </a:lnSpc>
+              <a:buFont typeface="Arial" panose="020B0604020202020204" pitchFamily="34" charset="0"/>
+              <a:buChar char="•"/>
+            </a:pPr>
+            <a:r>
+              <a:rPr kumimoji="1" lang="ja-JP" altLang="en-US" sz="2800" dirty="0" smtClean="0">
+                <a:solidFill>
+                  <a:schemeClr val="tx1">
+                    <a:lumMod val="65000"/>
+                    <a:lumOff val="35000"/>
+                  </a:schemeClr>
+                </a:solidFill>
+                <a:latin typeface="+mn-ea"/>
+              </a:rPr>
+              <a:t>これら問題点は技術的不足からくる</a:t>
+            </a:r>
+            <a:r>
+              <a:rPr kumimoji="1" lang="ja-JP" altLang="en-US" sz="2800" dirty="0" smtClean="0">
+                <a:solidFill>
+                  <a:schemeClr val="tx1">
+                    <a:lumMod val="65000"/>
+                    <a:lumOff val="35000"/>
+                  </a:schemeClr>
+                </a:solidFill>
+                <a:latin typeface="+mn-ea"/>
+              </a:rPr>
+              <a:t>もの</a:t>
+            </a:r>
+            <a:endParaRPr kumimoji="1" lang="en-US" altLang="ja-JP" sz="2800" dirty="0" smtClean="0">
+              <a:solidFill>
+                <a:schemeClr val="tx1">
+                  <a:lumMod val="65000"/>
+                  <a:lumOff val="35000"/>
+                </a:schemeClr>
+              </a:solidFill>
+              <a:latin typeface="+mn-ea"/>
+            </a:endParaRPr>
+          </a:p>
+          <a:p>
+            <a:pPr marL="457200" indent="-457200">
+              <a:lnSpc>
+                <a:spcPct val="130000"/>
+              </a:lnSpc>
+              <a:buFont typeface="Arial" panose="020B0604020202020204" pitchFamily="34" charset="0"/>
+              <a:buChar char="•"/>
+            </a:pPr>
+            <a:r>
+              <a:rPr lang="ja-JP" altLang="en-US" sz="2800" dirty="0" smtClean="0">
+                <a:solidFill>
+                  <a:schemeClr val="tx1">
+                    <a:lumMod val="65000"/>
+                    <a:lumOff val="35000"/>
+                  </a:schemeClr>
+                </a:solidFill>
+                <a:latin typeface="+mn-ea"/>
+              </a:rPr>
+              <a:t>引き続きセキュリティの脆弱性を解決するために</a:t>
+            </a:r>
+            <a:endParaRPr lang="en-US" altLang="ja-JP" sz="2800" dirty="0" smtClean="0">
+              <a:solidFill>
+                <a:schemeClr val="tx1">
+                  <a:lumMod val="65000"/>
+                  <a:lumOff val="35000"/>
+                </a:schemeClr>
+              </a:solidFill>
+              <a:latin typeface="+mn-ea"/>
+            </a:endParaRPr>
+          </a:p>
+          <a:p>
+            <a:pPr>
+              <a:lnSpc>
+                <a:spcPct val="130000"/>
+              </a:lnSpc>
+            </a:pPr>
+            <a:r>
+              <a:rPr kumimoji="1" lang="ja-JP" altLang="en-US" sz="2800" dirty="0" smtClean="0">
+                <a:solidFill>
+                  <a:schemeClr val="tx1">
+                    <a:lumMod val="65000"/>
+                    <a:lumOff val="35000"/>
+                  </a:schemeClr>
+                </a:solidFill>
+                <a:latin typeface="+mn-ea"/>
+              </a:rPr>
+              <a:t>　　開発</a:t>
+            </a:r>
+            <a:r>
+              <a:rPr kumimoji="1" lang="ja-JP" altLang="en-US" sz="2800" dirty="0" smtClean="0">
+                <a:solidFill>
+                  <a:schemeClr val="tx1">
+                    <a:lumMod val="65000"/>
+                    <a:lumOff val="35000"/>
+                  </a:schemeClr>
+                </a:solidFill>
+                <a:latin typeface="+mn-ea"/>
+              </a:rPr>
+              <a:t>と並行してセキュリティ技術を勉強していく。</a:t>
+            </a:r>
+            <a:endParaRPr kumimoji="1" lang="ja-JP" altLang="en-US" sz="2800" dirty="0">
+              <a:solidFill>
+                <a:schemeClr val="tx1">
+                  <a:lumMod val="65000"/>
+                  <a:lumOff val="35000"/>
+                </a:schemeClr>
+              </a:solidFill>
+              <a:latin typeface="+mn-ea"/>
+            </a:endParaRPr>
+          </a:p>
+        </p:txBody>
+      </p:sp>
+      <p:sp>
+        <p:nvSpPr>
+          <p:cNvPr id="10" name="正方形/長方形 9"/>
           <p:cNvSpPr/>
           <p:nvPr/>
         </p:nvSpPr>
         <p:spPr>
           <a:xfrm>
-            <a:off x="1" y="6156102"/>
+            <a:off x="2" y="6426558"/>
             <a:ext cx="9144000" cy="283336"/>
           </a:xfrm>
           <a:prstGeom prst="rect">
@@ -10894,107 +11123,36 @@
           </a:p>
         </p:txBody>
       </p:sp>
-      <p:sp>
-        <p:nvSpPr>
-          <p:cNvPr id="9" name="テキスト ボックス 8"/>
-          <p:cNvSpPr txBox="1"/>
+      <p:pic>
+        <p:nvPicPr>
+          <p:cNvPr id="11" name="図 10"/>
+          <p:cNvPicPr>
+            <a:picLocks noChangeAspect="1"/>
+          </p:cNvPicPr>
           <p:nvPr/>
-        </p:nvSpPr>
+        </p:nvPicPr>
+        <p:blipFill>
+          <a:blip r:embed="rId2">
+            <a:extLst>
+              <a:ext uri="{28A0092B-C50C-407E-A947-70E740481C1C}">
+                <a14:useLocalDpi xmlns:a14="http://schemas.microsoft.com/office/drawing/2010/main" val="0"/>
+              </a:ext>
+            </a:extLst>
+          </a:blip>
+          <a:stretch>
+            <a:fillRect/>
+          </a:stretch>
+        </p:blipFill>
         <p:spPr>
           <a:xfrm>
-            <a:off x="747414" y="1797057"/>
-            <a:ext cx="8396586" cy="1643527"/>
+            <a:off x="5615189" y="2343955"/>
+            <a:ext cx="4597761" cy="4708431"/>
           </a:xfrm>
           <a:prstGeom prst="rect">
             <a:avLst/>
           </a:prstGeom>
-          <a:noFill/>
         </p:spPr>
-        <p:txBody>
-          <a:bodyPr wrap="square" rtlCol="0">
-            <a:spAutoFit/>
-          </a:bodyPr>
-          <a:lstStyle/>
-          <a:p>
-            <a:pPr>
-              <a:lnSpc>
-                <a:spcPct val="120000"/>
-              </a:lnSpc>
-            </a:pPr>
-            <a:r>
-              <a:rPr kumimoji="1" lang="ja-JP" altLang="en-US" sz="2800" dirty="0" smtClean="0">
-                <a:solidFill>
-                  <a:schemeClr val="tx1">
-                    <a:lumMod val="65000"/>
-                    <a:lumOff val="35000"/>
-                  </a:schemeClr>
-                </a:solidFill>
-              </a:rPr>
-              <a:t>これら問題点は技術的不足からくるものであるため</a:t>
-            </a:r>
-            <a:endParaRPr kumimoji="1" lang="en-US" altLang="ja-JP" sz="2800" dirty="0" smtClean="0">
-              <a:solidFill>
-                <a:schemeClr val="tx1">
-                  <a:lumMod val="65000"/>
-                  <a:lumOff val="35000"/>
-                </a:schemeClr>
-              </a:solidFill>
-            </a:endParaRPr>
-          </a:p>
-          <a:p>
-            <a:pPr>
-              <a:lnSpc>
-                <a:spcPct val="120000"/>
-              </a:lnSpc>
-            </a:pPr>
-            <a:r>
-              <a:rPr lang="ja-JP" altLang="en-US" sz="2800" dirty="0" smtClean="0">
-                <a:solidFill>
-                  <a:schemeClr val="tx1">
-                    <a:lumMod val="65000"/>
-                    <a:lumOff val="35000"/>
-                  </a:schemeClr>
-                </a:solidFill>
-              </a:rPr>
-              <a:t>引き続きセキュリティの脆弱性を解決するために</a:t>
-            </a:r>
-            <a:endParaRPr lang="en-US" altLang="ja-JP" sz="2800" dirty="0" smtClean="0">
-              <a:solidFill>
-                <a:schemeClr val="tx1">
-                  <a:lumMod val="65000"/>
-                  <a:lumOff val="35000"/>
-                </a:schemeClr>
-              </a:solidFill>
-            </a:endParaRPr>
-          </a:p>
-          <a:p>
-            <a:pPr>
-              <a:lnSpc>
-                <a:spcPct val="120000"/>
-              </a:lnSpc>
-            </a:pPr>
-            <a:r>
-              <a:rPr kumimoji="1" lang="ja-JP" altLang="en-US" sz="2800" dirty="0" smtClean="0">
-                <a:solidFill>
-                  <a:schemeClr val="tx1">
-                    <a:lumMod val="65000"/>
-                    <a:lumOff val="35000"/>
-                  </a:schemeClr>
-                </a:solidFill>
-              </a:rPr>
-              <a:t>開発と並行してセキュリティ技術を勉強していく。</a:t>
-            </a:r>
-            <a:endParaRPr kumimoji="1" lang="ja-JP" altLang="en-US" sz="2800" dirty="0">
-              <a:solidFill>
-                <a:schemeClr val="tx1">
-                  <a:lumMod val="65000"/>
-                  <a:lumOff val="35000"/>
-                </a:schemeClr>
-              </a:solidFill>
-            </a:endParaRPr>
-          </a:p>
-        </p:txBody>
-      </p:sp>
+      </p:pic>
     </p:spTree>
     <p:extLst>
       <p:ext uri="{BB962C8B-B14F-4D97-AF65-F5344CB8AC3E}">
@@ -11074,14 +11232,44 @@
       </p:sp>
       <p:pic>
         <p:nvPicPr>
-          <p:cNvPr id="4" name="図 3"/>
+          <p:cNvPr id="5" name="図 4"/>
           <p:cNvPicPr>
             <a:picLocks noChangeAspect="1"/>
           </p:cNvPicPr>
           <p:nvPr/>
         </p:nvPicPr>
         <p:blipFill>
-          <a:blip r:embed="rId2">
+          <a:blip r:embed="rId2" cstate="print">
+            <a:extLst>
+              <a:ext uri="{28A0092B-C50C-407E-A947-70E740481C1C}">
+                <a14:useLocalDpi xmlns:a14="http://schemas.microsoft.com/office/drawing/2010/main" val="0"/>
+              </a:ext>
+            </a:extLst>
+          </a:blip>
+          <a:stretch>
+            <a:fillRect/>
+          </a:stretch>
+        </p:blipFill>
+        <p:spPr>
+          <a:xfrm rot="5400000">
+            <a:off x="2630912" y="1545463"/>
+            <a:ext cx="3425781" cy="3425781"/>
+          </a:xfrm>
+          <a:prstGeom prst="rect">
+            <a:avLst/>
+          </a:prstGeom>
+        </p:spPr>
+      </p:pic>
+      <p:pic>
+        <p:nvPicPr>
+          <p:cNvPr id="6" name="図 5"/>
+          <p:cNvPicPr>
+            <a:picLocks noChangeAspect="1"/>
+          </p:cNvPicPr>
+          <p:nvPr/>
+        </p:nvPicPr>
+        <p:blipFill>
+          <a:blip r:embed="rId3">
             <a:extLst>
               <a:ext uri="{28A0092B-C50C-407E-A947-70E740481C1C}">
                 <a14:useLocalDpi xmlns:a14="http://schemas.microsoft.com/office/drawing/2010/main" val="0"/>
@@ -11094,8 +11282,38 @@
         </p:blipFill>
         <p:spPr>
           <a:xfrm>
-            <a:off x="2460403" y="1615211"/>
-            <a:ext cx="3322212" cy="4418542"/>
+            <a:off x="0" y="2125014"/>
+            <a:ext cx="3068389" cy="4320862"/>
+          </a:xfrm>
+          <a:prstGeom prst="rect">
+            <a:avLst/>
+          </a:prstGeom>
+        </p:spPr>
+      </p:pic>
+      <p:pic>
+        <p:nvPicPr>
+          <p:cNvPr id="7" name="図 6"/>
+          <p:cNvPicPr>
+            <a:picLocks noChangeAspect="1"/>
+          </p:cNvPicPr>
+          <p:nvPr/>
+        </p:nvPicPr>
+        <p:blipFill>
+          <a:blip r:embed="rId4">
+            <a:extLst>
+              <a:ext uri="{28A0092B-C50C-407E-A947-70E740481C1C}">
+                <a14:useLocalDpi xmlns:a14="http://schemas.microsoft.com/office/drawing/2010/main" val="0"/>
+              </a:ext>
+            </a:extLst>
+          </a:blip>
+          <a:stretch>
+            <a:fillRect/>
+          </a:stretch>
+        </p:blipFill>
+        <p:spPr>
+          <a:xfrm>
+            <a:off x="6056894" y="1642056"/>
+            <a:ext cx="3087106" cy="5286777"/>
           </a:xfrm>
           <a:prstGeom prst="rect">
             <a:avLst/>
@@ -11147,8 +11365,8 @@
         </p:nvSpPr>
         <p:spPr>
           <a:xfrm>
-            <a:off x="0" y="1339402"/>
-            <a:ext cx="9144000" cy="923330"/>
+            <a:off x="0" y="1325396"/>
+            <a:ext cx="9144000" cy="1015663"/>
           </a:xfrm>
           <a:prstGeom prst="rect">
             <a:avLst/>
@@ -11174,14 +11392,14 @@
               <a:t>　　　　 </a:t>
             </a:r>
             <a:r>
-              <a:rPr lang="en-US" altLang="ja-JP" sz="5400" dirty="0" smtClean="0">
+              <a:rPr lang="en-US" altLang="ja-JP" sz="6000" dirty="0" smtClean="0">
                 <a:solidFill>
                   <a:schemeClr val="bg1">
                     <a:lumMod val="50000"/>
                   </a:schemeClr>
                 </a:solidFill>
-                <a:latin typeface="HGP明朝B" panose="02020800000000000000" pitchFamily="18" charset="-128"/>
-                <a:ea typeface="HGP明朝B" panose="02020800000000000000" pitchFamily="18" charset="-128"/>
+                <a:latin typeface="HGP明朝E" panose="02020900000000000000" pitchFamily="18" charset="-128"/>
+                <a:ea typeface="HGP明朝E" panose="02020900000000000000" pitchFamily="18" charset="-128"/>
               </a:rPr>
               <a:t>1</a:t>
             </a:r>
@@ -11244,8 +11462,8 @@
         </p:nvSpPr>
         <p:spPr>
           <a:xfrm>
-            <a:off x="0" y="2352884"/>
-            <a:ext cx="9144000" cy="923330"/>
+            <a:off x="0" y="2339814"/>
+            <a:ext cx="9144000" cy="1015663"/>
           </a:xfrm>
           <a:prstGeom prst="rect">
             <a:avLst/>
@@ -11271,7 +11489,7 @@
               <a:t>　　　　 </a:t>
             </a:r>
             <a:r>
-              <a:rPr lang="en-US" altLang="ja-JP" sz="5400" dirty="0" smtClean="0">
+              <a:rPr lang="en-US" altLang="ja-JP" sz="6000" dirty="0" smtClean="0">
                 <a:solidFill>
                   <a:schemeClr val="bg1">
                     <a:lumMod val="50000"/>
@@ -11342,7 +11560,7 @@
         <p:spPr>
           <a:xfrm>
             <a:off x="0" y="3313391"/>
-            <a:ext cx="9144000" cy="923330"/>
+            <a:ext cx="9144000" cy="1015663"/>
           </a:xfrm>
           <a:prstGeom prst="rect">
             <a:avLst/>
@@ -11368,7 +11586,7 @@
               <a:t>　　　　 </a:t>
             </a:r>
             <a:r>
-              <a:rPr lang="en-US" altLang="ja-JP" sz="5400" dirty="0" smtClean="0">
+              <a:rPr lang="en-US" altLang="ja-JP" sz="6000" dirty="0" smtClean="0">
                 <a:solidFill>
                   <a:schemeClr val="bg1">
                     <a:lumMod val="50000"/>
@@ -11490,7 +11708,7 @@
         <p:spPr>
           <a:xfrm>
             <a:off x="0" y="4289697"/>
-            <a:ext cx="9144000" cy="923330"/>
+            <a:ext cx="9144000" cy="1015663"/>
           </a:xfrm>
           <a:prstGeom prst="rect">
             <a:avLst/>
@@ -11516,7 +11734,7 @@
               <a:t>　　　　 </a:t>
             </a:r>
             <a:r>
-              <a:rPr lang="en-US" altLang="ja-JP" sz="5400" dirty="0">
+              <a:rPr lang="en-US" altLang="ja-JP" sz="6000" dirty="0">
                 <a:solidFill>
                   <a:schemeClr val="bg1">
                     <a:lumMod val="50000"/>
@@ -11646,6 +11864,9 @@
           <a:solidFill>
             <a:srgbClr val="92D050"/>
           </a:solidFill>
+          <a:ln>
+            <a:noFill/>
+          </a:ln>
         </p:spPr>
         <p:style>
           <a:lnRef idx="2">
@@ -11682,6 +11903,36 @@
           </a:p>
         </p:txBody>
       </p:sp>
+      <p:pic>
+        <p:nvPicPr>
+          <p:cNvPr id="2" name="図 1"/>
+          <p:cNvPicPr>
+            <a:picLocks noChangeAspect="1"/>
+          </p:cNvPicPr>
+          <p:nvPr/>
+        </p:nvPicPr>
+        <p:blipFill>
+          <a:blip r:embed="rId2">
+            <a:extLst>
+              <a:ext uri="{28A0092B-C50C-407E-A947-70E740481C1C}">
+                <a14:useLocalDpi xmlns:a14="http://schemas.microsoft.com/office/drawing/2010/main" val="0"/>
+              </a:ext>
+            </a:extLst>
+          </a:blip>
+          <a:stretch>
+            <a:fillRect/>
+          </a:stretch>
+        </p:blipFill>
+        <p:spPr>
+          <a:xfrm>
+            <a:off x="4942267" y="1762938"/>
+            <a:ext cx="5132231" cy="5132231"/>
+          </a:xfrm>
+          <a:prstGeom prst="rect">
+            <a:avLst/>
+          </a:prstGeom>
+        </p:spPr>
+      </p:pic>
     </p:spTree>
     <p:extLst>
       <p:ext uri="{BB962C8B-B14F-4D97-AF65-F5344CB8AC3E}">
@@ -11728,7 +11979,7 @@
         <p:spPr>
           <a:xfrm>
             <a:off x="0" y="1339402"/>
-            <a:ext cx="9144000" cy="923330"/>
+            <a:ext cx="9144000" cy="1015663"/>
           </a:xfrm>
           <a:prstGeom prst="rect">
             <a:avLst/>
@@ -11753,19 +12004,32 @@
                 <a:latin typeface="HGP明朝B" panose="02020800000000000000" pitchFamily="18" charset="-128"/>
                 <a:ea typeface="HGP明朝B" panose="02020800000000000000" pitchFamily="18" charset="-128"/>
               </a:rPr>
-              <a:t>　　　　 </a:t>
-            </a:r>
-            <a:r>
-              <a:rPr lang="en-US" altLang="ja-JP" sz="5400" dirty="0" smtClean="0">
+              <a:t>　　　　</a:t>
+            </a:r>
+            <a:r>
+              <a:rPr lang="ja-JP" altLang="en-US" sz="6000" dirty="0" smtClean="0">
+                <a:solidFill>
+                  <a:schemeClr val="bg1">
+                    <a:lumMod val="50000"/>
+                  </a:schemeClr>
+                </a:solidFill>
+                <a:latin typeface="HGP明朝B" panose="02020800000000000000" pitchFamily="18" charset="-128"/>
+                <a:ea typeface="HGP明朝B" panose="02020800000000000000" pitchFamily="18" charset="-128"/>
+              </a:rPr>
+              <a:t> </a:t>
+            </a:r>
+            <a:r>
+              <a:rPr lang="en-US" altLang="ja-JP" sz="6000" dirty="0" smtClean="0">
                 <a:solidFill>
                   <a:schemeClr val="bg1"/>
                 </a:solidFill>
-                <a:ea typeface="HGP明朝B" panose="02020800000000000000" pitchFamily="18" charset="-128"/>
+                <a:latin typeface="HGP明朝E" panose="02020900000000000000" pitchFamily="18" charset="-128"/>
+                <a:ea typeface="HGP明朝E" panose="02020900000000000000" pitchFamily="18" charset="-128"/>
               </a:rPr>
               <a:t>1</a:t>
             </a:r>
             <a:r>
-              <a:rPr lang="en-US" altLang="ja-JP" sz="5400" dirty="0" smtClean="0">
+              <a:rPr lang="en-US" altLang="ja-JP" sz="6000" dirty="0" smtClean="0">
                 <a:solidFill>
                   <a:schemeClr val="bg1">
                     <a:lumMod val="50000"/>
@@ -11814,8 +12078,8 @@
         </p:nvSpPr>
         <p:spPr>
           <a:xfrm>
-            <a:off x="0" y="2352884"/>
-            <a:ext cx="9144000" cy="923330"/>
+            <a:off x="0" y="2355065"/>
+            <a:ext cx="9144000" cy="1015663"/>
           </a:xfrm>
           <a:prstGeom prst="rect">
             <a:avLst/>
@@ -11841,14 +12105,14 @@
               <a:t>　　　　 </a:t>
             </a:r>
             <a:r>
-              <a:rPr lang="en-US" altLang="ja-JP" sz="5400" dirty="0" smtClean="0">
+              <a:rPr lang="en-US" altLang="ja-JP" sz="6000" dirty="0" smtClean="0">
                 <a:solidFill>
                   <a:schemeClr val="bg1">
                     <a:lumMod val="50000"/>
                   </a:schemeClr>
                 </a:solidFill>
-                <a:latin typeface="HGP明朝B" panose="02020800000000000000" pitchFamily="18" charset="-128"/>
-                <a:ea typeface="HGP明朝B" panose="02020800000000000000" pitchFamily="18" charset="-128"/>
+                <a:latin typeface="HGP明朝E" panose="02020900000000000000" pitchFamily="18" charset="-128"/>
+                <a:ea typeface="HGP明朝E" panose="02020900000000000000" pitchFamily="18" charset="-128"/>
               </a:rPr>
               <a:t>2</a:t>
             </a:r>
@@ -11859,10 +12123,22 @@
                     <a:lumMod val="50000"/>
                   </a:schemeClr>
                 </a:solidFill>
+                <a:latin typeface="HGP明朝E" panose="02020900000000000000" pitchFamily="18" charset="-128"/>
+                <a:ea typeface="HGP明朝E" panose="02020900000000000000" pitchFamily="18" charset="-128"/>
+              </a:rPr>
+              <a:t> </a:t>
+            </a:r>
+            <a:r>
+              <a:rPr lang="en-US" altLang="ja-JP" sz="5400" dirty="0" smtClean="0">
+                <a:solidFill>
+                  <a:schemeClr val="bg1">
+                    <a:lumMod val="50000"/>
+                  </a:schemeClr>
+                </a:solidFill>
                 <a:latin typeface="+mj-ea"/>
                 <a:ea typeface="+mj-ea"/>
               </a:rPr>
-              <a:t>  </a:t>
+              <a:t> </a:t>
             </a:r>
             <a:r>
               <a:rPr lang="ja-JP" altLang="en-US" sz="3200" dirty="0" smtClean="0">
@@ -11911,8 +12187,8 @@
         </p:nvSpPr>
         <p:spPr>
           <a:xfrm>
-            <a:off x="0" y="3313391"/>
-            <a:ext cx="9144000" cy="923330"/>
+            <a:off x="0" y="3370728"/>
+            <a:ext cx="9144000" cy="1015663"/>
           </a:xfrm>
           <a:prstGeom prst="rect">
             <a:avLst/>
@@ -11935,29 +12211,41 @@
                 <a:latin typeface="HGP明朝B" panose="02020800000000000000" pitchFamily="18" charset="-128"/>
                 <a:ea typeface="HGP明朝B" panose="02020800000000000000" pitchFamily="18" charset="-128"/>
               </a:rPr>
-              <a:t>　　　　 </a:t>
-            </a:r>
-            <a:r>
-              <a:rPr lang="en-US" altLang="ja-JP" sz="5400" dirty="0" smtClean="0">
+              <a:t>　　　　</a:t>
+            </a:r>
+            <a:r>
+              <a:rPr lang="ja-JP" altLang="en-US" sz="5400" dirty="0" smtClean="0">
                 <a:solidFill>
                   <a:schemeClr val="bg1">
                     <a:lumMod val="50000"/>
                   </a:schemeClr>
                 </a:solidFill>
-                <a:latin typeface="HGP明朝B" panose="02020800000000000000" pitchFamily="18" charset="-128"/>
-                <a:ea typeface="HGP明朝B" panose="02020800000000000000" pitchFamily="18" charset="-128"/>
-              </a:rPr>
-              <a:t>3</a:t>
-            </a:r>
-            <a:r>
-              <a:rPr lang="en-US" altLang="ja-JP" sz="5400" dirty="0" smtClean="0">
+                <a:latin typeface="HGP明朝E" panose="02020900000000000000" pitchFamily="18" charset="-128"/>
+                <a:ea typeface="HGP明朝E" panose="02020900000000000000" pitchFamily="18" charset="-128"/>
+              </a:rPr>
+              <a:t> </a:t>
+            </a:r>
+            <a:r>
+              <a:rPr lang="en-US" altLang="ja-JP" sz="6000" dirty="0" smtClean="0">
                 <a:solidFill>
                   <a:schemeClr val="bg1">
                     <a:lumMod val="50000"/>
                   </a:schemeClr>
                 </a:solidFill>
-                <a:latin typeface="+mj-ea"/>
-                <a:ea typeface="+mj-ea"/>
+                <a:latin typeface="HGP明朝E" panose="02020900000000000000" pitchFamily="18" charset="-128"/>
+                <a:ea typeface="HGP明朝E" panose="02020900000000000000" pitchFamily="18" charset="-128"/>
+              </a:rPr>
+              <a:t>3</a:t>
+            </a:r>
+            <a:r>
+              <a:rPr lang="en-US" altLang="ja-JP" sz="5400" dirty="0" smtClean="0">
+                <a:solidFill>
+                  <a:schemeClr val="bg1">
+                    <a:lumMod val="50000"/>
+                  </a:schemeClr>
+                </a:solidFill>
+                <a:latin typeface="HGP明朝E" panose="02020900000000000000" pitchFamily="18" charset="-128"/>
+                <a:ea typeface="HGP明朝E" panose="02020900000000000000" pitchFamily="18" charset="-128"/>
               </a:rPr>
               <a:t>  </a:t>
             </a:r>
@@ -12008,8 +12296,8 @@
         </p:nvSpPr>
         <p:spPr>
           <a:xfrm>
-            <a:off x="0" y="4289697"/>
-            <a:ext cx="9144000" cy="923330"/>
+            <a:off x="0" y="4386391"/>
+            <a:ext cx="9144000" cy="1015663"/>
           </a:xfrm>
           <a:prstGeom prst="rect">
             <a:avLst/>
@@ -12035,14 +12323,14 @@
               <a:t>　　　　 </a:t>
             </a:r>
             <a:r>
-              <a:rPr lang="en-US" altLang="ja-JP" sz="5400" dirty="0">
+              <a:rPr lang="en-US" altLang="ja-JP" sz="6000" dirty="0">
                 <a:solidFill>
                   <a:schemeClr val="bg1">
                     <a:lumMod val="50000"/>
                   </a:schemeClr>
                 </a:solidFill>
-                <a:latin typeface="HGP明朝B" panose="02020800000000000000" pitchFamily="18" charset="-128"/>
-                <a:ea typeface="HGP明朝B" panose="02020800000000000000" pitchFamily="18" charset="-128"/>
+                <a:latin typeface="HGP明朝E" panose="02020900000000000000" pitchFamily="18" charset="-128"/>
+                <a:ea typeface="HGP明朝E" panose="02020900000000000000" pitchFamily="18" charset="-128"/>
               </a:rPr>
               <a:t>4</a:t>
             </a:r>
@@ -12390,7 +12678,7 @@
         </p:nvSpPr>
         <p:spPr>
           <a:xfrm>
-            <a:off x="1" y="6156102"/>
+            <a:off x="0" y="6426560"/>
             <a:ext cx="9144000" cy="283336"/>
           </a:xfrm>
           <a:prstGeom prst="rect">
@@ -12446,18 +12734,17 @@
         <p:spPr>
           <a:xfrm>
             <a:off x="759038" y="1749969"/>
-            <a:ext cx="8117614" cy="4547801"/>
+            <a:ext cx="8117614" cy="3208397"/>
           </a:xfrm>
         </p:spPr>
         <p:txBody>
           <a:bodyPr/>
           <a:lstStyle/>
           <a:p>
-            <a:pPr marL="0" indent="0">
+            <a:pPr>
               <a:lnSpc>
-                <a:spcPct val="150000"/>
+                <a:spcPct val="130000"/>
               </a:lnSpc>
-              <a:buNone/>
             </a:pPr>
             <a:r>
               <a:rPr lang="ja-JP" altLang="ja-JP" sz="2700" dirty="0">
@@ -12471,7 +12758,7 @@
               <a:t>簡易的な</a:t>
             </a:r>
             <a:r>
-              <a:rPr lang="en-US" altLang="ja-JP" sz="2700" dirty="0">
+              <a:rPr lang="en-US" altLang="ja-JP" sz="2700" dirty="0" smtClean="0">
                 <a:solidFill>
                   <a:schemeClr val="tx1">
                     <a:lumMod val="75000"/>
@@ -12481,8 +12768,23 @@
               </a:rPr>
               <a:t>SNS</a:t>
             </a:r>
-            <a:r>
-              <a:rPr lang="ja-JP" altLang="ja-JP" sz="2700" dirty="0">
+            <a:endParaRPr lang="en-US" altLang="ja-JP" sz="2700" dirty="0">
+              <a:solidFill>
+                <a:schemeClr val="tx1">
+                  <a:lumMod val="75000"/>
+                  <a:lumOff val="25000"/>
+                </a:schemeClr>
+              </a:solidFill>
+            </a:endParaRPr>
+          </a:p>
+          <a:p>
+            <a:pPr>
+              <a:lnSpc>
+                <a:spcPct val="130000"/>
+              </a:lnSpc>
+            </a:pPr>
+            <a:r>
+              <a:rPr lang="ja-JP" altLang="ja-JP" sz="2700" dirty="0" smtClean="0">
                 <a:solidFill>
                   <a:schemeClr val="tx1">
                     <a:lumMod val="75000"/>
@@ -12490,8 +12792,108 @@
                   </a:schemeClr>
                 </a:solidFill>
               </a:rPr>
-              <a:t>です。プロフィールを登録し、自分の興味のある他ユーザと簡単にコンタクトを取ることが出来ます。また、必要以上のコミュニケーションを排除し、淡白な繋がりを実現させます。</a:t>
-            </a:r>
+              <a:t>プロフィール</a:t>
+            </a:r>
+            <a:r>
+              <a:rPr lang="ja-JP" altLang="ja-JP" sz="2700" dirty="0">
+                <a:solidFill>
+                  <a:schemeClr val="tx1">
+                    <a:lumMod val="75000"/>
+                    <a:lumOff val="25000"/>
+                  </a:schemeClr>
+                </a:solidFill>
+              </a:rPr>
+              <a:t>を登録し、自分の興味のある他ユーザと簡単にコンタクトを取ることが</a:t>
+            </a:r>
+            <a:r>
+              <a:rPr lang="ja-JP" altLang="ja-JP" sz="2700" dirty="0" smtClean="0">
+                <a:solidFill>
+                  <a:schemeClr val="tx1">
+                    <a:lumMod val="75000"/>
+                    <a:lumOff val="25000"/>
+                  </a:schemeClr>
+                </a:solidFill>
+              </a:rPr>
+              <a:t>出来</a:t>
+            </a:r>
+            <a:r>
+              <a:rPr lang="ja-JP" altLang="en-US" sz="2700" dirty="0" smtClean="0">
+                <a:solidFill>
+                  <a:schemeClr val="tx1">
+                    <a:lumMod val="75000"/>
+                    <a:lumOff val="25000"/>
+                  </a:schemeClr>
+                </a:solidFill>
+              </a:rPr>
+              <a:t>る</a:t>
+            </a:r>
+            <a:endParaRPr lang="en-US" altLang="ja-JP" sz="2700" dirty="0" smtClean="0">
+              <a:solidFill>
+                <a:schemeClr val="tx1">
+                  <a:lumMod val="75000"/>
+                  <a:lumOff val="25000"/>
+                </a:schemeClr>
+              </a:solidFill>
+            </a:endParaRPr>
+          </a:p>
+          <a:p>
+            <a:pPr>
+              <a:lnSpc>
+                <a:spcPct val="130000"/>
+              </a:lnSpc>
+            </a:pPr>
+            <a:r>
+              <a:rPr lang="ja-JP" altLang="ja-JP" sz="2700" dirty="0" smtClean="0">
+                <a:solidFill>
+                  <a:schemeClr val="tx1">
+                    <a:lumMod val="75000"/>
+                    <a:lumOff val="25000"/>
+                  </a:schemeClr>
+                </a:solidFill>
+              </a:rPr>
+              <a:t>必要</a:t>
+            </a:r>
+            <a:r>
+              <a:rPr lang="ja-JP" altLang="ja-JP" sz="2700" dirty="0">
+                <a:solidFill>
+                  <a:schemeClr val="tx1">
+                    <a:lumMod val="75000"/>
+                    <a:lumOff val="25000"/>
+                  </a:schemeClr>
+                </a:solidFill>
+              </a:rPr>
+              <a:t>以上のコミュニケーションを排除し、淡白な繋がりを実現</a:t>
+            </a:r>
+            <a:r>
+              <a:rPr lang="ja-JP" altLang="ja-JP" sz="2700" dirty="0" smtClean="0">
+                <a:solidFill>
+                  <a:schemeClr val="tx1">
+                    <a:lumMod val="75000"/>
+                    <a:lumOff val="25000"/>
+                  </a:schemeClr>
+                </a:solidFill>
+              </a:rPr>
+              <a:t>させ</a:t>
+            </a:r>
+            <a:r>
+              <a:rPr lang="ja-JP" altLang="en-US" sz="2700" dirty="0">
+                <a:solidFill>
+                  <a:schemeClr val="tx1">
+                    <a:lumMod val="75000"/>
+                    <a:lumOff val="25000"/>
+                  </a:schemeClr>
+                </a:solidFill>
+              </a:rPr>
+              <a:t>る</a:t>
+            </a:r>
+            <a:endParaRPr lang="ja-JP" altLang="ja-JP" sz="2700" dirty="0">
+              <a:solidFill>
+                <a:schemeClr val="tx1">
+                  <a:lumMod val="75000"/>
+                  <a:lumOff val="25000"/>
+                </a:schemeClr>
+              </a:solidFill>
+            </a:endParaRPr>
           </a:p>
           <a:p>
             <a:endParaRPr kumimoji="1" lang="ja-JP" altLang="en-US" dirty="0"/>
@@ -12544,7 +12946,7 @@
         <p:spPr>
           <a:xfrm>
             <a:off x="0" y="1144759"/>
-            <a:ext cx="9144000" cy="923330"/>
+            <a:ext cx="9144000" cy="1015663"/>
           </a:xfrm>
           <a:prstGeom prst="rect">
             <a:avLst/>
@@ -12570,7 +12972,7 @@
               <a:t>　　　　 </a:t>
             </a:r>
             <a:r>
-              <a:rPr lang="en-US" altLang="ja-JP" sz="5400" dirty="0" smtClean="0">
+              <a:rPr lang="en-US" altLang="ja-JP" sz="6000" dirty="0" smtClean="0">
                 <a:solidFill>
                   <a:schemeClr val="tx1">
                     <a:lumMod val="50000"/>
@@ -12640,8 +13042,8 @@
         </p:nvSpPr>
         <p:spPr>
           <a:xfrm>
-            <a:off x="0" y="2139953"/>
-            <a:ext cx="9144000" cy="923330"/>
+            <a:off x="0" y="2160422"/>
+            <a:ext cx="9144000" cy="1015663"/>
           </a:xfrm>
           <a:prstGeom prst="rect">
             <a:avLst/>
@@ -12679,7 +13081,7 @@
               <a:t>　 </a:t>
             </a:r>
             <a:r>
-              <a:rPr lang="en-US" altLang="ja-JP" sz="5400" dirty="0" smtClean="0">
+              <a:rPr lang="en-US" altLang="ja-JP" sz="6000" dirty="0" smtClean="0">
                 <a:solidFill>
                   <a:schemeClr val="bg1"/>
                 </a:solidFill>
@@ -12736,8 +13138,8 @@
         </p:nvSpPr>
         <p:spPr>
           <a:xfrm>
-            <a:off x="0" y="3063283"/>
-            <a:ext cx="9144000" cy="923330"/>
+            <a:off x="0" y="3176085"/>
+            <a:ext cx="9144000" cy="1015663"/>
           </a:xfrm>
           <a:prstGeom prst="rect">
             <a:avLst/>
@@ -12763,7 +13165,7 @@
               <a:t>　　　　 </a:t>
             </a:r>
             <a:r>
-              <a:rPr lang="en-US" altLang="ja-JP" sz="5400" dirty="0" smtClean="0">
+              <a:rPr lang="en-US" altLang="ja-JP" sz="6000" dirty="0" smtClean="0">
                 <a:solidFill>
                   <a:schemeClr val="bg1">
                     <a:lumMod val="50000"/>
@@ -12833,8 +13235,8 @@
         </p:nvSpPr>
         <p:spPr>
           <a:xfrm>
-            <a:off x="0" y="3986613"/>
-            <a:ext cx="9144000" cy="923330"/>
+            <a:off x="0" y="4191748"/>
+            <a:ext cx="9144000" cy="1015663"/>
           </a:xfrm>
           <a:prstGeom prst="rect">
             <a:avLst/>
@@ -12860,14 +13262,14 @@
               <a:t>　　　　 </a:t>
             </a:r>
             <a:r>
-              <a:rPr lang="en-US" altLang="ja-JP" sz="5400" dirty="0">
+              <a:rPr lang="en-US" altLang="ja-JP" sz="6000" dirty="0">
                 <a:solidFill>
                   <a:schemeClr val="bg1">
                     <a:lumMod val="50000"/>
                   </a:schemeClr>
                 </a:solidFill>
-                <a:latin typeface="HGP明朝B" panose="02020800000000000000" pitchFamily="18" charset="-128"/>
-                <a:ea typeface="HGP明朝B" panose="02020800000000000000" pitchFamily="18" charset="-128"/>
+                <a:latin typeface="HGP明朝E" panose="02020900000000000000" pitchFamily="18" charset="-128"/>
+                <a:ea typeface="HGP明朝E" panose="02020900000000000000" pitchFamily="18" charset="-128"/>
               </a:rPr>
               <a:t>4</a:t>
             </a:r>
@@ -12878,10 +13280,22 @@
                     <a:lumMod val="50000"/>
                   </a:schemeClr>
                 </a:solidFill>
+                <a:latin typeface="HGP明朝E" panose="02020900000000000000" pitchFamily="18" charset="-128"/>
+                <a:ea typeface="HGP明朝E" panose="02020900000000000000" pitchFamily="18" charset="-128"/>
+              </a:rPr>
+              <a:t> </a:t>
+            </a:r>
+            <a:r>
+              <a:rPr lang="en-US" altLang="ja-JP" sz="5400" dirty="0" smtClean="0">
+                <a:solidFill>
+                  <a:schemeClr val="bg1">
+                    <a:lumMod val="50000"/>
+                  </a:schemeClr>
+                </a:solidFill>
                 <a:latin typeface="+mj-ea"/>
                 <a:ea typeface="+mj-ea"/>
               </a:rPr>
-              <a:t>  </a:t>
+              <a:t> </a:t>
             </a:r>
             <a:r>
               <a:rPr lang="ja-JP" altLang="en-US" sz="3200" dirty="0" smtClean="0">
@@ -13215,7 +13629,7 @@
         </p:nvSpPr>
         <p:spPr>
           <a:xfrm>
-            <a:off x="1" y="6156102"/>
+            <a:off x="1" y="6429021"/>
             <a:ext cx="9144000" cy="283336"/>
           </a:xfrm>
           <a:prstGeom prst="rect">
@@ -13876,7 +14290,7 @@
         </p:nvSpPr>
         <p:spPr>
           <a:xfrm>
-            <a:off x="1" y="6156102"/>
+            <a:off x="2" y="6426558"/>
             <a:ext cx="9144000" cy="283336"/>
           </a:xfrm>
           <a:prstGeom prst="rect">
@@ -14927,13 +15341,194 @@
       </p:sp>
       <p:sp>
         <p:nvSpPr>
-          <p:cNvPr id="8" name="正方形/長方形 7"/>
+          <p:cNvPr id="3" name="テキスト ボックス 2"/>
+          <p:cNvSpPr txBox="1"/>
+          <p:nvPr/>
+        </p:nvSpPr>
+        <p:spPr>
+          <a:xfrm>
+            <a:off x="759038" y="1864371"/>
+            <a:ext cx="8396586" cy="2160591"/>
+          </a:xfrm>
+          <a:prstGeom prst="rect">
+            <a:avLst/>
+          </a:prstGeom>
+          <a:noFill/>
+        </p:spPr>
+        <p:txBody>
+          <a:bodyPr wrap="square" rtlCol="0">
+            <a:spAutoFit/>
+          </a:bodyPr>
+          <a:lstStyle/>
+          <a:p>
+            <a:pPr marL="457200" indent="-457200">
+              <a:lnSpc>
+                <a:spcPct val="120000"/>
+              </a:lnSpc>
+              <a:buFont typeface="Arial" panose="020B0604020202020204" pitchFamily="34" charset="0"/>
+              <a:buChar char="•"/>
+            </a:pPr>
+            <a:r>
+              <a:rPr lang="ja-JP" altLang="en-US" sz="2800" dirty="0" smtClean="0">
+                <a:solidFill>
+                  <a:schemeClr val="tx1">
+                    <a:lumMod val="65000"/>
+                    <a:lumOff val="35000"/>
+                  </a:schemeClr>
+                </a:solidFill>
+              </a:rPr>
+              <a:t>基本</a:t>
+            </a:r>
+            <a:r>
+              <a:rPr lang="ja-JP" altLang="en-US" sz="2800" dirty="0" smtClean="0">
+                <a:solidFill>
+                  <a:schemeClr val="tx1">
+                    <a:lumMod val="65000"/>
+                    <a:lumOff val="35000"/>
+                  </a:schemeClr>
+                </a:solidFill>
+              </a:rPr>
+              <a:t>機能</a:t>
+            </a:r>
+            <a:r>
+              <a:rPr lang="ja-JP" altLang="en-US" sz="2800" dirty="0">
+                <a:solidFill>
+                  <a:schemeClr val="tx1">
+                    <a:lumMod val="65000"/>
+                    <a:lumOff val="35000"/>
+                  </a:schemeClr>
+                </a:solidFill>
+              </a:rPr>
+              <a:t>は</a:t>
+            </a:r>
+            <a:r>
+              <a:rPr lang="ja-JP" altLang="en-US" sz="2800" dirty="0" smtClean="0">
+                <a:solidFill>
+                  <a:schemeClr val="tx1">
+                    <a:lumMod val="65000"/>
+                    <a:lumOff val="35000"/>
+                  </a:schemeClr>
+                </a:solidFill>
+              </a:rPr>
+              <a:t>新規</a:t>
+            </a:r>
+            <a:r>
+              <a:rPr lang="en-US" altLang="ja-JP" sz="2800" dirty="0">
+                <a:solidFill>
+                  <a:schemeClr val="tx1">
+                    <a:lumMod val="65000"/>
+                    <a:lumOff val="35000"/>
+                  </a:schemeClr>
+                </a:solidFill>
+              </a:rPr>
+              <a:t>ID</a:t>
+            </a:r>
+            <a:r>
+              <a:rPr lang="ja-JP" altLang="en-US" sz="2800" dirty="0">
+                <a:solidFill>
+                  <a:schemeClr val="tx1">
+                    <a:lumMod val="65000"/>
+                    <a:lumOff val="35000"/>
+                  </a:schemeClr>
+                </a:solidFill>
+              </a:rPr>
+              <a:t>登録</a:t>
+            </a:r>
+            <a:r>
+              <a:rPr lang="ja-JP" altLang="en-US" sz="2800" dirty="0" smtClean="0">
+                <a:solidFill>
+                  <a:schemeClr val="tx1">
+                    <a:lumMod val="65000"/>
+                    <a:lumOff val="35000"/>
+                  </a:schemeClr>
+                </a:solidFill>
+              </a:rPr>
+              <a:t>のみまだ未実装だが他の機能はほぼ</a:t>
+            </a:r>
+            <a:r>
+              <a:rPr lang="ja-JP" altLang="en-US" sz="2800" dirty="0">
+                <a:solidFill>
+                  <a:schemeClr val="tx1">
+                    <a:lumMod val="65000"/>
+                    <a:lumOff val="35000"/>
+                  </a:schemeClr>
+                </a:solidFill>
+              </a:rPr>
+              <a:t>完成している  </a:t>
+            </a:r>
+            <a:r>
+              <a:rPr lang="ja-JP" altLang="en-US" sz="2800" dirty="0" smtClean="0">
+                <a:solidFill>
+                  <a:schemeClr val="tx1">
+                    <a:lumMod val="65000"/>
+                    <a:lumOff val="35000"/>
+                  </a:schemeClr>
+                </a:solidFill>
+              </a:rPr>
+              <a:t>。</a:t>
+            </a:r>
+            <a:endParaRPr lang="ja-JP" altLang="en-US" sz="2800" dirty="0">
+              <a:solidFill>
+                <a:schemeClr val="tx1">
+                  <a:lumMod val="65000"/>
+                  <a:lumOff val="35000"/>
+                </a:schemeClr>
+              </a:solidFill>
+            </a:endParaRPr>
+          </a:p>
+          <a:p>
+            <a:pPr marL="457200" indent="-457200">
+              <a:lnSpc>
+                <a:spcPct val="120000"/>
+              </a:lnSpc>
+              <a:buFont typeface="Arial" panose="020B0604020202020204" pitchFamily="34" charset="0"/>
+              <a:buChar char="•"/>
+            </a:pPr>
+            <a:r>
+              <a:rPr lang="ja-JP" altLang="en-US" sz="2800" dirty="0">
+                <a:solidFill>
+                  <a:schemeClr val="tx1">
+                    <a:lumMod val="65000"/>
+                    <a:lumOff val="35000"/>
+                  </a:schemeClr>
+                </a:solidFill>
+              </a:rPr>
+              <a:t>この時点で基本機能を</a:t>
+            </a:r>
+            <a:r>
+              <a:rPr lang="ja-JP" altLang="en-US" sz="2800" dirty="0" smtClean="0">
+                <a:solidFill>
+                  <a:schemeClr val="tx1">
+                    <a:lumMod val="65000"/>
+                    <a:lumOff val="35000"/>
+                  </a:schemeClr>
+                </a:solidFill>
+              </a:rPr>
+              <a:t>満たしているので、次の拡張機能作成に移る</a:t>
+            </a:r>
+            <a:r>
+              <a:rPr lang="ja-JP" altLang="en-US" sz="2800" dirty="0">
+                <a:solidFill>
+                  <a:schemeClr val="tx1">
+                    <a:lumMod val="65000"/>
+                    <a:lumOff val="35000"/>
+                  </a:schemeClr>
+                </a:solidFill>
+              </a:rPr>
+              <a:t>。  </a:t>
+            </a:r>
+          </a:p>
+        </p:txBody>
+      </p:sp>
+      <p:sp>
+        <p:nvSpPr>
+          <p:cNvPr id="9" name="正方形/長方形 8"/>
           <p:cNvSpPr/>
           <p:nvPr/>
         </p:nvSpPr>
         <p:spPr>
           <a:xfrm>
-            <a:off x="1" y="6156102"/>
+            <a:off x="-5603" y="6432997"/>
             <a:ext cx="9144000" cy="283336"/>
           </a:xfrm>
           <a:prstGeom prst="rect">
@@ -14976,172 +15571,36 @@
           </a:p>
         </p:txBody>
       </p:sp>
-      <p:sp>
-        <p:nvSpPr>
-          <p:cNvPr id="3" name="テキスト ボックス 2"/>
-          <p:cNvSpPr txBox="1"/>
+      <p:pic>
+        <p:nvPicPr>
+          <p:cNvPr id="10" name="図 9"/>
+          <p:cNvPicPr>
+            <a:picLocks noChangeAspect="1"/>
+          </p:cNvPicPr>
           <p:nvPr/>
-        </p:nvSpPr>
+        </p:nvPicPr>
+        <p:blipFill>
+          <a:blip r:embed="rId2">
+            <a:extLst>
+              <a:ext uri="{28A0092B-C50C-407E-A947-70E740481C1C}">
+                <a14:useLocalDpi xmlns:a14="http://schemas.microsoft.com/office/drawing/2010/main" val="0"/>
+              </a:ext>
+            </a:extLst>
+          </a:blip>
+          <a:stretch>
+            <a:fillRect/>
+          </a:stretch>
+        </p:blipFill>
         <p:spPr>
           <a:xfrm>
-            <a:off x="759038" y="1864371"/>
-            <a:ext cx="8396586" cy="2160591"/>
+            <a:off x="5743978" y="2630510"/>
+            <a:ext cx="4227490" cy="4227490"/>
           </a:xfrm>
           <a:prstGeom prst="rect">
             <a:avLst/>
           </a:prstGeom>
-          <a:noFill/>
         </p:spPr>
-        <p:txBody>
-          <a:bodyPr wrap="square" rtlCol="0">
-            <a:spAutoFit/>
-          </a:bodyPr>
-          <a:lstStyle/>
-          <a:p>
-            <a:pPr>
-              <a:lnSpc>
-                <a:spcPct val="120000"/>
-              </a:lnSpc>
-            </a:pPr>
-            <a:r>
-              <a:rPr lang="ja-JP" altLang="en-US" sz="2800" dirty="0" smtClean="0">
-                <a:solidFill>
-                  <a:schemeClr val="tx1">
-                    <a:lumMod val="65000"/>
-                    <a:lumOff val="35000"/>
-                  </a:schemeClr>
-                </a:solidFill>
-              </a:rPr>
-              <a:t>基本</a:t>
-            </a:r>
-            <a:r>
-              <a:rPr lang="ja-JP" altLang="en-US" sz="2800" dirty="0">
-                <a:solidFill>
-                  <a:schemeClr val="tx1">
-                    <a:lumMod val="65000"/>
-                    <a:lumOff val="35000"/>
-                  </a:schemeClr>
-                </a:solidFill>
-              </a:rPr>
-              <a:t>機能の</a:t>
-            </a:r>
-            <a:r>
-              <a:rPr lang="ja-JP" altLang="en-US" sz="2800" dirty="0" smtClean="0">
-                <a:solidFill>
-                  <a:schemeClr val="tx1">
-                    <a:lumMod val="65000"/>
-                    <a:lumOff val="35000"/>
-                  </a:schemeClr>
-                </a:solidFill>
-              </a:rPr>
-              <a:t>中新規</a:t>
-            </a:r>
-            <a:r>
-              <a:rPr lang="en-US" altLang="ja-JP" sz="2800" dirty="0">
-                <a:solidFill>
-                  <a:schemeClr val="tx1">
-                    <a:lumMod val="65000"/>
-                    <a:lumOff val="35000"/>
-                  </a:schemeClr>
-                </a:solidFill>
-              </a:rPr>
-              <a:t>ID</a:t>
-            </a:r>
-            <a:r>
-              <a:rPr lang="ja-JP" altLang="en-US" sz="2800" dirty="0">
-                <a:solidFill>
-                  <a:schemeClr val="tx1">
-                    <a:lumMod val="65000"/>
-                    <a:lumOff val="35000"/>
-                  </a:schemeClr>
-                </a:solidFill>
-              </a:rPr>
-              <a:t>登録</a:t>
-            </a:r>
-            <a:r>
-              <a:rPr lang="ja-JP" altLang="en-US" sz="2800" dirty="0" smtClean="0">
-                <a:solidFill>
-                  <a:schemeClr val="tx1">
-                    <a:lumMod val="65000"/>
-                    <a:lumOff val="35000"/>
-                  </a:schemeClr>
-                </a:solidFill>
-              </a:rPr>
-              <a:t>のみまだ未実装だが他の機能はほぼ</a:t>
-            </a:r>
-            <a:r>
-              <a:rPr lang="ja-JP" altLang="en-US" sz="2800" dirty="0">
-                <a:solidFill>
-                  <a:schemeClr val="tx1">
-                    <a:lumMod val="65000"/>
-                    <a:lumOff val="35000"/>
-                  </a:schemeClr>
-                </a:solidFill>
-              </a:rPr>
-              <a:t>完成している  </a:t>
-            </a:r>
-            <a:r>
-              <a:rPr lang="ja-JP" altLang="en-US" sz="2800" dirty="0" smtClean="0">
-                <a:solidFill>
-                  <a:schemeClr val="tx1">
-                    <a:lumMod val="65000"/>
-                    <a:lumOff val="35000"/>
-                  </a:schemeClr>
-                </a:solidFill>
-              </a:rPr>
-              <a:t>。</a:t>
-            </a:r>
-            <a:endParaRPr lang="ja-JP" altLang="en-US" sz="2800" dirty="0">
-              <a:solidFill>
-                <a:schemeClr val="tx1">
-                  <a:lumMod val="65000"/>
-                  <a:lumOff val="35000"/>
-                </a:schemeClr>
-              </a:solidFill>
-            </a:endParaRPr>
-          </a:p>
-          <a:p>
-            <a:pPr>
-              <a:lnSpc>
-                <a:spcPct val="120000"/>
-              </a:lnSpc>
-            </a:pPr>
-            <a:r>
-              <a:rPr lang="ja-JP" altLang="en-US" sz="2800" dirty="0">
-                <a:solidFill>
-                  <a:schemeClr val="tx1">
-                    <a:lumMod val="65000"/>
-                    <a:lumOff val="35000"/>
-                  </a:schemeClr>
-                </a:solidFill>
-              </a:rPr>
-              <a:t>この時点で基本機能を</a:t>
-            </a:r>
-            <a:r>
-              <a:rPr lang="ja-JP" altLang="en-US" sz="2800" dirty="0" smtClean="0">
-                <a:solidFill>
-                  <a:schemeClr val="tx1">
-                    <a:lumMod val="65000"/>
-                    <a:lumOff val="35000"/>
-                  </a:schemeClr>
-                </a:solidFill>
-              </a:rPr>
-              <a:t>満たしているので、次の拡張機能作成に移る</a:t>
-            </a:r>
-            <a:r>
-              <a:rPr lang="ja-JP" altLang="en-US" sz="2800" dirty="0">
-                <a:solidFill>
-                  <a:schemeClr val="tx1">
-                    <a:lumMod val="65000"/>
-                    <a:lumOff val="35000"/>
-                  </a:schemeClr>
-                </a:solidFill>
-              </a:rPr>
-              <a:t>。  </a:t>
-            </a:r>
-          </a:p>
-        </p:txBody>
-      </p:sp>
+      </p:pic>
     </p:spTree>
     <p:extLst>
       <p:ext uri="{BB962C8B-B14F-4D97-AF65-F5344CB8AC3E}">

--- a/資料/発表資料.pptx
+++ b/資料/発表資料.pptx
@@ -9,19 +9,22 @@
     <p:sldId id="283" r:id="rId3"/>
     <p:sldId id="284" r:id="rId4"/>
     <p:sldId id="266" r:id="rId5"/>
-    <p:sldId id="285" r:id="rId6"/>
-    <p:sldId id="268" r:id="rId7"/>
-    <p:sldId id="269" r:id="rId8"/>
-    <p:sldId id="286" r:id="rId9"/>
-    <p:sldId id="279" r:id="rId10"/>
-    <p:sldId id="280" r:id="rId11"/>
-    <p:sldId id="271" r:id="rId12"/>
-    <p:sldId id="274" r:id="rId13"/>
-    <p:sldId id="270" r:id="rId14"/>
-    <p:sldId id="287" r:id="rId15"/>
-    <p:sldId id="276" r:id="rId16"/>
-    <p:sldId id="277" r:id="rId17"/>
-    <p:sldId id="272" r:id="rId18"/>
+    <p:sldId id="288" r:id="rId6"/>
+    <p:sldId id="290" r:id="rId7"/>
+    <p:sldId id="291" r:id="rId8"/>
+    <p:sldId id="285" r:id="rId9"/>
+    <p:sldId id="268" r:id="rId10"/>
+    <p:sldId id="269" r:id="rId11"/>
+    <p:sldId id="286" r:id="rId12"/>
+    <p:sldId id="271" r:id="rId13"/>
+    <p:sldId id="280" r:id="rId14"/>
+    <p:sldId id="274" r:id="rId15"/>
+    <p:sldId id="289" r:id="rId16"/>
+    <p:sldId id="270" r:id="rId17"/>
+    <p:sldId id="287" r:id="rId18"/>
+    <p:sldId id="276" r:id="rId19"/>
+    <p:sldId id="277" r:id="rId20"/>
+    <p:sldId id="272" r:id="rId21"/>
   </p:sldIdLst>
   <p:sldSz cx="9144000" cy="6858000" type="screen4x3"/>
   <p:notesSz cx="6858000" cy="9144000"/>
@@ -792,6 +795,385 @@
           <c:invertIfNegative val="0"/>
           <c:cat>
             <c:strRef>
+              <c:f>Sheet1!$A$2:$A$6</c:f>
+              <c:strCache>
+                <c:ptCount val="5"/>
+                <c:pt idx="0">
+                  <c:v>要件定義書</c:v>
+                </c:pt>
+                <c:pt idx="1">
+                  <c:v>業務フロー</c:v>
+                </c:pt>
+                <c:pt idx="2">
+                  <c:v>画面遷移図</c:v>
+                </c:pt>
+                <c:pt idx="3">
+                  <c:v>問題定義書</c:v>
+                </c:pt>
+                <c:pt idx="4">
+                  <c:v>画面設計書</c:v>
+                </c:pt>
+              </c:strCache>
+            </c:strRef>
+          </c:cat>
+          <c:val>
+            <c:numRef>
+              <c:f>Sheet1!$B$2:$B$6</c:f>
+              <c:numCache>
+                <c:formatCode>General</c:formatCode>
+                <c:ptCount val="5"/>
+                <c:pt idx="0">
+                  <c:v>70</c:v>
+                </c:pt>
+                <c:pt idx="1">
+                  <c:v>0</c:v>
+                </c:pt>
+                <c:pt idx="2">
+                  <c:v>100</c:v>
+                </c:pt>
+                <c:pt idx="3">
+                  <c:v>100</c:v>
+                </c:pt>
+                <c:pt idx="4">
+                  <c:v>100</c:v>
+                </c:pt>
+              </c:numCache>
+            </c:numRef>
+          </c:val>
+        </c:ser>
+        <c:ser>
+          <c:idx val="1"/>
+          <c:order val="1"/>
+          <c:tx>
+            <c:strRef>
+              <c:f>Sheet1!$C$1</c:f>
+              <c:strCache>
+                <c:ptCount val="1"/>
+                <c:pt idx="0">
+                  <c:v>未完成</c:v>
+                </c:pt>
+              </c:strCache>
+            </c:strRef>
+          </c:tx>
+          <c:spPr>
+            <a:solidFill>
+              <a:schemeClr val="bg1">
+                <a:lumMod val="85000"/>
+              </a:schemeClr>
+            </a:solidFill>
+            <a:ln>
+              <a:noFill/>
+            </a:ln>
+            <a:effectLst/>
+          </c:spPr>
+          <c:invertIfNegative val="0"/>
+          <c:cat>
+            <c:strRef>
+              <c:f>Sheet1!$A$2:$A$6</c:f>
+              <c:strCache>
+                <c:ptCount val="5"/>
+                <c:pt idx="0">
+                  <c:v>要件定義書</c:v>
+                </c:pt>
+                <c:pt idx="1">
+                  <c:v>業務フロー</c:v>
+                </c:pt>
+                <c:pt idx="2">
+                  <c:v>画面遷移図</c:v>
+                </c:pt>
+                <c:pt idx="3">
+                  <c:v>問題定義書</c:v>
+                </c:pt>
+                <c:pt idx="4">
+                  <c:v>画面設計書</c:v>
+                </c:pt>
+              </c:strCache>
+            </c:strRef>
+          </c:cat>
+          <c:val>
+            <c:numRef>
+              <c:f>Sheet1!$C$2:$C$6</c:f>
+              <c:numCache>
+                <c:formatCode>General</c:formatCode>
+                <c:ptCount val="5"/>
+                <c:pt idx="0">
+                  <c:v>30</c:v>
+                </c:pt>
+                <c:pt idx="1">
+                  <c:v>100</c:v>
+                </c:pt>
+                <c:pt idx="2">
+                  <c:v>0</c:v>
+                </c:pt>
+                <c:pt idx="3">
+                  <c:v>0</c:v>
+                </c:pt>
+                <c:pt idx="4">
+                  <c:v>0</c:v>
+                </c:pt>
+              </c:numCache>
+            </c:numRef>
+          </c:val>
+        </c:ser>
+        <c:dLbls>
+          <c:showLegendKey val="0"/>
+          <c:showVal val="0"/>
+          <c:showCatName val="0"/>
+          <c:showSerName val="0"/>
+          <c:showPercent val="0"/>
+          <c:showBubbleSize val="0"/>
+        </c:dLbls>
+        <c:gapWidth val="150"/>
+        <c:overlap val="100"/>
+        <c:axId val="376325712"/>
+        <c:axId val="376333944"/>
+      </c:barChart>
+      <c:catAx>
+        <c:axId val="376325712"/>
+        <c:scaling>
+          <c:orientation val="minMax"/>
+        </c:scaling>
+        <c:delete val="0"/>
+        <c:axPos val="b"/>
+        <c:numFmt formatCode="General" sourceLinked="1"/>
+        <c:majorTickMark val="out"/>
+        <c:minorTickMark val="none"/>
+        <c:tickLblPos val="nextTo"/>
+        <c:spPr>
+          <a:noFill/>
+          <a:ln w="9525" cap="flat" cmpd="sng" algn="ctr">
+            <a:solidFill>
+              <a:schemeClr val="tx1">
+                <a:lumMod val="15000"/>
+                <a:lumOff val="85000"/>
+              </a:schemeClr>
+            </a:solidFill>
+            <a:round/>
+          </a:ln>
+          <a:effectLst/>
+        </c:spPr>
+        <c:txPr>
+          <a:bodyPr rot="-60000000" spcFirstLastPara="1" vertOverflow="ellipsis" vert="horz" wrap="square" anchor="ctr" anchorCtr="1"/>
+          <a:lstStyle/>
+          <a:p>
+            <a:pPr>
+              <a:defRPr sz="2000" b="1" i="0" u="none" strike="noStrike" kern="1200" baseline="0">
+                <a:solidFill>
+                  <a:schemeClr val="tx1">
+                    <a:lumMod val="65000"/>
+                    <a:lumOff val="35000"/>
+                  </a:schemeClr>
+                </a:solidFill>
+                <a:latin typeface="+mn-lt"/>
+                <a:ea typeface="+mn-ea"/>
+                <a:cs typeface="+mn-cs"/>
+              </a:defRPr>
+            </a:pPr>
+            <a:endParaRPr lang="ja-JP"/>
+          </a:p>
+        </c:txPr>
+        <c:crossAx val="376333944"/>
+        <c:crosses val="autoZero"/>
+        <c:auto val="1"/>
+        <c:lblAlgn val="ctr"/>
+        <c:lblOffset val="100"/>
+        <c:noMultiLvlLbl val="0"/>
+      </c:catAx>
+      <c:valAx>
+        <c:axId val="376333944"/>
+        <c:scaling>
+          <c:orientation val="minMax"/>
+        </c:scaling>
+        <c:delete val="0"/>
+        <c:axPos val="l"/>
+        <c:majorGridlines>
+          <c:spPr>
+            <a:ln w="9525" cap="flat" cmpd="sng" algn="ctr">
+              <a:solidFill>
+                <a:schemeClr val="tx1">
+                  <a:lumMod val="15000"/>
+                  <a:lumOff val="85000"/>
+                </a:schemeClr>
+              </a:solidFill>
+              <a:round/>
+            </a:ln>
+            <a:effectLst/>
+          </c:spPr>
+        </c:majorGridlines>
+        <c:numFmt formatCode="0%" sourceLinked="1"/>
+        <c:majorTickMark val="out"/>
+        <c:minorTickMark val="none"/>
+        <c:tickLblPos val="nextTo"/>
+        <c:spPr>
+          <a:noFill/>
+          <a:ln>
+            <a:noFill/>
+          </a:ln>
+          <a:effectLst/>
+        </c:spPr>
+        <c:txPr>
+          <a:bodyPr rot="-60000000" spcFirstLastPara="1" vertOverflow="ellipsis" vert="horz" wrap="square" anchor="ctr" anchorCtr="1"/>
+          <a:lstStyle/>
+          <a:p>
+            <a:pPr>
+              <a:defRPr sz="1197" b="0" i="0" u="none" strike="noStrike" kern="1200" baseline="0">
+                <a:solidFill>
+                  <a:schemeClr val="tx1">
+                    <a:lumMod val="65000"/>
+                    <a:lumOff val="35000"/>
+                  </a:schemeClr>
+                </a:solidFill>
+                <a:latin typeface="+mn-lt"/>
+                <a:ea typeface="+mn-ea"/>
+                <a:cs typeface="+mn-cs"/>
+              </a:defRPr>
+            </a:pPr>
+            <a:endParaRPr lang="ja-JP"/>
+          </a:p>
+        </c:txPr>
+        <c:crossAx val="376325712"/>
+        <c:crosses val="autoZero"/>
+        <c:crossBetween val="between"/>
+      </c:valAx>
+      <c:spPr>
+        <a:noFill/>
+        <a:ln>
+          <a:noFill/>
+        </a:ln>
+        <a:effectLst/>
+      </c:spPr>
+    </c:plotArea>
+    <c:plotVisOnly val="1"/>
+    <c:dispBlanksAs val="gap"/>
+    <c:showDLblsOverMax val="0"/>
+  </c:chart>
+  <c:spPr>
+    <a:noFill/>
+    <a:ln>
+      <a:noFill/>
+    </a:ln>
+    <a:effectLst/>
+  </c:spPr>
+  <c:txPr>
+    <a:bodyPr/>
+    <a:lstStyle/>
+    <a:p>
+      <a:pPr>
+        <a:defRPr/>
+      </a:pPr>
+      <a:endParaRPr lang="ja-JP"/>
+    </a:p>
+  </c:txPr>
+  <c:externalData r:id="rId3">
+    <c:autoUpdate val="0"/>
+  </c:externalData>
+</c:chartSpace>
+</file>
+
+<file path=ppt/charts/chart6.xml><?xml version="1.0" encoding="utf-8"?>
+<c:chartSpace xmlns:c="http://schemas.openxmlformats.org/drawingml/2006/chart" xmlns:a="http://schemas.openxmlformats.org/drawingml/2006/main" xmlns:r="http://schemas.openxmlformats.org/officeDocument/2006/relationships">
+  <c:date1904 val="0"/>
+  <c:lang val="ja-JP"/>
+  <c:roundedCorners val="0"/>
+  <mc:AlternateContent xmlns:mc="http://schemas.openxmlformats.org/markup-compatibility/2006">
+    <mc:Choice xmlns:c14="http://schemas.microsoft.com/office/drawing/2007/8/2/chart" Requires="c14">
+      <c14:style val="102"/>
+    </mc:Choice>
+    <mc:Fallback>
+      <c:style val="2"/>
+    </mc:Fallback>
+  </mc:AlternateContent>
+  <c:chart>
+    <c:title>
+      <c:tx>
+        <c:rich>
+          <a:bodyPr rot="0" spcFirstLastPara="1" vertOverflow="ellipsis" vert="horz" wrap="square" anchor="ctr" anchorCtr="1"/>
+          <a:lstStyle/>
+          <a:p>
+            <a:pPr>
+              <a:defRPr sz="1862" b="0" i="0" u="none" strike="noStrike" kern="1200" spc="0" baseline="0">
+                <a:solidFill>
+                  <a:schemeClr val="tx1">
+                    <a:lumMod val="65000"/>
+                    <a:lumOff val="35000"/>
+                  </a:schemeClr>
+                </a:solidFill>
+                <a:latin typeface="+mn-lt"/>
+                <a:ea typeface="+mn-ea"/>
+                <a:cs typeface="+mn-cs"/>
+              </a:defRPr>
+            </a:pPr>
+            <a:r>
+              <a:rPr lang="ja-JP" altLang="en-US" sz="3200" dirty="0" smtClean="0"/>
+              <a:t>全体進捗</a:t>
+            </a:r>
+            <a:endParaRPr lang="ja-JP" altLang="en-US" sz="3200" dirty="0"/>
+          </a:p>
+        </c:rich>
+      </c:tx>
+      <c:layout/>
+      <c:overlay val="0"/>
+      <c:spPr>
+        <a:noFill/>
+        <a:ln>
+          <a:noFill/>
+        </a:ln>
+        <a:effectLst/>
+      </c:spPr>
+      <c:txPr>
+        <a:bodyPr rot="0" spcFirstLastPara="1" vertOverflow="ellipsis" vert="horz" wrap="square" anchor="ctr" anchorCtr="1"/>
+        <a:lstStyle/>
+        <a:p>
+          <a:pPr>
+            <a:defRPr sz="1862" b="0" i="0" u="none" strike="noStrike" kern="1200" spc="0" baseline="0">
+              <a:solidFill>
+                <a:schemeClr val="tx1">
+                  <a:lumMod val="65000"/>
+                  <a:lumOff val="35000"/>
+                </a:schemeClr>
+              </a:solidFill>
+              <a:latin typeface="+mn-lt"/>
+              <a:ea typeface="+mn-ea"/>
+              <a:cs typeface="+mn-cs"/>
+            </a:defRPr>
+          </a:pPr>
+          <a:endParaRPr lang="ja-JP"/>
+        </a:p>
+      </c:txPr>
+    </c:title>
+    <c:autoTitleDeleted val="0"/>
+    <c:plotArea>
+      <c:layout/>
+      <c:barChart>
+        <c:barDir val="col"/>
+        <c:grouping val="percentStacked"/>
+        <c:varyColors val="0"/>
+        <c:ser>
+          <c:idx val="0"/>
+          <c:order val="0"/>
+          <c:tx>
+            <c:strRef>
+              <c:f>Sheet1!$B$1</c:f>
+              <c:strCache>
+                <c:ptCount val="1"/>
+                <c:pt idx="0">
+                  <c:v>進捗</c:v>
+                </c:pt>
+              </c:strCache>
+            </c:strRef>
+          </c:tx>
+          <c:spPr>
+            <a:solidFill>
+              <a:srgbClr val="92D050"/>
+            </a:solidFill>
+            <a:ln>
+              <a:noFill/>
+            </a:ln>
+            <a:effectLst/>
+          </c:spPr>
+          <c:invertIfNegative val="0"/>
+          <c:cat>
+            <c:strRef>
               <c:f>Sheet1!$A$2:$A$5</c:f>
               <c:strCache>
                 <c:ptCount val="4"/>
@@ -910,11 +1292,11 @@
         </c:dLbls>
         <c:gapWidth val="150"/>
         <c:overlap val="100"/>
-        <c:axId val="487001320"/>
-        <c:axId val="487002888"/>
+        <c:axId val="378545888"/>
+        <c:axId val="378546280"/>
       </c:barChart>
       <c:catAx>
-        <c:axId val="487001320"/>
+        <c:axId val="378545888"/>
         <c:scaling>
           <c:orientation val="minMax"/>
         </c:scaling>
@@ -942,7 +1324,7 @@
           <a:lstStyle/>
           <a:p>
             <a:pPr>
-              <a:defRPr sz="1197" b="0" i="0" u="none" strike="noStrike" kern="1200" baseline="0">
+              <a:defRPr sz="2400" b="0" i="0" u="none" strike="noStrike" kern="1200" baseline="0">
                 <a:solidFill>
                   <a:schemeClr val="tx1">
                     <a:lumMod val="65000"/>
@@ -957,7 +1339,7 @@
             <a:endParaRPr lang="ja-JP"/>
           </a:p>
         </c:txPr>
-        <c:crossAx val="487002888"/>
+        <c:crossAx val="378546280"/>
         <c:crosses val="autoZero"/>
         <c:auto val="1"/>
         <c:lblAlgn val="ctr"/>
@@ -965,7 +1347,7 @@
         <c:noMultiLvlLbl val="0"/>
       </c:catAx>
       <c:valAx>
-        <c:axId val="487002888"/>
+        <c:axId val="378546280"/>
         <c:scaling>
           <c:orientation val="minMax"/>
         </c:scaling>
@@ -1016,7 +1398,7 @@
             <a:endParaRPr lang="ja-JP"/>
           </a:p>
         </c:txPr>
-        <c:crossAx val="487001320"/>
+        <c:crossAx val="378545888"/>
         <c:crosses val="autoZero"/>
         <c:crossBetween val="between"/>
       </c:valAx>
@@ -1255,6 +1637,46 @@
 </cs:colorStyle>
 </file>
 
+<file path=ppt/charts/colors6.xml><?xml version="1.0" encoding="utf-8"?>
+<cs:colorStyle xmlns:cs="http://schemas.microsoft.com/office/drawing/2012/chartStyle" xmlns:a="http://schemas.openxmlformats.org/drawingml/2006/main" meth="cycle" id="10">
+  <a:schemeClr val="accent1"/>
+  <a:schemeClr val="accent2"/>
+  <a:schemeClr val="accent3"/>
+  <a:schemeClr val="accent4"/>
+  <a:schemeClr val="accent5"/>
+  <a:schemeClr val="accent6"/>
+  <cs:variation/>
+  <cs:variation>
+    <a:lumMod val="60000"/>
+  </cs:variation>
+  <cs:variation>
+    <a:lumMod val="80000"/>
+    <a:lumOff val="20000"/>
+  </cs:variation>
+  <cs:variation>
+    <a:lumMod val="80000"/>
+  </cs:variation>
+  <cs:variation>
+    <a:lumMod val="60000"/>
+    <a:lumOff val="40000"/>
+  </cs:variation>
+  <cs:variation>
+    <a:lumMod val="50000"/>
+  </cs:variation>
+  <cs:variation>
+    <a:lumMod val="70000"/>
+    <a:lumOff val="30000"/>
+  </cs:variation>
+  <cs:variation>
+    <a:lumMod val="70000"/>
+  </cs:variation>
+  <cs:variation>
+    <a:lumMod val="50000"/>
+    <a:lumOff val="50000"/>
+  </cs:variation>
+</cs:colorStyle>
+</file>
+
 <file path=ppt/charts/style1.xml><?xml version="1.0" encoding="utf-8"?>
 <cs:chartStyle xmlns:cs="http://schemas.microsoft.com/office/drawing/2012/chartStyle" xmlns:a="http://schemas.openxmlformats.org/drawingml/2006/main" id="251">
   <cs:axisTitle>
@@ -3332,6 +3754,511 @@
 </file>
 
 <file path=ppt/charts/style5.xml><?xml version="1.0" encoding="utf-8"?>
+<cs:chartStyle xmlns:cs="http://schemas.microsoft.com/office/drawing/2012/chartStyle" xmlns:a="http://schemas.openxmlformats.org/drawingml/2006/main" id="297">
+  <cs:axisTitle>
+    <cs:lnRef idx="0"/>
+    <cs:fillRef idx="0"/>
+    <cs:effectRef idx="0"/>
+    <cs:fontRef idx="minor">
+      <a:schemeClr val="tx1">
+        <a:lumMod val="65000"/>
+        <a:lumOff val="35000"/>
+      </a:schemeClr>
+    </cs:fontRef>
+    <cs:defRPr sz="1330" kern="1200"/>
+  </cs:axisTitle>
+  <cs:categoryAxis>
+    <cs:lnRef idx="0"/>
+    <cs:fillRef idx="0"/>
+    <cs:effectRef idx="0"/>
+    <cs:fontRef idx="minor">
+      <a:schemeClr val="tx1">
+        <a:lumMod val="65000"/>
+        <a:lumOff val="35000"/>
+      </a:schemeClr>
+    </cs:fontRef>
+    <cs:spPr>
+      <a:ln w="9525" cap="flat" cmpd="sng" algn="ctr">
+        <a:solidFill>
+          <a:schemeClr val="tx1">
+            <a:lumMod val="15000"/>
+            <a:lumOff val="85000"/>
+          </a:schemeClr>
+        </a:solidFill>
+        <a:round/>
+      </a:ln>
+    </cs:spPr>
+    <cs:defRPr sz="1197" kern="1200"/>
+  </cs:categoryAxis>
+  <cs:chartArea mods="allowNoFillOverride allowNoLineOverride">
+    <cs:lnRef idx="0"/>
+    <cs:fillRef idx="0"/>
+    <cs:effectRef idx="0"/>
+    <cs:fontRef idx="minor">
+      <a:schemeClr val="tx1"/>
+    </cs:fontRef>
+    <cs:spPr>
+      <a:solidFill>
+        <a:schemeClr val="bg1"/>
+      </a:solidFill>
+      <a:ln w="9525" cap="flat" cmpd="sng" algn="ctr">
+        <a:solidFill>
+          <a:schemeClr val="tx1">
+            <a:lumMod val="15000"/>
+            <a:lumOff val="85000"/>
+          </a:schemeClr>
+        </a:solidFill>
+        <a:round/>
+      </a:ln>
+    </cs:spPr>
+    <cs:defRPr sz="1330" kern="1200"/>
+  </cs:chartArea>
+  <cs:dataLabel>
+    <cs:lnRef idx="0"/>
+    <cs:fillRef idx="0"/>
+    <cs:effectRef idx="0"/>
+    <cs:fontRef idx="minor">
+      <a:schemeClr val="tx1">
+        <a:lumMod val="75000"/>
+        <a:lumOff val="25000"/>
+      </a:schemeClr>
+    </cs:fontRef>
+    <cs:defRPr sz="1197" kern="1200"/>
+  </cs:dataLabel>
+  <cs:dataLabelCallout>
+    <cs:lnRef idx="0"/>
+    <cs:fillRef idx="0"/>
+    <cs:effectRef idx="0"/>
+    <cs:fontRef idx="minor">
+      <a:schemeClr val="dk1">
+        <a:lumMod val="65000"/>
+        <a:lumOff val="35000"/>
+      </a:schemeClr>
+    </cs:fontRef>
+    <cs:spPr>
+      <a:solidFill>
+        <a:schemeClr val="lt1"/>
+      </a:solidFill>
+      <a:ln>
+        <a:solidFill>
+          <a:schemeClr val="dk1">
+            <a:lumMod val="25000"/>
+            <a:lumOff val="75000"/>
+          </a:schemeClr>
+        </a:solidFill>
+      </a:ln>
+    </cs:spPr>
+    <cs:defRPr sz="1197" kern="1200"/>
+    <cs:bodyPr rot="0" spcFirstLastPara="1" vertOverflow="clip" horzOverflow="clip" vert="horz" wrap="square" lIns="36576" tIns="18288" rIns="36576" bIns="18288" anchor="ctr" anchorCtr="1">
+      <a:spAutoFit/>
+    </cs:bodyPr>
+  </cs:dataLabelCallout>
+  <cs:dataPoint>
+    <cs:lnRef idx="0"/>
+    <cs:fillRef idx="1">
+      <cs:styleClr val="auto"/>
+    </cs:fillRef>
+    <cs:effectRef idx="0"/>
+    <cs:fontRef idx="minor">
+      <a:schemeClr val="tx1"/>
+    </cs:fontRef>
+  </cs:dataPoint>
+  <cs:dataPoint3D>
+    <cs:lnRef idx="0"/>
+    <cs:fillRef idx="1">
+      <cs:styleClr val="auto"/>
+    </cs:fillRef>
+    <cs:effectRef idx="0"/>
+    <cs:fontRef idx="minor">
+      <a:schemeClr val="tx1"/>
+    </cs:fontRef>
+  </cs:dataPoint3D>
+  <cs:dataPointLine>
+    <cs:lnRef idx="0">
+      <cs:styleClr val="auto"/>
+    </cs:lnRef>
+    <cs:fillRef idx="1"/>
+    <cs:effectRef idx="0"/>
+    <cs:fontRef idx="minor">
+      <a:schemeClr val="tx1"/>
+    </cs:fontRef>
+    <cs:spPr>
+      <a:ln w="28575" cap="rnd">
+        <a:solidFill>
+          <a:schemeClr val="phClr"/>
+        </a:solidFill>
+        <a:round/>
+      </a:ln>
+    </cs:spPr>
+  </cs:dataPointLine>
+  <cs:dataPointMarker>
+    <cs:lnRef idx="0">
+      <cs:styleClr val="auto"/>
+    </cs:lnRef>
+    <cs:fillRef idx="1">
+      <cs:styleClr val="auto"/>
+    </cs:fillRef>
+    <cs:effectRef idx="0"/>
+    <cs:fontRef idx="minor">
+      <a:schemeClr val="tx1"/>
+    </cs:fontRef>
+    <cs:spPr>
+      <a:ln w="9525">
+        <a:solidFill>
+          <a:schemeClr val="phClr"/>
+        </a:solidFill>
+      </a:ln>
+    </cs:spPr>
+  </cs:dataPointMarker>
+  <cs:dataPointMarkerLayout symbol="circle" size="5"/>
+  <cs:dataPointWireframe>
+    <cs:lnRef idx="0">
+      <cs:styleClr val="auto"/>
+    </cs:lnRef>
+    <cs:fillRef idx="1"/>
+    <cs:effectRef idx="0"/>
+    <cs:fontRef idx="minor">
+      <a:schemeClr val="tx1"/>
+    </cs:fontRef>
+    <cs:spPr>
+      <a:ln w="9525" cap="rnd">
+        <a:solidFill>
+          <a:schemeClr val="phClr"/>
+        </a:solidFill>
+        <a:round/>
+      </a:ln>
+    </cs:spPr>
+  </cs:dataPointWireframe>
+  <cs:dataTable>
+    <cs:lnRef idx="0"/>
+    <cs:fillRef idx="0"/>
+    <cs:effectRef idx="0"/>
+    <cs:fontRef idx="minor">
+      <a:schemeClr val="tx1">
+        <a:lumMod val="65000"/>
+        <a:lumOff val="35000"/>
+      </a:schemeClr>
+    </cs:fontRef>
+    <cs:spPr>
+      <a:noFill/>
+      <a:ln w="9525" cap="flat" cmpd="sng" algn="ctr">
+        <a:solidFill>
+          <a:schemeClr val="tx1">
+            <a:lumMod val="15000"/>
+            <a:lumOff val="85000"/>
+          </a:schemeClr>
+        </a:solidFill>
+        <a:round/>
+      </a:ln>
+    </cs:spPr>
+    <cs:defRPr sz="1197" kern="1200"/>
+  </cs:dataTable>
+  <cs:downBar>
+    <cs:lnRef idx="0"/>
+    <cs:fillRef idx="0"/>
+    <cs:effectRef idx="0"/>
+    <cs:fontRef idx="minor">
+      <a:schemeClr val="tx1"/>
+    </cs:fontRef>
+    <cs:spPr>
+      <a:solidFill>
+        <a:schemeClr val="dk1">
+          <a:lumMod val="75000"/>
+          <a:lumOff val="25000"/>
+        </a:schemeClr>
+      </a:solidFill>
+      <a:ln w="9525" cap="flat" cmpd="sng" algn="ctr">
+        <a:solidFill>
+          <a:schemeClr val="tx1">
+            <a:lumMod val="65000"/>
+            <a:lumOff val="35000"/>
+          </a:schemeClr>
+        </a:solidFill>
+        <a:round/>
+      </a:ln>
+    </cs:spPr>
+  </cs:downBar>
+  <cs:dropLine>
+    <cs:lnRef idx="0"/>
+    <cs:fillRef idx="0"/>
+    <cs:effectRef idx="0"/>
+    <cs:fontRef idx="minor">
+      <a:schemeClr val="tx1"/>
+    </cs:fontRef>
+    <cs:spPr>
+      <a:ln w="9525" cap="flat" cmpd="sng" algn="ctr">
+        <a:solidFill>
+          <a:schemeClr val="tx1">
+            <a:lumMod val="35000"/>
+            <a:lumOff val="65000"/>
+          </a:schemeClr>
+        </a:solidFill>
+        <a:round/>
+      </a:ln>
+    </cs:spPr>
+  </cs:dropLine>
+  <cs:errorBar>
+    <cs:lnRef idx="0"/>
+    <cs:fillRef idx="0"/>
+    <cs:effectRef idx="0"/>
+    <cs:fontRef idx="minor">
+      <a:schemeClr val="tx1"/>
+    </cs:fontRef>
+    <cs:spPr>
+      <a:ln w="9525" cap="flat" cmpd="sng" algn="ctr">
+        <a:solidFill>
+          <a:schemeClr val="tx1">
+            <a:lumMod val="65000"/>
+            <a:lumOff val="35000"/>
+          </a:schemeClr>
+        </a:solidFill>
+        <a:round/>
+      </a:ln>
+    </cs:spPr>
+  </cs:errorBar>
+  <cs:floor>
+    <cs:lnRef idx="0"/>
+    <cs:fillRef idx="0"/>
+    <cs:effectRef idx="0"/>
+    <cs:fontRef idx="minor">
+      <a:schemeClr val="tx1"/>
+    </cs:fontRef>
+    <cs:spPr>
+      <a:noFill/>
+      <a:ln>
+        <a:noFill/>
+      </a:ln>
+    </cs:spPr>
+  </cs:floor>
+  <cs:gridlineMajor>
+    <cs:lnRef idx="0"/>
+    <cs:fillRef idx="0"/>
+    <cs:effectRef idx="0"/>
+    <cs:fontRef idx="minor">
+      <a:schemeClr val="tx1"/>
+    </cs:fontRef>
+    <cs:spPr>
+      <a:ln w="9525" cap="flat" cmpd="sng" algn="ctr">
+        <a:solidFill>
+          <a:schemeClr val="tx1">
+            <a:lumMod val="15000"/>
+            <a:lumOff val="85000"/>
+          </a:schemeClr>
+        </a:solidFill>
+        <a:round/>
+      </a:ln>
+    </cs:spPr>
+  </cs:gridlineMajor>
+  <cs:gridlineMinor>
+    <cs:lnRef idx="0"/>
+    <cs:fillRef idx="0"/>
+    <cs:effectRef idx="0"/>
+    <cs:fontRef idx="minor">
+      <a:schemeClr val="tx1"/>
+    </cs:fontRef>
+    <cs:spPr>
+      <a:ln w="9525" cap="flat" cmpd="sng" algn="ctr">
+        <a:solidFill>
+          <a:schemeClr val="tx1">
+            <a:lumMod val="5000"/>
+            <a:lumOff val="95000"/>
+          </a:schemeClr>
+        </a:solidFill>
+        <a:round/>
+      </a:ln>
+    </cs:spPr>
+  </cs:gridlineMinor>
+  <cs:hiLoLine>
+    <cs:lnRef idx="0"/>
+    <cs:fillRef idx="0"/>
+    <cs:effectRef idx="0"/>
+    <cs:fontRef idx="minor">
+      <a:schemeClr val="tx1"/>
+    </cs:fontRef>
+    <cs:spPr>
+      <a:ln w="9525" cap="flat" cmpd="sng" algn="ctr">
+        <a:solidFill>
+          <a:schemeClr val="tx1">
+            <a:lumMod val="50000"/>
+            <a:lumOff val="50000"/>
+          </a:schemeClr>
+        </a:solidFill>
+        <a:round/>
+      </a:ln>
+    </cs:spPr>
+  </cs:hiLoLine>
+  <cs:leaderLine>
+    <cs:lnRef idx="0"/>
+    <cs:fillRef idx="0"/>
+    <cs:effectRef idx="0"/>
+    <cs:fontRef idx="minor">
+      <a:schemeClr val="tx1"/>
+    </cs:fontRef>
+    <cs:spPr>
+      <a:ln w="9525" cap="flat" cmpd="sng" algn="ctr">
+        <a:solidFill>
+          <a:schemeClr val="tx1">
+            <a:lumMod val="35000"/>
+            <a:lumOff val="65000"/>
+          </a:schemeClr>
+        </a:solidFill>
+        <a:round/>
+      </a:ln>
+    </cs:spPr>
+  </cs:leaderLine>
+  <cs:legend>
+    <cs:lnRef idx="0"/>
+    <cs:fillRef idx="0"/>
+    <cs:effectRef idx="0"/>
+    <cs:fontRef idx="minor">
+      <a:schemeClr val="tx1">
+        <a:lumMod val="65000"/>
+        <a:lumOff val="35000"/>
+      </a:schemeClr>
+    </cs:fontRef>
+    <cs:defRPr sz="1197" kern="1200"/>
+  </cs:legend>
+  <cs:plotArea mods="allowNoFillOverride allowNoLineOverride">
+    <cs:lnRef idx="0"/>
+    <cs:fillRef idx="0"/>
+    <cs:effectRef idx="0"/>
+    <cs:fontRef idx="minor">
+      <a:schemeClr val="tx1"/>
+    </cs:fontRef>
+  </cs:plotArea>
+  <cs:plotArea3D mods="allowNoFillOverride allowNoLineOverride">
+    <cs:lnRef idx="0"/>
+    <cs:fillRef idx="0"/>
+    <cs:effectRef idx="0"/>
+    <cs:fontRef idx="minor">
+      <a:schemeClr val="tx1"/>
+    </cs:fontRef>
+  </cs:plotArea3D>
+  <cs:seriesAxis>
+    <cs:lnRef idx="0"/>
+    <cs:fillRef idx="0"/>
+    <cs:effectRef idx="0"/>
+    <cs:fontRef idx="minor">
+      <a:schemeClr val="tx1">
+        <a:lumMod val="65000"/>
+        <a:lumOff val="35000"/>
+      </a:schemeClr>
+    </cs:fontRef>
+    <cs:defRPr sz="1197" kern="1200"/>
+  </cs:seriesAxis>
+  <cs:seriesLine>
+    <cs:lnRef idx="0"/>
+    <cs:fillRef idx="0"/>
+    <cs:effectRef idx="0"/>
+    <cs:fontRef idx="minor">
+      <a:schemeClr val="tx1"/>
+    </cs:fontRef>
+    <cs:spPr>
+      <a:ln w="9525" cap="flat" cmpd="sng" algn="ctr">
+        <a:solidFill>
+          <a:schemeClr val="tx1">
+            <a:lumMod val="35000"/>
+            <a:lumOff val="65000"/>
+          </a:schemeClr>
+        </a:solidFill>
+        <a:round/>
+      </a:ln>
+    </cs:spPr>
+  </cs:seriesLine>
+  <cs:title>
+    <cs:lnRef idx="0"/>
+    <cs:fillRef idx="0"/>
+    <cs:effectRef idx="0"/>
+    <cs:fontRef idx="minor">
+      <a:schemeClr val="tx1">
+        <a:lumMod val="65000"/>
+        <a:lumOff val="35000"/>
+      </a:schemeClr>
+    </cs:fontRef>
+    <cs:defRPr sz="1862" b="0" kern="1200" spc="0" baseline="0"/>
+  </cs:title>
+  <cs:trendline>
+    <cs:lnRef idx="0">
+      <cs:styleClr val="auto"/>
+    </cs:lnRef>
+    <cs:fillRef idx="0"/>
+    <cs:effectRef idx="0"/>
+    <cs:fontRef idx="minor">
+      <a:schemeClr val="tx1"/>
+    </cs:fontRef>
+    <cs:spPr>
+      <a:ln w="19050" cap="rnd">
+        <a:solidFill>
+          <a:schemeClr val="phClr"/>
+        </a:solidFill>
+        <a:prstDash val="sysDot"/>
+      </a:ln>
+    </cs:spPr>
+  </cs:trendline>
+  <cs:trendlineLabel>
+    <cs:lnRef idx="0"/>
+    <cs:fillRef idx="0"/>
+    <cs:effectRef idx="0"/>
+    <cs:fontRef idx="minor">
+      <a:schemeClr val="tx1">
+        <a:lumMod val="65000"/>
+        <a:lumOff val="35000"/>
+      </a:schemeClr>
+    </cs:fontRef>
+    <cs:defRPr sz="1197" kern="1200"/>
+  </cs:trendlineLabel>
+  <cs:upBar>
+    <cs:lnRef idx="0"/>
+    <cs:fillRef idx="0"/>
+    <cs:effectRef idx="0"/>
+    <cs:fontRef idx="minor">
+      <a:schemeClr val="tx1"/>
+    </cs:fontRef>
+    <cs:spPr>
+      <a:solidFill>
+        <a:schemeClr val="lt1"/>
+      </a:solidFill>
+      <a:ln w="9525" cap="flat" cmpd="sng" algn="ctr">
+        <a:solidFill>
+          <a:schemeClr val="tx1">
+            <a:lumMod val="65000"/>
+            <a:lumOff val="35000"/>
+          </a:schemeClr>
+        </a:solidFill>
+        <a:round/>
+      </a:ln>
+    </cs:spPr>
+  </cs:upBar>
+  <cs:valueAxis>
+    <cs:lnRef idx="0"/>
+    <cs:fillRef idx="0"/>
+    <cs:effectRef idx="0"/>
+    <cs:fontRef idx="minor">
+      <a:schemeClr val="tx1">
+        <a:lumMod val="65000"/>
+        <a:lumOff val="35000"/>
+      </a:schemeClr>
+    </cs:fontRef>
+    <cs:defRPr sz="1197" kern="1200"/>
+  </cs:valueAxis>
+  <cs:wall>
+    <cs:lnRef idx="0"/>
+    <cs:fillRef idx="0"/>
+    <cs:effectRef idx="0"/>
+    <cs:fontRef idx="minor">
+      <a:schemeClr val="tx1"/>
+    </cs:fontRef>
+    <cs:spPr>
+      <a:noFill/>
+      <a:ln>
+        <a:noFill/>
+      </a:ln>
+    </cs:spPr>
+  </cs:wall>
+</cs:chartStyle>
+</file>
+
+<file path=ppt/charts/style6.xml><?xml version="1.0" encoding="utf-8"?>
 <cs:chartStyle xmlns:cs="http://schemas.microsoft.com/office/drawing/2012/chartStyle" xmlns:a="http://schemas.openxmlformats.org/drawingml/2006/main" id="297">
   <cs:axisTitle>
     <cs:lnRef idx="0"/>
@@ -3967,7 +4894,7 @@
           <a:p>
             <a:fld id="{BFAD3A34-8F14-4B69-8B11-A8D9DABF27D9}" type="datetimeFigureOut">
               <a:rPr kumimoji="1" lang="ja-JP" altLang="en-US" smtClean="0"/>
-              <a:t>2016/12/9</a:t>
+              <a:t>2016/12/12</a:t>
             </a:fld>
             <a:endParaRPr kumimoji="1" lang="ja-JP" altLang="en-US"/>
           </a:p>
@@ -4169,7 +5096,7 @@
           <a:p>
             <a:fld id="{BFAD3A34-8F14-4B69-8B11-A8D9DABF27D9}" type="datetimeFigureOut">
               <a:rPr kumimoji="1" lang="ja-JP" altLang="en-US" smtClean="0"/>
-              <a:t>2016/12/9</a:t>
+              <a:t>2016/12/12</a:t>
             </a:fld>
             <a:endParaRPr kumimoji="1" lang="ja-JP" altLang="en-US"/>
           </a:p>
@@ -4381,7 +5308,7 @@
           <a:p>
             <a:fld id="{BFAD3A34-8F14-4B69-8B11-A8D9DABF27D9}" type="datetimeFigureOut">
               <a:rPr kumimoji="1" lang="ja-JP" altLang="en-US" smtClean="0"/>
-              <a:t>2016/12/9</a:t>
+              <a:t>2016/12/12</a:t>
             </a:fld>
             <a:endParaRPr kumimoji="1" lang="ja-JP" altLang="en-US"/>
           </a:p>
@@ -4583,7 +5510,7 @@
           <a:p>
             <a:fld id="{BFAD3A34-8F14-4B69-8B11-A8D9DABF27D9}" type="datetimeFigureOut">
               <a:rPr kumimoji="1" lang="ja-JP" altLang="en-US" smtClean="0"/>
-              <a:t>2016/12/9</a:t>
+              <a:t>2016/12/12</a:t>
             </a:fld>
             <a:endParaRPr kumimoji="1" lang="ja-JP" altLang="en-US"/>
           </a:p>
@@ -4827,7 +5754,7 @@
           <a:p>
             <a:fld id="{BFAD3A34-8F14-4B69-8B11-A8D9DABF27D9}" type="datetimeFigureOut">
               <a:rPr kumimoji="1" lang="ja-JP" altLang="en-US" smtClean="0"/>
-              <a:t>2016/12/9</a:t>
+              <a:t>2016/12/12</a:t>
             </a:fld>
             <a:endParaRPr kumimoji="1" lang="ja-JP" altLang="en-US"/>
           </a:p>
@@ -5123,7 +6050,7 @@
           <a:p>
             <a:fld id="{BFAD3A34-8F14-4B69-8B11-A8D9DABF27D9}" type="datetimeFigureOut">
               <a:rPr kumimoji="1" lang="ja-JP" altLang="en-US" smtClean="0"/>
-              <a:t>2016/12/9</a:t>
+              <a:t>2016/12/12</a:t>
             </a:fld>
             <a:endParaRPr kumimoji="1" lang="ja-JP" altLang="en-US"/>
           </a:p>
@@ -5554,7 +6481,7 @@
           <a:p>
             <a:fld id="{BFAD3A34-8F14-4B69-8B11-A8D9DABF27D9}" type="datetimeFigureOut">
               <a:rPr kumimoji="1" lang="ja-JP" altLang="en-US" smtClean="0"/>
-              <a:t>2016/12/9</a:t>
+              <a:t>2016/12/12</a:t>
             </a:fld>
             <a:endParaRPr kumimoji="1" lang="ja-JP" altLang="en-US"/>
           </a:p>
@@ -5672,7 +6599,7 @@
           <a:p>
             <a:fld id="{BFAD3A34-8F14-4B69-8B11-A8D9DABF27D9}" type="datetimeFigureOut">
               <a:rPr kumimoji="1" lang="ja-JP" altLang="en-US" smtClean="0"/>
-              <a:t>2016/12/9</a:t>
+              <a:t>2016/12/12</a:t>
             </a:fld>
             <a:endParaRPr kumimoji="1" lang="ja-JP" altLang="en-US"/>
           </a:p>
@@ -5767,7 +6694,7 @@
           <a:p>
             <a:fld id="{BFAD3A34-8F14-4B69-8B11-A8D9DABF27D9}" type="datetimeFigureOut">
               <a:rPr kumimoji="1" lang="ja-JP" altLang="en-US" smtClean="0"/>
-              <a:t>2016/12/9</a:t>
+              <a:t>2016/12/12</a:t>
             </a:fld>
             <a:endParaRPr kumimoji="1" lang="ja-JP" altLang="en-US"/>
           </a:p>
@@ -6076,7 +7003,7 @@
           <a:p>
             <a:fld id="{BFAD3A34-8F14-4B69-8B11-A8D9DABF27D9}" type="datetimeFigureOut">
               <a:rPr kumimoji="1" lang="ja-JP" altLang="en-US" smtClean="0"/>
-              <a:t>2016/12/9</a:t>
+              <a:t>2016/12/12</a:t>
             </a:fld>
             <a:endParaRPr kumimoji="1" lang="ja-JP" altLang="en-US"/>
           </a:p>
@@ -6333,7 +7260,7 @@
           <a:p>
             <a:fld id="{BFAD3A34-8F14-4B69-8B11-A8D9DABF27D9}" type="datetimeFigureOut">
               <a:rPr kumimoji="1" lang="ja-JP" altLang="en-US" smtClean="0"/>
-              <a:t>2016/12/9</a:t>
+              <a:t>2016/12/12</a:t>
             </a:fld>
             <a:endParaRPr kumimoji="1" lang="ja-JP" altLang="en-US"/>
           </a:p>
@@ -6578,7 +7505,7 @@
           <a:p>
             <a:fld id="{BFAD3A34-8F14-4B69-8B11-A8D9DABF27D9}" type="datetimeFigureOut">
               <a:rPr kumimoji="1" lang="ja-JP" altLang="en-US" smtClean="0"/>
-              <a:t>2016/12/9</a:t>
+              <a:t>2016/12/12</a:t>
             </a:fld>
             <a:endParaRPr kumimoji="1" lang="ja-JP" altLang="en-US"/>
           </a:p>
@@ -7006,7 +7933,7 @@
           <a:lstStyle/>
           <a:p>
             <a:r>
-              <a:rPr lang="en-US" altLang="ja-JP" sz="5400" dirty="0" err="1">
+              <a:rPr lang="en-US" altLang="ja-JP" sz="5400" dirty="0">
                 <a:solidFill>
                   <a:srgbClr val="92D050"/>
                 </a:solidFill>
@@ -7455,13 +8382,8 @@
           </a:bodyPr>
           <a:lstStyle/>
           <a:p>
-            <a:pPr>
-              <a:lnSpc>
-                <a:spcPct val="100000"/>
-              </a:lnSpc>
-            </a:pPr>
-            <a:r>
-              <a:rPr lang="ja-JP" altLang="en-US" sz="3200" dirty="0">
+            <a:r>
+              <a:rPr lang="ja-JP" altLang="en-US" sz="3200" dirty="0" smtClean="0">
                 <a:solidFill>
                   <a:schemeClr val="tx1">
                     <a:lumMod val="75000"/>
@@ -7470,19 +8392,7 @@
                 </a:solidFill>
                 <a:latin typeface="+mj-ea"/>
               </a:rPr>
-              <a:t>拡張</a:t>
-            </a:r>
-            <a:r>
-              <a:rPr lang="ja-JP" altLang="en-US" sz="3200" dirty="0" smtClean="0">
-                <a:solidFill>
-                  <a:schemeClr val="tx1">
-                    <a:lumMod val="75000"/>
-                    <a:lumOff val="25000"/>
-                  </a:schemeClr>
-                </a:solidFill>
-                <a:latin typeface="+mj-ea"/>
-              </a:rPr>
-              <a:t>機能の優先順位</a:t>
+              <a:t>開発環境</a:t>
             </a:r>
             <a:endParaRPr kumimoji="1" lang="ja-JP" altLang="en-US" sz="3200" dirty="0">
               <a:solidFill>
@@ -7706,7 +8616,7 @@
         </p:nvSpPr>
         <p:spPr>
           <a:xfrm>
-            <a:off x="-5603" y="6432997"/>
+            <a:off x="2" y="6426558"/>
             <a:ext cx="9144000" cy="283336"/>
           </a:xfrm>
           <a:prstGeom prst="rect">
@@ -7751,14 +8661,14 @@
       </p:sp>
       <p:sp>
         <p:nvSpPr>
-          <p:cNvPr id="9" name="テキスト ボックス 8"/>
+          <p:cNvPr id="15" name="テキスト ボックス 14"/>
           <p:cNvSpPr txBox="1"/>
           <p:nvPr/>
         </p:nvSpPr>
         <p:spPr>
           <a:xfrm>
-            <a:off x="548189" y="1886313"/>
-            <a:ext cx="8347846" cy="3108543"/>
+            <a:off x="1408416" y="1386708"/>
+            <a:ext cx="2254618" cy="646331"/>
           </a:xfrm>
           <a:prstGeom prst="rect">
             <a:avLst/>
@@ -7771,187 +8681,252 @@
           </a:bodyPr>
           <a:lstStyle/>
           <a:p>
-            <a:pPr marL="514350" indent="-514350">
-              <a:buFont typeface="+mj-ea"/>
-              <a:buAutoNum type="circleNumDbPlain"/>
+            <a:r>
+              <a:rPr lang="ja-JP" altLang="en-US" sz="3600" b="1" dirty="0">
+                <a:solidFill>
+                  <a:srgbClr val="92D050"/>
+                </a:solidFill>
+                <a:latin typeface="+mj-ea"/>
+                <a:ea typeface="+mj-ea"/>
+              </a:rPr>
+              <a:t>動作環境</a:t>
+            </a:r>
+            <a:endParaRPr kumimoji="1" lang="ja-JP" altLang="en-US" sz="3600" b="1" dirty="0">
+              <a:solidFill>
+                <a:srgbClr val="92D050"/>
+              </a:solidFill>
+              <a:latin typeface="+mj-ea"/>
+              <a:ea typeface="+mj-ea"/>
+            </a:endParaRPr>
+          </a:p>
+        </p:txBody>
+      </p:sp>
+      <p:sp>
+        <p:nvSpPr>
+          <p:cNvPr id="16" name="テキスト ボックス 15"/>
+          <p:cNvSpPr txBox="1"/>
+          <p:nvPr/>
+        </p:nvSpPr>
+        <p:spPr>
+          <a:xfrm>
+            <a:off x="1867437" y="2033039"/>
+            <a:ext cx="5100034" cy="1354217"/>
+          </a:xfrm>
+          <a:prstGeom prst="rect">
+            <a:avLst/>
+          </a:prstGeom>
+          <a:noFill/>
+        </p:spPr>
+        <p:txBody>
+          <a:bodyPr wrap="square" rtlCol="0">
+            <a:spAutoFit/>
+          </a:bodyPr>
+          <a:lstStyle/>
+          <a:p>
+            <a:pPr marL="285750" indent="-285750">
+              <a:buFont typeface="Arial" panose="020B0604020202020204" pitchFamily="34" charset="0"/>
+              <a:buChar char="•"/>
             </a:pPr>
             <a:r>
-              <a:rPr lang="ja-JP" altLang="en-US" sz="2800" dirty="0" smtClean="0">
+              <a:rPr lang="en-US" altLang="ja-JP" sz="3200" dirty="0" smtClean="0">
                 <a:solidFill>
                   <a:schemeClr val="tx1">
-                    <a:lumMod val="65000"/>
-                    <a:lumOff val="35000"/>
-                  </a:schemeClr>
-                </a:solidFill>
-              </a:rPr>
-              <a:t>登録</a:t>
-            </a:r>
-            <a:r>
-              <a:rPr lang="ja-JP" altLang="en-US" sz="2800" dirty="0">
+                    <a:lumMod val="75000"/>
+                    <a:lumOff val="25000"/>
+                  </a:schemeClr>
+                </a:solidFill>
+              </a:rPr>
+              <a:t>Windows8</a:t>
+            </a:r>
+            <a:r>
+              <a:rPr lang="ja-JP" altLang="en-US" sz="3200" dirty="0" err="1" smtClean="0">
                 <a:solidFill>
                   <a:schemeClr val="tx1">
-                    <a:lumMod val="65000"/>
-                    <a:lumOff val="35000"/>
-                  </a:schemeClr>
-                </a:solidFill>
-              </a:rPr>
-              <a:t>された会員情報を変更、削除できる</a:t>
-            </a:r>
-            <a:r>
-              <a:rPr lang="ja-JP" altLang="en-US" sz="2800" dirty="0" smtClean="0">
+                    <a:lumMod val="75000"/>
+                    <a:lumOff val="25000"/>
+                  </a:schemeClr>
+                </a:solidFill>
+              </a:rPr>
+              <a:t>、</a:t>
+            </a:r>
+            <a:r>
+              <a:rPr lang="en-US" altLang="ja-JP" sz="3200" dirty="0" smtClean="0">
                 <a:solidFill>
                   <a:schemeClr val="tx1">
-                    <a:lumMod val="65000"/>
-                    <a:lumOff val="35000"/>
-                  </a:schemeClr>
-                </a:solidFill>
-              </a:rPr>
-              <a:t>機能</a:t>
-            </a:r>
-            <a:endParaRPr lang="en-US" altLang="ja-JP" sz="2800" dirty="0">
+                    <a:lumMod val="75000"/>
+                    <a:lumOff val="25000"/>
+                  </a:schemeClr>
+                </a:solidFill>
+              </a:rPr>
+              <a:t>10</a:t>
+            </a:r>
+            <a:endParaRPr kumimoji="1" lang="en-US" altLang="ja-JP" sz="3200" dirty="0" smtClean="0">
               <a:solidFill>
                 <a:schemeClr val="tx1">
-                  <a:lumMod val="65000"/>
-                  <a:lumOff val="35000"/>
+                  <a:lumMod val="75000"/>
+                  <a:lumOff val="25000"/>
                 </a:schemeClr>
               </a:solidFill>
             </a:endParaRPr>
           </a:p>
           <a:p>
-            <a:pPr marL="514350" indent="-514350">
-              <a:buFont typeface="+mj-ea"/>
-              <a:buAutoNum type="circleNumDbPlain"/>
+            <a:pPr marL="285750" indent="-285750">
+              <a:buFont typeface="Arial" panose="020B0604020202020204" pitchFamily="34" charset="0"/>
+              <a:buChar char="•"/>
             </a:pPr>
             <a:r>
-              <a:rPr lang="ja-JP" altLang="en-US" sz="2800" dirty="0" smtClean="0">
+              <a:rPr lang="ja-JP" altLang="en-US" sz="3200" dirty="0" smtClean="0">
                 <a:solidFill>
                   <a:schemeClr val="tx1">
-                    <a:lumMod val="65000"/>
-                    <a:lumOff val="35000"/>
-                  </a:schemeClr>
-                </a:solidFill>
-              </a:rPr>
-              <a:t>アップロード</a:t>
-            </a:r>
-            <a:r>
-              <a:rPr lang="ja-JP" altLang="en-US" sz="2800" dirty="0">
+                    <a:lumMod val="75000"/>
+                    <a:lumOff val="25000"/>
+                  </a:schemeClr>
+                </a:solidFill>
+              </a:rPr>
+              <a:t>インターネット</a:t>
+            </a:r>
+            <a:r>
+              <a:rPr lang="en-US" altLang="ja-JP" sz="3200" dirty="0" smtClean="0">
                 <a:solidFill>
                   <a:schemeClr val="tx1">
-                    <a:lumMod val="65000"/>
-                    <a:lumOff val="35000"/>
-                  </a:schemeClr>
-                </a:solidFill>
-              </a:rPr>
-              <a:t>時にアップロードファイルの拡張子と容量を規定にする。  </a:t>
-            </a:r>
-          </a:p>
-          <a:p>
-            <a:pPr marL="514350" indent="-514350">
-              <a:buFont typeface="+mj-ea"/>
-              <a:buAutoNum type="circleNumDbPlain"/>
+                    <a:lumMod val="75000"/>
+                    <a:lumOff val="25000"/>
+                  </a:schemeClr>
+                </a:solidFill>
+              </a:rPr>
+              <a:t>(</a:t>
+            </a:r>
+            <a:r>
+              <a:rPr lang="ja-JP" altLang="en-US" sz="3200" dirty="0" smtClean="0">
+                <a:solidFill>
+                  <a:schemeClr val="tx1">
+                    <a:lumMod val="75000"/>
+                    <a:lumOff val="25000"/>
+                  </a:schemeClr>
+                </a:solidFill>
+              </a:rPr>
+              <a:t>ネット環境</a:t>
+            </a:r>
+            <a:r>
+              <a:rPr lang="en-US" altLang="ja-JP" sz="3200" dirty="0" smtClean="0">
+                <a:solidFill>
+                  <a:schemeClr val="tx1">
+                    <a:lumMod val="75000"/>
+                    <a:lumOff val="25000"/>
+                  </a:schemeClr>
+                </a:solidFill>
+              </a:rPr>
+              <a:t>)</a:t>
+            </a:r>
+            <a:endParaRPr kumimoji="1" lang="en-US" altLang="ja-JP" dirty="0" smtClean="0"/>
+          </a:p>
+          <a:p>
+            <a:pPr marL="285750" indent="-285750">
+              <a:buFont typeface="Arial" panose="020B0604020202020204" pitchFamily="34" charset="0"/>
+              <a:buChar char="•"/>
             </a:pPr>
-            <a:r>
-              <a:rPr lang="ja-JP" altLang="en-US" sz="2800" dirty="0" smtClean="0">
+            <a:endParaRPr kumimoji="1" lang="ja-JP" altLang="en-US" dirty="0"/>
+          </a:p>
+        </p:txBody>
+      </p:sp>
+      <p:sp>
+        <p:nvSpPr>
+          <p:cNvPr id="17" name="テキスト ボックス 16"/>
+          <p:cNvSpPr txBox="1"/>
+          <p:nvPr/>
+        </p:nvSpPr>
+        <p:spPr>
+          <a:xfrm>
+            <a:off x="1408416" y="3717583"/>
+            <a:ext cx="2558277" cy="584775"/>
+          </a:xfrm>
+          <a:prstGeom prst="rect">
+            <a:avLst/>
+          </a:prstGeom>
+          <a:noFill/>
+        </p:spPr>
+        <p:txBody>
+          <a:bodyPr wrap="square" rtlCol="0">
+            <a:spAutoFit/>
+          </a:bodyPr>
+          <a:lstStyle/>
+          <a:p>
+            <a:r>
+              <a:rPr lang="ja-JP" altLang="en-US" sz="3200" b="1" dirty="0" smtClean="0">
+                <a:solidFill>
+                  <a:srgbClr val="92D050"/>
+                </a:solidFill>
+                <a:latin typeface="+mj-ea"/>
+                <a:ea typeface="+mj-ea"/>
+              </a:rPr>
+              <a:t>開発ツール</a:t>
+            </a:r>
+            <a:endParaRPr kumimoji="1" lang="ja-JP" altLang="en-US" sz="3200" b="1" dirty="0">
+              <a:solidFill>
+                <a:srgbClr val="92D050"/>
+              </a:solidFill>
+              <a:latin typeface="+mj-ea"/>
+              <a:ea typeface="+mj-ea"/>
+            </a:endParaRPr>
+          </a:p>
+        </p:txBody>
+      </p:sp>
+      <p:sp>
+        <p:nvSpPr>
+          <p:cNvPr id="18" name="テキスト ボックス 17"/>
+          <p:cNvSpPr txBox="1"/>
+          <p:nvPr/>
+        </p:nvSpPr>
+        <p:spPr>
+          <a:xfrm>
+            <a:off x="1867437" y="4352067"/>
+            <a:ext cx="5100034" cy="1077218"/>
+          </a:xfrm>
+          <a:prstGeom prst="rect">
+            <a:avLst/>
+          </a:prstGeom>
+          <a:noFill/>
+        </p:spPr>
+        <p:txBody>
+          <a:bodyPr wrap="square" rtlCol="0">
+            <a:spAutoFit/>
+          </a:bodyPr>
+          <a:lstStyle/>
+          <a:p>
+            <a:pPr marL="285750" indent="-285750">
+              <a:buFont typeface="Arial" panose="020B0604020202020204" pitchFamily="34" charset="0"/>
+              <a:buChar char="•"/>
+            </a:pPr>
+            <a:r>
+              <a:rPr lang="en-US" altLang="ja-JP" sz="3200" dirty="0" err="1" smtClean="0">
                 <a:solidFill>
                   <a:schemeClr val="tx1">
-                    <a:lumMod val="65000"/>
-                    <a:lumOff val="35000"/>
-                  </a:schemeClr>
-                </a:solidFill>
-              </a:rPr>
-              <a:t>プロフィール</a:t>
-            </a:r>
-            <a:r>
-              <a:rPr lang="ja-JP" altLang="en-US" sz="2800" dirty="0">
-                <a:solidFill>
-                  <a:schemeClr val="tx1">
-                    <a:lumMod val="65000"/>
-                    <a:lumOff val="35000"/>
-                  </a:schemeClr>
-                </a:solidFill>
-              </a:rPr>
-              <a:t>編集ページで編集できる項目を</a:t>
-            </a:r>
-            <a:r>
-              <a:rPr lang="ja-JP" altLang="en-US" sz="2800" dirty="0" smtClean="0">
-                <a:solidFill>
-                  <a:schemeClr val="tx1">
-                    <a:lumMod val="65000"/>
-                    <a:lumOff val="35000"/>
-                  </a:schemeClr>
-                </a:solidFill>
-              </a:rPr>
-              <a:t>増やす</a:t>
-            </a:r>
-            <a:endParaRPr lang="en-US" altLang="ja-JP" sz="2800" dirty="0" smtClean="0">
+                    <a:lumMod val="75000"/>
+                    <a:lumOff val="25000"/>
+                  </a:schemeClr>
+                </a:solidFill>
+              </a:rPr>
+              <a:t>Git</a:t>
+            </a:r>
+            <a:endParaRPr lang="en-US" altLang="ja-JP" sz="3200" dirty="0" smtClean="0">
               <a:solidFill>
                 <a:schemeClr val="tx1">
-                  <a:lumMod val="65000"/>
-                  <a:lumOff val="35000"/>
+                  <a:lumMod val="75000"/>
+                  <a:lumOff val="25000"/>
                 </a:schemeClr>
               </a:solidFill>
             </a:endParaRPr>
           </a:p>
           <a:p>
-            <a:pPr marL="514350" indent="-514350">
-              <a:buFont typeface="+mj-ea"/>
-              <a:buAutoNum type="circleNumDbPlain"/>
+            <a:pPr marL="285750" indent="-285750">
+              <a:buFont typeface="Arial" panose="020B0604020202020204" pitchFamily="34" charset="0"/>
+              <a:buChar char="•"/>
             </a:pPr>
-            <a:r>
-              <a:rPr lang="ja-JP" altLang="en-US" sz="2800" dirty="0" smtClean="0">
-                <a:solidFill>
-                  <a:schemeClr val="tx1">
-                    <a:lumMod val="65000"/>
-                    <a:lumOff val="35000"/>
-                  </a:schemeClr>
-                </a:solidFill>
-              </a:rPr>
-              <a:t>セッション</a:t>
-            </a:r>
-            <a:r>
-              <a:rPr lang="ja-JP" altLang="en-US" sz="2800" dirty="0">
-                <a:solidFill>
-                  <a:schemeClr val="tx1">
-                    <a:lumMod val="65000"/>
-                    <a:lumOff val="35000"/>
-                  </a:schemeClr>
-                </a:solidFill>
-              </a:rPr>
-              <a:t>管理を行う。複数人がアクセス可能にする。  </a:t>
-            </a:r>
-          </a:p>
-          <a:p>
-            <a:pPr marL="514350" indent="-514350">
-              <a:buFont typeface="+mj-ea"/>
-              <a:buAutoNum type="circleNumDbPlain"/>
-            </a:pPr>
-            <a:r>
-              <a:rPr lang="en-US" altLang="ja-JP" sz="2800" dirty="0" smtClean="0">
-                <a:solidFill>
-                  <a:schemeClr val="tx1">
-                    <a:lumMod val="65000"/>
-                    <a:lumOff val="35000"/>
-                  </a:schemeClr>
-                </a:solidFill>
-              </a:rPr>
-              <a:t>Web</a:t>
-            </a:r>
-            <a:r>
-              <a:rPr lang="ja-JP" altLang="en-US" sz="2800" dirty="0">
-                <a:solidFill>
-                  <a:schemeClr val="tx1">
-                    <a:lumMod val="65000"/>
-                    <a:lumOff val="35000"/>
-                  </a:schemeClr>
-                </a:solidFill>
-              </a:rPr>
-              <a:t>上に公開できるようにする。 </a:t>
-            </a:r>
-            <a:endParaRPr kumimoji="1" lang="ja-JP" altLang="en-US" sz="2800" dirty="0">
+            <a:endParaRPr kumimoji="1" lang="en-US" altLang="ja-JP" sz="3200" dirty="0" smtClean="0">
               <a:solidFill>
                 <a:schemeClr val="tx1">
-                  <a:lumMod val="65000"/>
-                  <a:lumOff val="35000"/>
+                  <a:lumMod val="75000"/>
+                  <a:lumOff val="25000"/>
                 </a:schemeClr>
               </a:solidFill>
             </a:endParaRPr>
@@ -7961,7 +8936,7 @@
     </p:spTree>
     <p:extLst>
       <p:ext uri="{BB962C8B-B14F-4D97-AF65-F5344CB8AC3E}">
-        <p14:creationId xmlns:p14="http://schemas.microsoft.com/office/powerpoint/2010/main" val="3151888551"/>
+        <p14:creationId xmlns:p14="http://schemas.microsoft.com/office/powerpoint/2010/main" val="1791376420"/>
       </p:ext>
     </p:extLst>
   </p:cSld>
@@ -7997,6 +8972,437 @@
       </p:grpSpPr>
       <p:sp>
         <p:nvSpPr>
+          <p:cNvPr id="11" name="テキスト ボックス 10"/>
+          <p:cNvSpPr txBox="1"/>
+          <p:nvPr/>
+        </p:nvSpPr>
+        <p:spPr>
+          <a:xfrm>
+            <a:off x="0" y="1209153"/>
+            <a:ext cx="9144000" cy="923330"/>
+          </a:xfrm>
+          <a:prstGeom prst="rect">
+            <a:avLst/>
+          </a:prstGeom>
+          <a:noFill/>
+        </p:spPr>
+        <p:txBody>
+          <a:bodyPr wrap="square" rtlCol="0">
+            <a:spAutoFit/>
+          </a:bodyPr>
+          <a:lstStyle/>
+          <a:p>
+            <a:r>
+              <a:rPr lang="ja-JP" altLang="en-US" sz="5400" dirty="0" smtClean="0">
+                <a:solidFill>
+                  <a:schemeClr val="bg1">
+                    <a:lumMod val="50000"/>
+                  </a:schemeClr>
+                </a:solidFill>
+                <a:latin typeface="HGP明朝B" panose="02020800000000000000" pitchFamily="18" charset="-128"/>
+                <a:ea typeface="HGP明朝B" panose="02020800000000000000" pitchFamily="18" charset="-128"/>
+              </a:rPr>
+              <a:t>　　　　 </a:t>
+            </a:r>
+            <a:r>
+              <a:rPr lang="en-US" altLang="ja-JP" sz="5400" dirty="0" smtClean="0">
+                <a:solidFill>
+                  <a:schemeClr val="tx1">
+                    <a:lumMod val="50000"/>
+                    <a:lumOff val="50000"/>
+                  </a:schemeClr>
+                </a:solidFill>
+                <a:ea typeface="HGP明朝B" panose="02020800000000000000" pitchFamily="18" charset="-128"/>
+              </a:rPr>
+              <a:t>1</a:t>
+            </a:r>
+            <a:r>
+              <a:rPr lang="en-US" altLang="ja-JP" sz="5400" dirty="0" smtClean="0">
+                <a:solidFill>
+                  <a:schemeClr val="bg1">
+                    <a:lumMod val="50000"/>
+                  </a:schemeClr>
+                </a:solidFill>
+                <a:latin typeface="+mj-ea"/>
+                <a:ea typeface="+mj-ea"/>
+              </a:rPr>
+              <a:t>  </a:t>
+            </a:r>
+            <a:r>
+              <a:rPr lang="ja-JP" altLang="en-US" sz="3200" dirty="0" smtClean="0">
+                <a:solidFill>
+                  <a:schemeClr val="tx1">
+                    <a:lumMod val="65000"/>
+                    <a:lumOff val="35000"/>
+                  </a:schemeClr>
+                </a:solidFill>
+                <a:latin typeface="+mj-ea"/>
+                <a:ea typeface="+mj-ea"/>
+              </a:rPr>
+              <a:t>開発コンセプト</a:t>
+            </a:r>
+            <a:r>
+              <a:rPr kumimoji="1" lang="en-US" altLang="ja-JP" sz="3200" dirty="0" smtClean="0">
+                <a:solidFill>
+                  <a:schemeClr val="tx1">
+                    <a:lumMod val="65000"/>
+                    <a:lumOff val="35000"/>
+                  </a:schemeClr>
+                </a:solidFill>
+                <a:latin typeface="+mj-ea"/>
+                <a:ea typeface="+mj-ea"/>
+              </a:rPr>
+              <a:t>  </a:t>
+            </a:r>
+            <a:endParaRPr kumimoji="1" lang="ja-JP" altLang="en-US" sz="3200" dirty="0">
+              <a:solidFill>
+                <a:schemeClr val="tx1">
+                  <a:lumMod val="65000"/>
+                  <a:lumOff val="35000"/>
+                </a:schemeClr>
+              </a:solidFill>
+              <a:latin typeface="+mj-ea"/>
+              <a:ea typeface="+mj-ea"/>
+            </a:endParaRPr>
+          </a:p>
+        </p:txBody>
+      </p:sp>
+      <p:sp>
+        <p:nvSpPr>
+          <p:cNvPr id="12" name="テキスト ボックス 11"/>
+          <p:cNvSpPr txBox="1"/>
+          <p:nvPr/>
+        </p:nvSpPr>
+        <p:spPr>
+          <a:xfrm>
+            <a:off x="0" y="2132483"/>
+            <a:ext cx="9144000" cy="923330"/>
+          </a:xfrm>
+          <a:prstGeom prst="rect">
+            <a:avLst/>
+          </a:prstGeom>
+          <a:noFill/>
+        </p:spPr>
+        <p:txBody>
+          <a:bodyPr wrap="square" rtlCol="0">
+            <a:spAutoFit/>
+          </a:bodyPr>
+          <a:lstStyle/>
+          <a:p>
+            <a:r>
+              <a:rPr lang="ja-JP" altLang="en-US" sz="5400" dirty="0" smtClean="0">
+                <a:solidFill>
+                  <a:schemeClr val="bg1">
+                    <a:lumMod val="50000"/>
+                  </a:schemeClr>
+                </a:solidFill>
+                <a:latin typeface="HGP明朝B" panose="02020800000000000000" pitchFamily="18" charset="-128"/>
+                <a:ea typeface="HGP明朝B" panose="02020800000000000000" pitchFamily="18" charset="-128"/>
+              </a:rPr>
+              <a:t>　　　</a:t>
+            </a:r>
+            <a:r>
+              <a:rPr lang="ja-JP" altLang="en-US" sz="5400" dirty="0" smtClean="0">
+                <a:solidFill>
+                  <a:schemeClr val="bg1"/>
+                </a:solidFill>
+                <a:latin typeface="HGP明朝B" panose="02020800000000000000" pitchFamily="18" charset="-128"/>
+                <a:ea typeface="HGP明朝B" panose="02020800000000000000" pitchFamily="18" charset="-128"/>
+              </a:rPr>
+              <a:t>　 </a:t>
+            </a:r>
+            <a:r>
+              <a:rPr lang="en-US" altLang="ja-JP" sz="5400" dirty="0" smtClean="0">
+                <a:solidFill>
+                  <a:schemeClr val="tx1">
+                    <a:lumMod val="65000"/>
+                    <a:lumOff val="35000"/>
+                  </a:schemeClr>
+                </a:solidFill>
+                <a:latin typeface="HGP明朝B" panose="02020800000000000000" pitchFamily="18" charset="-128"/>
+                <a:ea typeface="HGP明朝B" panose="02020800000000000000" pitchFamily="18" charset="-128"/>
+              </a:rPr>
+              <a:t>2</a:t>
+            </a:r>
+            <a:r>
+              <a:rPr lang="en-US" altLang="ja-JP" sz="5400" dirty="0" smtClean="0">
+                <a:solidFill>
+                  <a:schemeClr val="tx1">
+                    <a:lumMod val="65000"/>
+                    <a:lumOff val="35000"/>
+                  </a:schemeClr>
+                </a:solidFill>
+                <a:latin typeface="+mj-ea"/>
+                <a:ea typeface="+mj-ea"/>
+              </a:rPr>
+              <a:t>  </a:t>
+            </a:r>
+            <a:r>
+              <a:rPr lang="ja-JP" altLang="en-US" sz="3200" dirty="0" smtClean="0">
+                <a:solidFill>
+                  <a:schemeClr val="tx1">
+                    <a:lumMod val="65000"/>
+                    <a:lumOff val="35000"/>
+                  </a:schemeClr>
+                </a:solidFill>
+                <a:latin typeface="+mj-ea"/>
+                <a:ea typeface="+mj-ea"/>
+              </a:rPr>
+              <a:t>開発環境、動作環境</a:t>
+            </a:r>
+            <a:r>
+              <a:rPr kumimoji="1" lang="en-US" altLang="ja-JP" sz="3200" dirty="0" smtClean="0">
+                <a:solidFill>
+                  <a:schemeClr val="tx1">
+                    <a:lumMod val="65000"/>
+                    <a:lumOff val="35000"/>
+                  </a:schemeClr>
+                </a:solidFill>
+                <a:latin typeface="+mj-ea"/>
+                <a:ea typeface="+mj-ea"/>
+              </a:rPr>
+              <a:t>  </a:t>
+            </a:r>
+            <a:endParaRPr kumimoji="1" lang="ja-JP" altLang="en-US" sz="3200" dirty="0">
+              <a:solidFill>
+                <a:schemeClr val="tx1">
+                  <a:lumMod val="65000"/>
+                  <a:lumOff val="35000"/>
+                </a:schemeClr>
+              </a:solidFill>
+              <a:latin typeface="+mj-ea"/>
+              <a:ea typeface="+mj-ea"/>
+            </a:endParaRPr>
+          </a:p>
+        </p:txBody>
+      </p:sp>
+      <p:sp>
+        <p:nvSpPr>
+          <p:cNvPr id="13" name="テキスト ボックス 12"/>
+          <p:cNvSpPr txBox="1"/>
+          <p:nvPr/>
+        </p:nvSpPr>
+        <p:spPr>
+          <a:xfrm>
+            <a:off x="0" y="3055813"/>
+            <a:ext cx="9144000" cy="1015663"/>
+          </a:xfrm>
+          <a:prstGeom prst="rect">
+            <a:avLst/>
+          </a:prstGeom>
+          <a:solidFill>
+            <a:srgbClr val="92D050"/>
+          </a:solidFill>
+        </p:spPr>
+        <p:txBody>
+          <a:bodyPr wrap="square" rtlCol="0">
+            <a:spAutoFit/>
+          </a:bodyPr>
+          <a:lstStyle/>
+          <a:p>
+            <a:r>
+              <a:rPr lang="ja-JP" altLang="en-US" sz="5400" dirty="0" smtClean="0">
+                <a:solidFill>
+                  <a:schemeClr val="bg1">
+                    <a:lumMod val="50000"/>
+                  </a:schemeClr>
+                </a:solidFill>
+                <a:latin typeface="HGP明朝B" panose="02020800000000000000" pitchFamily="18" charset="-128"/>
+                <a:ea typeface="HGP明朝B" panose="02020800000000000000" pitchFamily="18" charset="-128"/>
+              </a:rPr>
+              <a:t>　　　</a:t>
+            </a:r>
+            <a:r>
+              <a:rPr lang="ja-JP" altLang="en-US" sz="5400" dirty="0" smtClean="0">
+                <a:solidFill>
+                  <a:schemeClr val="bg1"/>
+                </a:solidFill>
+                <a:latin typeface="HGP明朝B" panose="02020800000000000000" pitchFamily="18" charset="-128"/>
+                <a:ea typeface="HGP明朝B" panose="02020800000000000000" pitchFamily="18" charset="-128"/>
+              </a:rPr>
+              <a:t>　 </a:t>
+            </a:r>
+            <a:r>
+              <a:rPr lang="en-US" altLang="ja-JP" sz="6000" dirty="0" smtClean="0">
+                <a:solidFill>
+                  <a:schemeClr val="bg1"/>
+                </a:solidFill>
+                <a:latin typeface="+mj-lt"/>
+              </a:rPr>
+              <a:t>3</a:t>
+            </a:r>
+            <a:r>
+              <a:rPr lang="en-US" altLang="ja-JP" sz="5400" dirty="0" smtClean="0">
+                <a:solidFill>
+                  <a:schemeClr val="bg1"/>
+                </a:solidFill>
+                <a:latin typeface="+mn-ea"/>
+              </a:rPr>
+              <a:t>  </a:t>
+            </a:r>
+            <a:r>
+              <a:rPr lang="ja-JP" altLang="en-US" sz="3200" dirty="0" smtClean="0">
+                <a:solidFill>
+                  <a:schemeClr val="bg1"/>
+                </a:solidFill>
+                <a:latin typeface="+mn-ea"/>
+              </a:rPr>
+              <a:t>進捗状況</a:t>
+            </a:r>
+            <a:r>
+              <a:rPr kumimoji="1" lang="en-US" altLang="ja-JP" sz="3200" dirty="0" smtClean="0">
+                <a:solidFill>
+                  <a:schemeClr val="bg1"/>
+                </a:solidFill>
+                <a:latin typeface="+mn-ea"/>
+              </a:rPr>
+              <a:t>  </a:t>
+            </a:r>
+            <a:endParaRPr kumimoji="1" lang="ja-JP" altLang="en-US" sz="3200" dirty="0">
+              <a:solidFill>
+                <a:schemeClr val="bg1"/>
+              </a:solidFill>
+              <a:latin typeface="+mn-ea"/>
+            </a:endParaRPr>
+          </a:p>
+        </p:txBody>
+      </p:sp>
+      <p:sp>
+        <p:nvSpPr>
+          <p:cNvPr id="15" name="テキスト ボックス 14"/>
+          <p:cNvSpPr txBox="1"/>
+          <p:nvPr/>
+        </p:nvSpPr>
+        <p:spPr>
+          <a:xfrm>
+            <a:off x="0" y="4071476"/>
+            <a:ext cx="9144000" cy="923330"/>
+          </a:xfrm>
+          <a:prstGeom prst="rect">
+            <a:avLst/>
+          </a:prstGeom>
+          <a:noFill/>
+        </p:spPr>
+        <p:txBody>
+          <a:bodyPr wrap="square" rtlCol="0">
+            <a:spAutoFit/>
+          </a:bodyPr>
+          <a:lstStyle/>
+          <a:p>
+            <a:r>
+              <a:rPr lang="ja-JP" altLang="en-US" sz="5400" dirty="0" smtClean="0">
+                <a:solidFill>
+                  <a:schemeClr val="bg1">
+                    <a:lumMod val="50000"/>
+                  </a:schemeClr>
+                </a:solidFill>
+                <a:latin typeface="HGP明朝B" panose="02020800000000000000" pitchFamily="18" charset="-128"/>
+                <a:ea typeface="HGP明朝B" panose="02020800000000000000" pitchFamily="18" charset="-128"/>
+              </a:rPr>
+              <a:t>　　　　 </a:t>
+            </a:r>
+            <a:r>
+              <a:rPr lang="en-US" altLang="ja-JP" sz="5400" dirty="0">
+                <a:solidFill>
+                  <a:schemeClr val="bg1">
+                    <a:lumMod val="50000"/>
+                  </a:schemeClr>
+                </a:solidFill>
+                <a:latin typeface="HGP明朝B" panose="02020800000000000000" pitchFamily="18" charset="-128"/>
+                <a:ea typeface="HGP明朝B" panose="02020800000000000000" pitchFamily="18" charset="-128"/>
+              </a:rPr>
+              <a:t>4</a:t>
+            </a:r>
+            <a:r>
+              <a:rPr lang="en-US" altLang="ja-JP" sz="5400" dirty="0" smtClean="0">
+                <a:solidFill>
+                  <a:schemeClr val="bg1">
+                    <a:lumMod val="50000"/>
+                  </a:schemeClr>
+                </a:solidFill>
+                <a:latin typeface="+mj-ea"/>
+                <a:ea typeface="+mj-ea"/>
+              </a:rPr>
+              <a:t>  </a:t>
+            </a:r>
+            <a:r>
+              <a:rPr lang="ja-JP" altLang="en-US" sz="3200" dirty="0" smtClean="0">
+                <a:solidFill>
+                  <a:schemeClr val="tx1">
+                    <a:lumMod val="75000"/>
+                    <a:lumOff val="25000"/>
+                  </a:schemeClr>
+                </a:solidFill>
+                <a:latin typeface="+mj-ea"/>
+                <a:ea typeface="+mj-ea"/>
+              </a:rPr>
+              <a:t>問題点と改善点</a:t>
+            </a:r>
+            <a:r>
+              <a:rPr kumimoji="1" lang="en-US" altLang="ja-JP" sz="3200" dirty="0" smtClean="0">
+                <a:solidFill>
+                  <a:schemeClr val="tx1">
+                    <a:lumMod val="75000"/>
+                    <a:lumOff val="25000"/>
+                  </a:schemeClr>
+                </a:solidFill>
+                <a:latin typeface="+mj-ea"/>
+                <a:ea typeface="+mj-ea"/>
+              </a:rPr>
+              <a:t>  </a:t>
+            </a:r>
+            <a:endParaRPr kumimoji="1" lang="ja-JP" altLang="en-US" sz="3200" dirty="0">
+              <a:solidFill>
+                <a:schemeClr val="tx1">
+                  <a:lumMod val="75000"/>
+                  <a:lumOff val="25000"/>
+                </a:schemeClr>
+              </a:solidFill>
+              <a:latin typeface="+mj-ea"/>
+              <a:ea typeface="+mj-ea"/>
+            </a:endParaRPr>
+          </a:p>
+        </p:txBody>
+      </p:sp>
+    </p:spTree>
+    <p:extLst>
+      <p:ext uri="{BB962C8B-B14F-4D97-AF65-F5344CB8AC3E}">
+        <p14:creationId xmlns:p14="http://schemas.microsoft.com/office/powerpoint/2010/main" val="3260178106"/>
+      </p:ext>
+    </p:extLst>
+  </p:cSld>
+  <p:clrMapOvr>
+    <a:masterClrMapping/>
+  </p:clrMapOvr>
+  <p:timing>
+    <p:tnLst>
+      <p:par>
+        <p:cTn id="1" dur="indefinite" restart="never" nodeType="tmRoot"/>
+      </p:par>
+    </p:tnLst>
+  </p:timing>
+</p:sld>
+</file>
+
+<file path=ppt/slides/slide12.xml><?xml version="1.0" encoding="utf-8"?>
+<p:sld xmlns:a="http://schemas.openxmlformats.org/drawingml/2006/main" xmlns:r="http://schemas.openxmlformats.org/officeDocument/2006/relationships" xmlns:p="http://schemas.openxmlformats.org/presentationml/2006/main">
+  <p:cSld>
+    <p:spTree>
+      <p:nvGrpSpPr>
+        <p:cNvPr id="1" name=""/>
+        <p:cNvGrpSpPr/>
+        <p:nvPr/>
+      </p:nvGrpSpPr>
+      <p:grpSpPr>
+        <a:xfrm>
+          <a:off x="0" y="0"/>
+          <a:ext cx="0" cy="0"/>
+          <a:chOff x="0" y="0"/>
+          <a:chExt cx="0" cy="0"/>
+        </a:xfrm>
+      </p:grpSpPr>
+      <p:sp>
+        <p:nvSpPr>
           <p:cNvPr id="2" name="タイトル 1"/>
           <p:cNvSpPr>
             <a:spLocks noGrp="1"/>
@@ -8250,13 +9656,13 @@
           <p:nvPr>
             <p:extLst>
               <p:ext uri="{D42A27DB-BD31-4B8C-83A1-F6EECF244321}">
-                <p14:modId xmlns:p14="http://schemas.microsoft.com/office/powerpoint/2010/main" val="3028457296"/>
+                <p14:modId xmlns:p14="http://schemas.microsoft.com/office/powerpoint/2010/main" val="89047245"/>
               </p:ext>
             </p:extLst>
           </p:nvPr>
         </p:nvGraphicFramePr>
         <p:xfrm>
-          <a:off x="1" y="1916030"/>
+          <a:off x="1" y="1999025"/>
           <a:ext cx="6096000" cy="4064000"/>
         </p:xfrm>
         <a:graphic>
@@ -8329,8 +9735,8 @@
         </p:nvSpPr>
         <p:spPr>
           <a:xfrm>
-            <a:off x="4374524" y="2657531"/>
-            <a:ext cx="4571999" cy="2437590"/>
+            <a:off x="4374524" y="2147536"/>
+            <a:ext cx="4571999" cy="2954655"/>
           </a:xfrm>
           <a:prstGeom prst="rect">
             <a:avLst/>
@@ -8457,7 +9863,42 @@
                 <a:latin typeface="+mj-ea"/>
                 <a:ea typeface="+mj-ea"/>
               </a:rPr>
-              <a:t>プロフィール表示ページ</a:t>
+              <a:t>プロフィール表示</a:t>
+            </a:r>
+            <a:r>
+              <a:rPr lang="ja-JP" altLang="en-US" sz="2800" dirty="0" smtClean="0">
+                <a:solidFill>
+                  <a:schemeClr val="tx1">
+                    <a:lumMod val="75000"/>
+                    <a:lumOff val="25000"/>
+                  </a:schemeClr>
+                </a:solidFill>
+                <a:latin typeface="+mj-ea"/>
+                <a:ea typeface="+mj-ea"/>
+              </a:rPr>
+              <a:t>ページ</a:t>
+            </a:r>
+          </a:p>
+          <a:p>
+            <a:pPr marL="457200" indent="-457200">
+              <a:lnSpc>
+                <a:spcPct val="120000"/>
+              </a:lnSpc>
+              <a:buFont typeface="Arial" panose="020B0604020202020204" pitchFamily="34" charset="0"/>
+              <a:buChar char="•"/>
+            </a:pPr>
+            <a:r>
+              <a:rPr lang="ja-JP" altLang="en-US" sz="2800" dirty="0" smtClean="0">
+                <a:solidFill>
+                  <a:schemeClr val="tx1">
+                    <a:lumMod val="75000"/>
+                    <a:lumOff val="25000"/>
+                  </a:schemeClr>
+                </a:solidFill>
+                <a:latin typeface="+mj-ea"/>
+                <a:ea typeface="+mj-ea"/>
+              </a:rPr>
+              <a:t>会員情報の削除変更</a:t>
             </a:r>
             <a:endParaRPr lang="en-US" altLang="ja-JP" sz="2800" dirty="0" smtClean="0">
               <a:solidFill>
@@ -8588,7 +10029,569 @@
 </p:sld>
 </file>
 
-<file path=ppt/slides/slide12.xml><?xml version="1.0" encoding="utf-8"?>
+<file path=ppt/slides/slide13.xml><?xml version="1.0" encoding="utf-8"?>
+<p:sld xmlns:a="http://schemas.openxmlformats.org/drawingml/2006/main" xmlns:r="http://schemas.openxmlformats.org/officeDocument/2006/relationships" xmlns:p="http://schemas.openxmlformats.org/presentationml/2006/main">
+  <p:cSld>
+    <p:spTree>
+      <p:nvGrpSpPr>
+        <p:cNvPr id="1" name=""/>
+        <p:cNvGrpSpPr/>
+        <p:nvPr/>
+      </p:nvGrpSpPr>
+      <p:grpSpPr>
+        <a:xfrm>
+          <a:off x="0" y="0"/>
+          <a:ext cx="0" cy="0"/>
+          <a:chOff x="0" y="0"/>
+          <a:chExt cx="0" cy="0"/>
+        </a:xfrm>
+      </p:grpSpPr>
+      <p:sp>
+        <p:nvSpPr>
+          <p:cNvPr id="2" name="タイトル 1"/>
+          <p:cNvSpPr>
+            <a:spLocks noGrp="1"/>
+          </p:cNvSpPr>
+          <p:nvPr>
+            <p:ph type="title"/>
+          </p:nvPr>
+        </p:nvSpPr>
+        <p:spPr>
+          <a:xfrm>
+            <a:off x="969890" y="1"/>
+            <a:ext cx="7718937" cy="725068"/>
+          </a:xfrm>
+        </p:spPr>
+        <p:txBody>
+          <a:bodyPr>
+            <a:normAutofit/>
+          </a:bodyPr>
+          <a:lstStyle/>
+          <a:p>
+            <a:pPr>
+              <a:lnSpc>
+                <a:spcPct val="100000"/>
+              </a:lnSpc>
+            </a:pPr>
+            <a:r>
+              <a:rPr lang="ja-JP" altLang="en-US" sz="3200" dirty="0">
+                <a:solidFill>
+                  <a:schemeClr val="tx1">
+                    <a:lumMod val="75000"/>
+                    <a:lumOff val="25000"/>
+                  </a:schemeClr>
+                </a:solidFill>
+                <a:latin typeface="+mj-ea"/>
+              </a:rPr>
+              <a:t>拡張</a:t>
+            </a:r>
+            <a:r>
+              <a:rPr lang="ja-JP" altLang="en-US" sz="3200" dirty="0" smtClean="0">
+                <a:solidFill>
+                  <a:schemeClr val="tx1">
+                    <a:lumMod val="75000"/>
+                    <a:lumOff val="25000"/>
+                  </a:schemeClr>
+                </a:solidFill>
+                <a:latin typeface="+mj-ea"/>
+              </a:rPr>
+              <a:t>機能の優先順位</a:t>
+            </a:r>
+            <a:endParaRPr kumimoji="1" lang="ja-JP" altLang="en-US" sz="3200" dirty="0">
+              <a:solidFill>
+                <a:schemeClr val="tx1">
+                  <a:lumMod val="75000"/>
+                  <a:lumOff val="25000"/>
+                </a:schemeClr>
+              </a:solidFill>
+              <a:latin typeface="+mj-ea"/>
+            </a:endParaRPr>
+          </a:p>
+        </p:txBody>
+      </p:sp>
+      <p:sp>
+        <p:nvSpPr>
+          <p:cNvPr id="4" name="正方形/長方形 3"/>
+          <p:cNvSpPr/>
+          <p:nvPr/>
+        </p:nvSpPr>
+        <p:spPr>
+          <a:xfrm>
+            <a:off x="548189" y="141783"/>
+            <a:ext cx="421701" cy="407214"/>
+          </a:xfrm>
+          <a:prstGeom prst="rect">
+            <a:avLst/>
+          </a:prstGeom>
+          <a:solidFill>
+            <a:srgbClr val="92D050"/>
+          </a:solidFill>
+        </p:spPr>
+        <p:style>
+          <a:lnRef idx="2">
+            <a:schemeClr val="accent1">
+              <a:shade val="50000"/>
+            </a:schemeClr>
+          </a:lnRef>
+          <a:fillRef idx="1">
+            <a:schemeClr val="accent1"/>
+          </a:fillRef>
+          <a:effectRef idx="0">
+            <a:schemeClr val="accent1"/>
+          </a:effectRef>
+          <a:fontRef idx="minor">
+            <a:schemeClr val="lt1"/>
+          </a:fontRef>
+        </p:style>
+        <p:txBody>
+          <a:bodyPr rot="0" spcFirstLastPara="0" vertOverflow="overflow" horzOverflow="overflow" vert="horz" wrap="square" lIns="68580" tIns="34290" rIns="68580" bIns="34290" numCol="1" spcCol="0" rtlCol="0" fromWordArt="0" anchor="ctr" anchorCtr="0" forceAA="0" compatLnSpc="1">
+            <a:prstTxWarp prst="textNoShape">
+              <a:avLst/>
+            </a:prstTxWarp>
+            <a:noAutofit/>
+          </a:bodyPr>
+          <a:lstStyle/>
+          <a:p>
+            <a:pPr algn="ctr"/>
+            <a:endParaRPr lang="ja-JP" altLang="en-US" sz="1350"/>
+          </a:p>
+        </p:txBody>
+      </p:sp>
+      <p:sp>
+        <p:nvSpPr>
+          <p:cNvPr id="5" name="正方形/長方形 4"/>
+          <p:cNvSpPr/>
+          <p:nvPr/>
+        </p:nvSpPr>
+        <p:spPr>
+          <a:xfrm>
+            <a:off x="274210" y="327316"/>
+            <a:ext cx="210736" cy="221681"/>
+          </a:xfrm>
+          <a:prstGeom prst="rect">
+            <a:avLst/>
+          </a:prstGeom>
+          <a:solidFill>
+            <a:srgbClr val="92D050">
+              <a:alpha val="64000"/>
+            </a:srgbClr>
+          </a:solidFill>
+        </p:spPr>
+        <p:style>
+          <a:lnRef idx="2">
+            <a:schemeClr val="accent1">
+              <a:shade val="50000"/>
+            </a:schemeClr>
+          </a:lnRef>
+          <a:fillRef idx="1">
+            <a:schemeClr val="accent1"/>
+          </a:fillRef>
+          <a:effectRef idx="0">
+            <a:schemeClr val="accent1"/>
+          </a:effectRef>
+          <a:fontRef idx="minor">
+            <a:schemeClr val="lt1"/>
+          </a:fontRef>
+        </p:style>
+        <p:txBody>
+          <a:bodyPr rot="0" spcFirstLastPara="0" vertOverflow="overflow" horzOverflow="overflow" vert="horz" wrap="square" lIns="68580" tIns="34290" rIns="68580" bIns="34290" numCol="1" spcCol="0" rtlCol="0" fromWordArt="0" anchor="ctr" anchorCtr="0" forceAA="0" compatLnSpc="1">
+            <a:prstTxWarp prst="textNoShape">
+              <a:avLst/>
+            </a:prstTxWarp>
+            <a:noAutofit/>
+          </a:bodyPr>
+          <a:lstStyle/>
+          <a:p>
+            <a:pPr algn="ctr"/>
+            <a:endParaRPr lang="ja-JP" altLang="en-US" sz="1350"/>
+          </a:p>
+        </p:txBody>
+      </p:sp>
+      <p:sp>
+        <p:nvSpPr>
+          <p:cNvPr id="6" name="正方形/長方形 5"/>
+          <p:cNvSpPr/>
+          <p:nvPr/>
+        </p:nvSpPr>
+        <p:spPr>
+          <a:xfrm>
+            <a:off x="614748" y="801564"/>
+            <a:ext cx="288581" cy="264317"/>
+          </a:xfrm>
+          <a:prstGeom prst="rect">
+            <a:avLst/>
+          </a:prstGeom>
+          <a:solidFill>
+            <a:schemeClr val="bg1">
+              <a:lumMod val="85000"/>
+            </a:schemeClr>
+          </a:solidFill>
+          <a:ln>
+            <a:noFill/>
+          </a:ln>
+        </p:spPr>
+        <p:style>
+          <a:lnRef idx="2">
+            <a:schemeClr val="accent1">
+              <a:shade val="50000"/>
+            </a:schemeClr>
+          </a:lnRef>
+          <a:fillRef idx="1">
+            <a:schemeClr val="accent1"/>
+          </a:fillRef>
+          <a:effectRef idx="0">
+            <a:schemeClr val="accent1"/>
+          </a:effectRef>
+          <a:fontRef idx="minor">
+            <a:schemeClr val="lt1"/>
+          </a:fontRef>
+        </p:style>
+        <p:txBody>
+          <a:bodyPr rot="0" spcFirstLastPara="0" vertOverflow="overflow" horzOverflow="overflow" vert="horz" wrap="square" lIns="68580" tIns="34290" rIns="68580" bIns="34290" numCol="1" spcCol="0" rtlCol="0" fromWordArt="0" anchor="ctr" anchorCtr="0" forceAA="0" compatLnSpc="1">
+            <a:prstTxWarp prst="textNoShape">
+              <a:avLst/>
+            </a:prstTxWarp>
+            <a:noAutofit/>
+          </a:bodyPr>
+          <a:lstStyle/>
+          <a:p>
+            <a:pPr algn="ctr"/>
+            <a:endParaRPr lang="ja-JP" altLang="en-US" sz="1350"/>
+          </a:p>
+        </p:txBody>
+      </p:sp>
+      <p:sp>
+        <p:nvSpPr>
+          <p:cNvPr id="7" name="正方形/長方形 6"/>
+          <p:cNvSpPr/>
+          <p:nvPr/>
+        </p:nvSpPr>
+        <p:spPr>
+          <a:xfrm>
+            <a:off x="1" y="690779"/>
+            <a:ext cx="9144001" cy="34289"/>
+          </a:xfrm>
+          <a:prstGeom prst="rect">
+            <a:avLst/>
+          </a:prstGeom>
+          <a:solidFill>
+            <a:srgbClr val="92D050"/>
+          </a:solidFill>
+          <a:ln>
+            <a:noFill/>
+          </a:ln>
+        </p:spPr>
+        <p:style>
+          <a:lnRef idx="2">
+            <a:schemeClr val="accent1">
+              <a:shade val="50000"/>
+            </a:schemeClr>
+          </a:lnRef>
+          <a:fillRef idx="1">
+            <a:schemeClr val="accent1"/>
+          </a:fillRef>
+          <a:effectRef idx="0">
+            <a:schemeClr val="accent1"/>
+          </a:effectRef>
+          <a:fontRef idx="minor">
+            <a:schemeClr val="lt1"/>
+          </a:fontRef>
+        </p:style>
+        <p:txBody>
+          <a:bodyPr rot="0" spcFirstLastPara="0" vertOverflow="overflow" horzOverflow="overflow" vert="horz" wrap="square" lIns="68580" tIns="34290" rIns="68580" bIns="34290" numCol="1" spcCol="0" rtlCol="0" fromWordArt="0" anchor="ctr" anchorCtr="0" forceAA="0" compatLnSpc="1">
+            <a:prstTxWarp prst="textNoShape">
+              <a:avLst/>
+            </a:prstTxWarp>
+            <a:noAutofit/>
+          </a:bodyPr>
+          <a:lstStyle/>
+          <a:p>
+            <a:pPr algn="ctr"/>
+            <a:endParaRPr lang="ja-JP" altLang="en-US" sz="1350"/>
+          </a:p>
+        </p:txBody>
+      </p:sp>
+      <p:sp>
+        <p:nvSpPr>
+          <p:cNvPr id="8" name="正方形/長方形 7"/>
+          <p:cNvSpPr/>
+          <p:nvPr/>
+        </p:nvSpPr>
+        <p:spPr>
+          <a:xfrm>
+            <a:off x="-5603" y="6432997"/>
+            <a:ext cx="9144000" cy="283336"/>
+          </a:xfrm>
+          <a:prstGeom prst="rect">
+            <a:avLst/>
+          </a:prstGeom>
+          <a:solidFill>
+            <a:srgbClr val="92D050"/>
+          </a:solidFill>
+          <a:ln>
+            <a:noFill/>
+          </a:ln>
+        </p:spPr>
+        <p:style>
+          <a:lnRef idx="2">
+            <a:schemeClr val="accent1">
+              <a:shade val="50000"/>
+            </a:schemeClr>
+          </a:lnRef>
+          <a:fillRef idx="1">
+            <a:schemeClr val="accent1"/>
+          </a:fillRef>
+          <a:effectRef idx="0">
+            <a:schemeClr val="accent1"/>
+          </a:effectRef>
+          <a:fontRef idx="minor">
+            <a:schemeClr val="lt1"/>
+          </a:fontRef>
+        </p:style>
+        <p:txBody>
+          <a:bodyPr rot="0" spcFirstLastPara="0" vertOverflow="overflow" horzOverflow="overflow" vert="horz" wrap="square" lIns="68580" tIns="34290" rIns="68580" bIns="34290" numCol="1" spcCol="0" rtlCol="0" fromWordArt="0" anchor="ctr" anchorCtr="0" forceAA="0" compatLnSpc="1">
+            <a:prstTxWarp prst="textNoShape">
+              <a:avLst/>
+            </a:prstTxWarp>
+            <a:noAutofit/>
+          </a:bodyPr>
+          <a:lstStyle/>
+          <a:p>
+            <a:pPr algn="ctr"/>
+            <a:endParaRPr lang="ja-JP" altLang="en-US" sz="1350"/>
+          </a:p>
+        </p:txBody>
+      </p:sp>
+      <p:sp>
+        <p:nvSpPr>
+          <p:cNvPr id="9" name="テキスト ボックス 8"/>
+          <p:cNvSpPr txBox="1"/>
+          <p:nvPr/>
+        </p:nvSpPr>
+        <p:spPr>
+          <a:xfrm>
+            <a:off x="548189" y="1886313"/>
+            <a:ext cx="8347846" cy="3108543"/>
+          </a:xfrm>
+          <a:prstGeom prst="rect">
+            <a:avLst/>
+          </a:prstGeom>
+          <a:noFill/>
+        </p:spPr>
+        <p:txBody>
+          <a:bodyPr wrap="square" rtlCol="0">
+            <a:spAutoFit/>
+          </a:bodyPr>
+          <a:lstStyle/>
+          <a:p>
+            <a:pPr marL="514350" indent="-514350">
+              <a:buFont typeface="+mj-ea"/>
+              <a:buAutoNum type="circleNumDbPlain"/>
+            </a:pPr>
+            <a:r>
+              <a:rPr lang="ja-JP" altLang="en-US" sz="2800" dirty="0" smtClean="0">
+                <a:solidFill>
+                  <a:schemeClr val="tx1">
+                    <a:lumMod val="65000"/>
+                    <a:lumOff val="35000"/>
+                  </a:schemeClr>
+                </a:solidFill>
+              </a:rPr>
+              <a:t>登録</a:t>
+            </a:r>
+            <a:r>
+              <a:rPr lang="ja-JP" altLang="en-US" sz="2800" dirty="0">
+                <a:solidFill>
+                  <a:schemeClr val="tx1">
+                    <a:lumMod val="65000"/>
+                    <a:lumOff val="35000"/>
+                  </a:schemeClr>
+                </a:solidFill>
+              </a:rPr>
+              <a:t>された会員情報を変更、削除できる</a:t>
+            </a:r>
+            <a:r>
+              <a:rPr lang="ja-JP" altLang="en-US" sz="2800" dirty="0" smtClean="0">
+                <a:solidFill>
+                  <a:schemeClr val="tx1">
+                    <a:lumMod val="65000"/>
+                    <a:lumOff val="35000"/>
+                  </a:schemeClr>
+                </a:solidFill>
+              </a:rPr>
+              <a:t>機能</a:t>
+            </a:r>
+            <a:endParaRPr lang="en-US" altLang="ja-JP" sz="2800" dirty="0">
+              <a:solidFill>
+                <a:schemeClr val="tx1">
+                  <a:lumMod val="65000"/>
+                  <a:lumOff val="35000"/>
+                </a:schemeClr>
+              </a:solidFill>
+            </a:endParaRPr>
+          </a:p>
+          <a:p>
+            <a:pPr marL="514350" indent="-514350">
+              <a:buFont typeface="+mj-ea"/>
+              <a:buAutoNum type="circleNumDbPlain"/>
+            </a:pPr>
+            <a:r>
+              <a:rPr lang="ja-JP" altLang="en-US" sz="2800" dirty="0" smtClean="0">
+                <a:solidFill>
+                  <a:schemeClr val="tx1">
+                    <a:lumMod val="65000"/>
+                    <a:lumOff val="35000"/>
+                  </a:schemeClr>
+                </a:solidFill>
+              </a:rPr>
+              <a:t>アップロード</a:t>
+            </a:r>
+            <a:r>
+              <a:rPr lang="ja-JP" altLang="en-US" sz="2800" dirty="0">
+                <a:solidFill>
+                  <a:schemeClr val="tx1">
+                    <a:lumMod val="65000"/>
+                    <a:lumOff val="35000"/>
+                  </a:schemeClr>
+                </a:solidFill>
+              </a:rPr>
+              <a:t>時にアップロードファイルの拡張子と容量を規定にする。  </a:t>
+            </a:r>
+          </a:p>
+          <a:p>
+            <a:pPr marL="514350" indent="-514350">
+              <a:buFont typeface="+mj-ea"/>
+              <a:buAutoNum type="circleNumDbPlain"/>
+            </a:pPr>
+            <a:r>
+              <a:rPr lang="ja-JP" altLang="en-US" sz="2800" dirty="0" smtClean="0">
+                <a:solidFill>
+                  <a:schemeClr val="tx1">
+                    <a:lumMod val="65000"/>
+                    <a:lumOff val="35000"/>
+                  </a:schemeClr>
+                </a:solidFill>
+              </a:rPr>
+              <a:t>プロフィール</a:t>
+            </a:r>
+            <a:r>
+              <a:rPr lang="ja-JP" altLang="en-US" sz="2800" dirty="0">
+                <a:solidFill>
+                  <a:schemeClr val="tx1">
+                    <a:lumMod val="65000"/>
+                    <a:lumOff val="35000"/>
+                  </a:schemeClr>
+                </a:solidFill>
+              </a:rPr>
+              <a:t>編集ページで編集できる項目を</a:t>
+            </a:r>
+            <a:r>
+              <a:rPr lang="ja-JP" altLang="en-US" sz="2800" dirty="0" smtClean="0">
+                <a:solidFill>
+                  <a:schemeClr val="tx1">
+                    <a:lumMod val="65000"/>
+                    <a:lumOff val="35000"/>
+                  </a:schemeClr>
+                </a:solidFill>
+              </a:rPr>
+              <a:t>増やす</a:t>
+            </a:r>
+            <a:endParaRPr lang="en-US" altLang="ja-JP" sz="2800" dirty="0" smtClean="0">
+              <a:solidFill>
+                <a:schemeClr val="tx1">
+                  <a:lumMod val="65000"/>
+                  <a:lumOff val="35000"/>
+                </a:schemeClr>
+              </a:solidFill>
+            </a:endParaRPr>
+          </a:p>
+          <a:p>
+            <a:pPr marL="514350" indent="-514350">
+              <a:buFont typeface="+mj-ea"/>
+              <a:buAutoNum type="circleNumDbPlain"/>
+            </a:pPr>
+            <a:r>
+              <a:rPr lang="ja-JP" altLang="en-US" sz="2800" dirty="0" smtClean="0">
+                <a:solidFill>
+                  <a:schemeClr val="tx1">
+                    <a:lumMod val="65000"/>
+                    <a:lumOff val="35000"/>
+                  </a:schemeClr>
+                </a:solidFill>
+              </a:rPr>
+              <a:t>セッション</a:t>
+            </a:r>
+            <a:r>
+              <a:rPr lang="ja-JP" altLang="en-US" sz="2800" dirty="0">
+                <a:solidFill>
+                  <a:schemeClr val="tx1">
+                    <a:lumMod val="65000"/>
+                    <a:lumOff val="35000"/>
+                  </a:schemeClr>
+                </a:solidFill>
+              </a:rPr>
+              <a:t>管理を行う。複数人がアクセス可能にする。  </a:t>
+            </a:r>
+          </a:p>
+          <a:p>
+            <a:pPr marL="514350" indent="-514350">
+              <a:buFont typeface="+mj-ea"/>
+              <a:buAutoNum type="circleNumDbPlain"/>
+            </a:pPr>
+            <a:r>
+              <a:rPr lang="en-US" altLang="ja-JP" sz="2800" dirty="0" smtClean="0">
+                <a:solidFill>
+                  <a:schemeClr val="tx1">
+                    <a:lumMod val="65000"/>
+                    <a:lumOff val="35000"/>
+                  </a:schemeClr>
+                </a:solidFill>
+              </a:rPr>
+              <a:t>Web</a:t>
+            </a:r>
+            <a:r>
+              <a:rPr lang="ja-JP" altLang="en-US" sz="2800" dirty="0">
+                <a:solidFill>
+                  <a:schemeClr val="tx1">
+                    <a:lumMod val="65000"/>
+                    <a:lumOff val="35000"/>
+                  </a:schemeClr>
+                </a:solidFill>
+              </a:rPr>
+              <a:t>上に公開できるようにする。 </a:t>
+            </a:r>
+            <a:endParaRPr kumimoji="1" lang="ja-JP" altLang="en-US" sz="2800" dirty="0">
+              <a:solidFill>
+                <a:schemeClr val="tx1">
+                  <a:lumMod val="65000"/>
+                  <a:lumOff val="35000"/>
+                </a:schemeClr>
+              </a:solidFill>
+            </a:endParaRPr>
+          </a:p>
+        </p:txBody>
+      </p:sp>
+    </p:spTree>
+    <p:extLst>
+      <p:ext uri="{BB962C8B-B14F-4D97-AF65-F5344CB8AC3E}">
+        <p14:creationId xmlns:p14="http://schemas.microsoft.com/office/powerpoint/2010/main" val="3151888551"/>
+      </p:ext>
+    </p:extLst>
+  </p:cSld>
+  <p:clrMapOvr>
+    <a:masterClrMapping/>
+  </p:clrMapOvr>
+  <p:timing>
+    <p:tnLst>
+      <p:par>
+        <p:cTn id="1" dur="indefinite" restart="never" nodeType="tmRoot"/>
+      </p:par>
+    </p:tnLst>
+  </p:timing>
+</p:sld>
+</file>
+
+<file path=ppt/slides/slide14.xml><?xml version="1.0" encoding="utf-8"?>
 <p:sld xmlns:a="http://schemas.openxmlformats.org/drawingml/2006/main" xmlns:r="http://schemas.openxmlformats.org/officeDocument/2006/relationships" xmlns:p="http://schemas.openxmlformats.org/presentationml/2006/main">
   <p:cSld>
     <p:spTree>
@@ -8991,8 +10994,8 @@
         </p:nvSpPr>
         <p:spPr>
           <a:xfrm>
-            <a:off x="4374524" y="2092101"/>
-            <a:ext cx="4571999" cy="3988784"/>
+            <a:off x="4374524" y="2212170"/>
+            <a:ext cx="4571999" cy="3471720"/>
           </a:xfrm>
           <a:prstGeom prst="rect">
             <a:avLst/>
@@ -9087,27 +11090,8 @@
                 <a:latin typeface="+mj-ea"/>
                 <a:ea typeface="+mj-ea"/>
               </a:rPr>
-              <a:t>プロフィール表示項目を増やす</a:t>
-            </a:r>
-            <a:endParaRPr lang="en-US" altLang="ja-JP" sz="2800" dirty="0" smtClean="0">
-              <a:solidFill>
-                <a:schemeClr val="tx1">
-                  <a:lumMod val="75000"/>
-                  <a:lumOff val="25000"/>
-                </a:schemeClr>
-              </a:solidFill>
-              <a:latin typeface="+mj-ea"/>
-              <a:ea typeface="+mj-ea"/>
-            </a:endParaRPr>
-          </a:p>
-          <a:p>
-            <a:pPr marL="457200" indent="-457200">
-              <a:lnSpc>
-                <a:spcPct val="120000"/>
-              </a:lnSpc>
-              <a:buFont typeface="Arial" panose="020B0604020202020204" pitchFamily="34" charset="0"/>
-              <a:buChar char="•"/>
-            </a:pPr>
+              <a:t>プロフィール表示項目を</a:t>
+            </a:r>
             <a:r>
               <a:rPr lang="ja-JP" altLang="en-US" sz="2800" dirty="0" smtClean="0">
                 <a:solidFill>
@@ -9119,7 +11103,7 @@
                 <a:latin typeface="+mj-ea"/>
                 <a:ea typeface="+mj-ea"/>
               </a:rPr>
-              <a:t>会員情報の削除変更</a:t>
+              <a:t>増やす</a:t>
             </a:r>
             <a:endParaRPr lang="en-US" altLang="ja-JP" sz="2800" dirty="0" smtClean="0">
               <a:solidFill>
@@ -9299,7 +11283,7 @@
 </p:sld>
 </file>
 
-<file path=ppt/slides/slide13.xml><?xml version="1.0" encoding="utf-8"?>
+<file path=ppt/slides/slide15.xml><?xml version="1.0" encoding="utf-8"?>
 <p:sld xmlns:a="http://schemas.openxmlformats.org/drawingml/2006/main" xmlns:r="http://schemas.openxmlformats.org/officeDocument/2006/relationships" xmlns:p="http://schemas.openxmlformats.org/presentationml/2006/main">
   <p:cSld>
     <p:spTree>
@@ -9339,7 +11323,7 @@
           <a:lstStyle/>
           <a:p>
             <a:r>
-              <a:rPr lang="ja-JP" altLang="en-US" sz="3200" dirty="0">
+              <a:rPr kumimoji="1" lang="ja-JP" altLang="en-US" sz="3200" dirty="0" smtClean="0">
                 <a:solidFill>
                   <a:schemeClr val="tx1">
                     <a:lumMod val="75000"/>
@@ -9348,7 +11332,43 @@
                 </a:solidFill>
                 <a:latin typeface="+mj-ea"/>
               </a:rPr>
-              <a:t>進展状況</a:t>
+              <a:t>進捗状況</a:t>
+            </a:r>
+            <a:r>
+              <a:rPr kumimoji="1" lang="en-US" altLang="ja-JP" sz="3200" dirty="0" smtClean="0">
+                <a:solidFill>
+                  <a:schemeClr val="tx1">
+                    <a:lumMod val="75000"/>
+                    <a:lumOff val="25000"/>
+                  </a:schemeClr>
+                </a:solidFill>
+                <a:latin typeface="+mj-ea"/>
+              </a:rPr>
+              <a:t>(</a:t>
+            </a:r>
+            <a:r>
+              <a:rPr kumimoji="1" lang="ja-JP" altLang="en-US" sz="3200" dirty="0" smtClean="0">
+                <a:solidFill>
+                  <a:schemeClr val="tx1">
+                    <a:lumMod val="75000"/>
+                    <a:lumOff val="25000"/>
+                  </a:schemeClr>
+                </a:solidFill>
+                <a:latin typeface="+mj-ea"/>
+              </a:rPr>
+              <a:t>書類</a:t>
+            </a:r>
+            <a:r>
+              <a:rPr kumimoji="1" lang="en-US" altLang="ja-JP" sz="3200" dirty="0" smtClean="0">
+                <a:solidFill>
+                  <a:schemeClr val="tx1">
+                    <a:lumMod val="75000"/>
+                    <a:lumOff val="25000"/>
+                  </a:schemeClr>
+                </a:solidFill>
+                <a:latin typeface="+mj-ea"/>
+              </a:rPr>
+              <a:t>)</a:t>
             </a:r>
             <a:endParaRPr kumimoji="1" lang="ja-JP" altLang="en-US" sz="3200" dirty="0">
               <a:solidFill>
@@ -9564,6 +11584,57 @@
           </a:p>
         </p:txBody>
       </p:sp>
+      <p:sp>
+        <p:nvSpPr>
+          <p:cNvPr id="14" name="正方形/長方形 13"/>
+          <p:cNvSpPr/>
+          <p:nvPr/>
+        </p:nvSpPr>
+        <p:spPr>
+          <a:xfrm>
+            <a:off x="2" y="6426558"/>
+            <a:ext cx="9144000" cy="283336"/>
+          </a:xfrm>
+          <a:prstGeom prst="rect">
+            <a:avLst/>
+          </a:prstGeom>
+          <a:solidFill>
+            <a:srgbClr val="92D050"/>
+          </a:solidFill>
+          <a:ln>
+            <a:noFill/>
+          </a:ln>
+        </p:spPr>
+        <p:style>
+          <a:lnRef idx="2">
+            <a:schemeClr val="accent1">
+              <a:shade val="50000"/>
+            </a:schemeClr>
+          </a:lnRef>
+          <a:fillRef idx="1">
+            <a:schemeClr val="accent1"/>
+          </a:fillRef>
+          <a:effectRef idx="0">
+            <a:schemeClr val="accent1"/>
+          </a:effectRef>
+          <a:fontRef idx="minor">
+            <a:schemeClr val="lt1"/>
+          </a:fontRef>
+        </p:style>
+        <p:txBody>
+          <a:bodyPr rot="0" spcFirstLastPara="0" vertOverflow="overflow" horzOverflow="overflow" vert="horz" wrap="square" lIns="68580" tIns="34290" rIns="68580" bIns="34290" numCol="1" spcCol="0" rtlCol="0" fromWordArt="0" anchor="ctr" anchorCtr="0" forceAA="0" compatLnSpc="1">
+            <a:prstTxWarp prst="textNoShape">
+              <a:avLst/>
+            </a:prstTxWarp>
+            <a:noAutofit/>
+          </a:bodyPr>
+          <a:lstStyle/>
+          <a:p>
+            <a:pPr algn="ctr"/>
+            <a:endParaRPr lang="ja-JP" altLang="en-US" sz="1350"/>
+          </a:p>
+        </p:txBody>
+      </p:sp>
       <p:graphicFrame>
         <p:nvGraphicFramePr>
           <p:cNvPr id="11" name="グラフ 10"/>
@@ -9571,14 +11642,14 @@
           <p:nvPr>
             <p:extLst>
               <p:ext uri="{D42A27DB-BD31-4B8C-83A1-F6EECF244321}">
-                <p14:modId xmlns:p14="http://schemas.microsoft.com/office/powerpoint/2010/main" val="967579565"/>
+                <p14:modId xmlns:p14="http://schemas.microsoft.com/office/powerpoint/2010/main" val="32150139"/>
               </p:ext>
             </p:extLst>
           </p:nvPr>
         </p:nvGraphicFramePr>
         <p:xfrm>
-          <a:off x="1" y="725069"/>
-          <a:ext cx="9143999" cy="5254962"/>
+          <a:off x="274210" y="725067"/>
+          <a:ext cx="8599334" cy="5701489"/>
         </p:xfrm>
         <a:graphic>
           <a:graphicData uri="http://schemas.openxmlformats.org/drawingml/2006/chart">
@@ -9589,7 +11660,7 @@
     </p:spTree>
     <p:extLst>
       <p:ext uri="{BB962C8B-B14F-4D97-AF65-F5344CB8AC3E}">
-        <p14:creationId xmlns:p14="http://schemas.microsoft.com/office/powerpoint/2010/main" val="2269015073"/>
+        <p14:creationId xmlns:p14="http://schemas.microsoft.com/office/powerpoint/2010/main" val="968281433"/>
       </p:ext>
     </p:extLst>
   </p:cSld>
@@ -9606,7 +11677,7 @@
 </p:sld>
 </file>
 
-<file path=ppt/slides/slide14.xml><?xml version="1.0" encoding="utf-8"?>
+<file path=ppt/slides/slide16.xml><?xml version="1.0" encoding="utf-8"?>
 <p:sld xmlns:a="http://schemas.openxmlformats.org/drawingml/2006/main" xmlns:r="http://schemas.openxmlformats.org/officeDocument/2006/relationships" xmlns:p="http://schemas.openxmlformats.org/presentationml/2006/main">
   <p:cSld>
     <p:spTree>
@@ -9625,489 +11696,6 @@
       </p:grpSpPr>
       <p:sp>
         <p:nvSpPr>
-          <p:cNvPr id="11" name="テキスト ボックス 10"/>
-          <p:cNvSpPr txBox="1"/>
-          <p:nvPr/>
-        </p:nvSpPr>
-        <p:spPr>
-          <a:xfrm>
-            <a:off x="0" y="1209153"/>
-            <a:ext cx="9144000" cy="1015663"/>
-          </a:xfrm>
-          <a:prstGeom prst="rect">
-            <a:avLst/>
-          </a:prstGeom>
-          <a:noFill/>
-        </p:spPr>
-        <p:txBody>
-          <a:bodyPr wrap="square" rtlCol="0">
-            <a:spAutoFit/>
-          </a:bodyPr>
-          <a:lstStyle/>
-          <a:p>
-            <a:r>
-              <a:rPr lang="ja-JP" altLang="en-US" sz="5400" dirty="0" smtClean="0">
-                <a:solidFill>
-                  <a:schemeClr val="bg1">
-                    <a:lumMod val="50000"/>
-                  </a:schemeClr>
-                </a:solidFill>
-                <a:latin typeface="HGP明朝B" panose="02020800000000000000" pitchFamily="18" charset="-128"/>
-                <a:ea typeface="HGP明朝B" panose="02020800000000000000" pitchFamily="18" charset="-128"/>
-              </a:rPr>
-              <a:t>　　　　 </a:t>
-            </a:r>
-            <a:r>
-              <a:rPr lang="en-US" altLang="ja-JP" sz="6000" dirty="0" smtClean="0">
-                <a:solidFill>
-                  <a:schemeClr val="tx1">
-                    <a:lumMod val="65000"/>
-                    <a:lumOff val="35000"/>
-                  </a:schemeClr>
-                </a:solidFill>
-                <a:latin typeface="HGP明朝E" panose="02020900000000000000" pitchFamily="18" charset="-128"/>
-                <a:ea typeface="HGP明朝E" panose="02020900000000000000" pitchFamily="18" charset="-128"/>
-              </a:rPr>
-              <a:t>1</a:t>
-            </a:r>
-            <a:r>
-              <a:rPr lang="en-US" altLang="ja-JP" sz="5400" dirty="0" smtClean="0">
-                <a:solidFill>
-                  <a:schemeClr val="bg1">
-                    <a:lumMod val="50000"/>
-                  </a:schemeClr>
-                </a:solidFill>
-                <a:latin typeface="+mj-ea"/>
-                <a:ea typeface="+mj-ea"/>
-              </a:rPr>
-              <a:t>  </a:t>
-            </a:r>
-            <a:r>
-              <a:rPr lang="ja-JP" altLang="en-US" sz="3200" dirty="0" smtClean="0">
-                <a:solidFill>
-                  <a:schemeClr val="tx1">
-                    <a:lumMod val="65000"/>
-                    <a:lumOff val="35000"/>
-                  </a:schemeClr>
-                </a:solidFill>
-                <a:latin typeface="+mj-ea"/>
-                <a:ea typeface="+mj-ea"/>
-              </a:rPr>
-              <a:t>開発</a:t>
-            </a:r>
-            <a:r>
-              <a:rPr lang="ja-JP" altLang="en-US" sz="3200" dirty="0" smtClean="0">
-                <a:solidFill>
-                  <a:schemeClr val="tx1">
-                    <a:lumMod val="65000"/>
-                    <a:lumOff val="35000"/>
-                  </a:schemeClr>
-                </a:solidFill>
-                <a:latin typeface="+mj-ea"/>
-                <a:ea typeface="+mj-ea"/>
-              </a:rPr>
-              <a:t>コンセプト</a:t>
-            </a:r>
-            <a:r>
-              <a:rPr kumimoji="1" lang="en-US" altLang="ja-JP" sz="3200" dirty="0" smtClean="0">
-                <a:solidFill>
-                  <a:schemeClr val="tx1">
-                    <a:lumMod val="65000"/>
-                    <a:lumOff val="35000"/>
-                  </a:schemeClr>
-                </a:solidFill>
-                <a:latin typeface="+mj-ea"/>
-                <a:ea typeface="+mj-ea"/>
-              </a:rPr>
-              <a:t>  </a:t>
-            </a:r>
-            <a:endParaRPr kumimoji="1" lang="ja-JP" altLang="en-US" sz="3200" dirty="0">
-              <a:solidFill>
-                <a:schemeClr val="tx1">
-                  <a:lumMod val="65000"/>
-                  <a:lumOff val="35000"/>
-                </a:schemeClr>
-              </a:solidFill>
-              <a:latin typeface="+mj-ea"/>
-              <a:ea typeface="+mj-ea"/>
-            </a:endParaRPr>
-          </a:p>
-        </p:txBody>
-      </p:sp>
-      <p:sp>
-        <p:nvSpPr>
-          <p:cNvPr id="12" name="テキスト ボックス 11"/>
-          <p:cNvSpPr txBox="1"/>
-          <p:nvPr/>
-        </p:nvSpPr>
-        <p:spPr>
-          <a:xfrm>
-            <a:off x="0" y="2132483"/>
-            <a:ext cx="9144000" cy="1015663"/>
-          </a:xfrm>
-          <a:prstGeom prst="rect">
-            <a:avLst/>
-          </a:prstGeom>
-          <a:noFill/>
-        </p:spPr>
-        <p:txBody>
-          <a:bodyPr wrap="square" rtlCol="0">
-            <a:spAutoFit/>
-          </a:bodyPr>
-          <a:lstStyle/>
-          <a:p>
-            <a:r>
-              <a:rPr lang="ja-JP" altLang="en-US" sz="5400" dirty="0" smtClean="0">
-                <a:solidFill>
-                  <a:schemeClr val="bg1">
-                    <a:lumMod val="50000"/>
-                  </a:schemeClr>
-                </a:solidFill>
-                <a:latin typeface="HGP明朝B" panose="02020800000000000000" pitchFamily="18" charset="-128"/>
-                <a:ea typeface="HGP明朝B" panose="02020800000000000000" pitchFamily="18" charset="-128"/>
-              </a:rPr>
-              <a:t>　　　</a:t>
-            </a:r>
-            <a:r>
-              <a:rPr lang="ja-JP" altLang="en-US" sz="5400" dirty="0" smtClean="0">
-                <a:solidFill>
-                  <a:schemeClr val="bg1"/>
-                </a:solidFill>
-                <a:latin typeface="HGP明朝B" panose="02020800000000000000" pitchFamily="18" charset="-128"/>
-                <a:ea typeface="HGP明朝B" panose="02020800000000000000" pitchFamily="18" charset="-128"/>
-              </a:rPr>
-              <a:t>　 </a:t>
-            </a:r>
-            <a:r>
-              <a:rPr lang="en-US" altLang="ja-JP" sz="6000" dirty="0" smtClean="0">
-                <a:solidFill>
-                  <a:schemeClr val="tx1">
-                    <a:lumMod val="65000"/>
-                    <a:lumOff val="35000"/>
-                  </a:schemeClr>
-                </a:solidFill>
-                <a:latin typeface="HGP明朝E" panose="02020900000000000000" pitchFamily="18" charset="-128"/>
-                <a:ea typeface="HGP明朝E" panose="02020900000000000000" pitchFamily="18" charset="-128"/>
-              </a:rPr>
-              <a:t>2</a:t>
-            </a:r>
-            <a:r>
-              <a:rPr lang="en-US" altLang="ja-JP" sz="5400" dirty="0" smtClean="0">
-                <a:solidFill>
-                  <a:schemeClr val="tx1">
-                    <a:lumMod val="65000"/>
-                    <a:lumOff val="35000"/>
-                  </a:schemeClr>
-                </a:solidFill>
-                <a:latin typeface="+mj-ea"/>
-                <a:ea typeface="+mj-ea"/>
-              </a:rPr>
-              <a:t>  </a:t>
-            </a:r>
-            <a:r>
-              <a:rPr lang="ja-JP" altLang="en-US" sz="3200" dirty="0" smtClean="0">
-                <a:solidFill>
-                  <a:schemeClr val="tx1">
-                    <a:lumMod val="65000"/>
-                    <a:lumOff val="35000"/>
-                  </a:schemeClr>
-                </a:solidFill>
-                <a:latin typeface="+mj-ea"/>
-                <a:ea typeface="+mj-ea"/>
-              </a:rPr>
-              <a:t>開発</a:t>
-            </a:r>
-            <a:r>
-              <a:rPr lang="ja-JP" altLang="en-US" sz="3200" dirty="0" smtClean="0">
-                <a:solidFill>
-                  <a:schemeClr val="tx1">
-                    <a:lumMod val="65000"/>
-                    <a:lumOff val="35000"/>
-                  </a:schemeClr>
-                </a:solidFill>
-                <a:latin typeface="+mj-ea"/>
-                <a:ea typeface="+mj-ea"/>
-              </a:rPr>
-              <a:t>環境、動作環境</a:t>
-            </a:r>
-            <a:r>
-              <a:rPr kumimoji="1" lang="en-US" altLang="ja-JP" sz="3200" dirty="0" smtClean="0">
-                <a:solidFill>
-                  <a:schemeClr val="tx1">
-                    <a:lumMod val="65000"/>
-                    <a:lumOff val="35000"/>
-                  </a:schemeClr>
-                </a:solidFill>
-                <a:latin typeface="+mj-ea"/>
-                <a:ea typeface="+mj-ea"/>
-              </a:rPr>
-              <a:t>  </a:t>
-            </a:r>
-            <a:endParaRPr kumimoji="1" lang="ja-JP" altLang="en-US" sz="3200" dirty="0">
-              <a:solidFill>
-                <a:schemeClr val="tx1">
-                  <a:lumMod val="65000"/>
-                  <a:lumOff val="35000"/>
-                </a:schemeClr>
-              </a:solidFill>
-              <a:latin typeface="+mj-ea"/>
-              <a:ea typeface="+mj-ea"/>
-            </a:endParaRPr>
-          </a:p>
-        </p:txBody>
-      </p:sp>
-      <p:sp>
-        <p:nvSpPr>
-          <p:cNvPr id="13" name="テキスト ボックス 12"/>
-          <p:cNvSpPr txBox="1"/>
-          <p:nvPr/>
-        </p:nvSpPr>
-        <p:spPr>
-          <a:xfrm>
-            <a:off x="0" y="3055813"/>
-            <a:ext cx="9144000" cy="1015663"/>
-          </a:xfrm>
-          <a:prstGeom prst="rect">
-            <a:avLst/>
-          </a:prstGeom>
-          <a:noFill/>
-        </p:spPr>
-        <p:txBody>
-          <a:bodyPr wrap="square" rtlCol="0">
-            <a:spAutoFit/>
-          </a:bodyPr>
-          <a:lstStyle/>
-          <a:p>
-            <a:r>
-              <a:rPr lang="ja-JP" altLang="en-US" sz="5400" dirty="0" smtClean="0">
-                <a:solidFill>
-                  <a:schemeClr val="bg1">
-                    <a:lumMod val="50000"/>
-                  </a:schemeClr>
-                </a:solidFill>
-                <a:latin typeface="HGP明朝B" panose="02020800000000000000" pitchFamily="18" charset="-128"/>
-                <a:ea typeface="HGP明朝B" panose="02020800000000000000" pitchFamily="18" charset="-128"/>
-              </a:rPr>
-              <a:t>　　　</a:t>
-            </a:r>
-            <a:r>
-              <a:rPr lang="ja-JP" altLang="en-US" sz="5400" dirty="0" smtClean="0">
-                <a:solidFill>
-                  <a:schemeClr val="bg1"/>
-                </a:solidFill>
-                <a:latin typeface="HGP明朝B" panose="02020800000000000000" pitchFamily="18" charset="-128"/>
-                <a:ea typeface="HGP明朝B" panose="02020800000000000000" pitchFamily="18" charset="-128"/>
-              </a:rPr>
-              <a:t>　 </a:t>
-            </a:r>
-            <a:r>
-              <a:rPr lang="en-US" altLang="ja-JP" sz="6000" dirty="0" smtClean="0">
-                <a:solidFill>
-                  <a:schemeClr val="tx1">
-                    <a:lumMod val="65000"/>
-                    <a:lumOff val="35000"/>
-                  </a:schemeClr>
-                </a:solidFill>
-                <a:latin typeface="HGP明朝E" panose="02020900000000000000" pitchFamily="18" charset="-128"/>
-                <a:ea typeface="HGP明朝E" panose="02020900000000000000" pitchFamily="18" charset="-128"/>
-              </a:rPr>
-              <a:t>3</a:t>
-            </a:r>
-            <a:r>
-              <a:rPr lang="en-US" altLang="ja-JP" sz="5400" dirty="0" smtClean="0">
-                <a:solidFill>
-                  <a:schemeClr val="tx1">
-                    <a:lumMod val="65000"/>
-                    <a:lumOff val="35000"/>
-                  </a:schemeClr>
-                </a:solidFill>
-                <a:latin typeface="+mn-ea"/>
-              </a:rPr>
-              <a:t>  </a:t>
-            </a:r>
-            <a:r>
-              <a:rPr lang="ja-JP" altLang="en-US" sz="3200" dirty="0" smtClean="0">
-                <a:solidFill>
-                  <a:schemeClr val="tx1">
-                    <a:lumMod val="65000"/>
-                    <a:lumOff val="35000"/>
-                  </a:schemeClr>
-                </a:solidFill>
-                <a:latin typeface="+mn-ea"/>
-              </a:rPr>
-              <a:t>進捗</a:t>
-            </a:r>
-            <a:r>
-              <a:rPr lang="ja-JP" altLang="en-US" sz="3200" dirty="0" smtClean="0">
-                <a:solidFill>
-                  <a:schemeClr val="tx1">
-                    <a:lumMod val="65000"/>
-                    <a:lumOff val="35000"/>
-                  </a:schemeClr>
-                </a:solidFill>
-                <a:latin typeface="+mn-ea"/>
-              </a:rPr>
-              <a:t>状況</a:t>
-            </a:r>
-            <a:r>
-              <a:rPr kumimoji="1" lang="en-US" altLang="ja-JP" sz="3200" dirty="0" smtClean="0">
-                <a:solidFill>
-                  <a:schemeClr val="tx1">
-                    <a:lumMod val="65000"/>
-                    <a:lumOff val="35000"/>
-                  </a:schemeClr>
-                </a:solidFill>
-                <a:latin typeface="+mn-ea"/>
-              </a:rPr>
-              <a:t>  </a:t>
-            </a:r>
-            <a:endParaRPr kumimoji="1" lang="ja-JP" altLang="en-US" sz="3200" dirty="0">
-              <a:solidFill>
-                <a:schemeClr val="tx1">
-                  <a:lumMod val="65000"/>
-                  <a:lumOff val="35000"/>
-                </a:schemeClr>
-              </a:solidFill>
-              <a:latin typeface="+mn-ea"/>
-            </a:endParaRPr>
-          </a:p>
-        </p:txBody>
-      </p:sp>
-      <p:sp>
-        <p:nvSpPr>
-          <p:cNvPr id="15" name="テキスト ボックス 14"/>
-          <p:cNvSpPr txBox="1"/>
-          <p:nvPr/>
-        </p:nvSpPr>
-        <p:spPr>
-          <a:xfrm>
-            <a:off x="0" y="4071476"/>
-            <a:ext cx="9144000" cy="1015663"/>
-          </a:xfrm>
-          <a:prstGeom prst="rect">
-            <a:avLst/>
-          </a:prstGeom>
-          <a:solidFill>
-            <a:srgbClr val="92D050"/>
-          </a:solidFill>
-        </p:spPr>
-        <p:txBody>
-          <a:bodyPr wrap="square" rtlCol="0">
-            <a:spAutoFit/>
-          </a:bodyPr>
-          <a:lstStyle/>
-          <a:p>
-            <a:r>
-              <a:rPr lang="ja-JP" altLang="en-US" sz="5400" dirty="0" smtClean="0">
-                <a:solidFill>
-                  <a:schemeClr val="bg1">
-                    <a:lumMod val="50000"/>
-                  </a:schemeClr>
-                </a:solidFill>
-                <a:latin typeface="HGP明朝B" panose="02020800000000000000" pitchFamily="18" charset="-128"/>
-                <a:ea typeface="HGP明朝B" panose="02020800000000000000" pitchFamily="18" charset="-128"/>
-              </a:rPr>
-              <a:t>　　　　 </a:t>
-            </a:r>
-            <a:r>
-              <a:rPr lang="en-US" altLang="ja-JP" sz="6000" dirty="0">
-                <a:solidFill>
-                  <a:schemeClr val="bg1"/>
-                </a:solidFill>
-                <a:latin typeface="HGP明朝E" panose="02020900000000000000" pitchFamily="18" charset="-128"/>
-                <a:ea typeface="HGP明朝E" panose="02020900000000000000" pitchFamily="18" charset="-128"/>
-              </a:rPr>
-              <a:t>4</a:t>
-            </a:r>
-            <a:r>
-              <a:rPr lang="en-US" altLang="ja-JP" sz="5400" dirty="0" smtClean="0">
-                <a:solidFill>
-                  <a:schemeClr val="bg1"/>
-                </a:solidFill>
-                <a:latin typeface="+mj-ea"/>
-                <a:ea typeface="+mj-ea"/>
-              </a:rPr>
-              <a:t>  </a:t>
-            </a:r>
-            <a:r>
-              <a:rPr lang="ja-JP" altLang="en-US" sz="3200" dirty="0" smtClean="0">
-                <a:solidFill>
-                  <a:schemeClr val="bg1"/>
-                </a:solidFill>
-                <a:latin typeface="+mj-ea"/>
-                <a:ea typeface="+mj-ea"/>
-              </a:rPr>
-              <a:t>問題点</a:t>
-            </a:r>
-            <a:r>
-              <a:rPr lang="ja-JP" altLang="en-US" sz="3200" dirty="0" smtClean="0">
-                <a:solidFill>
-                  <a:schemeClr val="bg1"/>
-                </a:solidFill>
-                <a:latin typeface="+mj-ea"/>
-                <a:ea typeface="+mj-ea"/>
-              </a:rPr>
-              <a:t>と改善点</a:t>
-            </a:r>
-            <a:r>
-              <a:rPr kumimoji="1" lang="en-US" altLang="ja-JP" sz="3200" dirty="0" smtClean="0">
-                <a:solidFill>
-                  <a:schemeClr val="bg1"/>
-                </a:solidFill>
-                <a:latin typeface="+mj-ea"/>
-                <a:ea typeface="+mj-ea"/>
-              </a:rPr>
-              <a:t>  </a:t>
-            </a:r>
-            <a:endParaRPr kumimoji="1" lang="ja-JP" altLang="en-US" sz="3200" dirty="0">
-              <a:solidFill>
-                <a:schemeClr val="bg1"/>
-              </a:solidFill>
-              <a:latin typeface="+mj-ea"/>
-              <a:ea typeface="+mj-ea"/>
-            </a:endParaRPr>
-          </a:p>
-        </p:txBody>
-      </p:sp>
-    </p:spTree>
-    <p:extLst>
-      <p:ext uri="{BB962C8B-B14F-4D97-AF65-F5344CB8AC3E}">
-        <p14:creationId xmlns:p14="http://schemas.microsoft.com/office/powerpoint/2010/main" val="3493003504"/>
-      </p:ext>
-    </p:extLst>
-  </p:cSld>
-  <p:clrMapOvr>
-    <a:masterClrMapping/>
-  </p:clrMapOvr>
-  <p:timing>
-    <p:tnLst>
-      <p:par>
-        <p:cTn id="1" dur="indefinite" restart="never" nodeType="tmRoot"/>
-      </p:par>
-    </p:tnLst>
-  </p:timing>
-</p:sld>
-</file>
-
-<file path=ppt/slides/slide15.xml><?xml version="1.0" encoding="utf-8"?>
-<p:sld xmlns:a="http://schemas.openxmlformats.org/drawingml/2006/main" xmlns:r="http://schemas.openxmlformats.org/officeDocument/2006/relationships" xmlns:p="http://schemas.openxmlformats.org/presentationml/2006/main">
-  <p:cSld>
-    <p:spTree>
-      <p:nvGrpSpPr>
-        <p:cNvPr id="1" name=""/>
-        <p:cNvGrpSpPr/>
-        <p:nvPr/>
-      </p:nvGrpSpPr>
-      <p:grpSpPr>
-        <a:xfrm>
-          <a:off x="0" y="0"/>
-          <a:ext cx="0" cy="0"/>
-          <a:chOff x="0" y="0"/>
-          <a:chExt cx="0" cy="0"/>
-        </a:xfrm>
-      </p:grpSpPr>
-      <p:sp>
-        <p:nvSpPr>
           <p:cNvPr id="2" name="タイトル 1"/>
           <p:cNvSpPr>
             <a:spLocks noGrp="1"/>
@@ -10129,7 +11717,7 @@
           <a:lstStyle/>
           <a:p>
             <a:r>
-              <a:rPr lang="ja-JP" altLang="en-US" sz="3200" dirty="0" smtClean="0">
+              <a:rPr lang="ja-JP" altLang="en-US" sz="3200" dirty="0">
                 <a:solidFill>
                   <a:schemeClr val="tx1">
                     <a:lumMod val="75000"/>
@@ -10138,7 +11726,7 @@
                 </a:solidFill>
                 <a:latin typeface="+mj-ea"/>
               </a:rPr>
-              <a:t>プロジェクトの課題</a:t>
+              <a:t>進展状況</a:t>
             </a:r>
             <a:endParaRPr kumimoji="1" lang="ja-JP" altLang="en-US" sz="3200" dirty="0">
               <a:solidFill>
@@ -10354,6 +11942,799 @@
           </a:p>
         </p:txBody>
       </p:sp>
+      <p:graphicFrame>
+        <p:nvGraphicFramePr>
+          <p:cNvPr id="11" name="グラフ 10"/>
+          <p:cNvGraphicFramePr/>
+          <p:nvPr>
+            <p:extLst>
+              <p:ext uri="{D42A27DB-BD31-4B8C-83A1-F6EECF244321}">
+                <p14:modId xmlns:p14="http://schemas.microsoft.com/office/powerpoint/2010/main" val="521787735"/>
+              </p:ext>
+            </p:extLst>
+          </p:nvPr>
+        </p:nvGraphicFramePr>
+        <p:xfrm>
+          <a:off x="274210" y="725067"/>
+          <a:ext cx="8599334" cy="5701489"/>
+        </p:xfrm>
+        <a:graphic>
+          <a:graphicData uri="http://schemas.openxmlformats.org/drawingml/2006/chart">
+            <c:chart xmlns:c="http://schemas.openxmlformats.org/drawingml/2006/chart" xmlns:r="http://schemas.openxmlformats.org/officeDocument/2006/relationships" r:id="rId2"/>
+          </a:graphicData>
+        </a:graphic>
+      </p:graphicFrame>
+      <p:sp>
+        <p:nvSpPr>
+          <p:cNvPr id="8" name="正方形/長方形 7"/>
+          <p:cNvSpPr/>
+          <p:nvPr/>
+        </p:nvSpPr>
+        <p:spPr>
+          <a:xfrm>
+            <a:off x="2" y="6426558"/>
+            <a:ext cx="9144000" cy="283336"/>
+          </a:xfrm>
+          <a:prstGeom prst="rect">
+            <a:avLst/>
+          </a:prstGeom>
+          <a:solidFill>
+            <a:srgbClr val="92D050"/>
+          </a:solidFill>
+          <a:ln>
+            <a:noFill/>
+          </a:ln>
+        </p:spPr>
+        <p:style>
+          <a:lnRef idx="2">
+            <a:schemeClr val="accent1">
+              <a:shade val="50000"/>
+            </a:schemeClr>
+          </a:lnRef>
+          <a:fillRef idx="1">
+            <a:schemeClr val="accent1"/>
+          </a:fillRef>
+          <a:effectRef idx="0">
+            <a:schemeClr val="accent1"/>
+          </a:effectRef>
+          <a:fontRef idx="minor">
+            <a:schemeClr val="lt1"/>
+          </a:fontRef>
+        </p:style>
+        <p:txBody>
+          <a:bodyPr rot="0" spcFirstLastPara="0" vertOverflow="overflow" horzOverflow="overflow" vert="horz" wrap="square" lIns="68580" tIns="34290" rIns="68580" bIns="34290" numCol="1" spcCol="0" rtlCol="0" fromWordArt="0" anchor="ctr" anchorCtr="0" forceAA="0" compatLnSpc="1">
+            <a:prstTxWarp prst="textNoShape">
+              <a:avLst/>
+            </a:prstTxWarp>
+            <a:noAutofit/>
+          </a:bodyPr>
+          <a:lstStyle/>
+          <a:p>
+            <a:pPr algn="ctr"/>
+            <a:endParaRPr lang="ja-JP" altLang="en-US" sz="1350"/>
+          </a:p>
+        </p:txBody>
+      </p:sp>
+    </p:spTree>
+    <p:extLst>
+      <p:ext uri="{BB962C8B-B14F-4D97-AF65-F5344CB8AC3E}">
+        <p14:creationId xmlns:p14="http://schemas.microsoft.com/office/powerpoint/2010/main" val="2269015073"/>
+      </p:ext>
+    </p:extLst>
+  </p:cSld>
+  <p:clrMapOvr>
+    <a:masterClrMapping/>
+  </p:clrMapOvr>
+  <p:timing>
+    <p:tnLst>
+      <p:par>
+        <p:cTn id="1" dur="indefinite" restart="never" nodeType="tmRoot"/>
+      </p:par>
+    </p:tnLst>
+  </p:timing>
+</p:sld>
+</file>
+
+<file path=ppt/slides/slide17.xml><?xml version="1.0" encoding="utf-8"?>
+<p:sld xmlns:a="http://schemas.openxmlformats.org/drawingml/2006/main" xmlns:r="http://schemas.openxmlformats.org/officeDocument/2006/relationships" xmlns:p="http://schemas.openxmlformats.org/presentationml/2006/main">
+  <p:cSld>
+    <p:spTree>
+      <p:nvGrpSpPr>
+        <p:cNvPr id="1" name=""/>
+        <p:cNvGrpSpPr/>
+        <p:nvPr/>
+      </p:nvGrpSpPr>
+      <p:grpSpPr>
+        <a:xfrm>
+          <a:off x="0" y="0"/>
+          <a:ext cx="0" cy="0"/>
+          <a:chOff x="0" y="0"/>
+          <a:chExt cx="0" cy="0"/>
+        </a:xfrm>
+      </p:grpSpPr>
+      <p:sp>
+        <p:nvSpPr>
+          <p:cNvPr id="11" name="テキスト ボックス 10"/>
+          <p:cNvSpPr txBox="1"/>
+          <p:nvPr/>
+        </p:nvSpPr>
+        <p:spPr>
+          <a:xfrm>
+            <a:off x="0" y="1209153"/>
+            <a:ext cx="9144000" cy="1015663"/>
+          </a:xfrm>
+          <a:prstGeom prst="rect">
+            <a:avLst/>
+          </a:prstGeom>
+          <a:noFill/>
+        </p:spPr>
+        <p:txBody>
+          <a:bodyPr wrap="square" rtlCol="0">
+            <a:spAutoFit/>
+          </a:bodyPr>
+          <a:lstStyle/>
+          <a:p>
+            <a:r>
+              <a:rPr lang="ja-JP" altLang="en-US" sz="5400" dirty="0" smtClean="0">
+                <a:solidFill>
+                  <a:schemeClr val="bg1">
+                    <a:lumMod val="50000"/>
+                  </a:schemeClr>
+                </a:solidFill>
+                <a:latin typeface="HGP明朝B" panose="02020800000000000000" pitchFamily="18" charset="-128"/>
+                <a:ea typeface="HGP明朝B" panose="02020800000000000000" pitchFamily="18" charset="-128"/>
+              </a:rPr>
+              <a:t>　　　　 </a:t>
+            </a:r>
+            <a:r>
+              <a:rPr lang="en-US" altLang="ja-JP" sz="6000" dirty="0" smtClean="0">
+                <a:solidFill>
+                  <a:schemeClr val="tx1">
+                    <a:lumMod val="65000"/>
+                    <a:lumOff val="35000"/>
+                  </a:schemeClr>
+                </a:solidFill>
+                <a:latin typeface="HGP明朝E" panose="02020900000000000000" pitchFamily="18" charset="-128"/>
+                <a:ea typeface="HGP明朝E" panose="02020900000000000000" pitchFamily="18" charset="-128"/>
+              </a:rPr>
+              <a:t>1</a:t>
+            </a:r>
+            <a:r>
+              <a:rPr lang="en-US" altLang="ja-JP" sz="5400" dirty="0" smtClean="0">
+                <a:solidFill>
+                  <a:schemeClr val="bg1">
+                    <a:lumMod val="50000"/>
+                  </a:schemeClr>
+                </a:solidFill>
+                <a:latin typeface="+mj-ea"/>
+                <a:ea typeface="+mj-ea"/>
+              </a:rPr>
+              <a:t>  </a:t>
+            </a:r>
+            <a:r>
+              <a:rPr lang="ja-JP" altLang="en-US" sz="3200" dirty="0" smtClean="0">
+                <a:solidFill>
+                  <a:schemeClr val="tx1">
+                    <a:lumMod val="65000"/>
+                    <a:lumOff val="35000"/>
+                  </a:schemeClr>
+                </a:solidFill>
+                <a:latin typeface="+mj-ea"/>
+                <a:ea typeface="+mj-ea"/>
+              </a:rPr>
+              <a:t>開発コンセプト</a:t>
+            </a:r>
+            <a:r>
+              <a:rPr kumimoji="1" lang="en-US" altLang="ja-JP" sz="3200" dirty="0" smtClean="0">
+                <a:solidFill>
+                  <a:schemeClr val="tx1">
+                    <a:lumMod val="65000"/>
+                    <a:lumOff val="35000"/>
+                  </a:schemeClr>
+                </a:solidFill>
+                <a:latin typeface="+mj-ea"/>
+                <a:ea typeface="+mj-ea"/>
+              </a:rPr>
+              <a:t>  </a:t>
+            </a:r>
+            <a:endParaRPr kumimoji="1" lang="ja-JP" altLang="en-US" sz="3200" dirty="0">
+              <a:solidFill>
+                <a:schemeClr val="tx1">
+                  <a:lumMod val="65000"/>
+                  <a:lumOff val="35000"/>
+                </a:schemeClr>
+              </a:solidFill>
+              <a:latin typeface="+mj-ea"/>
+              <a:ea typeface="+mj-ea"/>
+            </a:endParaRPr>
+          </a:p>
+        </p:txBody>
+      </p:sp>
+      <p:sp>
+        <p:nvSpPr>
+          <p:cNvPr id="12" name="テキスト ボックス 11"/>
+          <p:cNvSpPr txBox="1"/>
+          <p:nvPr/>
+        </p:nvSpPr>
+        <p:spPr>
+          <a:xfrm>
+            <a:off x="0" y="2132483"/>
+            <a:ext cx="9144000" cy="1015663"/>
+          </a:xfrm>
+          <a:prstGeom prst="rect">
+            <a:avLst/>
+          </a:prstGeom>
+          <a:noFill/>
+        </p:spPr>
+        <p:txBody>
+          <a:bodyPr wrap="square" rtlCol="0">
+            <a:spAutoFit/>
+          </a:bodyPr>
+          <a:lstStyle/>
+          <a:p>
+            <a:r>
+              <a:rPr lang="ja-JP" altLang="en-US" sz="5400" dirty="0" smtClean="0">
+                <a:solidFill>
+                  <a:schemeClr val="bg1">
+                    <a:lumMod val="50000"/>
+                  </a:schemeClr>
+                </a:solidFill>
+                <a:latin typeface="HGP明朝B" panose="02020800000000000000" pitchFamily="18" charset="-128"/>
+                <a:ea typeface="HGP明朝B" panose="02020800000000000000" pitchFamily="18" charset="-128"/>
+              </a:rPr>
+              <a:t>　　　</a:t>
+            </a:r>
+            <a:r>
+              <a:rPr lang="ja-JP" altLang="en-US" sz="5400" dirty="0" smtClean="0">
+                <a:solidFill>
+                  <a:schemeClr val="bg1"/>
+                </a:solidFill>
+                <a:latin typeface="HGP明朝B" panose="02020800000000000000" pitchFamily="18" charset="-128"/>
+                <a:ea typeface="HGP明朝B" panose="02020800000000000000" pitchFamily="18" charset="-128"/>
+              </a:rPr>
+              <a:t>　 </a:t>
+            </a:r>
+            <a:r>
+              <a:rPr lang="en-US" altLang="ja-JP" sz="6000" dirty="0" smtClean="0">
+                <a:solidFill>
+                  <a:schemeClr val="tx1">
+                    <a:lumMod val="65000"/>
+                    <a:lumOff val="35000"/>
+                  </a:schemeClr>
+                </a:solidFill>
+                <a:latin typeface="HGP明朝E" panose="02020900000000000000" pitchFamily="18" charset="-128"/>
+                <a:ea typeface="HGP明朝E" panose="02020900000000000000" pitchFamily="18" charset="-128"/>
+              </a:rPr>
+              <a:t>2</a:t>
+            </a:r>
+            <a:r>
+              <a:rPr lang="en-US" altLang="ja-JP" sz="5400" dirty="0" smtClean="0">
+                <a:solidFill>
+                  <a:schemeClr val="tx1">
+                    <a:lumMod val="65000"/>
+                    <a:lumOff val="35000"/>
+                  </a:schemeClr>
+                </a:solidFill>
+                <a:latin typeface="+mj-ea"/>
+                <a:ea typeface="+mj-ea"/>
+              </a:rPr>
+              <a:t>  </a:t>
+            </a:r>
+            <a:r>
+              <a:rPr lang="ja-JP" altLang="en-US" sz="3200" dirty="0" smtClean="0">
+                <a:solidFill>
+                  <a:schemeClr val="tx1">
+                    <a:lumMod val="65000"/>
+                    <a:lumOff val="35000"/>
+                  </a:schemeClr>
+                </a:solidFill>
+                <a:latin typeface="+mj-ea"/>
+                <a:ea typeface="+mj-ea"/>
+              </a:rPr>
+              <a:t>開発環境、動作環境</a:t>
+            </a:r>
+            <a:r>
+              <a:rPr kumimoji="1" lang="en-US" altLang="ja-JP" sz="3200" dirty="0" smtClean="0">
+                <a:solidFill>
+                  <a:schemeClr val="tx1">
+                    <a:lumMod val="65000"/>
+                    <a:lumOff val="35000"/>
+                  </a:schemeClr>
+                </a:solidFill>
+                <a:latin typeface="+mj-ea"/>
+                <a:ea typeface="+mj-ea"/>
+              </a:rPr>
+              <a:t>  </a:t>
+            </a:r>
+            <a:endParaRPr kumimoji="1" lang="ja-JP" altLang="en-US" sz="3200" dirty="0">
+              <a:solidFill>
+                <a:schemeClr val="tx1">
+                  <a:lumMod val="65000"/>
+                  <a:lumOff val="35000"/>
+                </a:schemeClr>
+              </a:solidFill>
+              <a:latin typeface="+mj-ea"/>
+              <a:ea typeface="+mj-ea"/>
+            </a:endParaRPr>
+          </a:p>
+        </p:txBody>
+      </p:sp>
+      <p:sp>
+        <p:nvSpPr>
+          <p:cNvPr id="13" name="テキスト ボックス 12"/>
+          <p:cNvSpPr txBox="1"/>
+          <p:nvPr/>
+        </p:nvSpPr>
+        <p:spPr>
+          <a:xfrm>
+            <a:off x="0" y="3055813"/>
+            <a:ext cx="9144000" cy="1015663"/>
+          </a:xfrm>
+          <a:prstGeom prst="rect">
+            <a:avLst/>
+          </a:prstGeom>
+          <a:noFill/>
+        </p:spPr>
+        <p:txBody>
+          <a:bodyPr wrap="square" rtlCol="0">
+            <a:spAutoFit/>
+          </a:bodyPr>
+          <a:lstStyle/>
+          <a:p>
+            <a:r>
+              <a:rPr lang="ja-JP" altLang="en-US" sz="5400" dirty="0" smtClean="0">
+                <a:solidFill>
+                  <a:schemeClr val="bg1">
+                    <a:lumMod val="50000"/>
+                  </a:schemeClr>
+                </a:solidFill>
+                <a:latin typeface="HGP明朝B" panose="02020800000000000000" pitchFamily="18" charset="-128"/>
+                <a:ea typeface="HGP明朝B" panose="02020800000000000000" pitchFamily="18" charset="-128"/>
+              </a:rPr>
+              <a:t>　　　</a:t>
+            </a:r>
+            <a:r>
+              <a:rPr lang="ja-JP" altLang="en-US" sz="5400" dirty="0" smtClean="0">
+                <a:solidFill>
+                  <a:schemeClr val="bg1"/>
+                </a:solidFill>
+                <a:latin typeface="HGP明朝B" panose="02020800000000000000" pitchFamily="18" charset="-128"/>
+                <a:ea typeface="HGP明朝B" panose="02020800000000000000" pitchFamily="18" charset="-128"/>
+              </a:rPr>
+              <a:t>　 </a:t>
+            </a:r>
+            <a:r>
+              <a:rPr lang="en-US" altLang="ja-JP" sz="6000" dirty="0" smtClean="0">
+                <a:solidFill>
+                  <a:schemeClr val="tx1">
+                    <a:lumMod val="65000"/>
+                    <a:lumOff val="35000"/>
+                  </a:schemeClr>
+                </a:solidFill>
+                <a:latin typeface="HGP明朝E" panose="02020900000000000000" pitchFamily="18" charset="-128"/>
+                <a:ea typeface="HGP明朝E" panose="02020900000000000000" pitchFamily="18" charset="-128"/>
+              </a:rPr>
+              <a:t>3</a:t>
+            </a:r>
+            <a:r>
+              <a:rPr lang="en-US" altLang="ja-JP" sz="5400" dirty="0" smtClean="0">
+                <a:solidFill>
+                  <a:schemeClr val="tx1">
+                    <a:lumMod val="65000"/>
+                    <a:lumOff val="35000"/>
+                  </a:schemeClr>
+                </a:solidFill>
+                <a:latin typeface="+mn-ea"/>
+              </a:rPr>
+              <a:t>  </a:t>
+            </a:r>
+            <a:r>
+              <a:rPr lang="ja-JP" altLang="en-US" sz="3200" dirty="0" smtClean="0">
+                <a:solidFill>
+                  <a:schemeClr val="tx1">
+                    <a:lumMod val="65000"/>
+                    <a:lumOff val="35000"/>
+                  </a:schemeClr>
+                </a:solidFill>
+                <a:latin typeface="+mn-ea"/>
+              </a:rPr>
+              <a:t>進捗状況</a:t>
+            </a:r>
+            <a:r>
+              <a:rPr kumimoji="1" lang="en-US" altLang="ja-JP" sz="3200" dirty="0" smtClean="0">
+                <a:solidFill>
+                  <a:schemeClr val="tx1">
+                    <a:lumMod val="65000"/>
+                    <a:lumOff val="35000"/>
+                  </a:schemeClr>
+                </a:solidFill>
+                <a:latin typeface="+mn-ea"/>
+              </a:rPr>
+              <a:t>  </a:t>
+            </a:r>
+            <a:endParaRPr kumimoji="1" lang="ja-JP" altLang="en-US" sz="3200" dirty="0">
+              <a:solidFill>
+                <a:schemeClr val="tx1">
+                  <a:lumMod val="65000"/>
+                  <a:lumOff val="35000"/>
+                </a:schemeClr>
+              </a:solidFill>
+              <a:latin typeface="+mn-ea"/>
+            </a:endParaRPr>
+          </a:p>
+        </p:txBody>
+      </p:sp>
+      <p:sp>
+        <p:nvSpPr>
+          <p:cNvPr id="15" name="テキスト ボックス 14"/>
+          <p:cNvSpPr txBox="1"/>
+          <p:nvPr/>
+        </p:nvSpPr>
+        <p:spPr>
+          <a:xfrm>
+            <a:off x="0" y="4071476"/>
+            <a:ext cx="9144000" cy="1015663"/>
+          </a:xfrm>
+          <a:prstGeom prst="rect">
+            <a:avLst/>
+          </a:prstGeom>
+          <a:solidFill>
+            <a:srgbClr val="92D050"/>
+          </a:solidFill>
+        </p:spPr>
+        <p:txBody>
+          <a:bodyPr wrap="square" rtlCol="0">
+            <a:spAutoFit/>
+          </a:bodyPr>
+          <a:lstStyle/>
+          <a:p>
+            <a:r>
+              <a:rPr lang="ja-JP" altLang="en-US" sz="5400" dirty="0" smtClean="0">
+                <a:solidFill>
+                  <a:schemeClr val="bg1">
+                    <a:lumMod val="50000"/>
+                  </a:schemeClr>
+                </a:solidFill>
+                <a:latin typeface="HGP明朝B" panose="02020800000000000000" pitchFamily="18" charset="-128"/>
+                <a:ea typeface="HGP明朝B" panose="02020800000000000000" pitchFamily="18" charset="-128"/>
+              </a:rPr>
+              <a:t>　　　　 </a:t>
+            </a:r>
+            <a:r>
+              <a:rPr lang="en-US" altLang="ja-JP" sz="6000" dirty="0">
+                <a:solidFill>
+                  <a:schemeClr val="bg1"/>
+                </a:solidFill>
+                <a:latin typeface="HGP明朝E" panose="02020900000000000000" pitchFamily="18" charset="-128"/>
+                <a:ea typeface="HGP明朝E" panose="02020900000000000000" pitchFamily="18" charset="-128"/>
+              </a:rPr>
+              <a:t>4</a:t>
+            </a:r>
+            <a:r>
+              <a:rPr lang="en-US" altLang="ja-JP" sz="5400" dirty="0" smtClean="0">
+                <a:solidFill>
+                  <a:schemeClr val="bg1"/>
+                </a:solidFill>
+                <a:latin typeface="+mj-ea"/>
+                <a:ea typeface="+mj-ea"/>
+              </a:rPr>
+              <a:t>  </a:t>
+            </a:r>
+            <a:r>
+              <a:rPr lang="ja-JP" altLang="en-US" sz="3200" dirty="0" smtClean="0">
+                <a:solidFill>
+                  <a:schemeClr val="bg1"/>
+                </a:solidFill>
+                <a:latin typeface="+mj-ea"/>
+                <a:ea typeface="+mj-ea"/>
+              </a:rPr>
+              <a:t>問題点と改善点</a:t>
+            </a:r>
+            <a:r>
+              <a:rPr kumimoji="1" lang="en-US" altLang="ja-JP" sz="3200" dirty="0" smtClean="0">
+                <a:solidFill>
+                  <a:schemeClr val="bg1"/>
+                </a:solidFill>
+                <a:latin typeface="+mj-ea"/>
+                <a:ea typeface="+mj-ea"/>
+              </a:rPr>
+              <a:t>  </a:t>
+            </a:r>
+            <a:endParaRPr kumimoji="1" lang="ja-JP" altLang="en-US" sz="3200" dirty="0">
+              <a:solidFill>
+                <a:schemeClr val="bg1"/>
+              </a:solidFill>
+              <a:latin typeface="+mj-ea"/>
+              <a:ea typeface="+mj-ea"/>
+            </a:endParaRPr>
+          </a:p>
+        </p:txBody>
+      </p:sp>
+    </p:spTree>
+    <p:extLst>
+      <p:ext uri="{BB962C8B-B14F-4D97-AF65-F5344CB8AC3E}">
+        <p14:creationId xmlns:p14="http://schemas.microsoft.com/office/powerpoint/2010/main" val="3493003504"/>
+      </p:ext>
+    </p:extLst>
+  </p:cSld>
+  <p:clrMapOvr>
+    <a:masterClrMapping/>
+  </p:clrMapOvr>
+  <p:timing>
+    <p:tnLst>
+      <p:par>
+        <p:cTn id="1" dur="indefinite" restart="never" nodeType="tmRoot"/>
+      </p:par>
+    </p:tnLst>
+  </p:timing>
+</p:sld>
+</file>
+
+<file path=ppt/slides/slide18.xml><?xml version="1.0" encoding="utf-8"?>
+<p:sld xmlns:a="http://schemas.openxmlformats.org/drawingml/2006/main" xmlns:r="http://schemas.openxmlformats.org/officeDocument/2006/relationships" xmlns:p="http://schemas.openxmlformats.org/presentationml/2006/main">
+  <p:cSld>
+    <p:spTree>
+      <p:nvGrpSpPr>
+        <p:cNvPr id="1" name=""/>
+        <p:cNvGrpSpPr/>
+        <p:nvPr/>
+      </p:nvGrpSpPr>
+      <p:grpSpPr>
+        <a:xfrm>
+          <a:off x="0" y="0"/>
+          <a:ext cx="0" cy="0"/>
+          <a:chOff x="0" y="0"/>
+          <a:chExt cx="0" cy="0"/>
+        </a:xfrm>
+      </p:grpSpPr>
+      <p:sp>
+        <p:nvSpPr>
+          <p:cNvPr id="2" name="タイトル 1"/>
+          <p:cNvSpPr>
+            <a:spLocks noGrp="1"/>
+          </p:cNvSpPr>
+          <p:nvPr>
+            <p:ph type="title"/>
+          </p:nvPr>
+        </p:nvSpPr>
+        <p:spPr>
+          <a:xfrm>
+            <a:off x="969890" y="1"/>
+            <a:ext cx="7718937" cy="725068"/>
+          </a:xfrm>
+        </p:spPr>
+        <p:txBody>
+          <a:bodyPr>
+            <a:normAutofit/>
+          </a:bodyPr>
+          <a:lstStyle/>
+          <a:p>
+            <a:r>
+              <a:rPr lang="ja-JP" altLang="en-US" sz="3200" dirty="0" smtClean="0">
+                <a:solidFill>
+                  <a:schemeClr val="tx1">
+                    <a:lumMod val="75000"/>
+                    <a:lumOff val="25000"/>
+                  </a:schemeClr>
+                </a:solidFill>
+                <a:latin typeface="+mj-ea"/>
+              </a:rPr>
+              <a:t>プロジェクトの課題</a:t>
+            </a:r>
+            <a:endParaRPr kumimoji="1" lang="ja-JP" altLang="en-US" sz="3200" dirty="0">
+              <a:solidFill>
+                <a:schemeClr val="tx1">
+                  <a:lumMod val="75000"/>
+                  <a:lumOff val="25000"/>
+                </a:schemeClr>
+              </a:solidFill>
+              <a:latin typeface="+mj-ea"/>
+            </a:endParaRPr>
+          </a:p>
+        </p:txBody>
+      </p:sp>
+      <p:sp>
+        <p:nvSpPr>
+          <p:cNvPr id="4" name="正方形/長方形 3"/>
+          <p:cNvSpPr/>
+          <p:nvPr/>
+        </p:nvSpPr>
+        <p:spPr>
+          <a:xfrm>
+            <a:off x="548189" y="141783"/>
+            <a:ext cx="421701" cy="407214"/>
+          </a:xfrm>
+          <a:prstGeom prst="rect">
+            <a:avLst/>
+          </a:prstGeom>
+          <a:solidFill>
+            <a:srgbClr val="92D050"/>
+          </a:solidFill>
+        </p:spPr>
+        <p:style>
+          <a:lnRef idx="2">
+            <a:schemeClr val="accent1">
+              <a:shade val="50000"/>
+            </a:schemeClr>
+          </a:lnRef>
+          <a:fillRef idx="1">
+            <a:schemeClr val="accent1"/>
+          </a:fillRef>
+          <a:effectRef idx="0">
+            <a:schemeClr val="accent1"/>
+          </a:effectRef>
+          <a:fontRef idx="minor">
+            <a:schemeClr val="lt1"/>
+          </a:fontRef>
+        </p:style>
+        <p:txBody>
+          <a:bodyPr rot="0" spcFirstLastPara="0" vertOverflow="overflow" horzOverflow="overflow" vert="horz" wrap="square" lIns="68580" tIns="34290" rIns="68580" bIns="34290" numCol="1" spcCol="0" rtlCol="0" fromWordArt="0" anchor="ctr" anchorCtr="0" forceAA="0" compatLnSpc="1">
+            <a:prstTxWarp prst="textNoShape">
+              <a:avLst/>
+            </a:prstTxWarp>
+            <a:noAutofit/>
+          </a:bodyPr>
+          <a:lstStyle/>
+          <a:p>
+            <a:pPr algn="ctr"/>
+            <a:endParaRPr lang="ja-JP" altLang="en-US" sz="1350"/>
+          </a:p>
+        </p:txBody>
+      </p:sp>
+      <p:sp>
+        <p:nvSpPr>
+          <p:cNvPr id="5" name="正方形/長方形 4"/>
+          <p:cNvSpPr/>
+          <p:nvPr/>
+        </p:nvSpPr>
+        <p:spPr>
+          <a:xfrm>
+            <a:off x="274210" y="327316"/>
+            <a:ext cx="210736" cy="221681"/>
+          </a:xfrm>
+          <a:prstGeom prst="rect">
+            <a:avLst/>
+          </a:prstGeom>
+          <a:solidFill>
+            <a:srgbClr val="92D050">
+              <a:alpha val="64000"/>
+            </a:srgbClr>
+          </a:solidFill>
+        </p:spPr>
+        <p:style>
+          <a:lnRef idx="2">
+            <a:schemeClr val="accent1">
+              <a:shade val="50000"/>
+            </a:schemeClr>
+          </a:lnRef>
+          <a:fillRef idx="1">
+            <a:schemeClr val="accent1"/>
+          </a:fillRef>
+          <a:effectRef idx="0">
+            <a:schemeClr val="accent1"/>
+          </a:effectRef>
+          <a:fontRef idx="minor">
+            <a:schemeClr val="lt1"/>
+          </a:fontRef>
+        </p:style>
+        <p:txBody>
+          <a:bodyPr rot="0" spcFirstLastPara="0" vertOverflow="overflow" horzOverflow="overflow" vert="horz" wrap="square" lIns="68580" tIns="34290" rIns="68580" bIns="34290" numCol="1" spcCol="0" rtlCol="0" fromWordArt="0" anchor="ctr" anchorCtr="0" forceAA="0" compatLnSpc="1">
+            <a:prstTxWarp prst="textNoShape">
+              <a:avLst/>
+            </a:prstTxWarp>
+            <a:noAutofit/>
+          </a:bodyPr>
+          <a:lstStyle/>
+          <a:p>
+            <a:pPr algn="ctr"/>
+            <a:endParaRPr lang="ja-JP" altLang="en-US" sz="1350"/>
+          </a:p>
+        </p:txBody>
+      </p:sp>
+      <p:sp>
+        <p:nvSpPr>
+          <p:cNvPr id="6" name="正方形/長方形 5"/>
+          <p:cNvSpPr/>
+          <p:nvPr/>
+        </p:nvSpPr>
+        <p:spPr>
+          <a:xfrm>
+            <a:off x="614748" y="801564"/>
+            <a:ext cx="288581" cy="264317"/>
+          </a:xfrm>
+          <a:prstGeom prst="rect">
+            <a:avLst/>
+          </a:prstGeom>
+          <a:solidFill>
+            <a:schemeClr val="bg1">
+              <a:lumMod val="85000"/>
+            </a:schemeClr>
+          </a:solidFill>
+          <a:ln>
+            <a:noFill/>
+          </a:ln>
+        </p:spPr>
+        <p:style>
+          <a:lnRef idx="2">
+            <a:schemeClr val="accent1">
+              <a:shade val="50000"/>
+            </a:schemeClr>
+          </a:lnRef>
+          <a:fillRef idx="1">
+            <a:schemeClr val="accent1"/>
+          </a:fillRef>
+          <a:effectRef idx="0">
+            <a:schemeClr val="accent1"/>
+          </a:effectRef>
+          <a:fontRef idx="minor">
+            <a:schemeClr val="lt1"/>
+          </a:fontRef>
+        </p:style>
+        <p:txBody>
+          <a:bodyPr rot="0" spcFirstLastPara="0" vertOverflow="overflow" horzOverflow="overflow" vert="horz" wrap="square" lIns="68580" tIns="34290" rIns="68580" bIns="34290" numCol="1" spcCol="0" rtlCol="0" fromWordArt="0" anchor="ctr" anchorCtr="0" forceAA="0" compatLnSpc="1">
+            <a:prstTxWarp prst="textNoShape">
+              <a:avLst/>
+            </a:prstTxWarp>
+            <a:noAutofit/>
+          </a:bodyPr>
+          <a:lstStyle/>
+          <a:p>
+            <a:pPr algn="ctr"/>
+            <a:endParaRPr lang="ja-JP" altLang="en-US" sz="1350"/>
+          </a:p>
+        </p:txBody>
+      </p:sp>
+      <p:sp>
+        <p:nvSpPr>
+          <p:cNvPr id="7" name="正方形/長方形 6"/>
+          <p:cNvSpPr/>
+          <p:nvPr/>
+        </p:nvSpPr>
+        <p:spPr>
+          <a:xfrm>
+            <a:off x="1" y="690779"/>
+            <a:ext cx="9144001" cy="34289"/>
+          </a:xfrm>
+          <a:prstGeom prst="rect">
+            <a:avLst/>
+          </a:prstGeom>
+          <a:solidFill>
+            <a:srgbClr val="92D050"/>
+          </a:solidFill>
+          <a:ln>
+            <a:noFill/>
+          </a:ln>
+        </p:spPr>
+        <p:style>
+          <a:lnRef idx="2">
+            <a:schemeClr val="accent1">
+              <a:shade val="50000"/>
+            </a:schemeClr>
+          </a:lnRef>
+          <a:fillRef idx="1">
+            <a:schemeClr val="accent1"/>
+          </a:fillRef>
+          <a:effectRef idx="0">
+            <a:schemeClr val="accent1"/>
+          </a:effectRef>
+          <a:fontRef idx="minor">
+            <a:schemeClr val="lt1"/>
+          </a:fontRef>
+        </p:style>
+        <p:txBody>
+          <a:bodyPr rot="0" spcFirstLastPara="0" vertOverflow="overflow" horzOverflow="overflow" vert="horz" wrap="square" lIns="68580" tIns="34290" rIns="68580" bIns="34290" numCol="1" spcCol="0" rtlCol="0" fromWordArt="0" anchor="ctr" anchorCtr="0" forceAA="0" compatLnSpc="1">
+            <a:prstTxWarp prst="textNoShape">
+              <a:avLst/>
+            </a:prstTxWarp>
+            <a:noAutofit/>
+          </a:bodyPr>
+          <a:lstStyle/>
+          <a:p>
+            <a:pPr algn="ctr"/>
+            <a:endParaRPr lang="ja-JP" altLang="en-US" sz="1350"/>
+          </a:p>
+        </p:txBody>
+      </p:sp>
       <p:sp>
         <p:nvSpPr>
           <p:cNvPr id="3" name="テキスト ボックス 2"/>
@@ -10514,10 +12895,10 @@
                   </a:schemeClr>
                 </a:solidFill>
               </a:rPr>
-              <a:t>セキュリティを</a:t>
-            </a:r>
-            <a:r>
-              <a:rPr lang="ja-JP" altLang="en-US" sz="2800" dirty="0" smtClean="0">
+              <a:t>セキュリティを実装</a:t>
+            </a:r>
+            <a:r>
+              <a:rPr lang="ja-JP" altLang="en-US" sz="2800" dirty="0">
                 <a:solidFill>
                   <a:schemeClr val="tx1">
                     <a:lumMod val="65000"/>
@@ -10525,10 +12906,10 @@
                   </a:schemeClr>
                 </a:solidFill>
               </a:rPr>
-              <a:t>実装</a:t>
-            </a:r>
-            <a:r>
-              <a:rPr lang="ja-JP" altLang="en-US" sz="2800" dirty="0">
+              <a:t>する上での</a:t>
+            </a:r>
+            <a:r>
+              <a:rPr lang="ja-JP" altLang="en-US" sz="2800" dirty="0" smtClean="0">
                 <a:solidFill>
                   <a:schemeClr val="tx1">
                     <a:lumMod val="65000"/>
@@ -10536,29 +12917,7 @@
                   </a:schemeClr>
                 </a:solidFill>
               </a:rPr>
-              <a:t>する上での</a:t>
-            </a:r>
-            <a:r>
-              <a:rPr lang="ja-JP" altLang="en-US" sz="2800" dirty="0" smtClean="0">
-                <a:solidFill>
-                  <a:schemeClr val="tx1">
-                    <a:lumMod val="65000"/>
-                    <a:lumOff val="35000"/>
-                  </a:schemeClr>
-                </a:solidFill>
-              </a:rPr>
-              <a:t>技術力</a:t>
-            </a:r>
-            <a:r>
-              <a:rPr lang="ja-JP" altLang="en-US" sz="2800" dirty="0" smtClean="0">
-                <a:solidFill>
-                  <a:schemeClr val="tx1">
-                    <a:lumMod val="65000"/>
-                    <a:lumOff val="35000"/>
-                  </a:schemeClr>
-                </a:solidFill>
-              </a:rPr>
-              <a:t>が不足している</a:t>
+              <a:t>技術力が不足している</a:t>
             </a:r>
             <a:endParaRPr kumimoji="1" lang="ja-JP" altLang="en-US" sz="2800" dirty="0">
               <a:solidFill>
@@ -10672,7 +13031,7 @@
 </p:sld>
 </file>
 
-<file path=ppt/slides/slide16.xml><?xml version="1.0" encoding="utf-8"?>
+<file path=ppt/slides/slide19.xml><?xml version="1.0" encoding="utf-8"?>
 <p:sld xmlns:a="http://schemas.openxmlformats.org/drawingml/2006/main" xmlns:r="http://schemas.openxmlformats.org/officeDocument/2006/relationships" xmlns:p="http://schemas.openxmlformats.org/presentationml/2006/main">
   <p:cSld>
     <p:spTree>
@@ -10976,19 +13335,7 @@
                 </a:solidFill>
                 <a:latin typeface="+mn-ea"/>
               </a:rPr>
-              <a:t>これら問題点は技術的不足からくる</a:t>
-            </a:r>
-            <a:r>
-              <a:rPr kumimoji="1" lang="ja-JP" altLang="en-US" sz="2800" dirty="0" smtClean="0">
-                <a:solidFill>
-                  <a:schemeClr val="tx1">
-                    <a:lumMod val="65000"/>
-                    <a:lumOff val="35000"/>
-                  </a:schemeClr>
-                </a:solidFill>
-                <a:latin typeface="+mn-ea"/>
-              </a:rPr>
-              <a:t>もの</a:t>
+              <a:t>これら問題点は技術的不足からくるもの</a:t>
             </a:r>
             <a:endParaRPr kumimoji="1" lang="en-US" altLang="ja-JP" sz="2800" dirty="0" smtClean="0">
               <a:solidFill>
@@ -11046,19 +13393,7 @@
                 </a:solidFill>
                 <a:latin typeface="+mn-ea"/>
               </a:rPr>
-              <a:t>　　開発</a:t>
-            </a:r>
-            <a:r>
-              <a:rPr kumimoji="1" lang="ja-JP" altLang="en-US" sz="2800" dirty="0" smtClean="0">
-                <a:solidFill>
-                  <a:schemeClr val="tx1">
-                    <a:lumMod val="65000"/>
-                    <a:lumOff val="35000"/>
-                  </a:schemeClr>
-                </a:solidFill>
-                <a:latin typeface="+mn-ea"/>
-              </a:rPr>
-              <a:t>と並行してセキュリティ技術を勉強していく。</a:t>
+              <a:t>　　開発と並行してセキュリティ技術を勉強していく。</a:t>
             </a:r>
             <a:endParaRPr kumimoji="1" lang="ja-JP" altLang="en-US" sz="2800" dirty="0">
               <a:solidFill>
@@ -11173,7 +13508,620 @@
 </p:sld>
 </file>
 
-<file path=ppt/slides/slide17.xml><?xml version="1.0" encoding="utf-8"?>
+<file path=ppt/slides/slide2.xml><?xml version="1.0" encoding="utf-8"?>
+<p:sld xmlns:a="http://schemas.openxmlformats.org/drawingml/2006/main" xmlns:r="http://schemas.openxmlformats.org/officeDocument/2006/relationships" xmlns:p="http://schemas.openxmlformats.org/presentationml/2006/main">
+  <p:cSld>
+    <p:spTree>
+      <p:nvGrpSpPr>
+        <p:cNvPr id="1" name=""/>
+        <p:cNvGrpSpPr/>
+        <p:nvPr/>
+      </p:nvGrpSpPr>
+      <p:grpSpPr>
+        <a:xfrm>
+          <a:off x="0" y="0"/>
+          <a:ext cx="0" cy="0"/>
+          <a:chOff x="0" y="0"/>
+          <a:chExt cx="0" cy="0"/>
+        </a:xfrm>
+      </p:grpSpPr>
+      <p:sp>
+        <p:nvSpPr>
+          <p:cNvPr id="11" name="テキスト ボックス 10"/>
+          <p:cNvSpPr txBox="1"/>
+          <p:nvPr/>
+        </p:nvSpPr>
+        <p:spPr>
+          <a:xfrm>
+            <a:off x="0" y="1325396"/>
+            <a:ext cx="9144000" cy="1015663"/>
+          </a:xfrm>
+          <a:prstGeom prst="rect">
+            <a:avLst/>
+          </a:prstGeom>
+          <a:noFill/>
+        </p:spPr>
+        <p:txBody>
+          <a:bodyPr wrap="square" rtlCol="0">
+            <a:spAutoFit/>
+          </a:bodyPr>
+          <a:lstStyle/>
+          <a:p>
+            <a:r>
+              <a:rPr lang="ja-JP" altLang="en-US" sz="5400" dirty="0" smtClean="0">
+                <a:solidFill>
+                  <a:schemeClr val="bg1">
+                    <a:lumMod val="50000"/>
+                  </a:schemeClr>
+                </a:solidFill>
+                <a:latin typeface="HGP明朝B" panose="02020800000000000000" pitchFamily="18" charset="-128"/>
+                <a:ea typeface="HGP明朝B" panose="02020800000000000000" pitchFamily="18" charset="-128"/>
+              </a:rPr>
+              <a:t>　　　　 </a:t>
+            </a:r>
+            <a:r>
+              <a:rPr lang="en-US" altLang="ja-JP" sz="6000" dirty="0" smtClean="0">
+                <a:solidFill>
+                  <a:schemeClr val="bg1">
+                    <a:lumMod val="50000"/>
+                  </a:schemeClr>
+                </a:solidFill>
+                <a:latin typeface="HGP明朝E" panose="02020900000000000000" pitchFamily="18" charset="-128"/>
+                <a:ea typeface="HGP明朝E" panose="02020900000000000000" pitchFamily="18" charset="-128"/>
+              </a:rPr>
+              <a:t>1</a:t>
+            </a:r>
+            <a:r>
+              <a:rPr lang="en-US" altLang="ja-JP" sz="5400" dirty="0" smtClean="0">
+                <a:solidFill>
+                  <a:schemeClr val="bg1">
+                    <a:lumMod val="50000"/>
+                  </a:schemeClr>
+                </a:solidFill>
+                <a:latin typeface="+mj-ea"/>
+                <a:ea typeface="+mj-ea"/>
+              </a:rPr>
+              <a:t>  </a:t>
+            </a:r>
+            <a:r>
+              <a:rPr lang="ja-JP" altLang="en-US" sz="3200" dirty="0" smtClean="0">
+                <a:solidFill>
+                  <a:schemeClr val="tx1">
+                    <a:lumMod val="75000"/>
+                    <a:lumOff val="25000"/>
+                  </a:schemeClr>
+                </a:solidFill>
+                <a:latin typeface="+mj-ea"/>
+                <a:ea typeface="+mj-ea"/>
+              </a:rPr>
+              <a:t>開発コンセプト</a:t>
+            </a:r>
+            <a:r>
+              <a:rPr kumimoji="1" lang="en-US" altLang="ja-JP" sz="3200" dirty="0" smtClean="0">
+                <a:solidFill>
+                  <a:schemeClr val="tx1">
+                    <a:lumMod val="75000"/>
+                    <a:lumOff val="25000"/>
+                  </a:schemeClr>
+                </a:solidFill>
+                <a:latin typeface="+mj-ea"/>
+                <a:ea typeface="+mj-ea"/>
+              </a:rPr>
+              <a:t>  </a:t>
+            </a:r>
+            <a:endParaRPr kumimoji="1" lang="ja-JP" altLang="en-US" sz="3200" dirty="0">
+              <a:solidFill>
+                <a:schemeClr val="tx1">
+                  <a:lumMod val="75000"/>
+                  <a:lumOff val="25000"/>
+                </a:schemeClr>
+              </a:solidFill>
+              <a:latin typeface="+mj-ea"/>
+              <a:ea typeface="+mj-ea"/>
+            </a:endParaRPr>
+          </a:p>
+        </p:txBody>
+      </p:sp>
+      <p:sp>
+        <p:nvSpPr>
+          <p:cNvPr id="12" name="テキスト ボックス 11"/>
+          <p:cNvSpPr txBox="1"/>
+          <p:nvPr/>
+        </p:nvSpPr>
+        <p:spPr>
+          <a:xfrm>
+            <a:off x="0" y="2339814"/>
+            <a:ext cx="9144000" cy="1015663"/>
+          </a:xfrm>
+          <a:prstGeom prst="rect">
+            <a:avLst/>
+          </a:prstGeom>
+          <a:noFill/>
+        </p:spPr>
+        <p:txBody>
+          <a:bodyPr wrap="square" rtlCol="0">
+            <a:spAutoFit/>
+          </a:bodyPr>
+          <a:lstStyle/>
+          <a:p>
+            <a:r>
+              <a:rPr lang="ja-JP" altLang="en-US" sz="5400" dirty="0" smtClean="0">
+                <a:solidFill>
+                  <a:schemeClr val="bg1">
+                    <a:lumMod val="50000"/>
+                  </a:schemeClr>
+                </a:solidFill>
+                <a:latin typeface="HGP明朝B" panose="02020800000000000000" pitchFamily="18" charset="-128"/>
+                <a:ea typeface="HGP明朝B" panose="02020800000000000000" pitchFamily="18" charset="-128"/>
+              </a:rPr>
+              <a:t>　　　　 </a:t>
+            </a:r>
+            <a:r>
+              <a:rPr lang="en-US" altLang="ja-JP" sz="6000" dirty="0" smtClean="0">
+                <a:solidFill>
+                  <a:schemeClr val="bg1">
+                    <a:lumMod val="50000"/>
+                  </a:schemeClr>
+                </a:solidFill>
+                <a:latin typeface="HGP明朝B" panose="02020800000000000000" pitchFamily="18" charset="-128"/>
+                <a:ea typeface="HGP明朝B" panose="02020800000000000000" pitchFamily="18" charset="-128"/>
+              </a:rPr>
+              <a:t>2</a:t>
+            </a:r>
+            <a:r>
+              <a:rPr lang="en-US" altLang="ja-JP" sz="5400" dirty="0" smtClean="0">
+                <a:solidFill>
+                  <a:schemeClr val="bg1">
+                    <a:lumMod val="50000"/>
+                  </a:schemeClr>
+                </a:solidFill>
+                <a:latin typeface="+mj-ea"/>
+                <a:ea typeface="+mj-ea"/>
+              </a:rPr>
+              <a:t>  </a:t>
+            </a:r>
+            <a:r>
+              <a:rPr lang="ja-JP" altLang="en-US" sz="3200" dirty="0" smtClean="0">
+                <a:solidFill>
+                  <a:schemeClr val="tx1">
+                    <a:lumMod val="75000"/>
+                    <a:lumOff val="25000"/>
+                  </a:schemeClr>
+                </a:solidFill>
+                <a:latin typeface="+mj-ea"/>
+                <a:ea typeface="+mj-ea"/>
+              </a:rPr>
+              <a:t>開発環境、動作環境</a:t>
+            </a:r>
+            <a:r>
+              <a:rPr kumimoji="1" lang="en-US" altLang="ja-JP" sz="3200" dirty="0" smtClean="0">
+                <a:solidFill>
+                  <a:schemeClr val="tx1">
+                    <a:lumMod val="75000"/>
+                    <a:lumOff val="25000"/>
+                  </a:schemeClr>
+                </a:solidFill>
+                <a:latin typeface="+mj-ea"/>
+                <a:ea typeface="+mj-ea"/>
+              </a:rPr>
+              <a:t>  </a:t>
+            </a:r>
+            <a:endParaRPr kumimoji="1" lang="ja-JP" altLang="en-US" sz="3200" dirty="0">
+              <a:solidFill>
+                <a:schemeClr val="tx1">
+                  <a:lumMod val="75000"/>
+                  <a:lumOff val="25000"/>
+                </a:schemeClr>
+              </a:solidFill>
+              <a:latin typeface="+mj-ea"/>
+              <a:ea typeface="+mj-ea"/>
+            </a:endParaRPr>
+          </a:p>
+        </p:txBody>
+      </p:sp>
+      <p:sp>
+        <p:nvSpPr>
+          <p:cNvPr id="13" name="テキスト ボックス 12"/>
+          <p:cNvSpPr txBox="1"/>
+          <p:nvPr/>
+        </p:nvSpPr>
+        <p:spPr>
+          <a:xfrm>
+            <a:off x="0" y="3313391"/>
+            <a:ext cx="9144000" cy="1015663"/>
+          </a:xfrm>
+          <a:prstGeom prst="rect">
+            <a:avLst/>
+          </a:prstGeom>
+          <a:noFill/>
+        </p:spPr>
+        <p:txBody>
+          <a:bodyPr wrap="square" rtlCol="0">
+            <a:spAutoFit/>
+          </a:bodyPr>
+          <a:lstStyle/>
+          <a:p>
+            <a:r>
+              <a:rPr lang="ja-JP" altLang="en-US" sz="5400" dirty="0" smtClean="0">
+                <a:solidFill>
+                  <a:schemeClr val="bg1">
+                    <a:lumMod val="50000"/>
+                  </a:schemeClr>
+                </a:solidFill>
+                <a:latin typeface="HGP明朝B" panose="02020800000000000000" pitchFamily="18" charset="-128"/>
+                <a:ea typeface="HGP明朝B" panose="02020800000000000000" pitchFamily="18" charset="-128"/>
+              </a:rPr>
+              <a:t>　　　　 </a:t>
+            </a:r>
+            <a:r>
+              <a:rPr lang="en-US" altLang="ja-JP" sz="6000" dirty="0" smtClean="0">
+                <a:solidFill>
+                  <a:schemeClr val="bg1">
+                    <a:lumMod val="50000"/>
+                  </a:schemeClr>
+                </a:solidFill>
+                <a:latin typeface="HGP明朝B" panose="02020800000000000000" pitchFamily="18" charset="-128"/>
+                <a:ea typeface="HGP明朝B" panose="02020800000000000000" pitchFamily="18" charset="-128"/>
+              </a:rPr>
+              <a:t>3</a:t>
+            </a:r>
+            <a:r>
+              <a:rPr lang="en-US" altLang="ja-JP" sz="5400" dirty="0" smtClean="0">
+                <a:solidFill>
+                  <a:schemeClr val="bg1">
+                    <a:lumMod val="50000"/>
+                  </a:schemeClr>
+                </a:solidFill>
+                <a:latin typeface="+mj-ea"/>
+                <a:ea typeface="+mj-ea"/>
+              </a:rPr>
+              <a:t>  </a:t>
+            </a:r>
+            <a:r>
+              <a:rPr lang="ja-JP" altLang="en-US" sz="3200" dirty="0" smtClean="0">
+                <a:solidFill>
+                  <a:schemeClr val="tx1">
+                    <a:lumMod val="75000"/>
+                    <a:lumOff val="25000"/>
+                  </a:schemeClr>
+                </a:solidFill>
+                <a:latin typeface="+mj-ea"/>
+                <a:ea typeface="+mj-ea"/>
+              </a:rPr>
+              <a:t>進捗状況</a:t>
+            </a:r>
+            <a:r>
+              <a:rPr kumimoji="1" lang="en-US" altLang="ja-JP" sz="3200" dirty="0" smtClean="0">
+                <a:solidFill>
+                  <a:schemeClr val="tx1">
+                    <a:lumMod val="75000"/>
+                    <a:lumOff val="25000"/>
+                  </a:schemeClr>
+                </a:solidFill>
+                <a:latin typeface="+mj-ea"/>
+                <a:ea typeface="+mj-ea"/>
+              </a:rPr>
+              <a:t>  </a:t>
+            </a:r>
+            <a:endParaRPr kumimoji="1" lang="ja-JP" altLang="en-US" sz="3200" dirty="0">
+              <a:solidFill>
+                <a:schemeClr val="tx1">
+                  <a:lumMod val="75000"/>
+                  <a:lumOff val="25000"/>
+                </a:schemeClr>
+              </a:solidFill>
+              <a:latin typeface="+mj-ea"/>
+              <a:ea typeface="+mj-ea"/>
+            </a:endParaRPr>
+          </a:p>
+        </p:txBody>
+      </p:sp>
+      <p:sp>
+        <p:nvSpPr>
+          <p:cNvPr id="14" name="正方形/長方形 13"/>
+          <p:cNvSpPr/>
+          <p:nvPr/>
+        </p:nvSpPr>
+        <p:spPr>
+          <a:xfrm>
+            <a:off x="1" y="6156102"/>
+            <a:ext cx="9144000" cy="283336"/>
+          </a:xfrm>
+          <a:prstGeom prst="rect">
+            <a:avLst/>
+          </a:prstGeom>
+          <a:solidFill>
+            <a:srgbClr val="92D050"/>
+          </a:solidFill>
+          <a:ln>
+            <a:noFill/>
+          </a:ln>
+        </p:spPr>
+        <p:style>
+          <a:lnRef idx="2">
+            <a:schemeClr val="accent1">
+              <a:shade val="50000"/>
+            </a:schemeClr>
+          </a:lnRef>
+          <a:fillRef idx="1">
+            <a:schemeClr val="accent1"/>
+          </a:fillRef>
+          <a:effectRef idx="0">
+            <a:schemeClr val="accent1"/>
+          </a:effectRef>
+          <a:fontRef idx="minor">
+            <a:schemeClr val="lt1"/>
+          </a:fontRef>
+        </p:style>
+        <p:txBody>
+          <a:bodyPr rot="0" spcFirstLastPara="0" vertOverflow="overflow" horzOverflow="overflow" vert="horz" wrap="square" lIns="68580" tIns="34290" rIns="68580" bIns="34290" numCol="1" spcCol="0" rtlCol="0" fromWordArt="0" anchor="ctr" anchorCtr="0" forceAA="0" compatLnSpc="1">
+            <a:prstTxWarp prst="textNoShape">
+              <a:avLst/>
+            </a:prstTxWarp>
+            <a:noAutofit/>
+          </a:bodyPr>
+          <a:lstStyle/>
+          <a:p>
+            <a:pPr algn="ctr"/>
+            <a:endParaRPr lang="ja-JP" altLang="en-US" sz="1350"/>
+          </a:p>
+        </p:txBody>
+      </p:sp>
+      <p:sp>
+        <p:nvSpPr>
+          <p:cNvPr id="15" name="テキスト ボックス 14"/>
+          <p:cNvSpPr txBox="1"/>
+          <p:nvPr/>
+        </p:nvSpPr>
+        <p:spPr>
+          <a:xfrm>
+            <a:off x="0" y="4289697"/>
+            <a:ext cx="9144000" cy="1015663"/>
+          </a:xfrm>
+          <a:prstGeom prst="rect">
+            <a:avLst/>
+          </a:prstGeom>
+          <a:noFill/>
+        </p:spPr>
+        <p:txBody>
+          <a:bodyPr wrap="square" rtlCol="0">
+            <a:spAutoFit/>
+          </a:bodyPr>
+          <a:lstStyle/>
+          <a:p>
+            <a:r>
+              <a:rPr lang="ja-JP" altLang="en-US" sz="5400" dirty="0" smtClean="0">
+                <a:solidFill>
+                  <a:schemeClr val="bg1">
+                    <a:lumMod val="50000"/>
+                  </a:schemeClr>
+                </a:solidFill>
+                <a:latin typeface="HGP明朝B" panose="02020800000000000000" pitchFamily="18" charset="-128"/>
+                <a:ea typeface="HGP明朝B" panose="02020800000000000000" pitchFamily="18" charset="-128"/>
+              </a:rPr>
+              <a:t>　　　　 </a:t>
+            </a:r>
+            <a:r>
+              <a:rPr lang="en-US" altLang="ja-JP" sz="6000" dirty="0">
+                <a:solidFill>
+                  <a:schemeClr val="bg1">
+                    <a:lumMod val="50000"/>
+                  </a:schemeClr>
+                </a:solidFill>
+                <a:latin typeface="HGP明朝B" panose="02020800000000000000" pitchFamily="18" charset="-128"/>
+                <a:ea typeface="HGP明朝B" panose="02020800000000000000" pitchFamily="18" charset="-128"/>
+              </a:rPr>
+              <a:t>4</a:t>
+            </a:r>
+            <a:r>
+              <a:rPr lang="en-US" altLang="ja-JP" sz="5400" dirty="0" smtClean="0">
+                <a:solidFill>
+                  <a:schemeClr val="bg1">
+                    <a:lumMod val="50000"/>
+                  </a:schemeClr>
+                </a:solidFill>
+                <a:latin typeface="+mj-ea"/>
+                <a:ea typeface="+mj-ea"/>
+              </a:rPr>
+              <a:t>  </a:t>
+            </a:r>
+            <a:r>
+              <a:rPr lang="ja-JP" altLang="en-US" sz="3200" dirty="0" smtClean="0">
+                <a:solidFill>
+                  <a:schemeClr val="tx1">
+                    <a:lumMod val="75000"/>
+                    <a:lumOff val="25000"/>
+                  </a:schemeClr>
+                </a:solidFill>
+                <a:latin typeface="+mj-ea"/>
+                <a:ea typeface="+mj-ea"/>
+              </a:rPr>
+              <a:t>問題点と改善点</a:t>
+            </a:r>
+            <a:r>
+              <a:rPr kumimoji="1" lang="en-US" altLang="ja-JP" sz="3200" dirty="0" smtClean="0">
+                <a:solidFill>
+                  <a:schemeClr val="tx1">
+                    <a:lumMod val="75000"/>
+                    <a:lumOff val="25000"/>
+                  </a:schemeClr>
+                </a:solidFill>
+                <a:latin typeface="+mj-ea"/>
+                <a:ea typeface="+mj-ea"/>
+              </a:rPr>
+              <a:t>  </a:t>
+            </a:r>
+            <a:endParaRPr kumimoji="1" lang="ja-JP" altLang="en-US" sz="3200" dirty="0">
+              <a:solidFill>
+                <a:schemeClr val="tx1">
+                  <a:lumMod val="75000"/>
+                  <a:lumOff val="25000"/>
+                </a:schemeClr>
+              </a:solidFill>
+              <a:latin typeface="+mj-ea"/>
+              <a:ea typeface="+mj-ea"/>
+            </a:endParaRPr>
+          </a:p>
+        </p:txBody>
+      </p:sp>
+      <p:sp>
+        <p:nvSpPr>
+          <p:cNvPr id="16" name="正方形/長方形 15"/>
+          <p:cNvSpPr/>
+          <p:nvPr/>
+        </p:nvSpPr>
+        <p:spPr>
+          <a:xfrm>
+            <a:off x="1" y="690779"/>
+            <a:ext cx="9144001" cy="34289"/>
+          </a:xfrm>
+          <a:prstGeom prst="rect">
+            <a:avLst/>
+          </a:prstGeom>
+          <a:solidFill>
+            <a:srgbClr val="92D050"/>
+          </a:solidFill>
+          <a:ln>
+            <a:noFill/>
+          </a:ln>
+        </p:spPr>
+        <p:style>
+          <a:lnRef idx="2">
+            <a:schemeClr val="accent1">
+              <a:shade val="50000"/>
+            </a:schemeClr>
+          </a:lnRef>
+          <a:fillRef idx="1">
+            <a:schemeClr val="accent1"/>
+          </a:fillRef>
+          <a:effectRef idx="0">
+            <a:schemeClr val="accent1"/>
+          </a:effectRef>
+          <a:fontRef idx="minor">
+            <a:schemeClr val="lt1"/>
+          </a:fontRef>
+        </p:style>
+        <p:txBody>
+          <a:bodyPr rot="0" spcFirstLastPara="0" vertOverflow="overflow" horzOverflow="overflow" vert="horz" wrap="square" lIns="68580" tIns="34290" rIns="68580" bIns="34290" numCol="1" spcCol="0" rtlCol="0" fromWordArt="0" anchor="ctr" anchorCtr="0" forceAA="0" compatLnSpc="1">
+            <a:prstTxWarp prst="textNoShape">
+              <a:avLst/>
+            </a:prstTxWarp>
+            <a:noAutofit/>
+          </a:bodyPr>
+          <a:lstStyle/>
+          <a:p>
+            <a:pPr algn="ctr"/>
+            <a:endParaRPr lang="ja-JP" altLang="en-US" sz="1350"/>
+          </a:p>
+        </p:txBody>
+      </p:sp>
+      <p:sp>
+        <p:nvSpPr>
+          <p:cNvPr id="17" name="円/楕円 16"/>
+          <p:cNvSpPr/>
+          <p:nvPr/>
+        </p:nvSpPr>
+        <p:spPr>
+          <a:xfrm>
+            <a:off x="193185" y="-12762"/>
+            <a:ext cx="1481069" cy="1339402"/>
+          </a:xfrm>
+          <a:prstGeom prst="ellipse">
+            <a:avLst/>
+          </a:prstGeom>
+          <a:solidFill>
+            <a:srgbClr val="92D050"/>
+          </a:solidFill>
+          <a:ln>
+            <a:noFill/>
+          </a:ln>
+        </p:spPr>
+        <p:style>
+          <a:lnRef idx="2">
+            <a:schemeClr val="accent1">
+              <a:shade val="50000"/>
+            </a:schemeClr>
+          </a:lnRef>
+          <a:fillRef idx="1">
+            <a:schemeClr val="accent1"/>
+          </a:fillRef>
+          <a:effectRef idx="0">
+            <a:schemeClr val="accent1"/>
+          </a:effectRef>
+          <a:fontRef idx="minor">
+            <a:schemeClr val="lt1"/>
+          </a:fontRef>
+        </p:style>
+        <p:txBody>
+          <a:bodyPr rtlCol="0" anchor="ctr"/>
+          <a:lstStyle/>
+          <a:p>
+            <a:pPr algn="ctr"/>
+            <a:r>
+              <a:rPr kumimoji="1" lang="ja-JP" altLang="en-US" sz="3200" dirty="0" smtClean="0">
+                <a:latin typeface="+mj-ea"/>
+                <a:ea typeface="+mj-ea"/>
+              </a:rPr>
+              <a:t>目次</a:t>
+            </a:r>
+            <a:endParaRPr kumimoji="1" lang="ja-JP" altLang="en-US" sz="3200" dirty="0">
+              <a:latin typeface="+mj-ea"/>
+              <a:ea typeface="+mj-ea"/>
+            </a:endParaRPr>
+          </a:p>
+        </p:txBody>
+      </p:sp>
+      <p:pic>
+        <p:nvPicPr>
+          <p:cNvPr id="2" name="図 1"/>
+          <p:cNvPicPr>
+            <a:picLocks noChangeAspect="1"/>
+          </p:cNvPicPr>
+          <p:nvPr/>
+        </p:nvPicPr>
+        <p:blipFill>
+          <a:blip r:embed="rId2">
+            <a:extLst>
+              <a:ext uri="{28A0092B-C50C-407E-A947-70E740481C1C}">
+                <a14:useLocalDpi xmlns:a14="http://schemas.microsoft.com/office/drawing/2010/main" val="0"/>
+              </a:ext>
+            </a:extLst>
+          </a:blip>
+          <a:stretch>
+            <a:fillRect/>
+          </a:stretch>
+        </p:blipFill>
+        <p:spPr>
+          <a:xfrm>
+            <a:off x="4942267" y="1762938"/>
+            <a:ext cx="5132231" cy="5132231"/>
+          </a:xfrm>
+          <a:prstGeom prst="rect">
+            <a:avLst/>
+          </a:prstGeom>
+        </p:spPr>
+      </p:pic>
+    </p:spTree>
+    <p:extLst>
+      <p:ext uri="{BB962C8B-B14F-4D97-AF65-F5344CB8AC3E}">
+        <p14:creationId xmlns:p14="http://schemas.microsoft.com/office/powerpoint/2010/main" val="1224562827"/>
+      </p:ext>
+    </p:extLst>
+  </p:cSld>
+  <p:clrMapOvr>
+    <a:masterClrMapping/>
+  </p:clrMapOvr>
+  <p:timing>
+    <p:tnLst>
+      <p:par>
+        <p:cTn id="1" dur="indefinite" restart="never" nodeType="tmRoot"/>
+      </p:par>
+    </p:tnLst>
+  </p:timing>
+</p:sld>
+</file>
+
+<file path=ppt/slides/slide20.xml><?xml version="1.0" encoding="utf-8"?>
 <p:sld xmlns:a="http://schemas.openxmlformats.org/drawingml/2006/main" xmlns:r="http://schemas.openxmlformats.org/officeDocument/2006/relationships" xmlns:p="http://schemas.openxmlformats.org/presentationml/2006/main">
   <p:cSld>
     <p:spTree>
@@ -11340,619 +14288,6 @@
 </p:sld>
 </file>
 
-<file path=ppt/slides/slide2.xml><?xml version="1.0" encoding="utf-8"?>
-<p:sld xmlns:a="http://schemas.openxmlformats.org/drawingml/2006/main" xmlns:r="http://schemas.openxmlformats.org/officeDocument/2006/relationships" xmlns:p="http://schemas.openxmlformats.org/presentationml/2006/main">
-  <p:cSld>
-    <p:spTree>
-      <p:nvGrpSpPr>
-        <p:cNvPr id="1" name=""/>
-        <p:cNvGrpSpPr/>
-        <p:nvPr/>
-      </p:nvGrpSpPr>
-      <p:grpSpPr>
-        <a:xfrm>
-          <a:off x="0" y="0"/>
-          <a:ext cx="0" cy="0"/>
-          <a:chOff x="0" y="0"/>
-          <a:chExt cx="0" cy="0"/>
-        </a:xfrm>
-      </p:grpSpPr>
-      <p:sp>
-        <p:nvSpPr>
-          <p:cNvPr id="11" name="テキスト ボックス 10"/>
-          <p:cNvSpPr txBox="1"/>
-          <p:nvPr/>
-        </p:nvSpPr>
-        <p:spPr>
-          <a:xfrm>
-            <a:off x="0" y="1325396"/>
-            <a:ext cx="9144000" cy="1015663"/>
-          </a:xfrm>
-          <a:prstGeom prst="rect">
-            <a:avLst/>
-          </a:prstGeom>
-          <a:noFill/>
-        </p:spPr>
-        <p:txBody>
-          <a:bodyPr wrap="square" rtlCol="0">
-            <a:spAutoFit/>
-          </a:bodyPr>
-          <a:lstStyle/>
-          <a:p>
-            <a:r>
-              <a:rPr lang="ja-JP" altLang="en-US" sz="5400" dirty="0" smtClean="0">
-                <a:solidFill>
-                  <a:schemeClr val="bg1">
-                    <a:lumMod val="50000"/>
-                  </a:schemeClr>
-                </a:solidFill>
-                <a:latin typeface="HGP明朝B" panose="02020800000000000000" pitchFamily="18" charset="-128"/>
-                <a:ea typeface="HGP明朝B" panose="02020800000000000000" pitchFamily="18" charset="-128"/>
-              </a:rPr>
-              <a:t>　　　　 </a:t>
-            </a:r>
-            <a:r>
-              <a:rPr lang="en-US" altLang="ja-JP" sz="6000" dirty="0" smtClean="0">
-                <a:solidFill>
-                  <a:schemeClr val="bg1">
-                    <a:lumMod val="50000"/>
-                  </a:schemeClr>
-                </a:solidFill>
-                <a:latin typeface="HGP明朝E" panose="02020900000000000000" pitchFamily="18" charset="-128"/>
-                <a:ea typeface="HGP明朝E" panose="02020900000000000000" pitchFamily="18" charset="-128"/>
-              </a:rPr>
-              <a:t>1</a:t>
-            </a:r>
-            <a:r>
-              <a:rPr lang="en-US" altLang="ja-JP" sz="5400" dirty="0" smtClean="0">
-                <a:solidFill>
-                  <a:schemeClr val="bg1">
-                    <a:lumMod val="50000"/>
-                  </a:schemeClr>
-                </a:solidFill>
-                <a:latin typeface="+mj-ea"/>
-                <a:ea typeface="+mj-ea"/>
-              </a:rPr>
-              <a:t>  </a:t>
-            </a:r>
-            <a:r>
-              <a:rPr lang="ja-JP" altLang="en-US" sz="3200" dirty="0" smtClean="0">
-                <a:solidFill>
-                  <a:schemeClr val="tx1">
-                    <a:lumMod val="75000"/>
-                    <a:lumOff val="25000"/>
-                  </a:schemeClr>
-                </a:solidFill>
-                <a:latin typeface="+mj-ea"/>
-                <a:ea typeface="+mj-ea"/>
-              </a:rPr>
-              <a:t>開発コンセプト</a:t>
-            </a:r>
-            <a:r>
-              <a:rPr kumimoji="1" lang="en-US" altLang="ja-JP" sz="3200" dirty="0" smtClean="0">
-                <a:solidFill>
-                  <a:schemeClr val="tx1">
-                    <a:lumMod val="75000"/>
-                    <a:lumOff val="25000"/>
-                  </a:schemeClr>
-                </a:solidFill>
-                <a:latin typeface="+mj-ea"/>
-                <a:ea typeface="+mj-ea"/>
-              </a:rPr>
-              <a:t>  </a:t>
-            </a:r>
-            <a:endParaRPr kumimoji="1" lang="ja-JP" altLang="en-US" sz="3200" dirty="0">
-              <a:solidFill>
-                <a:schemeClr val="tx1">
-                  <a:lumMod val="75000"/>
-                  <a:lumOff val="25000"/>
-                </a:schemeClr>
-              </a:solidFill>
-              <a:latin typeface="+mj-ea"/>
-              <a:ea typeface="+mj-ea"/>
-            </a:endParaRPr>
-          </a:p>
-        </p:txBody>
-      </p:sp>
-      <p:sp>
-        <p:nvSpPr>
-          <p:cNvPr id="12" name="テキスト ボックス 11"/>
-          <p:cNvSpPr txBox="1"/>
-          <p:nvPr/>
-        </p:nvSpPr>
-        <p:spPr>
-          <a:xfrm>
-            <a:off x="0" y="2339814"/>
-            <a:ext cx="9144000" cy="1015663"/>
-          </a:xfrm>
-          <a:prstGeom prst="rect">
-            <a:avLst/>
-          </a:prstGeom>
-          <a:noFill/>
-        </p:spPr>
-        <p:txBody>
-          <a:bodyPr wrap="square" rtlCol="0">
-            <a:spAutoFit/>
-          </a:bodyPr>
-          <a:lstStyle/>
-          <a:p>
-            <a:r>
-              <a:rPr lang="ja-JP" altLang="en-US" sz="5400" dirty="0" smtClean="0">
-                <a:solidFill>
-                  <a:schemeClr val="bg1">
-                    <a:lumMod val="50000"/>
-                  </a:schemeClr>
-                </a:solidFill>
-                <a:latin typeface="HGP明朝B" panose="02020800000000000000" pitchFamily="18" charset="-128"/>
-                <a:ea typeface="HGP明朝B" panose="02020800000000000000" pitchFamily="18" charset="-128"/>
-              </a:rPr>
-              <a:t>　　　　 </a:t>
-            </a:r>
-            <a:r>
-              <a:rPr lang="en-US" altLang="ja-JP" sz="6000" dirty="0" smtClean="0">
-                <a:solidFill>
-                  <a:schemeClr val="bg1">
-                    <a:lumMod val="50000"/>
-                  </a:schemeClr>
-                </a:solidFill>
-                <a:latin typeface="HGP明朝B" panose="02020800000000000000" pitchFamily="18" charset="-128"/>
-                <a:ea typeface="HGP明朝B" panose="02020800000000000000" pitchFamily="18" charset="-128"/>
-              </a:rPr>
-              <a:t>2</a:t>
-            </a:r>
-            <a:r>
-              <a:rPr lang="en-US" altLang="ja-JP" sz="5400" dirty="0" smtClean="0">
-                <a:solidFill>
-                  <a:schemeClr val="bg1">
-                    <a:lumMod val="50000"/>
-                  </a:schemeClr>
-                </a:solidFill>
-                <a:latin typeface="+mj-ea"/>
-                <a:ea typeface="+mj-ea"/>
-              </a:rPr>
-              <a:t>  </a:t>
-            </a:r>
-            <a:r>
-              <a:rPr lang="ja-JP" altLang="en-US" sz="3200" dirty="0" smtClean="0">
-                <a:solidFill>
-                  <a:schemeClr val="tx1">
-                    <a:lumMod val="75000"/>
-                    <a:lumOff val="25000"/>
-                  </a:schemeClr>
-                </a:solidFill>
-                <a:latin typeface="+mj-ea"/>
-                <a:ea typeface="+mj-ea"/>
-              </a:rPr>
-              <a:t>開発環境、動作環境</a:t>
-            </a:r>
-            <a:r>
-              <a:rPr kumimoji="1" lang="en-US" altLang="ja-JP" sz="3200" dirty="0" smtClean="0">
-                <a:solidFill>
-                  <a:schemeClr val="tx1">
-                    <a:lumMod val="75000"/>
-                    <a:lumOff val="25000"/>
-                  </a:schemeClr>
-                </a:solidFill>
-                <a:latin typeface="+mj-ea"/>
-                <a:ea typeface="+mj-ea"/>
-              </a:rPr>
-              <a:t>  </a:t>
-            </a:r>
-            <a:endParaRPr kumimoji="1" lang="ja-JP" altLang="en-US" sz="3200" dirty="0">
-              <a:solidFill>
-                <a:schemeClr val="tx1">
-                  <a:lumMod val="75000"/>
-                  <a:lumOff val="25000"/>
-                </a:schemeClr>
-              </a:solidFill>
-              <a:latin typeface="+mj-ea"/>
-              <a:ea typeface="+mj-ea"/>
-            </a:endParaRPr>
-          </a:p>
-        </p:txBody>
-      </p:sp>
-      <p:sp>
-        <p:nvSpPr>
-          <p:cNvPr id="13" name="テキスト ボックス 12"/>
-          <p:cNvSpPr txBox="1"/>
-          <p:nvPr/>
-        </p:nvSpPr>
-        <p:spPr>
-          <a:xfrm>
-            <a:off x="0" y="3313391"/>
-            <a:ext cx="9144000" cy="1015663"/>
-          </a:xfrm>
-          <a:prstGeom prst="rect">
-            <a:avLst/>
-          </a:prstGeom>
-          <a:noFill/>
-        </p:spPr>
-        <p:txBody>
-          <a:bodyPr wrap="square" rtlCol="0">
-            <a:spAutoFit/>
-          </a:bodyPr>
-          <a:lstStyle/>
-          <a:p>
-            <a:r>
-              <a:rPr lang="ja-JP" altLang="en-US" sz="5400" dirty="0" smtClean="0">
-                <a:solidFill>
-                  <a:schemeClr val="bg1">
-                    <a:lumMod val="50000"/>
-                  </a:schemeClr>
-                </a:solidFill>
-                <a:latin typeface="HGP明朝B" panose="02020800000000000000" pitchFamily="18" charset="-128"/>
-                <a:ea typeface="HGP明朝B" panose="02020800000000000000" pitchFamily="18" charset="-128"/>
-              </a:rPr>
-              <a:t>　　　　 </a:t>
-            </a:r>
-            <a:r>
-              <a:rPr lang="en-US" altLang="ja-JP" sz="6000" dirty="0" smtClean="0">
-                <a:solidFill>
-                  <a:schemeClr val="bg1">
-                    <a:lumMod val="50000"/>
-                  </a:schemeClr>
-                </a:solidFill>
-                <a:latin typeface="HGP明朝B" panose="02020800000000000000" pitchFamily="18" charset="-128"/>
-                <a:ea typeface="HGP明朝B" panose="02020800000000000000" pitchFamily="18" charset="-128"/>
-              </a:rPr>
-              <a:t>3</a:t>
-            </a:r>
-            <a:r>
-              <a:rPr lang="en-US" altLang="ja-JP" sz="5400" dirty="0" smtClean="0">
-                <a:solidFill>
-                  <a:schemeClr val="bg1">
-                    <a:lumMod val="50000"/>
-                  </a:schemeClr>
-                </a:solidFill>
-                <a:latin typeface="+mj-ea"/>
-                <a:ea typeface="+mj-ea"/>
-              </a:rPr>
-              <a:t>  </a:t>
-            </a:r>
-            <a:r>
-              <a:rPr lang="ja-JP" altLang="en-US" sz="3200" dirty="0" smtClean="0">
-                <a:solidFill>
-                  <a:schemeClr val="tx1">
-                    <a:lumMod val="75000"/>
-                    <a:lumOff val="25000"/>
-                  </a:schemeClr>
-                </a:solidFill>
-                <a:latin typeface="+mj-ea"/>
-                <a:ea typeface="+mj-ea"/>
-              </a:rPr>
-              <a:t>進捗状況</a:t>
-            </a:r>
-            <a:r>
-              <a:rPr kumimoji="1" lang="en-US" altLang="ja-JP" sz="3200" dirty="0" smtClean="0">
-                <a:solidFill>
-                  <a:schemeClr val="tx1">
-                    <a:lumMod val="75000"/>
-                    <a:lumOff val="25000"/>
-                  </a:schemeClr>
-                </a:solidFill>
-                <a:latin typeface="+mj-ea"/>
-                <a:ea typeface="+mj-ea"/>
-              </a:rPr>
-              <a:t>  </a:t>
-            </a:r>
-            <a:endParaRPr kumimoji="1" lang="ja-JP" altLang="en-US" sz="3200" dirty="0">
-              <a:solidFill>
-                <a:schemeClr val="tx1">
-                  <a:lumMod val="75000"/>
-                  <a:lumOff val="25000"/>
-                </a:schemeClr>
-              </a:solidFill>
-              <a:latin typeface="+mj-ea"/>
-              <a:ea typeface="+mj-ea"/>
-            </a:endParaRPr>
-          </a:p>
-        </p:txBody>
-      </p:sp>
-      <p:sp>
-        <p:nvSpPr>
-          <p:cNvPr id="14" name="正方形/長方形 13"/>
-          <p:cNvSpPr/>
-          <p:nvPr/>
-        </p:nvSpPr>
-        <p:spPr>
-          <a:xfrm>
-            <a:off x="1" y="6156102"/>
-            <a:ext cx="9144000" cy="283336"/>
-          </a:xfrm>
-          <a:prstGeom prst="rect">
-            <a:avLst/>
-          </a:prstGeom>
-          <a:solidFill>
-            <a:srgbClr val="92D050"/>
-          </a:solidFill>
-          <a:ln>
-            <a:noFill/>
-          </a:ln>
-        </p:spPr>
-        <p:style>
-          <a:lnRef idx="2">
-            <a:schemeClr val="accent1">
-              <a:shade val="50000"/>
-            </a:schemeClr>
-          </a:lnRef>
-          <a:fillRef idx="1">
-            <a:schemeClr val="accent1"/>
-          </a:fillRef>
-          <a:effectRef idx="0">
-            <a:schemeClr val="accent1"/>
-          </a:effectRef>
-          <a:fontRef idx="minor">
-            <a:schemeClr val="lt1"/>
-          </a:fontRef>
-        </p:style>
-        <p:txBody>
-          <a:bodyPr rot="0" spcFirstLastPara="0" vertOverflow="overflow" horzOverflow="overflow" vert="horz" wrap="square" lIns="68580" tIns="34290" rIns="68580" bIns="34290" numCol="1" spcCol="0" rtlCol="0" fromWordArt="0" anchor="ctr" anchorCtr="0" forceAA="0" compatLnSpc="1">
-            <a:prstTxWarp prst="textNoShape">
-              <a:avLst/>
-            </a:prstTxWarp>
-            <a:noAutofit/>
-          </a:bodyPr>
-          <a:lstStyle/>
-          <a:p>
-            <a:pPr algn="ctr"/>
-            <a:endParaRPr lang="ja-JP" altLang="en-US" sz="1350"/>
-          </a:p>
-        </p:txBody>
-      </p:sp>
-      <p:sp>
-        <p:nvSpPr>
-          <p:cNvPr id="15" name="テキスト ボックス 14"/>
-          <p:cNvSpPr txBox="1"/>
-          <p:nvPr/>
-        </p:nvSpPr>
-        <p:spPr>
-          <a:xfrm>
-            <a:off x="0" y="4289697"/>
-            <a:ext cx="9144000" cy="1015663"/>
-          </a:xfrm>
-          <a:prstGeom prst="rect">
-            <a:avLst/>
-          </a:prstGeom>
-          <a:noFill/>
-        </p:spPr>
-        <p:txBody>
-          <a:bodyPr wrap="square" rtlCol="0">
-            <a:spAutoFit/>
-          </a:bodyPr>
-          <a:lstStyle/>
-          <a:p>
-            <a:r>
-              <a:rPr lang="ja-JP" altLang="en-US" sz="5400" dirty="0" smtClean="0">
-                <a:solidFill>
-                  <a:schemeClr val="bg1">
-                    <a:lumMod val="50000"/>
-                  </a:schemeClr>
-                </a:solidFill>
-                <a:latin typeface="HGP明朝B" panose="02020800000000000000" pitchFamily="18" charset="-128"/>
-                <a:ea typeface="HGP明朝B" panose="02020800000000000000" pitchFamily="18" charset="-128"/>
-              </a:rPr>
-              <a:t>　　　　 </a:t>
-            </a:r>
-            <a:r>
-              <a:rPr lang="en-US" altLang="ja-JP" sz="6000" dirty="0">
-                <a:solidFill>
-                  <a:schemeClr val="bg1">
-                    <a:lumMod val="50000"/>
-                  </a:schemeClr>
-                </a:solidFill>
-                <a:latin typeface="HGP明朝B" panose="02020800000000000000" pitchFamily="18" charset="-128"/>
-                <a:ea typeface="HGP明朝B" panose="02020800000000000000" pitchFamily="18" charset="-128"/>
-              </a:rPr>
-              <a:t>4</a:t>
-            </a:r>
-            <a:r>
-              <a:rPr lang="en-US" altLang="ja-JP" sz="5400" dirty="0" smtClean="0">
-                <a:solidFill>
-                  <a:schemeClr val="bg1">
-                    <a:lumMod val="50000"/>
-                  </a:schemeClr>
-                </a:solidFill>
-                <a:latin typeface="+mj-ea"/>
-                <a:ea typeface="+mj-ea"/>
-              </a:rPr>
-              <a:t>  </a:t>
-            </a:r>
-            <a:r>
-              <a:rPr lang="ja-JP" altLang="en-US" sz="3200" dirty="0" smtClean="0">
-                <a:solidFill>
-                  <a:schemeClr val="tx1">
-                    <a:lumMod val="75000"/>
-                    <a:lumOff val="25000"/>
-                  </a:schemeClr>
-                </a:solidFill>
-                <a:latin typeface="+mj-ea"/>
-                <a:ea typeface="+mj-ea"/>
-              </a:rPr>
-              <a:t>問題点と改善点</a:t>
-            </a:r>
-            <a:r>
-              <a:rPr kumimoji="1" lang="en-US" altLang="ja-JP" sz="3200" dirty="0" smtClean="0">
-                <a:solidFill>
-                  <a:schemeClr val="tx1">
-                    <a:lumMod val="75000"/>
-                    <a:lumOff val="25000"/>
-                  </a:schemeClr>
-                </a:solidFill>
-                <a:latin typeface="+mj-ea"/>
-                <a:ea typeface="+mj-ea"/>
-              </a:rPr>
-              <a:t>  </a:t>
-            </a:r>
-            <a:endParaRPr kumimoji="1" lang="ja-JP" altLang="en-US" sz="3200" dirty="0">
-              <a:solidFill>
-                <a:schemeClr val="tx1">
-                  <a:lumMod val="75000"/>
-                  <a:lumOff val="25000"/>
-                </a:schemeClr>
-              </a:solidFill>
-              <a:latin typeface="+mj-ea"/>
-              <a:ea typeface="+mj-ea"/>
-            </a:endParaRPr>
-          </a:p>
-        </p:txBody>
-      </p:sp>
-      <p:sp>
-        <p:nvSpPr>
-          <p:cNvPr id="16" name="正方形/長方形 15"/>
-          <p:cNvSpPr/>
-          <p:nvPr/>
-        </p:nvSpPr>
-        <p:spPr>
-          <a:xfrm>
-            <a:off x="1" y="690779"/>
-            <a:ext cx="9144001" cy="34289"/>
-          </a:xfrm>
-          <a:prstGeom prst="rect">
-            <a:avLst/>
-          </a:prstGeom>
-          <a:solidFill>
-            <a:srgbClr val="92D050"/>
-          </a:solidFill>
-          <a:ln>
-            <a:noFill/>
-          </a:ln>
-        </p:spPr>
-        <p:style>
-          <a:lnRef idx="2">
-            <a:schemeClr val="accent1">
-              <a:shade val="50000"/>
-            </a:schemeClr>
-          </a:lnRef>
-          <a:fillRef idx="1">
-            <a:schemeClr val="accent1"/>
-          </a:fillRef>
-          <a:effectRef idx="0">
-            <a:schemeClr val="accent1"/>
-          </a:effectRef>
-          <a:fontRef idx="minor">
-            <a:schemeClr val="lt1"/>
-          </a:fontRef>
-        </p:style>
-        <p:txBody>
-          <a:bodyPr rot="0" spcFirstLastPara="0" vertOverflow="overflow" horzOverflow="overflow" vert="horz" wrap="square" lIns="68580" tIns="34290" rIns="68580" bIns="34290" numCol="1" spcCol="0" rtlCol="0" fromWordArt="0" anchor="ctr" anchorCtr="0" forceAA="0" compatLnSpc="1">
-            <a:prstTxWarp prst="textNoShape">
-              <a:avLst/>
-            </a:prstTxWarp>
-            <a:noAutofit/>
-          </a:bodyPr>
-          <a:lstStyle/>
-          <a:p>
-            <a:pPr algn="ctr"/>
-            <a:endParaRPr lang="ja-JP" altLang="en-US" sz="1350"/>
-          </a:p>
-        </p:txBody>
-      </p:sp>
-      <p:sp>
-        <p:nvSpPr>
-          <p:cNvPr id="17" name="円/楕円 16"/>
-          <p:cNvSpPr/>
-          <p:nvPr/>
-        </p:nvSpPr>
-        <p:spPr>
-          <a:xfrm>
-            <a:off x="193185" y="-12762"/>
-            <a:ext cx="1481069" cy="1339402"/>
-          </a:xfrm>
-          <a:prstGeom prst="ellipse">
-            <a:avLst/>
-          </a:prstGeom>
-          <a:solidFill>
-            <a:srgbClr val="92D050"/>
-          </a:solidFill>
-          <a:ln>
-            <a:noFill/>
-          </a:ln>
-        </p:spPr>
-        <p:style>
-          <a:lnRef idx="2">
-            <a:schemeClr val="accent1">
-              <a:shade val="50000"/>
-            </a:schemeClr>
-          </a:lnRef>
-          <a:fillRef idx="1">
-            <a:schemeClr val="accent1"/>
-          </a:fillRef>
-          <a:effectRef idx="0">
-            <a:schemeClr val="accent1"/>
-          </a:effectRef>
-          <a:fontRef idx="minor">
-            <a:schemeClr val="lt1"/>
-          </a:fontRef>
-        </p:style>
-        <p:txBody>
-          <a:bodyPr rtlCol="0" anchor="ctr"/>
-          <a:lstStyle/>
-          <a:p>
-            <a:pPr algn="ctr"/>
-            <a:r>
-              <a:rPr kumimoji="1" lang="ja-JP" altLang="en-US" sz="3200" dirty="0" smtClean="0">
-                <a:latin typeface="+mj-ea"/>
-                <a:ea typeface="+mj-ea"/>
-              </a:rPr>
-              <a:t>目次</a:t>
-            </a:r>
-            <a:endParaRPr kumimoji="1" lang="ja-JP" altLang="en-US" sz="3200" dirty="0">
-              <a:latin typeface="+mj-ea"/>
-              <a:ea typeface="+mj-ea"/>
-            </a:endParaRPr>
-          </a:p>
-        </p:txBody>
-      </p:sp>
-      <p:pic>
-        <p:nvPicPr>
-          <p:cNvPr id="2" name="図 1"/>
-          <p:cNvPicPr>
-            <a:picLocks noChangeAspect="1"/>
-          </p:cNvPicPr>
-          <p:nvPr/>
-        </p:nvPicPr>
-        <p:blipFill>
-          <a:blip r:embed="rId2">
-            <a:extLst>
-              <a:ext uri="{28A0092B-C50C-407E-A947-70E740481C1C}">
-                <a14:useLocalDpi xmlns:a14="http://schemas.microsoft.com/office/drawing/2010/main" val="0"/>
-              </a:ext>
-            </a:extLst>
-          </a:blip>
-          <a:stretch>
-            <a:fillRect/>
-          </a:stretch>
-        </p:blipFill>
-        <p:spPr>
-          <a:xfrm>
-            <a:off x="4942267" y="1762938"/>
-            <a:ext cx="5132231" cy="5132231"/>
-          </a:xfrm>
-          <a:prstGeom prst="rect">
-            <a:avLst/>
-          </a:prstGeom>
-        </p:spPr>
-      </p:pic>
-    </p:spTree>
-    <p:extLst>
-      <p:ext uri="{BB962C8B-B14F-4D97-AF65-F5344CB8AC3E}">
-        <p14:creationId xmlns:p14="http://schemas.microsoft.com/office/powerpoint/2010/main" val="1224562827"/>
-      </p:ext>
-    </p:extLst>
-  </p:cSld>
-  <p:clrMapOvr>
-    <a:masterClrMapping/>
-  </p:clrMapOvr>
-  <p:timing>
-    <p:tnLst>
-      <p:par>
-        <p:cTn id="1" dur="indefinite" restart="never" nodeType="tmRoot"/>
-      </p:par>
-    </p:tnLst>
-  </p:timing>
-</p:sld>
-</file>
-
 <file path=ppt/slides/slide3.xml><?xml version="1.0" encoding="utf-8"?>
 <p:sld xmlns:a="http://schemas.openxmlformats.org/drawingml/2006/main" xmlns:r="http://schemas.openxmlformats.org/officeDocument/2006/relationships" xmlns:p="http://schemas.openxmlformats.org/presentationml/2006/main">
   <p:cSld>
@@ -12939,257 +15274,29 @@
       </p:grpSpPr>
       <p:sp>
         <p:nvSpPr>
-          <p:cNvPr id="11" name="テキスト ボックス 10"/>
-          <p:cNvSpPr txBox="1"/>
-          <p:nvPr/>
+          <p:cNvPr id="2" name="タイトル 1"/>
+          <p:cNvSpPr>
+            <a:spLocks noGrp="1"/>
+          </p:cNvSpPr>
+          <p:nvPr>
+            <p:ph type="title"/>
+          </p:nvPr>
         </p:nvSpPr>
         <p:spPr>
           <a:xfrm>
-            <a:off x="0" y="1144759"/>
-            <a:ext cx="9144000" cy="1015663"/>
+            <a:off x="0" y="1"/>
+            <a:ext cx="9144000" cy="725068"/>
           </a:xfrm>
-          <a:prstGeom prst="rect">
-            <a:avLst/>
-          </a:prstGeom>
-          <a:noFill/>
         </p:spPr>
         <p:txBody>
-          <a:bodyPr wrap="square" rtlCol="0">
-            <a:spAutoFit/>
+          <a:bodyPr>
+            <a:normAutofit/>
           </a:bodyPr>
           <a:lstStyle/>
           <a:p>
-            <a:r>
-              <a:rPr lang="ja-JP" altLang="en-US" sz="5400" dirty="0" smtClean="0">
-                <a:solidFill>
-                  <a:schemeClr val="bg1">
-                    <a:lumMod val="50000"/>
-                  </a:schemeClr>
-                </a:solidFill>
-                <a:latin typeface="HGP明朝B" panose="02020800000000000000" pitchFamily="18" charset="-128"/>
-                <a:ea typeface="HGP明朝B" panose="02020800000000000000" pitchFamily="18" charset="-128"/>
-              </a:rPr>
-              <a:t>　　　　 </a:t>
-            </a:r>
-            <a:r>
-              <a:rPr lang="en-US" altLang="ja-JP" sz="6000" dirty="0" smtClean="0">
-                <a:solidFill>
-                  <a:schemeClr val="tx1">
-                    <a:lumMod val="50000"/>
-                    <a:lumOff val="50000"/>
-                  </a:schemeClr>
-                </a:solidFill>
-                <a:ea typeface="HGP明朝B" panose="02020800000000000000" pitchFamily="18" charset="-128"/>
-              </a:rPr>
-              <a:t>1</a:t>
-            </a:r>
-            <a:r>
-              <a:rPr lang="en-US" altLang="ja-JP" sz="5400" dirty="0" smtClean="0">
-                <a:solidFill>
-                  <a:schemeClr val="bg1">
-                    <a:lumMod val="50000"/>
-                  </a:schemeClr>
-                </a:solidFill>
-                <a:latin typeface="+mj-ea"/>
-                <a:ea typeface="+mj-ea"/>
-              </a:rPr>
-              <a:t>  </a:t>
-            </a:r>
-            <a:r>
-              <a:rPr lang="ja-JP" altLang="en-US" sz="3200" dirty="0" smtClean="0">
-                <a:solidFill>
-                  <a:schemeClr val="tx1">
-                    <a:lumMod val="65000"/>
-                    <a:lumOff val="35000"/>
-                  </a:schemeClr>
-                </a:solidFill>
-                <a:latin typeface="+mj-ea"/>
-                <a:ea typeface="+mj-ea"/>
-              </a:rPr>
-              <a:t>開発コンセプト</a:t>
-            </a:r>
-            <a:r>
-              <a:rPr kumimoji="1" lang="en-US" altLang="ja-JP" sz="3200" dirty="0" smtClean="0">
-                <a:solidFill>
-                  <a:schemeClr val="tx1">
-                    <a:lumMod val="65000"/>
-                    <a:lumOff val="35000"/>
-                  </a:schemeClr>
-                </a:solidFill>
-                <a:latin typeface="+mj-ea"/>
-                <a:ea typeface="+mj-ea"/>
-              </a:rPr>
-              <a:t>  </a:t>
-            </a:r>
-            <a:endParaRPr kumimoji="1" lang="ja-JP" altLang="en-US" sz="3200" dirty="0">
-              <a:solidFill>
-                <a:schemeClr val="tx1">
-                  <a:lumMod val="65000"/>
-                  <a:lumOff val="35000"/>
-                </a:schemeClr>
-              </a:solidFill>
-              <a:latin typeface="+mj-ea"/>
-              <a:ea typeface="+mj-ea"/>
-            </a:endParaRPr>
-          </a:p>
-        </p:txBody>
-      </p:sp>
-      <p:sp>
-        <p:nvSpPr>
-          <p:cNvPr id="12" name="テキスト ボックス 11"/>
-          <p:cNvSpPr txBox="1"/>
-          <p:nvPr/>
-        </p:nvSpPr>
-        <p:spPr>
-          <a:xfrm>
-            <a:off x="0" y="2160422"/>
-            <a:ext cx="9144000" cy="1015663"/>
-          </a:xfrm>
-          <a:prstGeom prst="rect">
-            <a:avLst/>
-          </a:prstGeom>
-          <a:solidFill>
-            <a:srgbClr val="92D050"/>
-          </a:solidFill>
-        </p:spPr>
-        <p:txBody>
-          <a:bodyPr wrap="square" rtlCol="0">
-            <a:spAutoFit/>
-          </a:bodyPr>
-          <a:lstStyle/>
-          <a:p>
-            <a:r>
-              <a:rPr lang="ja-JP" altLang="en-US" sz="5400" dirty="0" smtClean="0">
-                <a:solidFill>
-                  <a:schemeClr val="bg1">
-                    <a:lumMod val="50000"/>
-                  </a:schemeClr>
-                </a:solidFill>
-                <a:latin typeface="HGP明朝B" panose="02020800000000000000" pitchFamily="18" charset="-128"/>
-                <a:ea typeface="HGP明朝B" panose="02020800000000000000" pitchFamily="18" charset="-128"/>
-              </a:rPr>
-              <a:t>　　　</a:t>
-            </a:r>
-            <a:r>
-              <a:rPr lang="ja-JP" altLang="en-US" sz="5400" dirty="0" smtClean="0">
-                <a:solidFill>
-                  <a:schemeClr val="bg1"/>
-                </a:solidFill>
-                <a:latin typeface="HGP明朝B" panose="02020800000000000000" pitchFamily="18" charset="-128"/>
-                <a:ea typeface="HGP明朝B" panose="02020800000000000000" pitchFamily="18" charset="-128"/>
-              </a:rPr>
-              <a:t>　 </a:t>
-            </a:r>
-            <a:r>
-              <a:rPr lang="en-US" altLang="ja-JP" sz="6000" dirty="0" smtClean="0">
-                <a:solidFill>
-                  <a:schemeClr val="bg1"/>
-                </a:solidFill>
-                <a:latin typeface="HGP明朝B" panose="02020800000000000000" pitchFamily="18" charset="-128"/>
-                <a:ea typeface="HGP明朝B" panose="02020800000000000000" pitchFamily="18" charset="-128"/>
-              </a:rPr>
-              <a:t>2</a:t>
-            </a:r>
-            <a:r>
-              <a:rPr lang="en-US" altLang="ja-JP" sz="5400" dirty="0" smtClean="0">
-                <a:solidFill>
-                  <a:schemeClr val="bg1"/>
-                </a:solidFill>
-                <a:latin typeface="+mj-ea"/>
-                <a:ea typeface="+mj-ea"/>
-              </a:rPr>
-              <a:t>  </a:t>
-            </a:r>
-            <a:r>
-              <a:rPr lang="ja-JP" altLang="en-US" sz="3200" dirty="0" smtClean="0">
-                <a:solidFill>
-                  <a:schemeClr val="bg1"/>
-                </a:solidFill>
-                <a:latin typeface="+mj-ea"/>
-                <a:ea typeface="+mj-ea"/>
-              </a:rPr>
-              <a:t>開発環境、動作環境</a:t>
-            </a:r>
-            <a:r>
-              <a:rPr kumimoji="1" lang="en-US" altLang="ja-JP" sz="3200" dirty="0" smtClean="0">
-                <a:solidFill>
-                  <a:schemeClr val="bg1"/>
-                </a:solidFill>
-                <a:latin typeface="+mj-ea"/>
-                <a:ea typeface="+mj-ea"/>
-              </a:rPr>
-              <a:t>  </a:t>
-            </a:r>
-            <a:endParaRPr kumimoji="1" lang="ja-JP" altLang="en-US" sz="3200" dirty="0">
-              <a:solidFill>
-                <a:schemeClr val="bg1"/>
-              </a:solidFill>
-              <a:latin typeface="+mj-ea"/>
-              <a:ea typeface="+mj-ea"/>
-            </a:endParaRPr>
-          </a:p>
-        </p:txBody>
-      </p:sp>
-      <p:sp>
-        <p:nvSpPr>
-          <p:cNvPr id="13" name="テキスト ボックス 12"/>
-          <p:cNvSpPr txBox="1"/>
-          <p:nvPr/>
-        </p:nvSpPr>
-        <p:spPr>
-          <a:xfrm>
-            <a:off x="0" y="3176085"/>
-            <a:ext cx="9144000" cy="1015663"/>
-          </a:xfrm>
-          <a:prstGeom prst="rect">
-            <a:avLst/>
-          </a:prstGeom>
-          <a:noFill/>
-        </p:spPr>
-        <p:txBody>
-          <a:bodyPr wrap="square" rtlCol="0">
-            <a:spAutoFit/>
-          </a:bodyPr>
-          <a:lstStyle/>
-          <a:p>
-            <a:r>
-              <a:rPr lang="ja-JP" altLang="en-US" sz="5400" dirty="0" smtClean="0">
-                <a:solidFill>
-                  <a:schemeClr val="bg1">
-                    <a:lumMod val="50000"/>
-                  </a:schemeClr>
-                </a:solidFill>
-                <a:latin typeface="HGP明朝B" panose="02020800000000000000" pitchFamily="18" charset="-128"/>
-                <a:ea typeface="HGP明朝B" panose="02020800000000000000" pitchFamily="18" charset="-128"/>
-              </a:rPr>
-              <a:t>　　　　 </a:t>
-            </a:r>
-            <a:r>
-              <a:rPr lang="en-US" altLang="ja-JP" sz="6000" dirty="0" smtClean="0">
-                <a:solidFill>
-                  <a:schemeClr val="bg1">
-                    <a:lumMod val="50000"/>
-                  </a:schemeClr>
-                </a:solidFill>
-                <a:latin typeface="HGP明朝B" panose="02020800000000000000" pitchFamily="18" charset="-128"/>
-                <a:ea typeface="HGP明朝B" panose="02020800000000000000" pitchFamily="18" charset="-128"/>
-              </a:rPr>
-              <a:t>3</a:t>
-            </a:r>
-            <a:r>
-              <a:rPr lang="en-US" altLang="ja-JP" sz="5400" dirty="0" smtClean="0">
-                <a:solidFill>
-                  <a:schemeClr val="bg1">
-                    <a:lumMod val="50000"/>
-                  </a:schemeClr>
-                </a:solidFill>
-                <a:latin typeface="+mj-ea"/>
-                <a:ea typeface="+mj-ea"/>
-              </a:rPr>
-              <a:t>  </a:t>
-            </a:r>
-            <a:r>
-              <a:rPr lang="ja-JP" altLang="en-US" sz="3200" dirty="0" smtClean="0">
+            <a:pPr algn="ctr"/>
+            <a:r>
+              <a:rPr kumimoji="1" lang="ja-JP" altLang="en-US" sz="3200" dirty="0" smtClean="0">
                 <a:solidFill>
                   <a:schemeClr val="tx1">
                     <a:lumMod val="75000"/>
@@ -13197,22 +15304,8 @@
                   </a:schemeClr>
                 </a:solidFill>
                 <a:latin typeface="+mj-ea"/>
-                <a:ea typeface="+mj-ea"/>
-              </a:rPr>
-              <a:t>進捗状況</a:t>
-            </a:r>
-            <a:r>
-              <a:rPr kumimoji="1" lang="en-US" altLang="ja-JP" sz="3200" dirty="0" smtClean="0">
-                <a:solidFill>
-                  <a:schemeClr val="tx1">
-                    <a:lumMod val="75000"/>
-                    <a:lumOff val="25000"/>
-                  </a:schemeClr>
-                </a:solidFill>
-                <a:latin typeface="+mj-ea"/>
-                <a:ea typeface="+mj-ea"/>
-              </a:rPr>
-              <a:t>  </a:t>
+              </a:rPr>
+              <a:t>イメージ画面</a:t>
             </a:r>
             <a:endParaRPr kumimoji="1" lang="ja-JP" altLang="en-US" sz="3200" dirty="0">
               <a:solidFill>
@@ -13222,124 +15315,145 @@
                 </a:schemeClr>
               </a:solidFill>
               <a:latin typeface="+mj-ea"/>
-              <a:ea typeface="+mj-ea"/>
             </a:endParaRPr>
           </a:p>
         </p:txBody>
       </p:sp>
       <p:sp>
         <p:nvSpPr>
-          <p:cNvPr id="15" name="テキスト ボックス 14"/>
-          <p:cNvSpPr txBox="1"/>
+          <p:cNvPr id="7" name="正方形/長方形 6"/>
+          <p:cNvSpPr/>
           <p:nvPr/>
         </p:nvSpPr>
         <p:spPr>
           <a:xfrm>
-            <a:off x="0" y="4191748"/>
-            <a:ext cx="9144000" cy="1015663"/>
+            <a:off x="1" y="690779"/>
+            <a:ext cx="9144001" cy="34289"/>
           </a:xfrm>
           <a:prstGeom prst="rect">
             <a:avLst/>
           </a:prstGeom>
-          <a:noFill/>
+          <a:solidFill>
+            <a:srgbClr val="92D050"/>
+          </a:solidFill>
+          <a:ln>
+            <a:noFill/>
+          </a:ln>
         </p:spPr>
-        <p:txBody>
-          <a:bodyPr wrap="square" rtlCol="0">
-            <a:spAutoFit/>
+        <p:style>
+          <a:lnRef idx="2">
+            <a:schemeClr val="accent1">
+              <a:shade val="50000"/>
+            </a:schemeClr>
+          </a:lnRef>
+          <a:fillRef idx="1">
+            <a:schemeClr val="accent1"/>
+          </a:fillRef>
+          <a:effectRef idx="0">
+            <a:schemeClr val="accent1"/>
+          </a:effectRef>
+          <a:fontRef idx="minor">
+            <a:schemeClr val="lt1"/>
+          </a:fontRef>
+        </p:style>
+        <p:txBody>
+          <a:bodyPr rot="0" spcFirstLastPara="0" vertOverflow="overflow" horzOverflow="overflow" vert="horz" wrap="square" lIns="68580" tIns="34290" rIns="68580" bIns="34290" numCol="1" spcCol="0" rtlCol="0" fromWordArt="0" anchor="ctr" anchorCtr="0" forceAA="0" compatLnSpc="1">
+            <a:prstTxWarp prst="textNoShape">
+              <a:avLst/>
+            </a:prstTxWarp>
+            <a:noAutofit/>
           </a:bodyPr>
           <a:lstStyle/>
           <a:p>
-            <a:r>
-              <a:rPr lang="ja-JP" altLang="en-US" sz="5400" dirty="0" smtClean="0">
-                <a:solidFill>
-                  <a:schemeClr val="bg1">
-                    <a:lumMod val="50000"/>
-                  </a:schemeClr>
-                </a:solidFill>
-                <a:latin typeface="HGP明朝B" panose="02020800000000000000" pitchFamily="18" charset="-128"/>
-                <a:ea typeface="HGP明朝B" panose="02020800000000000000" pitchFamily="18" charset="-128"/>
-              </a:rPr>
-              <a:t>　　　　 </a:t>
-            </a:r>
-            <a:r>
-              <a:rPr lang="en-US" altLang="ja-JP" sz="6000" dirty="0">
-                <a:solidFill>
-                  <a:schemeClr val="bg1">
-                    <a:lumMod val="50000"/>
-                  </a:schemeClr>
-                </a:solidFill>
-                <a:latin typeface="HGP明朝E" panose="02020900000000000000" pitchFamily="18" charset="-128"/>
-                <a:ea typeface="HGP明朝E" panose="02020900000000000000" pitchFamily="18" charset="-128"/>
-              </a:rPr>
-              <a:t>4</a:t>
-            </a:r>
-            <a:r>
-              <a:rPr lang="en-US" altLang="ja-JP" sz="5400" dirty="0" smtClean="0">
-                <a:solidFill>
-                  <a:schemeClr val="bg1">
-                    <a:lumMod val="50000"/>
-                  </a:schemeClr>
-                </a:solidFill>
-                <a:latin typeface="HGP明朝E" panose="02020900000000000000" pitchFamily="18" charset="-128"/>
-                <a:ea typeface="HGP明朝E" panose="02020900000000000000" pitchFamily="18" charset="-128"/>
-              </a:rPr>
-              <a:t> </a:t>
-            </a:r>
-            <a:r>
-              <a:rPr lang="en-US" altLang="ja-JP" sz="5400" dirty="0" smtClean="0">
-                <a:solidFill>
-                  <a:schemeClr val="bg1">
-                    <a:lumMod val="50000"/>
-                  </a:schemeClr>
-                </a:solidFill>
-                <a:latin typeface="+mj-ea"/>
-                <a:ea typeface="+mj-ea"/>
-              </a:rPr>
-              <a:t> </a:t>
-            </a:r>
-            <a:r>
-              <a:rPr lang="ja-JP" altLang="en-US" sz="3200" dirty="0" smtClean="0">
-                <a:solidFill>
-                  <a:schemeClr val="tx1">
-                    <a:lumMod val="75000"/>
-                    <a:lumOff val="25000"/>
-                  </a:schemeClr>
-                </a:solidFill>
-                <a:latin typeface="+mj-ea"/>
-                <a:ea typeface="+mj-ea"/>
-              </a:rPr>
-              <a:t>問題点と改善点</a:t>
-            </a:r>
-            <a:r>
-              <a:rPr kumimoji="1" lang="en-US" altLang="ja-JP" sz="3200" dirty="0" smtClean="0">
-                <a:solidFill>
-                  <a:schemeClr val="tx1">
-                    <a:lumMod val="75000"/>
-                    <a:lumOff val="25000"/>
-                  </a:schemeClr>
-                </a:solidFill>
-                <a:latin typeface="+mj-ea"/>
-                <a:ea typeface="+mj-ea"/>
-              </a:rPr>
-              <a:t>  </a:t>
-            </a:r>
-            <a:endParaRPr kumimoji="1" lang="ja-JP" altLang="en-US" sz="3200" dirty="0">
-              <a:solidFill>
-                <a:schemeClr val="tx1">
-                  <a:lumMod val="75000"/>
-                  <a:lumOff val="25000"/>
-                </a:schemeClr>
-              </a:solidFill>
-              <a:latin typeface="+mj-ea"/>
-              <a:ea typeface="+mj-ea"/>
-            </a:endParaRPr>
-          </a:p>
-        </p:txBody>
-      </p:sp>
+            <a:pPr algn="ctr"/>
+            <a:endParaRPr lang="ja-JP" altLang="en-US" sz="1350"/>
+          </a:p>
+        </p:txBody>
+      </p:sp>
+      <p:sp>
+        <p:nvSpPr>
+          <p:cNvPr id="8" name="正方形/長方形 7"/>
+          <p:cNvSpPr/>
+          <p:nvPr/>
+        </p:nvSpPr>
+        <p:spPr>
+          <a:xfrm>
+            <a:off x="0" y="6426560"/>
+            <a:ext cx="9144000" cy="283336"/>
+          </a:xfrm>
+          <a:prstGeom prst="rect">
+            <a:avLst/>
+          </a:prstGeom>
+          <a:solidFill>
+            <a:srgbClr val="92D050"/>
+          </a:solidFill>
+          <a:ln>
+            <a:noFill/>
+          </a:ln>
+        </p:spPr>
+        <p:style>
+          <a:lnRef idx="2">
+            <a:schemeClr val="accent1">
+              <a:shade val="50000"/>
+            </a:schemeClr>
+          </a:lnRef>
+          <a:fillRef idx="1">
+            <a:schemeClr val="accent1"/>
+          </a:fillRef>
+          <a:effectRef idx="0">
+            <a:schemeClr val="accent1"/>
+          </a:effectRef>
+          <a:fontRef idx="minor">
+            <a:schemeClr val="lt1"/>
+          </a:fontRef>
+        </p:style>
+        <p:txBody>
+          <a:bodyPr rot="0" spcFirstLastPara="0" vertOverflow="overflow" horzOverflow="overflow" vert="horz" wrap="square" lIns="68580" tIns="34290" rIns="68580" bIns="34290" numCol="1" spcCol="0" rtlCol="0" fromWordArt="0" anchor="ctr" anchorCtr="0" forceAA="0" compatLnSpc="1">
+            <a:prstTxWarp prst="textNoShape">
+              <a:avLst/>
+            </a:prstTxWarp>
+            <a:noAutofit/>
+          </a:bodyPr>
+          <a:lstStyle/>
+          <a:p>
+            <a:pPr algn="ctr"/>
+            <a:endParaRPr lang="ja-JP" altLang="en-US" sz="1350"/>
+          </a:p>
+        </p:txBody>
+      </p:sp>
+      <p:pic>
+        <p:nvPicPr>
+          <p:cNvPr id="11" name="コンテンツ プレースホルダー 10"/>
+          <p:cNvPicPr>
+            <a:picLocks noGrp="1" noChangeAspect="1"/>
+          </p:cNvPicPr>
+          <p:nvPr>
+            <p:ph idx="1"/>
+          </p:nvPr>
+        </p:nvPicPr>
+        <p:blipFill>
+          <a:blip r:embed="rId2">
+            <a:extLst>
+              <a:ext uri="{28A0092B-C50C-407E-A947-70E740481C1C}">
+                <a14:useLocalDpi xmlns:a14="http://schemas.microsoft.com/office/drawing/2010/main" val="0"/>
+              </a:ext>
+            </a:extLst>
+          </a:blip>
+          <a:stretch>
+            <a:fillRect/>
+          </a:stretch>
+        </p:blipFill>
+        <p:spPr>
+          <a:xfrm>
+            <a:off x="526752" y="1275008"/>
+            <a:ext cx="8102094" cy="4353060"/>
+          </a:xfrm>
+        </p:spPr>
+      </p:pic>
     </p:spTree>
     <p:extLst>
       <p:ext uri="{BB962C8B-B14F-4D97-AF65-F5344CB8AC3E}">
-        <p14:creationId xmlns:p14="http://schemas.microsoft.com/office/powerpoint/2010/main" val="725298675"/>
+        <p14:creationId xmlns:p14="http://schemas.microsoft.com/office/powerpoint/2010/main" val="4198564688"/>
       </p:ext>
     </p:extLst>
   </p:cSld>
@@ -13385,6 +15499,872 @@
         </p:nvSpPr>
         <p:spPr>
           <a:xfrm>
+            <a:off x="0" y="1"/>
+            <a:ext cx="9144000" cy="725068"/>
+          </a:xfrm>
+        </p:spPr>
+        <p:txBody>
+          <a:bodyPr>
+            <a:normAutofit/>
+          </a:bodyPr>
+          <a:lstStyle/>
+          <a:p>
+            <a:pPr algn="ctr"/>
+            <a:r>
+              <a:rPr kumimoji="1" lang="ja-JP" altLang="en-US" sz="3200" dirty="0" smtClean="0">
+                <a:solidFill>
+                  <a:schemeClr val="tx1">
+                    <a:lumMod val="75000"/>
+                    <a:lumOff val="25000"/>
+                  </a:schemeClr>
+                </a:solidFill>
+                <a:latin typeface="+mj-ea"/>
+              </a:rPr>
+              <a:t>イメージ画面</a:t>
+            </a:r>
+            <a:endParaRPr kumimoji="1" lang="ja-JP" altLang="en-US" sz="3200" dirty="0">
+              <a:solidFill>
+                <a:schemeClr val="tx1">
+                  <a:lumMod val="75000"/>
+                  <a:lumOff val="25000"/>
+                </a:schemeClr>
+              </a:solidFill>
+              <a:latin typeface="+mj-ea"/>
+            </a:endParaRPr>
+          </a:p>
+        </p:txBody>
+      </p:sp>
+      <p:sp>
+        <p:nvSpPr>
+          <p:cNvPr id="7" name="正方形/長方形 6"/>
+          <p:cNvSpPr/>
+          <p:nvPr/>
+        </p:nvSpPr>
+        <p:spPr>
+          <a:xfrm>
+            <a:off x="1" y="690779"/>
+            <a:ext cx="9144001" cy="34289"/>
+          </a:xfrm>
+          <a:prstGeom prst="rect">
+            <a:avLst/>
+          </a:prstGeom>
+          <a:solidFill>
+            <a:srgbClr val="92D050"/>
+          </a:solidFill>
+          <a:ln>
+            <a:noFill/>
+          </a:ln>
+        </p:spPr>
+        <p:style>
+          <a:lnRef idx="2">
+            <a:schemeClr val="accent1">
+              <a:shade val="50000"/>
+            </a:schemeClr>
+          </a:lnRef>
+          <a:fillRef idx="1">
+            <a:schemeClr val="accent1"/>
+          </a:fillRef>
+          <a:effectRef idx="0">
+            <a:schemeClr val="accent1"/>
+          </a:effectRef>
+          <a:fontRef idx="minor">
+            <a:schemeClr val="lt1"/>
+          </a:fontRef>
+        </p:style>
+        <p:txBody>
+          <a:bodyPr rot="0" spcFirstLastPara="0" vertOverflow="overflow" horzOverflow="overflow" vert="horz" wrap="square" lIns="68580" tIns="34290" rIns="68580" bIns="34290" numCol="1" spcCol="0" rtlCol="0" fromWordArt="0" anchor="ctr" anchorCtr="0" forceAA="0" compatLnSpc="1">
+            <a:prstTxWarp prst="textNoShape">
+              <a:avLst/>
+            </a:prstTxWarp>
+            <a:noAutofit/>
+          </a:bodyPr>
+          <a:lstStyle/>
+          <a:p>
+            <a:pPr algn="ctr"/>
+            <a:endParaRPr lang="ja-JP" altLang="en-US" sz="1350"/>
+          </a:p>
+        </p:txBody>
+      </p:sp>
+      <p:sp>
+        <p:nvSpPr>
+          <p:cNvPr id="8" name="正方形/長方形 7"/>
+          <p:cNvSpPr/>
+          <p:nvPr/>
+        </p:nvSpPr>
+        <p:spPr>
+          <a:xfrm>
+            <a:off x="0" y="6426560"/>
+            <a:ext cx="9144000" cy="283336"/>
+          </a:xfrm>
+          <a:prstGeom prst="rect">
+            <a:avLst/>
+          </a:prstGeom>
+          <a:solidFill>
+            <a:srgbClr val="92D050"/>
+          </a:solidFill>
+          <a:ln>
+            <a:noFill/>
+          </a:ln>
+        </p:spPr>
+        <p:style>
+          <a:lnRef idx="2">
+            <a:schemeClr val="accent1">
+              <a:shade val="50000"/>
+            </a:schemeClr>
+          </a:lnRef>
+          <a:fillRef idx="1">
+            <a:schemeClr val="accent1"/>
+          </a:fillRef>
+          <a:effectRef idx="0">
+            <a:schemeClr val="accent1"/>
+          </a:effectRef>
+          <a:fontRef idx="minor">
+            <a:schemeClr val="lt1"/>
+          </a:fontRef>
+        </p:style>
+        <p:txBody>
+          <a:bodyPr rot="0" spcFirstLastPara="0" vertOverflow="overflow" horzOverflow="overflow" vert="horz" wrap="square" lIns="68580" tIns="34290" rIns="68580" bIns="34290" numCol="1" spcCol="0" rtlCol="0" fromWordArt="0" anchor="ctr" anchorCtr="0" forceAA="0" compatLnSpc="1">
+            <a:prstTxWarp prst="textNoShape">
+              <a:avLst/>
+            </a:prstTxWarp>
+            <a:noAutofit/>
+          </a:bodyPr>
+          <a:lstStyle/>
+          <a:p>
+            <a:pPr algn="ctr"/>
+            <a:endParaRPr lang="ja-JP" altLang="en-US" sz="1350"/>
+          </a:p>
+        </p:txBody>
+      </p:sp>
+      <p:pic>
+        <p:nvPicPr>
+          <p:cNvPr id="4" name="コンテンツ プレースホルダー 3"/>
+          <p:cNvPicPr>
+            <a:picLocks noGrp="1" noChangeAspect="1"/>
+          </p:cNvPicPr>
+          <p:nvPr>
+            <p:ph idx="1"/>
+          </p:nvPr>
+        </p:nvPicPr>
+        <p:blipFill>
+          <a:blip r:embed="rId2">
+            <a:extLst>
+              <a:ext uri="{28A0092B-C50C-407E-A947-70E740481C1C}">
+                <a14:useLocalDpi xmlns:a14="http://schemas.microsoft.com/office/drawing/2010/main" val="0"/>
+              </a:ext>
+            </a:extLst>
+          </a:blip>
+          <a:stretch>
+            <a:fillRect/>
+          </a:stretch>
+        </p:blipFill>
+        <p:spPr>
+          <a:xfrm>
+            <a:off x="538497" y="1287886"/>
+            <a:ext cx="8090347" cy="4288665"/>
+          </a:xfrm>
+        </p:spPr>
+      </p:pic>
+    </p:spTree>
+    <p:extLst>
+      <p:ext uri="{BB962C8B-B14F-4D97-AF65-F5344CB8AC3E}">
+        <p14:creationId xmlns:p14="http://schemas.microsoft.com/office/powerpoint/2010/main" val="1451312249"/>
+      </p:ext>
+    </p:extLst>
+  </p:cSld>
+  <p:clrMapOvr>
+    <a:masterClrMapping/>
+  </p:clrMapOvr>
+  <p:timing>
+    <p:tnLst>
+      <p:par>
+        <p:cTn id="1" dur="indefinite" restart="never" nodeType="tmRoot"/>
+      </p:par>
+    </p:tnLst>
+  </p:timing>
+</p:sld>
+</file>
+
+<file path=ppt/slides/slide7.xml><?xml version="1.0" encoding="utf-8"?>
+<p:sld xmlns:a="http://schemas.openxmlformats.org/drawingml/2006/main" xmlns:r="http://schemas.openxmlformats.org/officeDocument/2006/relationships" xmlns:p="http://schemas.openxmlformats.org/presentationml/2006/main">
+  <p:cSld>
+    <p:spTree>
+      <p:nvGrpSpPr>
+        <p:cNvPr id="1" name=""/>
+        <p:cNvGrpSpPr/>
+        <p:nvPr/>
+      </p:nvGrpSpPr>
+      <p:grpSpPr>
+        <a:xfrm>
+          <a:off x="0" y="0"/>
+          <a:ext cx="0" cy="0"/>
+          <a:chOff x="0" y="0"/>
+          <a:chExt cx="0" cy="0"/>
+        </a:xfrm>
+      </p:grpSpPr>
+      <p:sp>
+        <p:nvSpPr>
+          <p:cNvPr id="2" name="タイトル 1"/>
+          <p:cNvSpPr>
+            <a:spLocks noGrp="1"/>
+          </p:cNvSpPr>
+          <p:nvPr>
+            <p:ph type="title"/>
+          </p:nvPr>
+        </p:nvSpPr>
+        <p:spPr>
+          <a:xfrm>
+            <a:off x="0" y="1"/>
+            <a:ext cx="9144000" cy="725068"/>
+          </a:xfrm>
+        </p:spPr>
+        <p:txBody>
+          <a:bodyPr>
+            <a:normAutofit/>
+          </a:bodyPr>
+          <a:lstStyle/>
+          <a:p>
+            <a:pPr algn="ctr"/>
+            <a:r>
+              <a:rPr kumimoji="1" lang="ja-JP" altLang="en-US" sz="3200" dirty="0" smtClean="0">
+                <a:solidFill>
+                  <a:schemeClr val="tx1">
+                    <a:lumMod val="75000"/>
+                    <a:lumOff val="25000"/>
+                  </a:schemeClr>
+                </a:solidFill>
+                <a:latin typeface="+mj-ea"/>
+              </a:rPr>
+              <a:t>イメージ画面</a:t>
+            </a:r>
+            <a:endParaRPr kumimoji="1" lang="ja-JP" altLang="en-US" sz="3200" dirty="0">
+              <a:solidFill>
+                <a:schemeClr val="tx1">
+                  <a:lumMod val="75000"/>
+                  <a:lumOff val="25000"/>
+                </a:schemeClr>
+              </a:solidFill>
+              <a:latin typeface="+mj-ea"/>
+            </a:endParaRPr>
+          </a:p>
+        </p:txBody>
+      </p:sp>
+      <p:sp>
+        <p:nvSpPr>
+          <p:cNvPr id="7" name="正方形/長方形 6"/>
+          <p:cNvSpPr/>
+          <p:nvPr/>
+        </p:nvSpPr>
+        <p:spPr>
+          <a:xfrm>
+            <a:off x="1" y="690779"/>
+            <a:ext cx="9144001" cy="34289"/>
+          </a:xfrm>
+          <a:prstGeom prst="rect">
+            <a:avLst/>
+          </a:prstGeom>
+          <a:solidFill>
+            <a:srgbClr val="92D050"/>
+          </a:solidFill>
+          <a:ln>
+            <a:noFill/>
+          </a:ln>
+        </p:spPr>
+        <p:style>
+          <a:lnRef idx="2">
+            <a:schemeClr val="accent1">
+              <a:shade val="50000"/>
+            </a:schemeClr>
+          </a:lnRef>
+          <a:fillRef idx="1">
+            <a:schemeClr val="accent1"/>
+          </a:fillRef>
+          <a:effectRef idx="0">
+            <a:schemeClr val="accent1"/>
+          </a:effectRef>
+          <a:fontRef idx="minor">
+            <a:schemeClr val="lt1"/>
+          </a:fontRef>
+        </p:style>
+        <p:txBody>
+          <a:bodyPr rot="0" spcFirstLastPara="0" vertOverflow="overflow" horzOverflow="overflow" vert="horz" wrap="square" lIns="68580" tIns="34290" rIns="68580" bIns="34290" numCol="1" spcCol="0" rtlCol="0" fromWordArt="0" anchor="ctr" anchorCtr="0" forceAA="0" compatLnSpc="1">
+            <a:prstTxWarp prst="textNoShape">
+              <a:avLst/>
+            </a:prstTxWarp>
+            <a:noAutofit/>
+          </a:bodyPr>
+          <a:lstStyle/>
+          <a:p>
+            <a:pPr algn="ctr"/>
+            <a:endParaRPr lang="ja-JP" altLang="en-US" sz="1350"/>
+          </a:p>
+        </p:txBody>
+      </p:sp>
+      <p:sp>
+        <p:nvSpPr>
+          <p:cNvPr id="8" name="正方形/長方形 7"/>
+          <p:cNvSpPr/>
+          <p:nvPr/>
+        </p:nvSpPr>
+        <p:spPr>
+          <a:xfrm>
+            <a:off x="0" y="6426560"/>
+            <a:ext cx="9144000" cy="283336"/>
+          </a:xfrm>
+          <a:prstGeom prst="rect">
+            <a:avLst/>
+          </a:prstGeom>
+          <a:solidFill>
+            <a:srgbClr val="92D050"/>
+          </a:solidFill>
+          <a:ln>
+            <a:noFill/>
+          </a:ln>
+        </p:spPr>
+        <p:style>
+          <a:lnRef idx="2">
+            <a:schemeClr val="accent1">
+              <a:shade val="50000"/>
+            </a:schemeClr>
+          </a:lnRef>
+          <a:fillRef idx="1">
+            <a:schemeClr val="accent1"/>
+          </a:fillRef>
+          <a:effectRef idx="0">
+            <a:schemeClr val="accent1"/>
+          </a:effectRef>
+          <a:fontRef idx="minor">
+            <a:schemeClr val="lt1"/>
+          </a:fontRef>
+        </p:style>
+        <p:txBody>
+          <a:bodyPr rot="0" spcFirstLastPara="0" vertOverflow="overflow" horzOverflow="overflow" vert="horz" wrap="square" lIns="68580" tIns="34290" rIns="68580" bIns="34290" numCol="1" spcCol="0" rtlCol="0" fromWordArt="0" anchor="ctr" anchorCtr="0" forceAA="0" compatLnSpc="1">
+            <a:prstTxWarp prst="textNoShape">
+              <a:avLst/>
+            </a:prstTxWarp>
+            <a:noAutofit/>
+          </a:bodyPr>
+          <a:lstStyle/>
+          <a:p>
+            <a:pPr algn="ctr"/>
+            <a:endParaRPr lang="ja-JP" altLang="en-US" sz="1350"/>
+          </a:p>
+        </p:txBody>
+      </p:sp>
+      <p:pic>
+        <p:nvPicPr>
+          <p:cNvPr id="5" name="コンテンツ プレースホルダー 4"/>
+          <p:cNvPicPr>
+            <a:picLocks noGrp="1" noChangeAspect="1"/>
+          </p:cNvPicPr>
+          <p:nvPr>
+            <p:ph idx="1"/>
+          </p:nvPr>
+        </p:nvPicPr>
+        <p:blipFill>
+          <a:blip r:embed="rId2">
+            <a:extLst>
+              <a:ext uri="{28A0092B-C50C-407E-A947-70E740481C1C}">
+                <a14:useLocalDpi xmlns:a14="http://schemas.microsoft.com/office/drawing/2010/main" val="0"/>
+              </a:ext>
+            </a:extLst>
+          </a:blip>
+          <a:stretch>
+            <a:fillRect/>
+          </a:stretch>
+        </p:blipFill>
+        <p:spPr>
+          <a:xfrm>
+            <a:off x="528034" y="1287887"/>
+            <a:ext cx="8087932" cy="4301543"/>
+          </a:xfrm>
+        </p:spPr>
+      </p:pic>
+    </p:spTree>
+    <p:extLst>
+      <p:ext uri="{BB962C8B-B14F-4D97-AF65-F5344CB8AC3E}">
+        <p14:creationId xmlns:p14="http://schemas.microsoft.com/office/powerpoint/2010/main" val="4124963623"/>
+      </p:ext>
+    </p:extLst>
+  </p:cSld>
+  <p:clrMapOvr>
+    <a:masterClrMapping/>
+  </p:clrMapOvr>
+  <p:timing>
+    <p:tnLst>
+      <p:par>
+        <p:cTn id="1" dur="indefinite" restart="never" nodeType="tmRoot"/>
+      </p:par>
+    </p:tnLst>
+  </p:timing>
+</p:sld>
+</file>
+
+<file path=ppt/slides/slide8.xml><?xml version="1.0" encoding="utf-8"?>
+<p:sld xmlns:a="http://schemas.openxmlformats.org/drawingml/2006/main" xmlns:r="http://schemas.openxmlformats.org/officeDocument/2006/relationships" xmlns:p="http://schemas.openxmlformats.org/presentationml/2006/main">
+  <p:cSld>
+    <p:spTree>
+      <p:nvGrpSpPr>
+        <p:cNvPr id="1" name=""/>
+        <p:cNvGrpSpPr/>
+        <p:nvPr/>
+      </p:nvGrpSpPr>
+      <p:grpSpPr>
+        <a:xfrm>
+          <a:off x="0" y="0"/>
+          <a:ext cx="0" cy="0"/>
+          <a:chOff x="0" y="0"/>
+          <a:chExt cx="0" cy="0"/>
+        </a:xfrm>
+      </p:grpSpPr>
+      <p:sp>
+        <p:nvSpPr>
+          <p:cNvPr id="11" name="テキスト ボックス 10"/>
+          <p:cNvSpPr txBox="1"/>
+          <p:nvPr/>
+        </p:nvSpPr>
+        <p:spPr>
+          <a:xfrm>
+            <a:off x="0" y="1144759"/>
+            <a:ext cx="9144000" cy="1015663"/>
+          </a:xfrm>
+          <a:prstGeom prst="rect">
+            <a:avLst/>
+          </a:prstGeom>
+          <a:noFill/>
+        </p:spPr>
+        <p:txBody>
+          <a:bodyPr wrap="square" rtlCol="0">
+            <a:spAutoFit/>
+          </a:bodyPr>
+          <a:lstStyle/>
+          <a:p>
+            <a:r>
+              <a:rPr lang="ja-JP" altLang="en-US" sz="5400" dirty="0" smtClean="0">
+                <a:solidFill>
+                  <a:schemeClr val="bg1">
+                    <a:lumMod val="50000"/>
+                  </a:schemeClr>
+                </a:solidFill>
+                <a:latin typeface="HGP明朝B" panose="02020800000000000000" pitchFamily="18" charset="-128"/>
+                <a:ea typeface="HGP明朝B" panose="02020800000000000000" pitchFamily="18" charset="-128"/>
+              </a:rPr>
+              <a:t>　　　　 </a:t>
+            </a:r>
+            <a:r>
+              <a:rPr lang="en-US" altLang="ja-JP" sz="6000" dirty="0" smtClean="0">
+                <a:solidFill>
+                  <a:schemeClr val="tx1">
+                    <a:lumMod val="50000"/>
+                    <a:lumOff val="50000"/>
+                  </a:schemeClr>
+                </a:solidFill>
+                <a:ea typeface="HGP明朝B" panose="02020800000000000000" pitchFamily="18" charset="-128"/>
+              </a:rPr>
+              <a:t>1</a:t>
+            </a:r>
+            <a:r>
+              <a:rPr lang="en-US" altLang="ja-JP" sz="5400" dirty="0" smtClean="0">
+                <a:solidFill>
+                  <a:schemeClr val="bg1">
+                    <a:lumMod val="50000"/>
+                  </a:schemeClr>
+                </a:solidFill>
+                <a:latin typeface="+mj-ea"/>
+                <a:ea typeface="+mj-ea"/>
+              </a:rPr>
+              <a:t>  </a:t>
+            </a:r>
+            <a:r>
+              <a:rPr lang="ja-JP" altLang="en-US" sz="3200" dirty="0" smtClean="0">
+                <a:solidFill>
+                  <a:schemeClr val="tx1">
+                    <a:lumMod val="65000"/>
+                    <a:lumOff val="35000"/>
+                  </a:schemeClr>
+                </a:solidFill>
+                <a:latin typeface="+mj-ea"/>
+                <a:ea typeface="+mj-ea"/>
+              </a:rPr>
+              <a:t>開発コンセプト</a:t>
+            </a:r>
+            <a:r>
+              <a:rPr kumimoji="1" lang="en-US" altLang="ja-JP" sz="3200" dirty="0" smtClean="0">
+                <a:solidFill>
+                  <a:schemeClr val="tx1">
+                    <a:lumMod val="65000"/>
+                    <a:lumOff val="35000"/>
+                  </a:schemeClr>
+                </a:solidFill>
+                <a:latin typeface="+mj-ea"/>
+                <a:ea typeface="+mj-ea"/>
+              </a:rPr>
+              <a:t>  </a:t>
+            </a:r>
+            <a:endParaRPr kumimoji="1" lang="ja-JP" altLang="en-US" sz="3200" dirty="0">
+              <a:solidFill>
+                <a:schemeClr val="tx1">
+                  <a:lumMod val="65000"/>
+                  <a:lumOff val="35000"/>
+                </a:schemeClr>
+              </a:solidFill>
+              <a:latin typeface="+mj-ea"/>
+              <a:ea typeface="+mj-ea"/>
+            </a:endParaRPr>
+          </a:p>
+        </p:txBody>
+      </p:sp>
+      <p:sp>
+        <p:nvSpPr>
+          <p:cNvPr id="12" name="テキスト ボックス 11"/>
+          <p:cNvSpPr txBox="1"/>
+          <p:nvPr/>
+        </p:nvSpPr>
+        <p:spPr>
+          <a:xfrm>
+            <a:off x="0" y="2160422"/>
+            <a:ext cx="9144000" cy="1015663"/>
+          </a:xfrm>
+          <a:prstGeom prst="rect">
+            <a:avLst/>
+          </a:prstGeom>
+          <a:solidFill>
+            <a:srgbClr val="92D050"/>
+          </a:solidFill>
+        </p:spPr>
+        <p:txBody>
+          <a:bodyPr wrap="square" rtlCol="0">
+            <a:spAutoFit/>
+          </a:bodyPr>
+          <a:lstStyle/>
+          <a:p>
+            <a:r>
+              <a:rPr lang="ja-JP" altLang="en-US" sz="5400" dirty="0" smtClean="0">
+                <a:solidFill>
+                  <a:schemeClr val="bg1">
+                    <a:lumMod val="50000"/>
+                  </a:schemeClr>
+                </a:solidFill>
+                <a:latin typeface="HGP明朝B" panose="02020800000000000000" pitchFamily="18" charset="-128"/>
+                <a:ea typeface="HGP明朝B" panose="02020800000000000000" pitchFamily="18" charset="-128"/>
+              </a:rPr>
+              <a:t>　　　</a:t>
+            </a:r>
+            <a:r>
+              <a:rPr lang="ja-JP" altLang="en-US" sz="5400" dirty="0" smtClean="0">
+                <a:solidFill>
+                  <a:schemeClr val="bg1"/>
+                </a:solidFill>
+                <a:latin typeface="HGP明朝B" panose="02020800000000000000" pitchFamily="18" charset="-128"/>
+                <a:ea typeface="HGP明朝B" panose="02020800000000000000" pitchFamily="18" charset="-128"/>
+              </a:rPr>
+              <a:t>　 </a:t>
+            </a:r>
+            <a:r>
+              <a:rPr lang="en-US" altLang="ja-JP" sz="6000" dirty="0" smtClean="0">
+                <a:solidFill>
+                  <a:schemeClr val="bg1"/>
+                </a:solidFill>
+                <a:latin typeface="HGP明朝B" panose="02020800000000000000" pitchFamily="18" charset="-128"/>
+                <a:ea typeface="HGP明朝B" panose="02020800000000000000" pitchFamily="18" charset="-128"/>
+              </a:rPr>
+              <a:t>2</a:t>
+            </a:r>
+            <a:r>
+              <a:rPr lang="en-US" altLang="ja-JP" sz="5400" dirty="0" smtClean="0">
+                <a:solidFill>
+                  <a:schemeClr val="bg1"/>
+                </a:solidFill>
+                <a:latin typeface="+mj-ea"/>
+                <a:ea typeface="+mj-ea"/>
+              </a:rPr>
+              <a:t>  </a:t>
+            </a:r>
+            <a:r>
+              <a:rPr lang="ja-JP" altLang="en-US" sz="3200" dirty="0" smtClean="0">
+                <a:solidFill>
+                  <a:schemeClr val="bg1"/>
+                </a:solidFill>
+                <a:latin typeface="+mj-ea"/>
+                <a:ea typeface="+mj-ea"/>
+              </a:rPr>
+              <a:t>開発環境、動作環境</a:t>
+            </a:r>
+            <a:r>
+              <a:rPr kumimoji="1" lang="en-US" altLang="ja-JP" sz="3200" dirty="0" smtClean="0">
+                <a:solidFill>
+                  <a:schemeClr val="bg1"/>
+                </a:solidFill>
+                <a:latin typeface="+mj-ea"/>
+                <a:ea typeface="+mj-ea"/>
+              </a:rPr>
+              <a:t>  </a:t>
+            </a:r>
+            <a:endParaRPr kumimoji="1" lang="ja-JP" altLang="en-US" sz="3200" dirty="0">
+              <a:solidFill>
+                <a:schemeClr val="bg1"/>
+              </a:solidFill>
+              <a:latin typeface="+mj-ea"/>
+              <a:ea typeface="+mj-ea"/>
+            </a:endParaRPr>
+          </a:p>
+        </p:txBody>
+      </p:sp>
+      <p:sp>
+        <p:nvSpPr>
+          <p:cNvPr id="13" name="テキスト ボックス 12"/>
+          <p:cNvSpPr txBox="1"/>
+          <p:nvPr/>
+        </p:nvSpPr>
+        <p:spPr>
+          <a:xfrm>
+            <a:off x="0" y="3176085"/>
+            <a:ext cx="9144000" cy="1015663"/>
+          </a:xfrm>
+          <a:prstGeom prst="rect">
+            <a:avLst/>
+          </a:prstGeom>
+          <a:noFill/>
+        </p:spPr>
+        <p:txBody>
+          <a:bodyPr wrap="square" rtlCol="0">
+            <a:spAutoFit/>
+          </a:bodyPr>
+          <a:lstStyle/>
+          <a:p>
+            <a:r>
+              <a:rPr lang="ja-JP" altLang="en-US" sz="5400" dirty="0" smtClean="0">
+                <a:solidFill>
+                  <a:schemeClr val="bg1">
+                    <a:lumMod val="50000"/>
+                  </a:schemeClr>
+                </a:solidFill>
+                <a:latin typeface="HGP明朝B" panose="02020800000000000000" pitchFamily="18" charset="-128"/>
+                <a:ea typeface="HGP明朝B" panose="02020800000000000000" pitchFamily="18" charset="-128"/>
+              </a:rPr>
+              <a:t>　　　　 </a:t>
+            </a:r>
+            <a:r>
+              <a:rPr lang="en-US" altLang="ja-JP" sz="6000" dirty="0" smtClean="0">
+                <a:solidFill>
+                  <a:schemeClr val="bg1">
+                    <a:lumMod val="50000"/>
+                  </a:schemeClr>
+                </a:solidFill>
+                <a:latin typeface="HGP明朝B" panose="02020800000000000000" pitchFamily="18" charset="-128"/>
+                <a:ea typeface="HGP明朝B" panose="02020800000000000000" pitchFamily="18" charset="-128"/>
+              </a:rPr>
+              <a:t>3</a:t>
+            </a:r>
+            <a:r>
+              <a:rPr lang="en-US" altLang="ja-JP" sz="5400" dirty="0" smtClean="0">
+                <a:solidFill>
+                  <a:schemeClr val="bg1">
+                    <a:lumMod val="50000"/>
+                  </a:schemeClr>
+                </a:solidFill>
+                <a:latin typeface="+mj-ea"/>
+                <a:ea typeface="+mj-ea"/>
+              </a:rPr>
+              <a:t>  </a:t>
+            </a:r>
+            <a:r>
+              <a:rPr lang="ja-JP" altLang="en-US" sz="3200" dirty="0" smtClean="0">
+                <a:solidFill>
+                  <a:schemeClr val="tx1">
+                    <a:lumMod val="75000"/>
+                    <a:lumOff val="25000"/>
+                  </a:schemeClr>
+                </a:solidFill>
+                <a:latin typeface="+mj-ea"/>
+                <a:ea typeface="+mj-ea"/>
+              </a:rPr>
+              <a:t>進捗状況</a:t>
+            </a:r>
+            <a:r>
+              <a:rPr kumimoji="1" lang="en-US" altLang="ja-JP" sz="3200" dirty="0" smtClean="0">
+                <a:solidFill>
+                  <a:schemeClr val="tx1">
+                    <a:lumMod val="75000"/>
+                    <a:lumOff val="25000"/>
+                  </a:schemeClr>
+                </a:solidFill>
+                <a:latin typeface="+mj-ea"/>
+                <a:ea typeface="+mj-ea"/>
+              </a:rPr>
+              <a:t>  </a:t>
+            </a:r>
+            <a:endParaRPr kumimoji="1" lang="ja-JP" altLang="en-US" sz="3200" dirty="0">
+              <a:solidFill>
+                <a:schemeClr val="tx1">
+                  <a:lumMod val="75000"/>
+                  <a:lumOff val="25000"/>
+                </a:schemeClr>
+              </a:solidFill>
+              <a:latin typeface="+mj-ea"/>
+              <a:ea typeface="+mj-ea"/>
+            </a:endParaRPr>
+          </a:p>
+        </p:txBody>
+      </p:sp>
+      <p:sp>
+        <p:nvSpPr>
+          <p:cNvPr id="15" name="テキスト ボックス 14"/>
+          <p:cNvSpPr txBox="1"/>
+          <p:nvPr/>
+        </p:nvSpPr>
+        <p:spPr>
+          <a:xfrm>
+            <a:off x="0" y="4191748"/>
+            <a:ext cx="9144000" cy="1015663"/>
+          </a:xfrm>
+          <a:prstGeom prst="rect">
+            <a:avLst/>
+          </a:prstGeom>
+          <a:noFill/>
+        </p:spPr>
+        <p:txBody>
+          <a:bodyPr wrap="square" rtlCol="0">
+            <a:spAutoFit/>
+          </a:bodyPr>
+          <a:lstStyle/>
+          <a:p>
+            <a:r>
+              <a:rPr lang="ja-JP" altLang="en-US" sz="5400" dirty="0" smtClean="0">
+                <a:solidFill>
+                  <a:schemeClr val="bg1">
+                    <a:lumMod val="50000"/>
+                  </a:schemeClr>
+                </a:solidFill>
+                <a:latin typeface="HGP明朝B" panose="02020800000000000000" pitchFamily="18" charset="-128"/>
+                <a:ea typeface="HGP明朝B" panose="02020800000000000000" pitchFamily="18" charset="-128"/>
+              </a:rPr>
+              <a:t>　　　　 </a:t>
+            </a:r>
+            <a:r>
+              <a:rPr lang="en-US" altLang="ja-JP" sz="6000" dirty="0">
+                <a:solidFill>
+                  <a:schemeClr val="bg1">
+                    <a:lumMod val="50000"/>
+                  </a:schemeClr>
+                </a:solidFill>
+                <a:latin typeface="HGP明朝E" panose="02020900000000000000" pitchFamily="18" charset="-128"/>
+                <a:ea typeface="HGP明朝E" panose="02020900000000000000" pitchFamily="18" charset="-128"/>
+              </a:rPr>
+              <a:t>4</a:t>
+            </a:r>
+            <a:r>
+              <a:rPr lang="en-US" altLang="ja-JP" sz="5400" dirty="0" smtClean="0">
+                <a:solidFill>
+                  <a:schemeClr val="bg1">
+                    <a:lumMod val="50000"/>
+                  </a:schemeClr>
+                </a:solidFill>
+                <a:latin typeface="HGP明朝E" panose="02020900000000000000" pitchFamily="18" charset="-128"/>
+                <a:ea typeface="HGP明朝E" panose="02020900000000000000" pitchFamily="18" charset="-128"/>
+              </a:rPr>
+              <a:t> </a:t>
+            </a:r>
+            <a:r>
+              <a:rPr lang="en-US" altLang="ja-JP" sz="5400" dirty="0" smtClean="0">
+                <a:solidFill>
+                  <a:schemeClr val="bg1">
+                    <a:lumMod val="50000"/>
+                  </a:schemeClr>
+                </a:solidFill>
+                <a:latin typeface="+mj-ea"/>
+                <a:ea typeface="+mj-ea"/>
+              </a:rPr>
+              <a:t> </a:t>
+            </a:r>
+            <a:r>
+              <a:rPr lang="ja-JP" altLang="en-US" sz="3200" dirty="0" smtClean="0">
+                <a:solidFill>
+                  <a:schemeClr val="tx1">
+                    <a:lumMod val="75000"/>
+                    <a:lumOff val="25000"/>
+                  </a:schemeClr>
+                </a:solidFill>
+                <a:latin typeface="+mj-ea"/>
+                <a:ea typeface="+mj-ea"/>
+              </a:rPr>
+              <a:t>問題点と改善点</a:t>
+            </a:r>
+            <a:r>
+              <a:rPr kumimoji="1" lang="en-US" altLang="ja-JP" sz="3200" dirty="0" smtClean="0">
+                <a:solidFill>
+                  <a:schemeClr val="tx1">
+                    <a:lumMod val="75000"/>
+                    <a:lumOff val="25000"/>
+                  </a:schemeClr>
+                </a:solidFill>
+                <a:latin typeface="+mj-ea"/>
+                <a:ea typeface="+mj-ea"/>
+              </a:rPr>
+              <a:t>  </a:t>
+            </a:r>
+            <a:endParaRPr kumimoji="1" lang="ja-JP" altLang="en-US" sz="3200" dirty="0">
+              <a:solidFill>
+                <a:schemeClr val="tx1">
+                  <a:lumMod val="75000"/>
+                  <a:lumOff val="25000"/>
+                </a:schemeClr>
+              </a:solidFill>
+              <a:latin typeface="+mj-ea"/>
+              <a:ea typeface="+mj-ea"/>
+            </a:endParaRPr>
+          </a:p>
+        </p:txBody>
+      </p:sp>
+    </p:spTree>
+    <p:extLst>
+      <p:ext uri="{BB962C8B-B14F-4D97-AF65-F5344CB8AC3E}">
+        <p14:creationId xmlns:p14="http://schemas.microsoft.com/office/powerpoint/2010/main" val="725298675"/>
+      </p:ext>
+    </p:extLst>
+  </p:cSld>
+  <p:clrMapOvr>
+    <a:masterClrMapping/>
+  </p:clrMapOvr>
+  <p:timing>
+    <p:tnLst>
+      <p:par>
+        <p:cTn id="1" dur="indefinite" restart="never" nodeType="tmRoot"/>
+      </p:par>
+    </p:tnLst>
+  </p:timing>
+</p:sld>
+</file>
+
+<file path=ppt/slides/slide9.xml><?xml version="1.0" encoding="utf-8"?>
+<p:sld xmlns:a="http://schemas.openxmlformats.org/drawingml/2006/main" xmlns:r="http://schemas.openxmlformats.org/officeDocument/2006/relationships" xmlns:p="http://schemas.openxmlformats.org/presentationml/2006/main">
+  <p:cSld>
+    <p:spTree>
+      <p:nvGrpSpPr>
+        <p:cNvPr id="1" name=""/>
+        <p:cNvGrpSpPr/>
+        <p:nvPr/>
+      </p:nvGrpSpPr>
+      <p:grpSpPr>
+        <a:xfrm>
+          <a:off x="0" y="0"/>
+          <a:ext cx="0" cy="0"/>
+          <a:chOff x="0" y="0"/>
+          <a:chExt cx="0" cy="0"/>
+        </a:xfrm>
+      </p:grpSpPr>
+      <p:sp>
+        <p:nvSpPr>
+          <p:cNvPr id="2" name="タイトル 1"/>
+          <p:cNvSpPr>
+            <a:spLocks noGrp="1"/>
+          </p:cNvSpPr>
+          <p:nvPr>
+            <p:ph type="title"/>
+          </p:nvPr>
+        </p:nvSpPr>
+        <p:spPr>
+          <a:xfrm>
             <a:off x="969890" y="1"/>
             <a:ext cx="7718937" cy="725068"/>
           </a:xfrm>
@@ -13723,7 +16703,7 @@
         <p:spPr>
           <a:xfrm>
             <a:off x="1506828" y="2339829"/>
-            <a:ext cx="2730321" cy="2123658"/>
+            <a:ext cx="2730321" cy="2616101"/>
           </a:xfrm>
           <a:prstGeom prst="rect">
             <a:avLst/>
@@ -13766,9 +16746,34 @@
                   </a:schemeClr>
                 </a:solidFill>
               </a:rPr>
-              <a:t>javascript</a:t>
-            </a:r>
-            <a:endParaRPr kumimoji="1" lang="en-US" altLang="ja-JP" sz="3200" dirty="0" smtClean="0">
+              <a:t>Javascript</a:t>
+            </a:r>
+            <a:endParaRPr lang="ja-JP" altLang="en-US" sz="3200" dirty="0" smtClean="0">
+              <a:solidFill>
+                <a:schemeClr val="tx1">
+                  <a:lumMod val="75000"/>
+                  <a:lumOff val="25000"/>
+                </a:schemeClr>
+              </a:solidFill>
+            </a:endParaRPr>
+          </a:p>
+          <a:p>
+            <a:pPr marL="285750" indent="-285750">
+              <a:buFont typeface="Arial" panose="020B0604020202020204" pitchFamily="34" charset="0"/>
+              <a:buChar char="•"/>
+            </a:pPr>
+            <a:r>
+              <a:rPr lang="en-US" altLang="ja-JP" sz="3200" dirty="0" smtClean="0">
+                <a:solidFill>
+                  <a:schemeClr val="tx1">
+                    <a:lumMod val="75000"/>
+                    <a:lumOff val="25000"/>
+                  </a:schemeClr>
+                </a:solidFill>
+              </a:rPr>
+              <a:t>HTML</a:t>
+            </a:r>
+            <a:endParaRPr lang="ja-JP" altLang="en-US" sz="3200" dirty="0" smtClean="0">
               <a:solidFill>
                 <a:schemeClr val="tx1">
                   <a:lumMod val="75000"/>
@@ -13887,7 +16892,7 @@
               <a:buChar char="•"/>
             </a:pPr>
             <a:r>
-              <a:rPr lang="en-US" altLang="ja-JP" sz="3200" dirty="0">
+              <a:rPr lang="en-US" altLang="ja-JP" sz="3200" dirty="0" smtClean="0">
                 <a:solidFill>
                   <a:schemeClr val="tx1">
                     <a:lumMod val="75000"/>
@@ -13895,7 +16900,7 @@
                   </a:schemeClr>
                 </a:solidFill>
               </a:rPr>
-              <a:t>Tomcat</a:t>
+              <a:t>Apache Tomcat</a:t>
             </a:r>
             <a:endParaRPr kumimoji="1" lang="en-US" altLang="ja-JP" sz="3200" dirty="0" smtClean="0">
               <a:solidFill>
@@ -13912,7 +16917,7 @@
               <a:buChar char="•"/>
             </a:pPr>
             <a:r>
-              <a:rPr lang="en-US" altLang="ja-JP" sz="3200" dirty="0" err="1" smtClean="0">
+              <a:rPr lang="en-US" altLang="ja-JP" sz="3200" dirty="0" smtClean="0">
                 <a:solidFill>
                   <a:schemeClr val="tx1">
                     <a:lumMod val="75000"/>
@@ -13920,7 +16925,18 @@
                   </a:schemeClr>
                 </a:solidFill>
               </a:rPr>
-              <a:t>picnicCSS</a:t>
+              <a:t>P</a:t>
+            </a:r>
+            <a:r>
+              <a:rPr lang="en-US" altLang="ja-JP" sz="3200" dirty="0" smtClean="0">
+                <a:solidFill>
+                  <a:schemeClr val="tx1">
+                    <a:lumMod val="75000"/>
+                    <a:lumOff val="25000"/>
+                  </a:schemeClr>
+                </a:solidFill>
+              </a:rPr>
+              <a:t>icnic CSS</a:t>
             </a:r>
             <a:endParaRPr kumimoji="1" lang="en-US" altLang="ja-JP" sz="3200" dirty="0" smtClean="0">
               <a:solidFill>
@@ -13970,7 +16986,40 @@
                   </a:schemeClr>
                 </a:solidFill>
               </a:rPr>
-              <a:t>font awesome</a:t>
+              <a:t>F</a:t>
+            </a:r>
+            <a:r>
+              <a:rPr lang="en-US" altLang="ja-JP" sz="3200" dirty="0" smtClean="0">
+                <a:solidFill>
+                  <a:schemeClr val="tx1">
+                    <a:lumMod val="75000"/>
+                    <a:lumOff val="25000"/>
+                  </a:schemeClr>
+                </a:solidFill>
+              </a:rPr>
+              <a:t>ont </a:t>
+            </a:r>
+            <a:r>
+              <a:rPr lang="en-US" altLang="ja-JP" sz="3200" dirty="0">
+                <a:solidFill>
+                  <a:schemeClr val="tx1">
+                    <a:lumMod val="75000"/>
+                    <a:lumOff val="25000"/>
+                  </a:schemeClr>
+                </a:solidFill>
+              </a:rPr>
+              <a:t>A</a:t>
+            </a:r>
+            <a:r>
+              <a:rPr lang="en-US" altLang="ja-JP" sz="3200" dirty="0" smtClean="0">
+                <a:solidFill>
+                  <a:schemeClr val="tx1">
+                    <a:lumMod val="75000"/>
+                    <a:lumOff val="25000"/>
+                  </a:schemeClr>
+                </a:solidFill>
+              </a:rPr>
+              <a:t>wesome</a:t>
             </a:r>
             <a:endParaRPr kumimoji="1" lang="en-US" altLang="ja-JP" sz="3200" dirty="0" smtClean="0">
               <a:solidFill>
@@ -14001,1610 +17050,6 @@
     <p:extLst>
       <p:ext uri="{BB962C8B-B14F-4D97-AF65-F5344CB8AC3E}">
         <p14:creationId xmlns:p14="http://schemas.microsoft.com/office/powerpoint/2010/main" val="2407252580"/>
-      </p:ext>
-    </p:extLst>
-  </p:cSld>
-  <p:clrMapOvr>
-    <a:masterClrMapping/>
-  </p:clrMapOvr>
-  <p:timing>
-    <p:tnLst>
-      <p:par>
-        <p:cTn id="1" dur="indefinite" restart="never" nodeType="tmRoot"/>
-      </p:par>
-    </p:tnLst>
-  </p:timing>
-</p:sld>
-</file>
-
-<file path=ppt/slides/slide7.xml><?xml version="1.0" encoding="utf-8"?>
-<p:sld xmlns:a="http://schemas.openxmlformats.org/drawingml/2006/main" xmlns:r="http://schemas.openxmlformats.org/officeDocument/2006/relationships" xmlns:p="http://schemas.openxmlformats.org/presentationml/2006/main">
-  <p:cSld>
-    <p:spTree>
-      <p:nvGrpSpPr>
-        <p:cNvPr id="1" name=""/>
-        <p:cNvGrpSpPr/>
-        <p:nvPr/>
-      </p:nvGrpSpPr>
-      <p:grpSpPr>
-        <a:xfrm>
-          <a:off x="0" y="0"/>
-          <a:ext cx="0" cy="0"/>
-          <a:chOff x="0" y="0"/>
-          <a:chExt cx="0" cy="0"/>
-        </a:xfrm>
-      </p:grpSpPr>
-      <p:sp>
-        <p:nvSpPr>
-          <p:cNvPr id="2" name="タイトル 1"/>
-          <p:cNvSpPr>
-            <a:spLocks noGrp="1"/>
-          </p:cNvSpPr>
-          <p:nvPr>
-            <p:ph type="title"/>
-          </p:nvPr>
-        </p:nvSpPr>
-        <p:spPr>
-          <a:xfrm>
-            <a:off x="969890" y="1"/>
-            <a:ext cx="7718937" cy="725068"/>
-          </a:xfrm>
-        </p:spPr>
-        <p:txBody>
-          <a:bodyPr>
-            <a:normAutofit/>
-          </a:bodyPr>
-          <a:lstStyle/>
-          <a:p>
-            <a:r>
-              <a:rPr lang="ja-JP" altLang="en-US" sz="3200" dirty="0" smtClean="0">
-                <a:solidFill>
-                  <a:schemeClr val="tx1">
-                    <a:lumMod val="75000"/>
-                    <a:lumOff val="25000"/>
-                  </a:schemeClr>
-                </a:solidFill>
-                <a:latin typeface="+mj-ea"/>
-              </a:rPr>
-              <a:t>開発環境</a:t>
-            </a:r>
-            <a:endParaRPr kumimoji="1" lang="ja-JP" altLang="en-US" sz="3200" dirty="0">
-              <a:solidFill>
-                <a:schemeClr val="tx1">
-                  <a:lumMod val="75000"/>
-                  <a:lumOff val="25000"/>
-                </a:schemeClr>
-              </a:solidFill>
-              <a:latin typeface="+mj-ea"/>
-            </a:endParaRPr>
-          </a:p>
-        </p:txBody>
-      </p:sp>
-      <p:sp>
-        <p:nvSpPr>
-          <p:cNvPr id="4" name="正方形/長方形 3"/>
-          <p:cNvSpPr/>
-          <p:nvPr/>
-        </p:nvSpPr>
-        <p:spPr>
-          <a:xfrm>
-            <a:off x="548189" y="141783"/>
-            <a:ext cx="421701" cy="407214"/>
-          </a:xfrm>
-          <a:prstGeom prst="rect">
-            <a:avLst/>
-          </a:prstGeom>
-          <a:solidFill>
-            <a:srgbClr val="92D050"/>
-          </a:solidFill>
-        </p:spPr>
-        <p:style>
-          <a:lnRef idx="2">
-            <a:schemeClr val="accent1">
-              <a:shade val="50000"/>
-            </a:schemeClr>
-          </a:lnRef>
-          <a:fillRef idx="1">
-            <a:schemeClr val="accent1"/>
-          </a:fillRef>
-          <a:effectRef idx="0">
-            <a:schemeClr val="accent1"/>
-          </a:effectRef>
-          <a:fontRef idx="minor">
-            <a:schemeClr val="lt1"/>
-          </a:fontRef>
-        </p:style>
-        <p:txBody>
-          <a:bodyPr rot="0" spcFirstLastPara="0" vertOverflow="overflow" horzOverflow="overflow" vert="horz" wrap="square" lIns="68580" tIns="34290" rIns="68580" bIns="34290" numCol="1" spcCol="0" rtlCol="0" fromWordArt="0" anchor="ctr" anchorCtr="0" forceAA="0" compatLnSpc="1">
-            <a:prstTxWarp prst="textNoShape">
-              <a:avLst/>
-            </a:prstTxWarp>
-            <a:noAutofit/>
-          </a:bodyPr>
-          <a:lstStyle/>
-          <a:p>
-            <a:pPr algn="ctr"/>
-            <a:endParaRPr lang="ja-JP" altLang="en-US" sz="1350"/>
-          </a:p>
-        </p:txBody>
-      </p:sp>
-      <p:sp>
-        <p:nvSpPr>
-          <p:cNvPr id="5" name="正方形/長方形 4"/>
-          <p:cNvSpPr/>
-          <p:nvPr/>
-        </p:nvSpPr>
-        <p:spPr>
-          <a:xfrm>
-            <a:off x="274210" y="327316"/>
-            <a:ext cx="210736" cy="221681"/>
-          </a:xfrm>
-          <a:prstGeom prst="rect">
-            <a:avLst/>
-          </a:prstGeom>
-          <a:solidFill>
-            <a:srgbClr val="92D050">
-              <a:alpha val="64000"/>
-            </a:srgbClr>
-          </a:solidFill>
-        </p:spPr>
-        <p:style>
-          <a:lnRef idx="2">
-            <a:schemeClr val="accent1">
-              <a:shade val="50000"/>
-            </a:schemeClr>
-          </a:lnRef>
-          <a:fillRef idx="1">
-            <a:schemeClr val="accent1"/>
-          </a:fillRef>
-          <a:effectRef idx="0">
-            <a:schemeClr val="accent1"/>
-          </a:effectRef>
-          <a:fontRef idx="minor">
-            <a:schemeClr val="lt1"/>
-          </a:fontRef>
-        </p:style>
-        <p:txBody>
-          <a:bodyPr rot="0" spcFirstLastPara="0" vertOverflow="overflow" horzOverflow="overflow" vert="horz" wrap="square" lIns="68580" tIns="34290" rIns="68580" bIns="34290" numCol="1" spcCol="0" rtlCol="0" fromWordArt="0" anchor="ctr" anchorCtr="0" forceAA="0" compatLnSpc="1">
-            <a:prstTxWarp prst="textNoShape">
-              <a:avLst/>
-            </a:prstTxWarp>
-            <a:noAutofit/>
-          </a:bodyPr>
-          <a:lstStyle/>
-          <a:p>
-            <a:pPr algn="ctr"/>
-            <a:endParaRPr lang="ja-JP" altLang="en-US" sz="1350"/>
-          </a:p>
-        </p:txBody>
-      </p:sp>
-      <p:sp>
-        <p:nvSpPr>
-          <p:cNvPr id="6" name="正方形/長方形 5"/>
-          <p:cNvSpPr/>
-          <p:nvPr/>
-        </p:nvSpPr>
-        <p:spPr>
-          <a:xfrm>
-            <a:off x="614748" y="801564"/>
-            <a:ext cx="288581" cy="264317"/>
-          </a:xfrm>
-          <a:prstGeom prst="rect">
-            <a:avLst/>
-          </a:prstGeom>
-          <a:solidFill>
-            <a:schemeClr val="bg1">
-              <a:lumMod val="85000"/>
-            </a:schemeClr>
-          </a:solidFill>
-          <a:ln>
-            <a:noFill/>
-          </a:ln>
-        </p:spPr>
-        <p:style>
-          <a:lnRef idx="2">
-            <a:schemeClr val="accent1">
-              <a:shade val="50000"/>
-            </a:schemeClr>
-          </a:lnRef>
-          <a:fillRef idx="1">
-            <a:schemeClr val="accent1"/>
-          </a:fillRef>
-          <a:effectRef idx="0">
-            <a:schemeClr val="accent1"/>
-          </a:effectRef>
-          <a:fontRef idx="minor">
-            <a:schemeClr val="lt1"/>
-          </a:fontRef>
-        </p:style>
-        <p:txBody>
-          <a:bodyPr rot="0" spcFirstLastPara="0" vertOverflow="overflow" horzOverflow="overflow" vert="horz" wrap="square" lIns="68580" tIns="34290" rIns="68580" bIns="34290" numCol="1" spcCol="0" rtlCol="0" fromWordArt="0" anchor="ctr" anchorCtr="0" forceAA="0" compatLnSpc="1">
-            <a:prstTxWarp prst="textNoShape">
-              <a:avLst/>
-            </a:prstTxWarp>
-            <a:noAutofit/>
-          </a:bodyPr>
-          <a:lstStyle/>
-          <a:p>
-            <a:pPr algn="ctr"/>
-            <a:endParaRPr lang="ja-JP" altLang="en-US" sz="1350"/>
-          </a:p>
-        </p:txBody>
-      </p:sp>
-      <p:sp>
-        <p:nvSpPr>
-          <p:cNvPr id="7" name="正方形/長方形 6"/>
-          <p:cNvSpPr/>
-          <p:nvPr/>
-        </p:nvSpPr>
-        <p:spPr>
-          <a:xfrm>
-            <a:off x="1" y="690779"/>
-            <a:ext cx="9144001" cy="34289"/>
-          </a:xfrm>
-          <a:prstGeom prst="rect">
-            <a:avLst/>
-          </a:prstGeom>
-          <a:solidFill>
-            <a:srgbClr val="92D050"/>
-          </a:solidFill>
-          <a:ln>
-            <a:noFill/>
-          </a:ln>
-        </p:spPr>
-        <p:style>
-          <a:lnRef idx="2">
-            <a:schemeClr val="accent1">
-              <a:shade val="50000"/>
-            </a:schemeClr>
-          </a:lnRef>
-          <a:fillRef idx="1">
-            <a:schemeClr val="accent1"/>
-          </a:fillRef>
-          <a:effectRef idx="0">
-            <a:schemeClr val="accent1"/>
-          </a:effectRef>
-          <a:fontRef idx="minor">
-            <a:schemeClr val="lt1"/>
-          </a:fontRef>
-        </p:style>
-        <p:txBody>
-          <a:bodyPr rot="0" spcFirstLastPara="0" vertOverflow="overflow" horzOverflow="overflow" vert="horz" wrap="square" lIns="68580" tIns="34290" rIns="68580" bIns="34290" numCol="1" spcCol="0" rtlCol="0" fromWordArt="0" anchor="ctr" anchorCtr="0" forceAA="0" compatLnSpc="1">
-            <a:prstTxWarp prst="textNoShape">
-              <a:avLst/>
-            </a:prstTxWarp>
-            <a:noAutofit/>
-          </a:bodyPr>
-          <a:lstStyle/>
-          <a:p>
-            <a:pPr algn="ctr"/>
-            <a:endParaRPr lang="ja-JP" altLang="en-US" sz="1350"/>
-          </a:p>
-        </p:txBody>
-      </p:sp>
-      <p:sp>
-        <p:nvSpPr>
-          <p:cNvPr id="8" name="正方形/長方形 7"/>
-          <p:cNvSpPr/>
-          <p:nvPr/>
-        </p:nvSpPr>
-        <p:spPr>
-          <a:xfrm>
-            <a:off x="2" y="6426558"/>
-            <a:ext cx="9144000" cy="283336"/>
-          </a:xfrm>
-          <a:prstGeom prst="rect">
-            <a:avLst/>
-          </a:prstGeom>
-          <a:solidFill>
-            <a:srgbClr val="92D050"/>
-          </a:solidFill>
-          <a:ln>
-            <a:noFill/>
-          </a:ln>
-        </p:spPr>
-        <p:style>
-          <a:lnRef idx="2">
-            <a:schemeClr val="accent1">
-              <a:shade val="50000"/>
-            </a:schemeClr>
-          </a:lnRef>
-          <a:fillRef idx="1">
-            <a:schemeClr val="accent1"/>
-          </a:fillRef>
-          <a:effectRef idx="0">
-            <a:schemeClr val="accent1"/>
-          </a:effectRef>
-          <a:fontRef idx="minor">
-            <a:schemeClr val="lt1"/>
-          </a:fontRef>
-        </p:style>
-        <p:txBody>
-          <a:bodyPr rot="0" spcFirstLastPara="0" vertOverflow="overflow" horzOverflow="overflow" vert="horz" wrap="square" lIns="68580" tIns="34290" rIns="68580" bIns="34290" numCol="1" spcCol="0" rtlCol="0" fromWordArt="0" anchor="ctr" anchorCtr="0" forceAA="0" compatLnSpc="1">
-            <a:prstTxWarp prst="textNoShape">
-              <a:avLst/>
-            </a:prstTxWarp>
-            <a:noAutofit/>
-          </a:bodyPr>
-          <a:lstStyle/>
-          <a:p>
-            <a:pPr algn="ctr"/>
-            <a:endParaRPr lang="ja-JP" altLang="en-US" sz="1350"/>
-          </a:p>
-        </p:txBody>
-      </p:sp>
-      <p:sp>
-        <p:nvSpPr>
-          <p:cNvPr id="15" name="テキスト ボックス 14"/>
-          <p:cNvSpPr txBox="1"/>
-          <p:nvPr/>
-        </p:nvSpPr>
-        <p:spPr>
-          <a:xfrm>
-            <a:off x="1408416" y="1386708"/>
-            <a:ext cx="2254618" cy="646331"/>
-          </a:xfrm>
-          <a:prstGeom prst="rect">
-            <a:avLst/>
-          </a:prstGeom>
-          <a:noFill/>
-        </p:spPr>
-        <p:txBody>
-          <a:bodyPr wrap="square" rtlCol="0">
-            <a:spAutoFit/>
-          </a:bodyPr>
-          <a:lstStyle/>
-          <a:p>
-            <a:r>
-              <a:rPr lang="ja-JP" altLang="en-US" sz="3600" b="1" dirty="0">
-                <a:solidFill>
-                  <a:srgbClr val="92D050"/>
-                </a:solidFill>
-                <a:latin typeface="+mj-ea"/>
-                <a:ea typeface="+mj-ea"/>
-              </a:rPr>
-              <a:t>動作環境</a:t>
-            </a:r>
-            <a:endParaRPr kumimoji="1" lang="ja-JP" altLang="en-US" sz="3600" b="1" dirty="0">
-              <a:solidFill>
-                <a:srgbClr val="92D050"/>
-              </a:solidFill>
-              <a:latin typeface="+mj-ea"/>
-              <a:ea typeface="+mj-ea"/>
-            </a:endParaRPr>
-          </a:p>
-        </p:txBody>
-      </p:sp>
-      <p:sp>
-        <p:nvSpPr>
-          <p:cNvPr id="16" name="テキスト ボックス 15"/>
-          <p:cNvSpPr txBox="1"/>
-          <p:nvPr/>
-        </p:nvSpPr>
-        <p:spPr>
-          <a:xfrm>
-            <a:off x="1867437" y="2033039"/>
-            <a:ext cx="5100034" cy="1846659"/>
-          </a:xfrm>
-          <a:prstGeom prst="rect">
-            <a:avLst/>
-          </a:prstGeom>
-          <a:noFill/>
-        </p:spPr>
-        <p:txBody>
-          <a:bodyPr wrap="square" rtlCol="0">
-            <a:spAutoFit/>
-          </a:bodyPr>
-          <a:lstStyle/>
-          <a:p>
-            <a:pPr marL="285750" indent="-285750">
-              <a:buFont typeface="Arial" panose="020B0604020202020204" pitchFamily="34" charset="0"/>
-              <a:buChar char="•"/>
-            </a:pPr>
-            <a:r>
-              <a:rPr lang="en-US" altLang="ja-JP" sz="3200" dirty="0" smtClean="0">
-                <a:solidFill>
-                  <a:schemeClr val="tx1">
-                    <a:lumMod val="75000"/>
-                    <a:lumOff val="25000"/>
-                  </a:schemeClr>
-                </a:solidFill>
-              </a:rPr>
-              <a:t>Windows8</a:t>
-            </a:r>
-            <a:r>
-              <a:rPr lang="ja-JP" altLang="en-US" sz="3200" dirty="0" err="1" smtClean="0">
-                <a:solidFill>
-                  <a:schemeClr val="tx1">
-                    <a:lumMod val="75000"/>
-                    <a:lumOff val="25000"/>
-                  </a:schemeClr>
-                </a:solidFill>
-              </a:rPr>
-              <a:t>、</a:t>
-            </a:r>
-            <a:r>
-              <a:rPr lang="en-US" altLang="ja-JP" sz="3200" dirty="0" smtClean="0">
-                <a:solidFill>
-                  <a:schemeClr val="tx1">
-                    <a:lumMod val="75000"/>
-                    <a:lumOff val="25000"/>
-                  </a:schemeClr>
-                </a:solidFill>
-              </a:rPr>
-              <a:t>10</a:t>
-            </a:r>
-            <a:endParaRPr kumimoji="1" lang="en-US" altLang="ja-JP" sz="3200" dirty="0" smtClean="0">
-              <a:solidFill>
-                <a:schemeClr val="tx1">
-                  <a:lumMod val="75000"/>
-                  <a:lumOff val="25000"/>
-                </a:schemeClr>
-              </a:solidFill>
-            </a:endParaRPr>
-          </a:p>
-          <a:p>
-            <a:pPr marL="285750" indent="-285750">
-              <a:buFont typeface="Arial" panose="020B0604020202020204" pitchFamily="34" charset="0"/>
-              <a:buChar char="•"/>
-            </a:pPr>
-            <a:r>
-              <a:rPr lang="en-US" altLang="ja-JP" sz="3200" dirty="0" err="1" smtClean="0">
-                <a:solidFill>
-                  <a:schemeClr val="tx1">
-                    <a:lumMod val="75000"/>
-                    <a:lumOff val="25000"/>
-                  </a:schemeClr>
-                </a:solidFill>
-              </a:rPr>
-              <a:t>Mysql</a:t>
-            </a:r>
-            <a:endParaRPr kumimoji="1" lang="en-US" altLang="ja-JP" sz="3200" dirty="0" smtClean="0">
-              <a:solidFill>
-                <a:schemeClr val="tx1">
-                  <a:lumMod val="75000"/>
-                  <a:lumOff val="25000"/>
-                </a:schemeClr>
-              </a:solidFill>
-            </a:endParaRPr>
-          </a:p>
-          <a:p>
-            <a:pPr marL="285750" indent="-285750">
-              <a:buFont typeface="Arial" panose="020B0604020202020204" pitchFamily="34" charset="0"/>
-              <a:buChar char="•"/>
-            </a:pPr>
-            <a:r>
-              <a:rPr lang="ja-JP" altLang="en-US" sz="3200" dirty="0" smtClean="0">
-                <a:solidFill>
-                  <a:schemeClr val="tx1">
-                    <a:lumMod val="75000"/>
-                    <a:lumOff val="25000"/>
-                  </a:schemeClr>
-                </a:solidFill>
-              </a:rPr>
-              <a:t>インターネット</a:t>
-            </a:r>
-            <a:r>
-              <a:rPr lang="en-US" altLang="ja-JP" sz="3200" dirty="0" smtClean="0">
-                <a:solidFill>
-                  <a:schemeClr val="tx1">
-                    <a:lumMod val="75000"/>
-                    <a:lumOff val="25000"/>
-                  </a:schemeClr>
-                </a:solidFill>
-              </a:rPr>
-              <a:t>(</a:t>
-            </a:r>
-            <a:r>
-              <a:rPr lang="ja-JP" altLang="en-US" sz="3200" dirty="0" smtClean="0">
-                <a:solidFill>
-                  <a:schemeClr val="tx1">
-                    <a:lumMod val="75000"/>
-                    <a:lumOff val="25000"/>
-                  </a:schemeClr>
-                </a:solidFill>
-              </a:rPr>
-              <a:t>ネット環境</a:t>
-            </a:r>
-            <a:r>
-              <a:rPr lang="en-US" altLang="ja-JP" sz="3200" dirty="0" smtClean="0">
-                <a:solidFill>
-                  <a:schemeClr val="tx1">
-                    <a:lumMod val="75000"/>
-                    <a:lumOff val="25000"/>
-                  </a:schemeClr>
-                </a:solidFill>
-              </a:rPr>
-              <a:t>)</a:t>
-            </a:r>
-            <a:endParaRPr kumimoji="1" lang="en-US" altLang="ja-JP" dirty="0" smtClean="0"/>
-          </a:p>
-          <a:p>
-            <a:pPr marL="285750" indent="-285750">
-              <a:buFont typeface="Arial" panose="020B0604020202020204" pitchFamily="34" charset="0"/>
-              <a:buChar char="•"/>
-            </a:pPr>
-            <a:endParaRPr kumimoji="1" lang="ja-JP" altLang="en-US" dirty="0"/>
-          </a:p>
-        </p:txBody>
-      </p:sp>
-      <p:sp>
-        <p:nvSpPr>
-          <p:cNvPr id="17" name="テキスト ボックス 16"/>
-          <p:cNvSpPr txBox="1"/>
-          <p:nvPr/>
-        </p:nvSpPr>
-        <p:spPr>
-          <a:xfrm>
-            <a:off x="1408416" y="3717583"/>
-            <a:ext cx="2558277" cy="584775"/>
-          </a:xfrm>
-          <a:prstGeom prst="rect">
-            <a:avLst/>
-          </a:prstGeom>
-          <a:noFill/>
-        </p:spPr>
-        <p:txBody>
-          <a:bodyPr wrap="square" rtlCol="0">
-            <a:spAutoFit/>
-          </a:bodyPr>
-          <a:lstStyle/>
-          <a:p>
-            <a:r>
-              <a:rPr lang="ja-JP" altLang="en-US" sz="3200" b="1" dirty="0" smtClean="0">
-                <a:solidFill>
-                  <a:srgbClr val="92D050"/>
-                </a:solidFill>
-                <a:latin typeface="+mj-ea"/>
-                <a:ea typeface="+mj-ea"/>
-              </a:rPr>
-              <a:t>開発ツール</a:t>
-            </a:r>
-            <a:endParaRPr kumimoji="1" lang="ja-JP" altLang="en-US" sz="3200" b="1" dirty="0">
-              <a:solidFill>
-                <a:srgbClr val="92D050"/>
-              </a:solidFill>
-              <a:latin typeface="+mj-ea"/>
-              <a:ea typeface="+mj-ea"/>
-            </a:endParaRPr>
-          </a:p>
-        </p:txBody>
-      </p:sp>
-      <p:sp>
-        <p:nvSpPr>
-          <p:cNvPr id="18" name="テキスト ボックス 17"/>
-          <p:cNvSpPr txBox="1"/>
-          <p:nvPr/>
-        </p:nvSpPr>
-        <p:spPr>
-          <a:xfrm>
-            <a:off x="1867437" y="4352067"/>
-            <a:ext cx="5100034" cy="584775"/>
-          </a:xfrm>
-          <a:prstGeom prst="rect">
-            <a:avLst/>
-          </a:prstGeom>
-          <a:noFill/>
-        </p:spPr>
-        <p:txBody>
-          <a:bodyPr wrap="square" rtlCol="0">
-            <a:spAutoFit/>
-          </a:bodyPr>
-          <a:lstStyle/>
-          <a:p>
-            <a:pPr marL="285750" indent="-285750">
-              <a:buFont typeface="Arial" panose="020B0604020202020204" pitchFamily="34" charset="0"/>
-              <a:buChar char="•"/>
-            </a:pPr>
-            <a:r>
-              <a:rPr lang="en-US" altLang="ja-JP" sz="3200" dirty="0" smtClean="0">
-                <a:solidFill>
-                  <a:schemeClr val="tx1">
-                    <a:lumMod val="75000"/>
-                    <a:lumOff val="25000"/>
-                  </a:schemeClr>
-                </a:solidFill>
-              </a:rPr>
-              <a:t>GITHUB</a:t>
-            </a:r>
-            <a:endParaRPr kumimoji="1" lang="en-US" altLang="ja-JP" sz="3200" dirty="0" smtClean="0">
-              <a:solidFill>
-                <a:schemeClr val="tx1">
-                  <a:lumMod val="75000"/>
-                  <a:lumOff val="25000"/>
-                </a:schemeClr>
-              </a:solidFill>
-            </a:endParaRPr>
-          </a:p>
-        </p:txBody>
-      </p:sp>
-    </p:spTree>
-    <p:extLst>
-      <p:ext uri="{BB962C8B-B14F-4D97-AF65-F5344CB8AC3E}">
-        <p14:creationId xmlns:p14="http://schemas.microsoft.com/office/powerpoint/2010/main" val="1791376420"/>
-      </p:ext>
-    </p:extLst>
-  </p:cSld>
-  <p:clrMapOvr>
-    <a:masterClrMapping/>
-  </p:clrMapOvr>
-  <p:timing>
-    <p:tnLst>
-      <p:par>
-        <p:cTn id="1" dur="indefinite" restart="never" nodeType="tmRoot"/>
-      </p:par>
-    </p:tnLst>
-  </p:timing>
-</p:sld>
-</file>
-
-<file path=ppt/slides/slide8.xml><?xml version="1.0" encoding="utf-8"?>
-<p:sld xmlns:a="http://schemas.openxmlformats.org/drawingml/2006/main" xmlns:r="http://schemas.openxmlformats.org/officeDocument/2006/relationships" xmlns:p="http://schemas.openxmlformats.org/presentationml/2006/main">
-  <p:cSld>
-    <p:spTree>
-      <p:nvGrpSpPr>
-        <p:cNvPr id="1" name=""/>
-        <p:cNvGrpSpPr/>
-        <p:nvPr/>
-      </p:nvGrpSpPr>
-      <p:grpSpPr>
-        <a:xfrm>
-          <a:off x="0" y="0"/>
-          <a:ext cx="0" cy="0"/>
-          <a:chOff x="0" y="0"/>
-          <a:chExt cx="0" cy="0"/>
-        </a:xfrm>
-      </p:grpSpPr>
-      <p:sp>
-        <p:nvSpPr>
-          <p:cNvPr id="11" name="テキスト ボックス 10"/>
-          <p:cNvSpPr txBox="1"/>
-          <p:nvPr/>
-        </p:nvSpPr>
-        <p:spPr>
-          <a:xfrm>
-            <a:off x="0" y="1209153"/>
-            <a:ext cx="9144000" cy="923330"/>
-          </a:xfrm>
-          <a:prstGeom prst="rect">
-            <a:avLst/>
-          </a:prstGeom>
-          <a:noFill/>
-        </p:spPr>
-        <p:txBody>
-          <a:bodyPr wrap="square" rtlCol="0">
-            <a:spAutoFit/>
-          </a:bodyPr>
-          <a:lstStyle/>
-          <a:p>
-            <a:r>
-              <a:rPr lang="ja-JP" altLang="en-US" sz="5400" dirty="0" smtClean="0">
-                <a:solidFill>
-                  <a:schemeClr val="bg1">
-                    <a:lumMod val="50000"/>
-                  </a:schemeClr>
-                </a:solidFill>
-                <a:latin typeface="HGP明朝B" panose="02020800000000000000" pitchFamily="18" charset="-128"/>
-                <a:ea typeface="HGP明朝B" panose="02020800000000000000" pitchFamily="18" charset="-128"/>
-              </a:rPr>
-              <a:t>　　　　 </a:t>
-            </a:r>
-            <a:r>
-              <a:rPr lang="en-US" altLang="ja-JP" sz="5400" dirty="0" smtClean="0">
-                <a:solidFill>
-                  <a:schemeClr val="tx1">
-                    <a:lumMod val="50000"/>
-                    <a:lumOff val="50000"/>
-                  </a:schemeClr>
-                </a:solidFill>
-                <a:ea typeface="HGP明朝B" panose="02020800000000000000" pitchFamily="18" charset="-128"/>
-              </a:rPr>
-              <a:t>1</a:t>
-            </a:r>
-            <a:r>
-              <a:rPr lang="en-US" altLang="ja-JP" sz="5400" dirty="0" smtClean="0">
-                <a:solidFill>
-                  <a:schemeClr val="bg1">
-                    <a:lumMod val="50000"/>
-                  </a:schemeClr>
-                </a:solidFill>
-                <a:latin typeface="+mj-ea"/>
-                <a:ea typeface="+mj-ea"/>
-              </a:rPr>
-              <a:t>  </a:t>
-            </a:r>
-            <a:r>
-              <a:rPr lang="ja-JP" altLang="en-US" sz="3200" dirty="0" smtClean="0">
-                <a:solidFill>
-                  <a:schemeClr val="tx1">
-                    <a:lumMod val="65000"/>
-                    <a:lumOff val="35000"/>
-                  </a:schemeClr>
-                </a:solidFill>
-                <a:latin typeface="+mj-ea"/>
-                <a:ea typeface="+mj-ea"/>
-              </a:rPr>
-              <a:t>開発コンセプト</a:t>
-            </a:r>
-            <a:r>
-              <a:rPr kumimoji="1" lang="en-US" altLang="ja-JP" sz="3200" dirty="0" smtClean="0">
-                <a:solidFill>
-                  <a:schemeClr val="tx1">
-                    <a:lumMod val="65000"/>
-                    <a:lumOff val="35000"/>
-                  </a:schemeClr>
-                </a:solidFill>
-                <a:latin typeface="+mj-ea"/>
-                <a:ea typeface="+mj-ea"/>
-              </a:rPr>
-              <a:t>  </a:t>
-            </a:r>
-            <a:endParaRPr kumimoji="1" lang="ja-JP" altLang="en-US" sz="3200" dirty="0">
-              <a:solidFill>
-                <a:schemeClr val="tx1">
-                  <a:lumMod val="65000"/>
-                  <a:lumOff val="35000"/>
-                </a:schemeClr>
-              </a:solidFill>
-              <a:latin typeface="+mj-ea"/>
-              <a:ea typeface="+mj-ea"/>
-            </a:endParaRPr>
-          </a:p>
-        </p:txBody>
-      </p:sp>
-      <p:sp>
-        <p:nvSpPr>
-          <p:cNvPr id="12" name="テキスト ボックス 11"/>
-          <p:cNvSpPr txBox="1"/>
-          <p:nvPr/>
-        </p:nvSpPr>
-        <p:spPr>
-          <a:xfrm>
-            <a:off x="0" y="2132483"/>
-            <a:ext cx="9144000" cy="923330"/>
-          </a:xfrm>
-          <a:prstGeom prst="rect">
-            <a:avLst/>
-          </a:prstGeom>
-          <a:noFill/>
-        </p:spPr>
-        <p:txBody>
-          <a:bodyPr wrap="square" rtlCol="0">
-            <a:spAutoFit/>
-          </a:bodyPr>
-          <a:lstStyle/>
-          <a:p>
-            <a:r>
-              <a:rPr lang="ja-JP" altLang="en-US" sz="5400" dirty="0" smtClean="0">
-                <a:solidFill>
-                  <a:schemeClr val="bg1">
-                    <a:lumMod val="50000"/>
-                  </a:schemeClr>
-                </a:solidFill>
-                <a:latin typeface="HGP明朝B" panose="02020800000000000000" pitchFamily="18" charset="-128"/>
-                <a:ea typeface="HGP明朝B" panose="02020800000000000000" pitchFamily="18" charset="-128"/>
-              </a:rPr>
-              <a:t>　　　</a:t>
-            </a:r>
-            <a:r>
-              <a:rPr lang="ja-JP" altLang="en-US" sz="5400" dirty="0" smtClean="0">
-                <a:solidFill>
-                  <a:schemeClr val="bg1"/>
-                </a:solidFill>
-                <a:latin typeface="HGP明朝B" panose="02020800000000000000" pitchFamily="18" charset="-128"/>
-                <a:ea typeface="HGP明朝B" panose="02020800000000000000" pitchFamily="18" charset="-128"/>
-              </a:rPr>
-              <a:t>　 </a:t>
-            </a:r>
-            <a:r>
-              <a:rPr lang="en-US" altLang="ja-JP" sz="5400" dirty="0" smtClean="0">
-                <a:solidFill>
-                  <a:schemeClr val="tx1">
-                    <a:lumMod val="65000"/>
-                    <a:lumOff val="35000"/>
-                  </a:schemeClr>
-                </a:solidFill>
-                <a:latin typeface="HGP明朝B" panose="02020800000000000000" pitchFamily="18" charset="-128"/>
-                <a:ea typeface="HGP明朝B" panose="02020800000000000000" pitchFamily="18" charset="-128"/>
-              </a:rPr>
-              <a:t>2</a:t>
-            </a:r>
-            <a:r>
-              <a:rPr lang="en-US" altLang="ja-JP" sz="5400" dirty="0" smtClean="0">
-                <a:solidFill>
-                  <a:schemeClr val="tx1">
-                    <a:lumMod val="65000"/>
-                    <a:lumOff val="35000"/>
-                  </a:schemeClr>
-                </a:solidFill>
-                <a:latin typeface="+mj-ea"/>
-                <a:ea typeface="+mj-ea"/>
-              </a:rPr>
-              <a:t>  </a:t>
-            </a:r>
-            <a:r>
-              <a:rPr lang="ja-JP" altLang="en-US" sz="3200" dirty="0" smtClean="0">
-                <a:solidFill>
-                  <a:schemeClr val="tx1">
-                    <a:lumMod val="65000"/>
-                    <a:lumOff val="35000"/>
-                  </a:schemeClr>
-                </a:solidFill>
-                <a:latin typeface="+mj-ea"/>
-                <a:ea typeface="+mj-ea"/>
-              </a:rPr>
-              <a:t>開発環境、動作環境</a:t>
-            </a:r>
-            <a:r>
-              <a:rPr kumimoji="1" lang="en-US" altLang="ja-JP" sz="3200" dirty="0" smtClean="0">
-                <a:solidFill>
-                  <a:schemeClr val="tx1">
-                    <a:lumMod val="65000"/>
-                    <a:lumOff val="35000"/>
-                  </a:schemeClr>
-                </a:solidFill>
-                <a:latin typeface="+mj-ea"/>
-                <a:ea typeface="+mj-ea"/>
-              </a:rPr>
-              <a:t>  </a:t>
-            </a:r>
-            <a:endParaRPr kumimoji="1" lang="ja-JP" altLang="en-US" sz="3200" dirty="0">
-              <a:solidFill>
-                <a:schemeClr val="tx1">
-                  <a:lumMod val="65000"/>
-                  <a:lumOff val="35000"/>
-                </a:schemeClr>
-              </a:solidFill>
-              <a:latin typeface="+mj-ea"/>
-              <a:ea typeface="+mj-ea"/>
-            </a:endParaRPr>
-          </a:p>
-        </p:txBody>
-      </p:sp>
-      <p:sp>
-        <p:nvSpPr>
-          <p:cNvPr id="13" name="テキスト ボックス 12"/>
-          <p:cNvSpPr txBox="1"/>
-          <p:nvPr/>
-        </p:nvSpPr>
-        <p:spPr>
-          <a:xfrm>
-            <a:off x="0" y="3055813"/>
-            <a:ext cx="9144000" cy="1015663"/>
-          </a:xfrm>
-          <a:prstGeom prst="rect">
-            <a:avLst/>
-          </a:prstGeom>
-          <a:solidFill>
-            <a:srgbClr val="92D050"/>
-          </a:solidFill>
-        </p:spPr>
-        <p:txBody>
-          <a:bodyPr wrap="square" rtlCol="0">
-            <a:spAutoFit/>
-          </a:bodyPr>
-          <a:lstStyle/>
-          <a:p>
-            <a:r>
-              <a:rPr lang="ja-JP" altLang="en-US" sz="5400" dirty="0" smtClean="0">
-                <a:solidFill>
-                  <a:schemeClr val="bg1">
-                    <a:lumMod val="50000"/>
-                  </a:schemeClr>
-                </a:solidFill>
-                <a:latin typeface="HGP明朝B" panose="02020800000000000000" pitchFamily="18" charset="-128"/>
-                <a:ea typeface="HGP明朝B" panose="02020800000000000000" pitchFamily="18" charset="-128"/>
-              </a:rPr>
-              <a:t>　　　</a:t>
-            </a:r>
-            <a:r>
-              <a:rPr lang="ja-JP" altLang="en-US" sz="5400" dirty="0" smtClean="0">
-                <a:solidFill>
-                  <a:schemeClr val="bg1"/>
-                </a:solidFill>
-                <a:latin typeface="HGP明朝B" panose="02020800000000000000" pitchFamily="18" charset="-128"/>
-                <a:ea typeface="HGP明朝B" panose="02020800000000000000" pitchFamily="18" charset="-128"/>
-              </a:rPr>
-              <a:t>　 </a:t>
-            </a:r>
-            <a:r>
-              <a:rPr lang="en-US" altLang="ja-JP" sz="6000" dirty="0" smtClean="0">
-                <a:solidFill>
-                  <a:schemeClr val="bg1"/>
-                </a:solidFill>
-                <a:latin typeface="+mj-lt"/>
-              </a:rPr>
-              <a:t>3</a:t>
-            </a:r>
-            <a:r>
-              <a:rPr lang="en-US" altLang="ja-JP" sz="5400" dirty="0" smtClean="0">
-                <a:solidFill>
-                  <a:schemeClr val="bg1"/>
-                </a:solidFill>
-                <a:latin typeface="+mn-ea"/>
-              </a:rPr>
-              <a:t>  </a:t>
-            </a:r>
-            <a:r>
-              <a:rPr lang="ja-JP" altLang="en-US" sz="3200" dirty="0" smtClean="0">
-                <a:solidFill>
-                  <a:schemeClr val="bg1"/>
-                </a:solidFill>
-                <a:latin typeface="+mn-ea"/>
-              </a:rPr>
-              <a:t>進捗状況</a:t>
-            </a:r>
-            <a:r>
-              <a:rPr kumimoji="1" lang="en-US" altLang="ja-JP" sz="3200" dirty="0" smtClean="0">
-                <a:solidFill>
-                  <a:schemeClr val="bg1"/>
-                </a:solidFill>
-                <a:latin typeface="+mn-ea"/>
-              </a:rPr>
-              <a:t>  </a:t>
-            </a:r>
-            <a:endParaRPr kumimoji="1" lang="ja-JP" altLang="en-US" sz="3200" dirty="0">
-              <a:solidFill>
-                <a:schemeClr val="bg1"/>
-              </a:solidFill>
-              <a:latin typeface="+mn-ea"/>
-            </a:endParaRPr>
-          </a:p>
-        </p:txBody>
-      </p:sp>
-      <p:sp>
-        <p:nvSpPr>
-          <p:cNvPr id="15" name="テキスト ボックス 14"/>
-          <p:cNvSpPr txBox="1"/>
-          <p:nvPr/>
-        </p:nvSpPr>
-        <p:spPr>
-          <a:xfrm>
-            <a:off x="0" y="4071476"/>
-            <a:ext cx="9144000" cy="923330"/>
-          </a:xfrm>
-          <a:prstGeom prst="rect">
-            <a:avLst/>
-          </a:prstGeom>
-          <a:noFill/>
-        </p:spPr>
-        <p:txBody>
-          <a:bodyPr wrap="square" rtlCol="0">
-            <a:spAutoFit/>
-          </a:bodyPr>
-          <a:lstStyle/>
-          <a:p>
-            <a:r>
-              <a:rPr lang="ja-JP" altLang="en-US" sz="5400" dirty="0" smtClean="0">
-                <a:solidFill>
-                  <a:schemeClr val="bg1">
-                    <a:lumMod val="50000"/>
-                  </a:schemeClr>
-                </a:solidFill>
-                <a:latin typeface="HGP明朝B" panose="02020800000000000000" pitchFamily="18" charset="-128"/>
-                <a:ea typeface="HGP明朝B" panose="02020800000000000000" pitchFamily="18" charset="-128"/>
-              </a:rPr>
-              <a:t>　　　　 </a:t>
-            </a:r>
-            <a:r>
-              <a:rPr lang="en-US" altLang="ja-JP" sz="5400" dirty="0">
-                <a:solidFill>
-                  <a:schemeClr val="bg1">
-                    <a:lumMod val="50000"/>
-                  </a:schemeClr>
-                </a:solidFill>
-                <a:latin typeface="HGP明朝B" panose="02020800000000000000" pitchFamily="18" charset="-128"/>
-                <a:ea typeface="HGP明朝B" panose="02020800000000000000" pitchFamily="18" charset="-128"/>
-              </a:rPr>
-              <a:t>4</a:t>
-            </a:r>
-            <a:r>
-              <a:rPr lang="en-US" altLang="ja-JP" sz="5400" dirty="0" smtClean="0">
-                <a:solidFill>
-                  <a:schemeClr val="bg1">
-                    <a:lumMod val="50000"/>
-                  </a:schemeClr>
-                </a:solidFill>
-                <a:latin typeface="+mj-ea"/>
-                <a:ea typeface="+mj-ea"/>
-              </a:rPr>
-              <a:t>  </a:t>
-            </a:r>
-            <a:r>
-              <a:rPr lang="ja-JP" altLang="en-US" sz="3200" dirty="0" smtClean="0">
-                <a:solidFill>
-                  <a:schemeClr val="tx1">
-                    <a:lumMod val="75000"/>
-                    <a:lumOff val="25000"/>
-                  </a:schemeClr>
-                </a:solidFill>
-                <a:latin typeface="+mj-ea"/>
-                <a:ea typeface="+mj-ea"/>
-              </a:rPr>
-              <a:t>問題点と改善点</a:t>
-            </a:r>
-            <a:r>
-              <a:rPr kumimoji="1" lang="en-US" altLang="ja-JP" sz="3200" dirty="0" smtClean="0">
-                <a:solidFill>
-                  <a:schemeClr val="tx1">
-                    <a:lumMod val="75000"/>
-                    <a:lumOff val="25000"/>
-                  </a:schemeClr>
-                </a:solidFill>
-                <a:latin typeface="+mj-ea"/>
-                <a:ea typeface="+mj-ea"/>
-              </a:rPr>
-              <a:t>  </a:t>
-            </a:r>
-            <a:endParaRPr kumimoji="1" lang="ja-JP" altLang="en-US" sz="3200" dirty="0">
-              <a:solidFill>
-                <a:schemeClr val="tx1">
-                  <a:lumMod val="75000"/>
-                  <a:lumOff val="25000"/>
-                </a:schemeClr>
-              </a:solidFill>
-              <a:latin typeface="+mj-ea"/>
-              <a:ea typeface="+mj-ea"/>
-            </a:endParaRPr>
-          </a:p>
-        </p:txBody>
-      </p:sp>
-    </p:spTree>
-    <p:extLst>
-      <p:ext uri="{BB962C8B-B14F-4D97-AF65-F5344CB8AC3E}">
-        <p14:creationId xmlns:p14="http://schemas.microsoft.com/office/powerpoint/2010/main" val="3260178106"/>
-      </p:ext>
-    </p:extLst>
-  </p:cSld>
-  <p:clrMapOvr>
-    <a:masterClrMapping/>
-  </p:clrMapOvr>
-  <p:timing>
-    <p:tnLst>
-      <p:par>
-        <p:cTn id="1" dur="indefinite" restart="never" nodeType="tmRoot"/>
-      </p:par>
-    </p:tnLst>
-  </p:timing>
-</p:sld>
-</file>
-
-<file path=ppt/slides/slide9.xml><?xml version="1.0" encoding="utf-8"?>
-<p:sld xmlns:a="http://schemas.openxmlformats.org/drawingml/2006/main" xmlns:r="http://schemas.openxmlformats.org/officeDocument/2006/relationships" xmlns:p="http://schemas.openxmlformats.org/presentationml/2006/main">
-  <p:cSld>
-    <p:spTree>
-      <p:nvGrpSpPr>
-        <p:cNvPr id="1" name=""/>
-        <p:cNvGrpSpPr/>
-        <p:nvPr/>
-      </p:nvGrpSpPr>
-      <p:grpSpPr>
-        <a:xfrm>
-          <a:off x="0" y="0"/>
-          <a:ext cx="0" cy="0"/>
-          <a:chOff x="0" y="0"/>
-          <a:chExt cx="0" cy="0"/>
-        </a:xfrm>
-      </p:grpSpPr>
-      <p:sp>
-        <p:nvSpPr>
-          <p:cNvPr id="2" name="タイトル 1"/>
-          <p:cNvSpPr>
-            <a:spLocks noGrp="1"/>
-          </p:cNvSpPr>
-          <p:nvPr>
-            <p:ph type="title"/>
-          </p:nvPr>
-        </p:nvSpPr>
-        <p:spPr>
-          <a:xfrm>
-            <a:off x="969890" y="1"/>
-            <a:ext cx="7718937" cy="725068"/>
-          </a:xfrm>
-        </p:spPr>
-        <p:txBody>
-          <a:bodyPr>
-            <a:normAutofit/>
-          </a:bodyPr>
-          <a:lstStyle/>
-          <a:p>
-            <a:pPr>
-              <a:lnSpc>
-                <a:spcPct val="100000"/>
-              </a:lnSpc>
-            </a:pPr>
-            <a:r>
-              <a:rPr lang="ja-JP" altLang="en-US" sz="3200" dirty="0" smtClean="0">
-                <a:solidFill>
-                  <a:schemeClr val="tx1">
-                    <a:lumMod val="75000"/>
-                    <a:lumOff val="25000"/>
-                  </a:schemeClr>
-                </a:solidFill>
-                <a:latin typeface="+mj-ea"/>
-              </a:rPr>
-              <a:t>現在の進展</a:t>
-            </a:r>
-            <a:endParaRPr kumimoji="1" lang="ja-JP" altLang="en-US" sz="3200" dirty="0">
-              <a:solidFill>
-                <a:schemeClr val="tx1">
-                  <a:lumMod val="75000"/>
-                  <a:lumOff val="25000"/>
-                </a:schemeClr>
-              </a:solidFill>
-              <a:latin typeface="+mj-ea"/>
-            </a:endParaRPr>
-          </a:p>
-        </p:txBody>
-      </p:sp>
-      <p:sp>
-        <p:nvSpPr>
-          <p:cNvPr id="4" name="正方形/長方形 3"/>
-          <p:cNvSpPr/>
-          <p:nvPr/>
-        </p:nvSpPr>
-        <p:spPr>
-          <a:xfrm>
-            <a:off x="548189" y="141783"/>
-            <a:ext cx="421701" cy="407214"/>
-          </a:xfrm>
-          <a:prstGeom prst="rect">
-            <a:avLst/>
-          </a:prstGeom>
-          <a:solidFill>
-            <a:srgbClr val="92D050"/>
-          </a:solidFill>
-        </p:spPr>
-        <p:style>
-          <a:lnRef idx="2">
-            <a:schemeClr val="accent1">
-              <a:shade val="50000"/>
-            </a:schemeClr>
-          </a:lnRef>
-          <a:fillRef idx="1">
-            <a:schemeClr val="accent1"/>
-          </a:fillRef>
-          <a:effectRef idx="0">
-            <a:schemeClr val="accent1"/>
-          </a:effectRef>
-          <a:fontRef idx="minor">
-            <a:schemeClr val="lt1"/>
-          </a:fontRef>
-        </p:style>
-        <p:txBody>
-          <a:bodyPr rot="0" spcFirstLastPara="0" vertOverflow="overflow" horzOverflow="overflow" vert="horz" wrap="square" lIns="68580" tIns="34290" rIns="68580" bIns="34290" numCol="1" spcCol="0" rtlCol="0" fromWordArt="0" anchor="ctr" anchorCtr="0" forceAA="0" compatLnSpc="1">
-            <a:prstTxWarp prst="textNoShape">
-              <a:avLst/>
-            </a:prstTxWarp>
-            <a:noAutofit/>
-          </a:bodyPr>
-          <a:lstStyle/>
-          <a:p>
-            <a:pPr algn="ctr"/>
-            <a:endParaRPr lang="ja-JP" altLang="en-US" sz="1350"/>
-          </a:p>
-        </p:txBody>
-      </p:sp>
-      <p:sp>
-        <p:nvSpPr>
-          <p:cNvPr id="5" name="正方形/長方形 4"/>
-          <p:cNvSpPr/>
-          <p:nvPr/>
-        </p:nvSpPr>
-        <p:spPr>
-          <a:xfrm>
-            <a:off x="274210" y="327316"/>
-            <a:ext cx="210736" cy="221681"/>
-          </a:xfrm>
-          <a:prstGeom prst="rect">
-            <a:avLst/>
-          </a:prstGeom>
-          <a:solidFill>
-            <a:srgbClr val="92D050">
-              <a:alpha val="64000"/>
-            </a:srgbClr>
-          </a:solidFill>
-        </p:spPr>
-        <p:style>
-          <a:lnRef idx="2">
-            <a:schemeClr val="accent1">
-              <a:shade val="50000"/>
-            </a:schemeClr>
-          </a:lnRef>
-          <a:fillRef idx="1">
-            <a:schemeClr val="accent1"/>
-          </a:fillRef>
-          <a:effectRef idx="0">
-            <a:schemeClr val="accent1"/>
-          </a:effectRef>
-          <a:fontRef idx="minor">
-            <a:schemeClr val="lt1"/>
-          </a:fontRef>
-        </p:style>
-        <p:txBody>
-          <a:bodyPr rot="0" spcFirstLastPara="0" vertOverflow="overflow" horzOverflow="overflow" vert="horz" wrap="square" lIns="68580" tIns="34290" rIns="68580" bIns="34290" numCol="1" spcCol="0" rtlCol="0" fromWordArt="0" anchor="ctr" anchorCtr="0" forceAA="0" compatLnSpc="1">
-            <a:prstTxWarp prst="textNoShape">
-              <a:avLst/>
-            </a:prstTxWarp>
-            <a:noAutofit/>
-          </a:bodyPr>
-          <a:lstStyle/>
-          <a:p>
-            <a:pPr algn="ctr"/>
-            <a:endParaRPr lang="ja-JP" altLang="en-US" sz="1350"/>
-          </a:p>
-        </p:txBody>
-      </p:sp>
-      <p:sp>
-        <p:nvSpPr>
-          <p:cNvPr id="6" name="正方形/長方形 5"/>
-          <p:cNvSpPr/>
-          <p:nvPr/>
-        </p:nvSpPr>
-        <p:spPr>
-          <a:xfrm>
-            <a:off x="614748" y="801564"/>
-            <a:ext cx="288581" cy="264317"/>
-          </a:xfrm>
-          <a:prstGeom prst="rect">
-            <a:avLst/>
-          </a:prstGeom>
-          <a:solidFill>
-            <a:schemeClr val="bg1">
-              <a:lumMod val="85000"/>
-            </a:schemeClr>
-          </a:solidFill>
-          <a:ln>
-            <a:noFill/>
-          </a:ln>
-        </p:spPr>
-        <p:style>
-          <a:lnRef idx="2">
-            <a:schemeClr val="accent1">
-              <a:shade val="50000"/>
-            </a:schemeClr>
-          </a:lnRef>
-          <a:fillRef idx="1">
-            <a:schemeClr val="accent1"/>
-          </a:fillRef>
-          <a:effectRef idx="0">
-            <a:schemeClr val="accent1"/>
-          </a:effectRef>
-          <a:fontRef idx="minor">
-            <a:schemeClr val="lt1"/>
-          </a:fontRef>
-        </p:style>
-        <p:txBody>
-          <a:bodyPr rot="0" spcFirstLastPara="0" vertOverflow="overflow" horzOverflow="overflow" vert="horz" wrap="square" lIns="68580" tIns="34290" rIns="68580" bIns="34290" numCol="1" spcCol="0" rtlCol="0" fromWordArt="0" anchor="ctr" anchorCtr="0" forceAA="0" compatLnSpc="1">
-            <a:prstTxWarp prst="textNoShape">
-              <a:avLst/>
-            </a:prstTxWarp>
-            <a:noAutofit/>
-          </a:bodyPr>
-          <a:lstStyle/>
-          <a:p>
-            <a:pPr algn="ctr"/>
-            <a:endParaRPr lang="ja-JP" altLang="en-US" sz="1350"/>
-          </a:p>
-        </p:txBody>
-      </p:sp>
-      <p:sp>
-        <p:nvSpPr>
-          <p:cNvPr id="7" name="正方形/長方形 6"/>
-          <p:cNvSpPr/>
-          <p:nvPr/>
-        </p:nvSpPr>
-        <p:spPr>
-          <a:xfrm>
-            <a:off x="1" y="690779"/>
-            <a:ext cx="9144001" cy="34289"/>
-          </a:xfrm>
-          <a:prstGeom prst="rect">
-            <a:avLst/>
-          </a:prstGeom>
-          <a:solidFill>
-            <a:srgbClr val="92D050"/>
-          </a:solidFill>
-          <a:ln>
-            <a:noFill/>
-          </a:ln>
-        </p:spPr>
-        <p:style>
-          <a:lnRef idx="2">
-            <a:schemeClr val="accent1">
-              <a:shade val="50000"/>
-            </a:schemeClr>
-          </a:lnRef>
-          <a:fillRef idx="1">
-            <a:schemeClr val="accent1"/>
-          </a:fillRef>
-          <a:effectRef idx="0">
-            <a:schemeClr val="accent1"/>
-          </a:effectRef>
-          <a:fontRef idx="minor">
-            <a:schemeClr val="lt1"/>
-          </a:fontRef>
-        </p:style>
-        <p:txBody>
-          <a:bodyPr rot="0" spcFirstLastPara="0" vertOverflow="overflow" horzOverflow="overflow" vert="horz" wrap="square" lIns="68580" tIns="34290" rIns="68580" bIns="34290" numCol="1" spcCol="0" rtlCol="0" fromWordArt="0" anchor="ctr" anchorCtr="0" forceAA="0" compatLnSpc="1">
-            <a:prstTxWarp prst="textNoShape">
-              <a:avLst/>
-            </a:prstTxWarp>
-            <a:noAutofit/>
-          </a:bodyPr>
-          <a:lstStyle/>
-          <a:p>
-            <a:pPr algn="ctr"/>
-            <a:endParaRPr lang="ja-JP" altLang="en-US" sz="1350"/>
-          </a:p>
-        </p:txBody>
-      </p:sp>
-      <p:sp>
-        <p:nvSpPr>
-          <p:cNvPr id="3" name="テキスト ボックス 2"/>
-          <p:cNvSpPr txBox="1"/>
-          <p:nvPr/>
-        </p:nvSpPr>
-        <p:spPr>
-          <a:xfrm>
-            <a:off x="759038" y="1864371"/>
-            <a:ext cx="8396586" cy="2160591"/>
-          </a:xfrm>
-          <a:prstGeom prst="rect">
-            <a:avLst/>
-          </a:prstGeom>
-          <a:noFill/>
-        </p:spPr>
-        <p:txBody>
-          <a:bodyPr wrap="square" rtlCol="0">
-            <a:spAutoFit/>
-          </a:bodyPr>
-          <a:lstStyle/>
-          <a:p>
-            <a:pPr marL="457200" indent="-457200">
-              <a:lnSpc>
-                <a:spcPct val="120000"/>
-              </a:lnSpc>
-              <a:buFont typeface="Arial" panose="020B0604020202020204" pitchFamily="34" charset="0"/>
-              <a:buChar char="•"/>
-            </a:pPr>
-            <a:r>
-              <a:rPr lang="ja-JP" altLang="en-US" sz="2800" dirty="0" smtClean="0">
-                <a:solidFill>
-                  <a:schemeClr val="tx1">
-                    <a:lumMod val="65000"/>
-                    <a:lumOff val="35000"/>
-                  </a:schemeClr>
-                </a:solidFill>
-              </a:rPr>
-              <a:t>基本</a:t>
-            </a:r>
-            <a:r>
-              <a:rPr lang="ja-JP" altLang="en-US" sz="2800" dirty="0" smtClean="0">
-                <a:solidFill>
-                  <a:schemeClr val="tx1">
-                    <a:lumMod val="65000"/>
-                    <a:lumOff val="35000"/>
-                  </a:schemeClr>
-                </a:solidFill>
-              </a:rPr>
-              <a:t>機能</a:t>
-            </a:r>
-            <a:r>
-              <a:rPr lang="ja-JP" altLang="en-US" sz="2800" dirty="0">
-                <a:solidFill>
-                  <a:schemeClr val="tx1">
-                    <a:lumMod val="65000"/>
-                    <a:lumOff val="35000"/>
-                  </a:schemeClr>
-                </a:solidFill>
-              </a:rPr>
-              <a:t>は</a:t>
-            </a:r>
-            <a:r>
-              <a:rPr lang="ja-JP" altLang="en-US" sz="2800" dirty="0" smtClean="0">
-                <a:solidFill>
-                  <a:schemeClr val="tx1">
-                    <a:lumMod val="65000"/>
-                    <a:lumOff val="35000"/>
-                  </a:schemeClr>
-                </a:solidFill>
-              </a:rPr>
-              <a:t>新規</a:t>
-            </a:r>
-            <a:r>
-              <a:rPr lang="en-US" altLang="ja-JP" sz="2800" dirty="0">
-                <a:solidFill>
-                  <a:schemeClr val="tx1">
-                    <a:lumMod val="65000"/>
-                    <a:lumOff val="35000"/>
-                  </a:schemeClr>
-                </a:solidFill>
-              </a:rPr>
-              <a:t>ID</a:t>
-            </a:r>
-            <a:r>
-              <a:rPr lang="ja-JP" altLang="en-US" sz="2800" dirty="0">
-                <a:solidFill>
-                  <a:schemeClr val="tx1">
-                    <a:lumMod val="65000"/>
-                    <a:lumOff val="35000"/>
-                  </a:schemeClr>
-                </a:solidFill>
-              </a:rPr>
-              <a:t>登録</a:t>
-            </a:r>
-            <a:r>
-              <a:rPr lang="ja-JP" altLang="en-US" sz="2800" dirty="0" smtClean="0">
-                <a:solidFill>
-                  <a:schemeClr val="tx1">
-                    <a:lumMod val="65000"/>
-                    <a:lumOff val="35000"/>
-                  </a:schemeClr>
-                </a:solidFill>
-              </a:rPr>
-              <a:t>のみまだ未実装だが他の機能はほぼ</a:t>
-            </a:r>
-            <a:r>
-              <a:rPr lang="ja-JP" altLang="en-US" sz="2800" dirty="0">
-                <a:solidFill>
-                  <a:schemeClr val="tx1">
-                    <a:lumMod val="65000"/>
-                    <a:lumOff val="35000"/>
-                  </a:schemeClr>
-                </a:solidFill>
-              </a:rPr>
-              <a:t>完成している  </a:t>
-            </a:r>
-            <a:r>
-              <a:rPr lang="ja-JP" altLang="en-US" sz="2800" dirty="0" smtClean="0">
-                <a:solidFill>
-                  <a:schemeClr val="tx1">
-                    <a:lumMod val="65000"/>
-                    <a:lumOff val="35000"/>
-                  </a:schemeClr>
-                </a:solidFill>
-              </a:rPr>
-              <a:t>。</a:t>
-            </a:r>
-            <a:endParaRPr lang="ja-JP" altLang="en-US" sz="2800" dirty="0">
-              <a:solidFill>
-                <a:schemeClr val="tx1">
-                  <a:lumMod val="65000"/>
-                  <a:lumOff val="35000"/>
-                </a:schemeClr>
-              </a:solidFill>
-            </a:endParaRPr>
-          </a:p>
-          <a:p>
-            <a:pPr marL="457200" indent="-457200">
-              <a:lnSpc>
-                <a:spcPct val="120000"/>
-              </a:lnSpc>
-              <a:buFont typeface="Arial" panose="020B0604020202020204" pitchFamily="34" charset="0"/>
-              <a:buChar char="•"/>
-            </a:pPr>
-            <a:r>
-              <a:rPr lang="ja-JP" altLang="en-US" sz="2800" dirty="0">
-                <a:solidFill>
-                  <a:schemeClr val="tx1">
-                    <a:lumMod val="65000"/>
-                    <a:lumOff val="35000"/>
-                  </a:schemeClr>
-                </a:solidFill>
-              </a:rPr>
-              <a:t>この時点で基本機能を</a:t>
-            </a:r>
-            <a:r>
-              <a:rPr lang="ja-JP" altLang="en-US" sz="2800" dirty="0" smtClean="0">
-                <a:solidFill>
-                  <a:schemeClr val="tx1">
-                    <a:lumMod val="65000"/>
-                    <a:lumOff val="35000"/>
-                  </a:schemeClr>
-                </a:solidFill>
-              </a:rPr>
-              <a:t>満たしているので、次の拡張機能作成に移る</a:t>
-            </a:r>
-            <a:r>
-              <a:rPr lang="ja-JP" altLang="en-US" sz="2800" dirty="0">
-                <a:solidFill>
-                  <a:schemeClr val="tx1">
-                    <a:lumMod val="65000"/>
-                    <a:lumOff val="35000"/>
-                  </a:schemeClr>
-                </a:solidFill>
-              </a:rPr>
-              <a:t>。  </a:t>
-            </a:r>
-          </a:p>
-        </p:txBody>
-      </p:sp>
-      <p:sp>
-        <p:nvSpPr>
-          <p:cNvPr id="9" name="正方形/長方形 8"/>
-          <p:cNvSpPr/>
-          <p:nvPr/>
-        </p:nvSpPr>
-        <p:spPr>
-          <a:xfrm>
-            <a:off x="-5603" y="6432997"/>
-            <a:ext cx="9144000" cy="283336"/>
-          </a:xfrm>
-          <a:prstGeom prst="rect">
-            <a:avLst/>
-          </a:prstGeom>
-          <a:solidFill>
-            <a:srgbClr val="92D050"/>
-          </a:solidFill>
-          <a:ln>
-            <a:noFill/>
-          </a:ln>
-        </p:spPr>
-        <p:style>
-          <a:lnRef idx="2">
-            <a:schemeClr val="accent1">
-              <a:shade val="50000"/>
-            </a:schemeClr>
-          </a:lnRef>
-          <a:fillRef idx="1">
-            <a:schemeClr val="accent1"/>
-          </a:fillRef>
-          <a:effectRef idx="0">
-            <a:schemeClr val="accent1"/>
-          </a:effectRef>
-          <a:fontRef idx="minor">
-            <a:schemeClr val="lt1"/>
-          </a:fontRef>
-        </p:style>
-        <p:txBody>
-          <a:bodyPr rot="0" spcFirstLastPara="0" vertOverflow="overflow" horzOverflow="overflow" vert="horz" wrap="square" lIns="68580" tIns="34290" rIns="68580" bIns="34290" numCol="1" spcCol="0" rtlCol="0" fromWordArt="0" anchor="ctr" anchorCtr="0" forceAA="0" compatLnSpc="1">
-            <a:prstTxWarp prst="textNoShape">
-              <a:avLst/>
-            </a:prstTxWarp>
-            <a:noAutofit/>
-          </a:bodyPr>
-          <a:lstStyle/>
-          <a:p>
-            <a:pPr algn="ctr"/>
-            <a:endParaRPr lang="ja-JP" altLang="en-US" sz="1350"/>
-          </a:p>
-        </p:txBody>
-      </p:sp>
-      <p:pic>
-        <p:nvPicPr>
-          <p:cNvPr id="10" name="図 9"/>
-          <p:cNvPicPr>
-            <a:picLocks noChangeAspect="1"/>
-          </p:cNvPicPr>
-          <p:nvPr/>
-        </p:nvPicPr>
-        <p:blipFill>
-          <a:blip r:embed="rId2">
-            <a:extLst>
-              <a:ext uri="{28A0092B-C50C-407E-A947-70E740481C1C}">
-                <a14:useLocalDpi xmlns:a14="http://schemas.microsoft.com/office/drawing/2010/main" val="0"/>
-              </a:ext>
-            </a:extLst>
-          </a:blip>
-          <a:stretch>
-            <a:fillRect/>
-          </a:stretch>
-        </p:blipFill>
-        <p:spPr>
-          <a:xfrm>
-            <a:off x="5743978" y="2630510"/>
-            <a:ext cx="4227490" cy="4227490"/>
-          </a:xfrm>
-          <a:prstGeom prst="rect">
-            <a:avLst/>
-          </a:prstGeom>
-        </p:spPr>
-      </p:pic>
-    </p:spTree>
-    <p:extLst>
-      <p:ext uri="{BB962C8B-B14F-4D97-AF65-F5344CB8AC3E}">
-        <p14:creationId xmlns:p14="http://schemas.microsoft.com/office/powerpoint/2010/main" val="1093253828"/>
       </p:ext>
     </p:extLst>
   </p:cSld>

--- a/資料/発表資料.pptx
+++ b/資料/発表資料.pptx
@@ -4,6 +4,9 @@
   <p:sldMasterIdLst>
     <p:sldMasterId id="2147483660" r:id="rId1"/>
   </p:sldMasterIdLst>
+  <p:notesMasterIdLst>
+    <p:notesMasterId r:id="rId21"/>
+  </p:notesMasterIdLst>
   <p:sldIdLst>
     <p:sldId id="256" r:id="rId2"/>
     <p:sldId id="283" r:id="rId3"/>
@@ -17,14 +20,13 @@
     <p:sldId id="269" r:id="rId11"/>
     <p:sldId id="286" r:id="rId12"/>
     <p:sldId id="271" r:id="rId13"/>
-    <p:sldId id="280" r:id="rId14"/>
-    <p:sldId id="274" r:id="rId15"/>
-    <p:sldId id="289" r:id="rId16"/>
-    <p:sldId id="270" r:id="rId17"/>
-    <p:sldId id="287" r:id="rId18"/>
-    <p:sldId id="276" r:id="rId19"/>
-    <p:sldId id="277" r:id="rId20"/>
-    <p:sldId id="272" r:id="rId21"/>
+    <p:sldId id="274" r:id="rId14"/>
+    <p:sldId id="289" r:id="rId15"/>
+    <p:sldId id="270" r:id="rId16"/>
+    <p:sldId id="287" r:id="rId17"/>
+    <p:sldId id="276" r:id="rId18"/>
+    <p:sldId id="277" r:id="rId19"/>
+    <p:sldId id="292" r:id="rId20"/>
   </p:sldIdLst>
   <p:sldSz cx="9144000" cy="6858000" type="screen4x3"/>
   <p:notesSz cx="6858000" cy="9144000"/>
@@ -123,6 +125,7 @@
       </a:defRPr>
     </a:lvl9pPr>
   </p:defaultTextStyle>
+  <p:modifyVerifier cryptProviderType="rsaAES" cryptAlgorithmClass="hash" cryptAlgorithmType="typeAny" cryptAlgorithmSid="14" spinCount="100000" saltData="5j71lYqDlYCL0DO/FgTiHA==" hashData="QnP4GfR/L6967+bGpiym9vkdBaP0gOK4LKxge5LxVTCPohqsq1tWmLPM3LwkTZkJXbg2fvLZs0Uws4Qv8T1j3w=="/>
   <p:extLst>
     <p:ext uri="{EFAFB233-063F-42B5-8137-9DF3F51BA10A}">
       <p15:sldGuideLst xmlns:p15="http://schemas.microsoft.com/office/powerpoint/2012/main"/>
@@ -172,7 +175,6 @@
     </c:plotArea>
     <c:legend>
       <c:legendPos val="b"/>
-      <c:layout/>
       <c:overlay val="0"/>
       <c:spPr>
         <a:noFill/>
@@ -732,7 +734,6 @@
           </a:p>
         </c:rich>
       </c:tx>
-      <c:layout/>
       <c:overlay val="0"/>
       <c:spPr>
         <a:noFill/>
@@ -925,11 +926,11 @@
         </c:dLbls>
         <c:gapWidth val="150"/>
         <c:overlap val="100"/>
-        <c:axId val="376325712"/>
-        <c:axId val="376333944"/>
+        <c:axId val="262475824"/>
+        <c:axId val="262473472"/>
       </c:barChart>
       <c:catAx>
-        <c:axId val="376325712"/>
+        <c:axId val="262475824"/>
         <c:scaling>
           <c:orientation val="minMax"/>
         </c:scaling>
@@ -972,7 +973,7 @@
             <a:endParaRPr lang="ja-JP"/>
           </a:p>
         </c:txPr>
-        <c:crossAx val="376333944"/>
+        <c:crossAx val="262473472"/>
         <c:crosses val="autoZero"/>
         <c:auto val="1"/>
         <c:lblAlgn val="ctr"/>
@@ -980,7 +981,7 @@
         <c:noMultiLvlLbl val="0"/>
       </c:catAx>
       <c:valAx>
-        <c:axId val="376333944"/>
+        <c:axId val="262473472"/>
         <c:scaling>
           <c:orientation val="minMax"/>
         </c:scaling>
@@ -1031,7 +1032,7 @@
             <a:endParaRPr lang="ja-JP"/>
           </a:p>
         </c:txPr>
-        <c:crossAx val="376325712"/>
+        <c:crossAx val="262475824"/>
         <c:crosses val="autoZero"/>
         <c:crossBetween val="between"/>
       </c:valAx>
@@ -1111,7 +1112,6 @@
           </a:p>
         </c:rich>
       </c:tx>
-      <c:layout/>
       <c:overlay val="0"/>
       <c:spPr>
         <a:noFill/>
@@ -1292,11 +1292,11 @@
         </c:dLbls>
         <c:gapWidth val="150"/>
         <c:overlap val="100"/>
-        <c:axId val="378545888"/>
-        <c:axId val="378546280"/>
+        <c:axId val="262474256"/>
+        <c:axId val="306213752"/>
       </c:barChart>
       <c:catAx>
-        <c:axId val="378545888"/>
+        <c:axId val="262474256"/>
         <c:scaling>
           <c:orientation val="minMax"/>
         </c:scaling>
@@ -1339,7 +1339,7 @@
             <a:endParaRPr lang="ja-JP"/>
           </a:p>
         </c:txPr>
-        <c:crossAx val="378546280"/>
+        <c:crossAx val="306213752"/>
         <c:crosses val="autoZero"/>
         <c:auto val="1"/>
         <c:lblAlgn val="ctr"/>
@@ -1347,7 +1347,7 @@
         <c:noMultiLvlLbl val="0"/>
       </c:catAx>
       <c:valAx>
-        <c:axId val="378546280"/>
+        <c:axId val="306213752"/>
         <c:scaling>
           <c:orientation val="minMax"/>
         </c:scaling>
@@ -1398,7 +1398,7 @@
             <a:endParaRPr lang="ja-JP"/>
           </a:p>
         </c:txPr>
-        <c:crossAx val="378545888"/>
+        <c:crossAx val="262474256"/>
         <c:crosses val="autoZero"/>
         <c:crossBetween val="between"/>
       </c:valAx>
@@ -4763,6 +4763,2261 @@
 </cs:chartStyle>
 </file>
 
+<file path=ppt/notesMasters/notesMaster1.xml><?xml version="1.0" encoding="utf-8"?>
+<p:notesMaster xmlns:a="http://schemas.openxmlformats.org/drawingml/2006/main" xmlns:r="http://schemas.openxmlformats.org/officeDocument/2006/relationships" xmlns:p="http://schemas.openxmlformats.org/presentationml/2006/main">
+  <p:cSld>
+    <p:bg>
+      <p:bgRef idx="1001">
+        <a:schemeClr val="bg1"/>
+      </p:bgRef>
+    </p:bg>
+    <p:spTree>
+      <p:nvGrpSpPr>
+        <p:cNvPr id="1" name=""/>
+        <p:cNvGrpSpPr/>
+        <p:nvPr/>
+      </p:nvGrpSpPr>
+      <p:grpSpPr>
+        <a:xfrm>
+          <a:off x="0" y="0"/>
+          <a:ext cx="0" cy="0"/>
+          <a:chOff x="0" y="0"/>
+          <a:chExt cx="0" cy="0"/>
+        </a:xfrm>
+      </p:grpSpPr>
+      <p:sp>
+        <p:nvSpPr>
+          <p:cNvPr id="2" name="ヘッダー プレースホルダー 1"/>
+          <p:cNvSpPr>
+            <a:spLocks noGrp="1"/>
+          </p:cNvSpPr>
+          <p:nvPr>
+            <p:ph type="hdr" sz="quarter"/>
+          </p:nvPr>
+        </p:nvSpPr>
+        <p:spPr>
+          <a:xfrm>
+            <a:off x="0" y="0"/>
+            <a:ext cx="2971800" cy="458788"/>
+          </a:xfrm>
+          <a:prstGeom prst="rect">
+            <a:avLst/>
+          </a:prstGeom>
+        </p:spPr>
+        <p:txBody>
+          <a:bodyPr vert="horz" lIns="91440" tIns="45720" rIns="91440" bIns="45720" rtlCol="0"/>
+          <a:lstStyle>
+            <a:lvl1pPr algn="l">
+              <a:defRPr sz="1200"/>
+            </a:lvl1pPr>
+          </a:lstStyle>
+          <a:p>
+            <a:endParaRPr kumimoji="1" lang="ja-JP" altLang="en-US"/>
+          </a:p>
+        </p:txBody>
+      </p:sp>
+      <p:sp>
+        <p:nvSpPr>
+          <p:cNvPr id="3" name="日付プレースホルダー 2"/>
+          <p:cNvSpPr>
+            <a:spLocks noGrp="1"/>
+          </p:cNvSpPr>
+          <p:nvPr>
+            <p:ph type="dt" idx="1"/>
+          </p:nvPr>
+        </p:nvSpPr>
+        <p:spPr>
+          <a:xfrm>
+            <a:off x="3884613" y="0"/>
+            <a:ext cx="2971800" cy="458788"/>
+          </a:xfrm>
+          <a:prstGeom prst="rect">
+            <a:avLst/>
+          </a:prstGeom>
+        </p:spPr>
+        <p:txBody>
+          <a:bodyPr vert="horz" lIns="91440" tIns="45720" rIns="91440" bIns="45720" rtlCol="0"/>
+          <a:lstStyle>
+            <a:lvl1pPr algn="r">
+              <a:defRPr sz="1200"/>
+            </a:lvl1pPr>
+          </a:lstStyle>
+          <a:p>
+            <a:fld id="{92B01385-5A79-4CA9-A1A7-EEE61B079AA0}" type="datetimeFigureOut">
+              <a:rPr kumimoji="1" lang="ja-JP" altLang="en-US" smtClean="0"/>
+              <a:t>2016/12/13</a:t>
+            </a:fld>
+            <a:endParaRPr kumimoji="1" lang="ja-JP" altLang="en-US"/>
+          </a:p>
+        </p:txBody>
+      </p:sp>
+      <p:sp>
+        <p:nvSpPr>
+          <p:cNvPr id="4" name="スライド イメージ プレースホルダー 3"/>
+          <p:cNvSpPr>
+            <a:spLocks noGrp="1" noRot="1" noChangeAspect="1"/>
+          </p:cNvSpPr>
+          <p:nvPr>
+            <p:ph type="sldImg" idx="2"/>
+          </p:nvPr>
+        </p:nvSpPr>
+        <p:spPr>
+          <a:xfrm>
+            <a:off x="1371600" y="1143000"/>
+            <a:ext cx="4114800" cy="3086100"/>
+          </a:xfrm>
+          <a:prstGeom prst="rect">
+            <a:avLst/>
+          </a:prstGeom>
+          <a:noFill/>
+          <a:ln w="12700">
+            <a:solidFill>
+              <a:prstClr val="black"/>
+            </a:solidFill>
+          </a:ln>
+        </p:spPr>
+        <p:txBody>
+          <a:bodyPr vert="horz" lIns="91440" tIns="45720" rIns="91440" bIns="45720" rtlCol="0" anchor="ctr"/>
+          <a:lstStyle/>
+          <a:p>
+            <a:endParaRPr lang="ja-JP" altLang="en-US"/>
+          </a:p>
+        </p:txBody>
+      </p:sp>
+      <p:sp>
+        <p:nvSpPr>
+          <p:cNvPr id="5" name="ノート プレースホルダー 4"/>
+          <p:cNvSpPr>
+            <a:spLocks noGrp="1"/>
+          </p:cNvSpPr>
+          <p:nvPr>
+            <p:ph type="body" sz="quarter" idx="3"/>
+          </p:nvPr>
+        </p:nvSpPr>
+        <p:spPr>
+          <a:xfrm>
+            <a:off x="685800" y="4400550"/>
+            <a:ext cx="5486400" cy="3600450"/>
+          </a:xfrm>
+          <a:prstGeom prst="rect">
+            <a:avLst/>
+          </a:prstGeom>
+        </p:spPr>
+        <p:txBody>
+          <a:bodyPr vert="horz" lIns="91440" tIns="45720" rIns="91440" bIns="45720" rtlCol="0"/>
+          <a:lstStyle/>
+          <a:p>
+            <a:pPr lvl="0"/>
+            <a:r>
+              <a:rPr kumimoji="1" lang="ja-JP" altLang="en-US" smtClean="0"/>
+              <a:t>マスター テキストの書式設定</a:t>
+            </a:r>
+          </a:p>
+          <a:p>
+            <a:pPr lvl="1"/>
+            <a:r>
+              <a:rPr kumimoji="1" lang="ja-JP" altLang="en-US" smtClean="0"/>
+              <a:t>第 </a:t>
+            </a:r>
+            <a:r>
+              <a:rPr kumimoji="1" lang="en-US" altLang="ja-JP" smtClean="0"/>
+              <a:t>2 </a:t>
+            </a:r>
+            <a:r>
+              <a:rPr kumimoji="1" lang="ja-JP" altLang="en-US" smtClean="0"/>
+              <a:t>レベル</a:t>
+            </a:r>
+          </a:p>
+          <a:p>
+            <a:pPr lvl="2"/>
+            <a:r>
+              <a:rPr kumimoji="1" lang="ja-JP" altLang="en-US" smtClean="0"/>
+              <a:t>第 </a:t>
+            </a:r>
+            <a:r>
+              <a:rPr kumimoji="1" lang="en-US" altLang="ja-JP" smtClean="0"/>
+              <a:t>3 </a:t>
+            </a:r>
+            <a:r>
+              <a:rPr kumimoji="1" lang="ja-JP" altLang="en-US" smtClean="0"/>
+              <a:t>レベル</a:t>
+            </a:r>
+          </a:p>
+          <a:p>
+            <a:pPr lvl="3"/>
+            <a:r>
+              <a:rPr kumimoji="1" lang="ja-JP" altLang="en-US" smtClean="0"/>
+              <a:t>第 </a:t>
+            </a:r>
+            <a:r>
+              <a:rPr kumimoji="1" lang="en-US" altLang="ja-JP" smtClean="0"/>
+              <a:t>4 </a:t>
+            </a:r>
+            <a:r>
+              <a:rPr kumimoji="1" lang="ja-JP" altLang="en-US" smtClean="0"/>
+              <a:t>レベル</a:t>
+            </a:r>
+          </a:p>
+          <a:p>
+            <a:pPr lvl="4"/>
+            <a:r>
+              <a:rPr kumimoji="1" lang="ja-JP" altLang="en-US" smtClean="0"/>
+              <a:t>第 </a:t>
+            </a:r>
+            <a:r>
+              <a:rPr kumimoji="1" lang="en-US" altLang="ja-JP" smtClean="0"/>
+              <a:t>5 </a:t>
+            </a:r>
+            <a:r>
+              <a:rPr kumimoji="1" lang="ja-JP" altLang="en-US" smtClean="0"/>
+              <a:t>レベル</a:t>
+            </a:r>
+            <a:endParaRPr kumimoji="1" lang="ja-JP" altLang="en-US"/>
+          </a:p>
+        </p:txBody>
+      </p:sp>
+      <p:sp>
+        <p:nvSpPr>
+          <p:cNvPr id="6" name="フッター プレースホルダー 5"/>
+          <p:cNvSpPr>
+            <a:spLocks noGrp="1"/>
+          </p:cNvSpPr>
+          <p:nvPr>
+            <p:ph type="ftr" sz="quarter" idx="4"/>
+          </p:nvPr>
+        </p:nvSpPr>
+        <p:spPr>
+          <a:xfrm>
+            <a:off x="0" y="8685213"/>
+            <a:ext cx="2971800" cy="458787"/>
+          </a:xfrm>
+          <a:prstGeom prst="rect">
+            <a:avLst/>
+          </a:prstGeom>
+        </p:spPr>
+        <p:txBody>
+          <a:bodyPr vert="horz" lIns="91440" tIns="45720" rIns="91440" bIns="45720" rtlCol="0" anchor="b"/>
+          <a:lstStyle>
+            <a:lvl1pPr algn="l">
+              <a:defRPr sz="1200"/>
+            </a:lvl1pPr>
+          </a:lstStyle>
+          <a:p>
+            <a:endParaRPr kumimoji="1" lang="ja-JP" altLang="en-US"/>
+          </a:p>
+        </p:txBody>
+      </p:sp>
+      <p:sp>
+        <p:nvSpPr>
+          <p:cNvPr id="7" name="スライド番号プレースホルダー 6"/>
+          <p:cNvSpPr>
+            <a:spLocks noGrp="1"/>
+          </p:cNvSpPr>
+          <p:nvPr>
+            <p:ph type="sldNum" sz="quarter" idx="5"/>
+          </p:nvPr>
+        </p:nvSpPr>
+        <p:spPr>
+          <a:xfrm>
+            <a:off x="3884613" y="8685213"/>
+            <a:ext cx="2971800" cy="458787"/>
+          </a:xfrm>
+          <a:prstGeom prst="rect">
+            <a:avLst/>
+          </a:prstGeom>
+        </p:spPr>
+        <p:txBody>
+          <a:bodyPr vert="horz" lIns="91440" tIns="45720" rIns="91440" bIns="45720" rtlCol="0" anchor="b"/>
+          <a:lstStyle>
+            <a:lvl1pPr algn="r">
+              <a:defRPr sz="1200"/>
+            </a:lvl1pPr>
+          </a:lstStyle>
+          <a:p>
+            <a:fld id="{4E55DDD7-A5DB-4A8D-9D8B-E8E9462611EA}" type="slidenum">
+              <a:rPr kumimoji="1" lang="ja-JP" altLang="en-US" smtClean="0"/>
+              <a:t>‹#›</a:t>
+            </a:fld>
+            <a:endParaRPr kumimoji="1" lang="ja-JP" altLang="en-US"/>
+          </a:p>
+        </p:txBody>
+      </p:sp>
+    </p:spTree>
+    <p:extLst>
+      <p:ext uri="{BB962C8B-B14F-4D97-AF65-F5344CB8AC3E}">
+        <p14:creationId xmlns:p14="http://schemas.microsoft.com/office/powerpoint/2010/main" val="2805029939"/>
+      </p:ext>
+    </p:extLst>
+  </p:cSld>
+  <p:clrMap bg1="lt1" tx1="dk1" bg2="lt2" tx2="dk2" accent1="accent1" accent2="accent2" accent3="accent3" accent4="accent4" accent5="accent5" accent6="accent6" hlink="hlink" folHlink="folHlink"/>
+  <p:notesStyle>
+    <a:lvl1pPr marL="0" algn="l" defTabSz="914400" rtl="0" eaLnBrk="1" latinLnBrk="0" hangingPunct="1">
+      <a:defRPr kumimoji="1" sz="1200" kern="1200">
+        <a:solidFill>
+          <a:schemeClr val="tx1"/>
+        </a:solidFill>
+        <a:latin typeface="+mn-lt"/>
+        <a:ea typeface="+mn-ea"/>
+        <a:cs typeface="+mn-cs"/>
+      </a:defRPr>
+    </a:lvl1pPr>
+    <a:lvl2pPr marL="457200" algn="l" defTabSz="914400" rtl="0" eaLnBrk="1" latinLnBrk="0" hangingPunct="1">
+      <a:defRPr kumimoji="1" sz="1200" kern="1200">
+        <a:solidFill>
+          <a:schemeClr val="tx1"/>
+        </a:solidFill>
+        <a:latin typeface="+mn-lt"/>
+        <a:ea typeface="+mn-ea"/>
+        <a:cs typeface="+mn-cs"/>
+      </a:defRPr>
+    </a:lvl2pPr>
+    <a:lvl3pPr marL="914400" algn="l" defTabSz="914400" rtl="0" eaLnBrk="1" latinLnBrk="0" hangingPunct="1">
+      <a:defRPr kumimoji="1" sz="1200" kern="1200">
+        <a:solidFill>
+          <a:schemeClr val="tx1"/>
+        </a:solidFill>
+        <a:latin typeface="+mn-lt"/>
+        <a:ea typeface="+mn-ea"/>
+        <a:cs typeface="+mn-cs"/>
+      </a:defRPr>
+    </a:lvl3pPr>
+    <a:lvl4pPr marL="1371600" algn="l" defTabSz="914400" rtl="0" eaLnBrk="1" latinLnBrk="0" hangingPunct="1">
+      <a:defRPr kumimoji="1" sz="1200" kern="1200">
+        <a:solidFill>
+          <a:schemeClr val="tx1"/>
+        </a:solidFill>
+        <a:latin typeface="+mn-lt"/>
+        <a:ea typeface="+mn-ea"/>
+        <a:cs typeface="+mn-cs"/>
+      </a:defRPr>
+    </a:lvl4pPr>
+    <a:lvl5pPr marL="1828800" algn="l" defTabSz="914400" rtl="0" eaLnBrk="1" latinLnBrk="0" hangingPunct="1">
+      <a:defRPr kumimoji="1" sz="1200" kern="1200">
+        <a:solidFill>
+          <a:schemeClr val="tx1"/>
+        </a:solidFill>
+        <a:latin typeface="+mn-lt"/>
+        <a:ea typeface="+mn-ea"/>
+        <a:cs typeface="+mn-cs"/>
+      </a:defRPr>
+    </a:lvl5pPr>
+    <a:lvl6pPr marL="2286000" algn="l" defTabSz="914400" rtl="0" eaLnBrk="1" latinLnBrk="0" hangingPunct="1">
+      <a:defRPr kumimoji="1" sz="1200" kern="1200">
+        <a:solidFill>
+          <a:schemeClr val="tx1"/>
+        </a:solidFill>
+        <a:latin typeface="+mn-lt"/>
+        <a:ea typeface="+mn-ea"/>
+        <a:cs typeface="+mn-cs"/>
+      </a:defRPr>
+    </a:lvl6pPr>
+    <a:lvl7pPr marL="2743200" algn="l" defTabSz="914400" rtl="0" eaLnBrk="1" latinLnBrk="0" hangingPunct="1">
+      <a:defRPr kumimoji="1" sz="1200" kern="1200">
+        <a:solidFill>
+          <a:schemeClr val="tx1"/>
+        </a:solidFill>
+        <a:latin typeface="+mn-lt"/>
+        <a:ea typeface="+mn-ea"/>
+        <a:cs typeface="+mn-cs"/>
+      </a:defRPr>
+    </a:lvl7pPr>
+    <a:lvl8pPr marL="3200400" algn="l" defTabSz="914400" rtl="0" eaLnBrk="1" latinLnBrk="0" hangingPunct="1">
+      <a:defRPr kumimoji="1" sz="1200" kern="1200">
+        <a:solidFill>
+          <a:schemeClr val="tx1"/>
+        </a:solidFill>
+        <a:latin typeface="+mn-lt"/>
+        <a:ea typeface="+mn-ea"/>
+        <a:cs typeface="+mn-cs"/>
+      </a:defRPr>
+    </a:lvl8pPr>
+    <a:lvl9pPr marL="3657600" algn="l" defTabSz="914400" rtl="0" eaLnBrk="1" latinLnBrk="0" hangingPunct="1">
+      <a:defRPr kumimoji="1" sz="1200" kern="1200">
+        <a:solidFill>
+          <a:schemeClr val="tx1"/>
+        </a:solidFill>
+        <a:latin typeface="+mn-lt"/>
+        <a:ea typeface="+mn-ea"/>
+        <a:cs typeface="+mn-cs"/>
+      </a:defRPr>
+    </a:lvl9pPr>
+  </p:notesStyle>
+</p:notesMaster>
+</file>
+
+<file path=ppt/notesSlides/notesSlide1.xml><?xml version="1.0" encoding="utf-8"?>
+<p:notes xmlns:a="http://schemas.openxmlformats.org/drawingml/2006/main" xmlns:r="http://schemas.openxmlformats.org/officeDocument/2006/relationships" xmlns:p="http://schemas.openxmlformats.org/presentationml/2006/main">
+  <p:cSld>
+    <p:spTree>
+      <p:nvGrpSpPr>
+        <p:cNvPr id="1" name=""/>
+        <p:cNvGrpSpPr/>
+        <p:nvPr/>
+      </p:nvGrpSpPr>
+      <p:grpSpPr>
+        <a:xfrm>
+          <a:off x="0" y="0"/>
+          <a:ext cx="0" cy="0"/>
+          <a:chOff x="0" y="0"/>
+          <a:chExt cx="0" cy="0"/>
+        </a:xfrm>
+      </p:grpSpPr>
+      <p:sp>
+        <p:nvSpPr>
+          <p:cNvPr id="2" name="スライド イメージ プレースホルダー 1"/>
+          <p:cNvSpPr>
+            <a:spLocks noGrp="1" noRot="1" noChangeAspect="1"/>
+          </p:cNvSpPr>
+          <p:nvPr>
+            <p:ph type="sldImg"/>
+          </p:nvPr>
+        </p:nvSpPr>
+        <p:spPr/>
+      </p:sp>
+      <p:sp>
+        <p:nvSpPr>
+          <p:cNvPr id="3" name="ノート プレースホルダー 2"/>
+          <p:cNvSpPr>
+            <a:spLocks noGrp="1"/>
+          </p:cNvSpPr>
+          <p:nvPr>
+            <p:ph type="body" idx="1"/>
+          </p:nvPr>
+        </p:nvSpPr>
+        <p:spPr/>
+        <p:txBody>
+          <a:bodyPr/>
+          <a:lstStyle/>
+          <a:p>
+            <a:r>
+              <a:rPr kumimoji="1" lang="ja-JP" altLang="en-US" dirty="0" smtClean="0"/>
+              <a:t>それでは、はむろの残留意思の藤本が発表させていただきます。今回我々が作成するのはハムフィールと言う</a:t>
+            </a:r>
+            <a:r>
+              <a:rPr kumimoji="1" lang="en-US" altLang="ja-JP" dirty="0" smtClean="0"/>
+              <a:t>web</a:t>
+            </a:r>
+            <a:r>
+              <a:rPr kumimoji="1" lang="ja-JP" altLang="en-US" dirty="0" smtClean="0"/>
+              <a:t>サービスになります。</a:t>
+            </a:r>
+            <a:endParaRPr kumimoji="1" lang="ja-JP" altLang="en-US" dirty="0"/>
+          </a:p>
+        </p:txBody>
+      </p:sp>
+      <p:sp>
+        <p:nvSpPr>
+          <p:cNvPr id="4" name="スライド番号プレースホルダー 3"/>
+          <p:cNvSpPr>
+            <a:spLocks noGrp="1"/>
+          </p:cNvSpPr>
+          <p:nvPr>
+            <p:ph type="sldNum" sz="quarter" idx="10"/>
+          </p:nvPr>
+        </p:nvSpPr>
+        <p:spPr/>
+        <p:txBody>
+          <a:bodyPr/>
+          <a:lstStyle/>
+          <a:p>
+            <a:fld id="{4E55DDD7-A5DB-4A8D-9D8B-E8E9462611EA}" type="slidenum">
+              <a:rPr kumimoji="1" lang="ja-JP" altLang="en-US" smtClean="0"/>
+              <a:t>1</a:t>
+            </a:fld>
+            <a:endParaRPr kumimoji="1" lang="ja-JP" altLang="en-US"/>
+          </a:p>
+        </p:txBody>
+      </p:sp>
+    </p:spTree>
+    <p:extLst>
+      <p:ext uri="{BB962C8B-B14F-4D97-AF65-F5344CB8AC3E}">
+        <p14:creationId xmlns:p14="http://schemas.microsoft.com/office/powerpoint/2010/main" val="925540588"/>
+      </p:ext>
+    </p:extLst>
+  </p:cSld>
+  <p:clrMapOvr>
+    <a:masterClrMapping/>
+  </p:clrMapOvr>
+</p:notes>
+</file>
+
+<file path=ppt/notesSlides/notesSlide10.xml><?xml version="1.0" encoding="utf-8"?>
+<p:notes xmlns:a="http://schemas.openxmlformats.org/drawingml/2006/main" xmlns:r="http://schemas.openxmlformats.org/officeDocument/2006/relationships" xmlns:p="http://schemas.openxmlformats.org/presentationml/2006/main">
+  <p:cSld>
+    <p:spTree>
+      <p:nvGrpSpPr>
+        <p:cNvPr id="1" name=""/>
+        <p:cNvGrpSpPr/>
+        <p:nvPr/>
+      </p:nvGrpSpPr>
+      <p:grpSpPr>
+        <a:xfrm>
+          <a:off x="0" y="0"/>
+          <a:ext cx="0" cy="0"/>
+          <a:chOff x="0" y="0"/>
+          <a:chExt cx="0" cy="0"/>
+        </a:xfrm>
+      </p:grpSpPr>
+      <p:sp>
+        <p:nvSpPr>
+          <p:cNvPr id="2" name="スライド イメージ プレースホルダー 1"/>
+          <p:cNvSpPr>
+            <a:spLocks noGrp="1" noRot="1" noChangeAspect="1"/>
+          </p:cNvSpPr>
+          <p:nvPr>
+            <p:ph type="sldImg"/>
+          </p:nvPr>
+        </p:nvSpPr>
+        <p:spPr/>
+      </p:sp>
+      <p:sp>
+        <p:nvSpPr>
+          <p:cNvPr id="3" name="ノート プレースホルダー 2"/>
+          <p:cNvSpPr>
+            <a:spLocks noGrp="1"/>
+          </p:cNvSpPr>
+          <p:nvPr>
+            <p:ph type="body" idx="1"/>
+          </p:nvPr>
+        </p:nvSpPr>
+        <p:spPr/>
+        <p:txBody>
+          <a:bodyPr/>
+          <a:lstStyle/>
+          <a:p>
+            <a:r>
+              <a:rPr kumimoji="1" lang="ja-JP" altLang="en-US" dirty="0" smtClean="0"/>
+              <a:t>動作環境は</a:t>
+            </a:r>
+            <a:r>
+              <a:rPr kumimoji="1" lang="en-US" altLang="ja-JP" dirty="0" smtClean="0"/>
+              <a:t>Windows10</a:t>
+            </a:r>
+            <a:r>
+              <a:rPr kumimoji="1" lang="ja-JP" altLang="en-US" dirty="0" err="1" smtClean="0"/>
+              <a:t>、</a:t>
+            </a:r>
+            <a:r>
+              <a:rPr kumimoji="1" lang="en-US" altLang="ja-JP" dirty="0" smtClean="0"/>
+              <a:t>8</a:t>
+            </a:r>
+            <a:r>
+              <a:rPr kumimoji="1" lang="ja-JP" altLang="en-US" dirty="0" err="1" smtClean="0"/>
+              <a:t>、</a:t>
+            </a:r>
+            <a:r>
+              <a:rPr kumimoji="1" lang="ja-JP" altLang="en-US" dirty="0" smtClean="0"/>
+              <a:t>インターネット環境となっております。開発ツールはプロジェクトをスムーズに進めるためにバージョン管理システムとして</a:t>
+            </a:r>
+            <a:r>
+              <a:rPr kumimoji="1" lang="en-US" altLang="ja-JP" dirty="0" err="1" smtClean="0"/>
+              <a:t>github</a:t>
+            </a:r>
+            <a:r>
+              <a:rPr kumimoji="1" lang="ja-JP" altLang="en-US" dirty="0" smtClean="0"/>
+              <a:t>を使用しています。</a:t>
+            </a:r>
+            <a:endParaRPr kumimoji="1" lang="ja-JP" altLang="en-US" dirty="0"/>
+          </a:p>
+        </p:txBody>
+      </p:sp>
+      <p:sp>
+        <p:nvSpPr>
+          <p:cNvPr id="4" name="スライド番号プレースホルダー 3"/>
+          <p:cNvSpPr>
+            <a:spLocks noGrp="1"/>
+          </p:cNvSpPr>
+          <p:nvPr>
+            <p:ph type="sldNum" sz="quarter" idx="10"/>
+          </p:nvPr>
+        </p:nvSpPr>
+        <p:spPr/>
+        <p:txBody>
+          <a:bodyPr/>
+          <a:lstStyle/>
+          <a:p>
+            <a:fld id="{4E55DDD7-A5DB-4A8D-9D8B-E8E9462611EA}" type="slidenum">
+              <a:rPr kumimoji="1" lang="ja-JP" altLang="en-US" smtClean="0"/>
+              <a:t>10</a:t>
+            </a:fld>
+            <a:endParaRPr kumimoji="1" lang="ja-JP" altLang="en-US"/>
+          </a:p>
+        </p:txBody>
+      </p:sp>
+    </p:spTree>
+    <p:extLst>
+      <p:ext uri="{BB962C8B-B14F-4D97-AF65-F5344CB8AC3E}">
+        <p14:creationId xmlns:p14="http://schemas.microsoft.com/office/powerpoint/2010/main" val="2823573370"/>
+      </p:ext>
+    </p:extLst>
+  </p:cSld>
+  <p:clrMapOvr>
+    <a:masterClrMapping/>
+  </p:clrMapOvr>
+</p:notes>
+</file>
+
+<file path=ppt/notesSlides/notesSlide11.xml><?xml version="1.0" encoding="utf-8"?>
+<p:notes xmlns:a="http://schemas.openxmlformats.org/drawingml/2006/main" xmlns:r="http://schemas.openxmlformats.org/officeDocument/2006/relationships" xmlns:p="http://schemas.openxmlformats.org/presentationml/2006/main">
+  <p:cSld>
+    <p:spTree>
+      <p:nvGrpSpPr>
+        <p:cNvPr id="1" name=""/>
+        <p:cNvGrpSpPr/>
+        <p:nvPr/>
+      </p:nvGrpSpPr>
+      <p:grpSpPr>
+        <a:xfrm>
+          <a:off x="0" y="0"/>
+          <a:ext cx="0" cy="0"/>
+          <a:chOff x="0" y="0"/>
+          <a:chExt cx="0" cy="0"/>
+        </a:xfrm>
+      </p:grpSpPr>
+      <p:sp>
+        <p:nvSpPr>
+          <p:cNvPr id="2" name="スライド イメージ プレースホルダー 1"/>
+          <p:cNvSpPr>
+            <a:spLocks noGrp="1" noRot="1" noChangeAspect="1"/>
+          </p:cNvSpPr>
+          <p:nvPr>
+            <p:ph type="sldImg"/>
+          </p:nvPr>
+        </p:nvSpPr>
+        <p:spPr/>
+      </p:sp>
+      <p:sp>
+        <p:nvSpPr>
+          <p:cNvPr id="3" name="ノート プレースホルダー 2"/>
+          <p:cNvSpPr>
+            <a:spLocks noGrp="1"/>
+          </p:cNvSpPr>
+          <p:nvPr>
+            <p:ph type="body" idx="1"/>
+          </p:nvPr>
+        </p:nvSpPr>
+        <p:spPr/>
+        <p:txBody>
+          <a:bodyPr/>
+          <a:lstStyle/>
+          <a:p>
+            <a:r>
+              <a:rPr kumimoji="1" lang="ja-JP" altLang="en-US" dirty="0" smtClean="0"/>
+              <a:t>次にプロジェクト進捗状況を説明していきます。</a:t>
+            </a:r>
+            <a:endParaRPr kumimoji="1" lang="ja-JP" altLang="en-US" dirty="0"/>
+          </a:p>
+        </p:txBody>
+      </p:sp>
+      <p:sp>
+        <p:nvSpPr>
+          <p:cNvPr id="4" name="スライド番号プレースホルダー 3"/>
+          <p:cNvSpPr>
+            <a:spLocks noGrp="1"/>
+          </p:cNvSpPr>
+          <p:nvPr>
+            <p:ph type="sldNum" sz="quarter" idx="10"/>
+          </p:nvPr>
+        </p:nvSpPr>
+        <p:spPr/>
+        <p:txBody>
+          <a:bodyPr/>
+          <a:lstStyle/>
+          <a:p>
+            <a:fld id="{4E55DDD7-A5DB-4A8D-9D8B-E8E9462611EA}" type="slidenum">
+              <a:rPr kumimoji="1" lang="ja-JP" altLang="en-US" smtClean="0"/>
+              <a:t>11</a:t>
+            </a:fld>
+            <a:endParaRPr kumimoji="1" lang="ja-JP" altLang="en-US"/>
+          </a:p>
+        </p:txBody>
+      </p:sp>
+    </p:spTree>
+    <p:extLst>
+      <p:ext uri="{BB962C8B-B14F-4D97-AF65-F5344CB8AC3E}">
+        <p14:creationId xmlns:p14="http://schemas.microsoft.com/office/powerpoint/2010/main" val="712450174"/>
+      </p:ext>
+    </p:extLst>
+  </p:cSld>
+  <p:clrMapOvr>
+    <a:masterClrMapping/>
+  </p:clrMapOvr>
+</p:notes>
+</file>
+
+<file path=ppt/notesSlides/notesSlide12.xml><?xml version="1.0" encoding="utf-8"?>
+<p:notes xmlns:a="http://schemas.openxmlformats.org/drawingml/2006/main" xmlns:r="http://schemas.openxmlformats.org/officeDocument/2006/relationships" xmlns:p="http://schemas.openxmlformats.org/presentationml/2006/main">
+  <p:cSld>
+    <p:spTree>
+      <p:nvGrpSpPr>
+        <p:cNvPr id="1" name=""/>
+        <p:cNvGrpSpPr/>
+        <p:nvPr/>
+      </p:nvGrpSpPr>
+      <p:grpSpPr>
+        <a:xfrm>
+          <a:off x="0" y="0"/>
+          <a:ext cx="0" cy="0"/>
+          <a:chOff x="0" y="0"/>
+          <a:chExt cx="0" cy="0"/>
+        </a:xfrm>
+      </p:grpSpPr>
+      <p:sp>
+        <p:nvSpPr>
+          <p:cNvPr id="2" name="スライド イメージ プレースホルダー 1"/>
+          <p:cNvSpPr>
+            <a:spLocks noGrp="1" noRot="1" noChangeAspect="1"/>
+          </p:cNvSpPr>
+          <p:nvPr>
+            <p:ph type="sldImg"/>
+          </p:nvPr>
+        </p:nvSpPr>
+        <p:spPr/>
+      </p:sp>
+      <p:sp>
+        <p:nvSpPr>
+          <p:cNvPr id="3" name="ノート プレースホルダー 2"/>
+          <p:cNvSpPr>
+            <a:spLocks noGrp="1"/>
+          </p:cNvSpPr>
+          <p:nvPr>
+            <p:ph type="body" idx="1"/>
+          </p:nvPr>
+        </p:nvSpPr>
+        <p:spPr/>
+        <p:txBody>
+          <a:bodyPr/>
+          <a:lstStyle/>
+          <a:p>
+            <a:r>
+              <a:rPr kumimoji="1" lang="ja-JP" altLang="en-US" dirty="0" smtClean="0"/>
+              <a:t>基本機能は現在ほとんど完成しています。基本機能とはハムフィールを利用者に使用して頂く上でプロフィールページを作成するのに必要なアカウントを作成する、新規登録処理、自分のプロフィールページにログインするログイン処理などが主な基本機能となっております。次に拡張機能の説明をしていこうと思います。</a:t>
+            </a:r>
+            <a:endParaRPr kumimoji="1" lang="ja-JP" altLang="en-US" dirty="0"/>
+          </a:p>
+        </p:txBody>
+      </p:sp>
+      <p:sp>
+        <p:nvSpPr>
+          <p:cNvPr id="4" name="スライド番号プレースホルダー 3"/>
+          <p:cNvSpPr>
+            <a:spLocks noGrp="1"/>
+          </p:cNvSpPr>
+          <p:nvPr>
+            <p:ph type="sldNum" sz="quarter" idx="10"/>
+          </p:nvPr>
+        </p:nvSpPr>
+        <p:spPr/>
+        <p:txBody>
+          <a:bodyPr/>
+          <a:lstStyle/>
+          <a:p>
+            <a:fld id="{4E55DDD7-A5DB-4A8D-9D8B-E8E9462611EA}" type="slidenum">
+              <a:rPr kumimoji="1" lang="ja-JP" altLang="en-US" smtClean="0"/>
+              <a:t>12</a:t>
+            </a:fld>
+            <a:endParaRPr kumimoji="1" lang="ja-JP" altLang="en-US"/>
+          </a:p>
+        </p:txBody>
+      </p:sp>
+    </p:spTree>
+    <p:extLst>
+      <p:ext uri="{BB962C8B-B14F-4D97-AF65-F5344CB8AC3E}">
+        <p14:creationId xmlns:p14="http://schemas.microsoft.com/office/powerpoint/2010/main" val="880496069"/>
+      </p:ext>
+    </p:extLst>
+  </p:cSld>
+  <p:clrMapOvr>
+    <a:masterClrMapping/>
+  </p:clrMapOvr>
+</p:notes>
+</file>
+
+<file path=ppt/notesSlides/notesSlide13.xml><?xml version="1.0" encoding="utf-8"?>
+<p:notes xmlns:a="http://schemas.openxmlformats.org/drawingml/2006/main" xmlns:r="http://schemas.openxmlformats.org/officeDocument/2006/relationships" xmlns:p="http://schemas.openxmlformats.org/presentationml/2006/main">
+  <p:cSld>
+    <p:spTree>
+      <p:nvGrpSpPr>
+        <p:cNvPr id="1" name=""/>
+        <p:cNvGrpSpPr/>
+        <p:nvPr/>
+      </p:nvGrpSpPr>
+      <p:grpSpPr>
+        <a:xfrm>
+          <a:off x="0" y="0"/>
+          <a:ext cx="0" cy="0"/>
+          <a:chOff x="0" y="0"/>
+          <a:chExt cx="0" cy="0"/>
+        </a:xfrm>
+      </p:grpSpPr>
+      <p:sp>
+        <p:nvSpPr>
+          <p:cNvPr id="2" name="スライド イメージ プレースホルダー 1"/>
+          <p:cNvSpPr>
+            <a:spLocks noGrp="1" noRot="1" noChangeAspect="1"/>
+          </p:cNvSpPr>
+          <p:nvPr>
+            <p:ph type="sldImg"/>
+          </p:nvPr>
+        </p:nvSpPr>
+        <p:spPr/>
+      </p:sp>
+      <p:sp>
+        <p:nvSpPr>
+          <p:cNvPr id="3" name="ノート プレースホルダー 2"/>
+          <p:cNvSpPr>
+            <a:spLocks noGrp="1"/>
+          </p:cNvSpPr>
+          <p:nvPr>
+            <p:ph type="body" idx="1"/>
+          </p:nvPr>
+        </p:nvSpPr>
+        <p:spPr/>
+        <p:txBody>
+          <a:bodyPr/>
+          <a:lstStyle/>
+          <a:p>
+            <a:r>
+              <a:rPr kumimoji="1" lang="ja-JP" altLang="en-US" dirty="0" smtClean="0"/>
+              <a:t>拡張機能とは基本機能に➕して開発していこうと現在考えているものです。実装が技術的に高い水準にあり、実装が基本機能よりも難しいものを拡張機能と定義しています。現在実装しようとしている拡張機能は画像のアップロード関係、これはプロフィールページでは必ず好きな画像を載せる人が多いと思います。しかし、現在利用者が上げる画像のサイズ、拡張子に制限がついておらず、これでは問題があるのでサイズの制限や拡張子の指定などをこれからしていこうと考えていくのと、プロフィール編集項目を増やして、利用者のニーズに対応して行きたいと考えています。</a:t>
+            </a:r>
+            <a:endParaRPr kumimoji="1" lang="en-US" altLang="ja-JP" dirty="0" smtClean="0"/>
+          </a:p>
+          <a:p>
+            <a:r>
+              <a:rPr kumimoji="1" lang="ja-JP" altLang="en-US" dirty="0" smtClean="0"/>
+              <a:t>最終的には</a:t>
+            </a:r>
+            <a:r>
+              <a:rPr kumimoji="1" lang="en-US" altLang="ja-JP" dirty="0" smtClean="0"/>
+              <a:t>web</a:t>
+            </a:r>
+            <a:r>
+              <a:rPr kumimoji="1" lang="ja-JP" altLang="en-US" dirty="0" smtClean="0"/>
+              <a:t>上に公開することも視野にいれて開発を進めて</a:t>
+            </a:r>
+            <a:r>
+              <a:rPr kumimoji="1" lang="ja-JP" altLang="en-US" dirty="0" err="1" smtClean="0"/>
+              <a:t>めて</a:t>
+            </a:r>
+            <a:r>
+              <a:rPr kumimoji="1" lang="ja-JP" altLang="en-US" dirty="0" smtClean="0"/>
+              <a:t>います。</a:t>
+            </a:r>
+            <a:endParaRPr kumimoji="1" lang="en-US" altLang="ja-JP" dirty="0" smtClean="0"/>
+          </a:p>
+          <a:p>
+            <a:endParaRPr kumimoji="1" lang="ja-JP" altLang="en-US" dirty="0"/>
+          </a:p>
+        </p:txBody>
+      </p:sp>
+      <p:sp>
+        <p:nvSpPr>
+          <p:cNvPr id="4" name="スライド番号プレースホルダー 3"/>
+          <p:cNvSpPr>
+            <a:spLocks noGrp="1"/>
+          </p:cNvSpPr>
+          <p:nvPr>
+            <p:ph type="sldNum" sz="quarter" idx="10"/>
+          </p:nvPr>
+        </p:nvSpPr>
+        <p:spPr/>
+        <p:txBody>
+          <a:bodyPr/>
+          <a:lstStyle/>
+          <a:p>
+            <a:fld id="{4E55DDD7-A5DB-4A8D-9D8B-E8E9462611EA}" type="slidenum">
+              <a:rPr kumimoji="1" lang="ja-JP" altLang="en-US" smtClean="0"/>
+              <a:t>13</a:t>
+            </a:fld>
+            <a:endParaRPr kumimoji="1" lang="ja-JP" altLang="en-US"/>
+          </a:p>
+        </p:txBody>
+      </p:sp>
+    </p:spTree>
+    <p:extLst>
+      <p:ext uri="{BB962C8B-B14F-4D97-AF65-F5344CB8AC3E}">
+        <p14:creationId xmlns:p14="http://schemas.microsoft.com/office/powerpoint/2010/main" val="125787076"/>
+      </p:ext>
+    </p:extLst>
+  </p:cSld>
+  <p:clrMapOvr>
+    <a:masterClrMapping/>
+  </p:clrMapOvr>
+</p:notes>
+</file>
+
+<file path=ppt/notesSlides/notesSlide14.xml><?xml version="1.0" encoding="utf-8"?>
+<p:notes xmlns:a="http://schemas.openxmlformats.org/drawingml/2006/main" xmlns:r="http://schemas.openxmlformats.org/officeDocument/2006/relationships" xmlns:p="http://schemas.openxmlformats.org/presentationml/2006/main">
+  <p:cSld>
+    <p:spTree>
+      <p:nvGrpSpPr>
+        <p:cNvPr id="1" name=""/>
+        <p:cNvGrpSpPr/>
+        <p:nvPr/>
+      </p:nvGrpSpPr>
+      <p:grpSpPr>
+        <a:xfrm>
+          <a:off x="0" y="0"/>
+          <a:ext cx="0" cy="0"/>
+          <a:chOff x="0" y="0"/>
+          <a:chExt cx="0" cy="0"/>
+        </a:xfrm>
+      </p:grpSpPr>
+      <p:sp>
+        <p:nvSpPr>
+          <p:cNvPr id="2" name="スライド イメージ プレースホルダー 1"/>
+          <p:cNvSpPr>
+            <a:spLocks noGrp="1" noRot="1" noChangeAspect="1"/>
+          </p:cNvSpPr>
+          <p:nvPr>
+            <p:ph type="sldImg"/>
+          </p:nvPr>
+        </p:nvSpPr>
+        <p:spPr/>
+      </p:sp>
+      <p:sp>
+        <p:nvSpPr>
+          <p:cNvPr id="3" name="ノート プレースホルダー 2"/>
+          <p:cNvSpPr>
+            <a:spLocks noGrp="1"/>
+          </p:cNvSpPr>
+          <p:nvPr>
+            <p:ph type="body" idx="1"/>
+          </p:nvPr>
+        </p:nvSpPr>
+        <p:spPr/>
+        <p:txBody>
+          <a:bodyPr/>
+          <a:lstStyle/>
+          <a:p>
+            <a:r>
+              <a:rPr kumimoji="1" lang="ja-JP" altLang="en-US" dirty="0" smtClean="0"/>
+              <a:t>提出物の進捗状況になります。　リーダーにより割り振られた成果物を各成果物担当者が現在進めており、提出物に遅れなどは現在起きていません。</a:t>
+            </a:r>
+            <a:endParaRPr kumimoji="1" lang="ja-JP" altLang="en-US" dirty="0"/>
+          </a:p>
+        </p:txBody>
+      </p:sp>
+      <p:sp>
+        <p:nvSpPr>
+          <p:cNvPr id="4" name="スライド番号プレースホルダー 3"/>
+          <p:cNvSpPr>
+            <a:spLocks noGrp="1"/>
+          </p:cNvSpPr>
+          <p:nvPr>
+            <p:ph type="sldNum" sz="quarter" idx="10"/>
+          </p:nvPr>
+        </p:nvSpPr>
+        <p:spPr/>
+        <p:txBody>
+          <a:bodyPr/>
+          <a:lstStyle/>
+          <a:p>
+            <a:fld id="{4E55DDD7-A5DB-4A8D-9D8B-E8E9462611EA}" type="slidenum">
+              <a:rPr kumimoji="1" lang="ja-JP" altLang="en-US" smtClean="0"/>
+              <a:t>14</a:t>
+            </a:fld>
+            <a:endParaRPr kumimoji="1" lang="ja-JP" altLang="en-US"/>
+          </a:p>
+        </p:txBody>
+      </p:sp>
+    </p:spTree>
+    <p:extLst>
+      <p:ext uri="{BB962C8B-B14F-4D97-AF65-F5344CB8AC3E}">
+        <p14:creationId xmlns:p14="http://schemas.microsoft.com/office/powerpoint/2010/main" val="1431839537"/>
+      </p:ext>
+    </p:extLst>
+  </p:cSld>
+  <p:clrMapOvr>
+    <a:masterClrMapping/>
+  </p:clrMapOvr>
+</p:notes>
+</file>
+
+<file path=ppt/notesSlides/notesSlide15.xml><?xml version="1.0" encoding="utf-8"?>
+<p:notes xmlns:a="http://schemas.openxmlformats.org/drawingml/2006/main" xmlns:r="http://schemas.openxmlformats.org/officeDocument/2006/relationships" xmlns:p="http://schemas.openxmlformats.org/presentationml/2006/main">
+  <p:cSld>
+    <p:spTree>
+      <p:nvGrpSpPr>
+        <p:cNvPr id="1" name=""/>
+        <p:cNvGrpSpPr/>
+        <p:nvPr/>
+      </p:nvGrpSpPr>
+      <p:grpSpPr>
+        <a:xfrm>
+          <a:off x="0" y="0"/>
+          <a:ext cx="0" cy="0"/>
+          <a:chOff x="0" y="0"/>
+          <a:chExt cx="0" cy="0"/>
+        </a:xfrm>
+      </p:grpSpPr>
+      <p:sp>
+        <p:nvSpPr>
+          <p:cNvPr id="2" name="スライド イメージ プレースホルダー 1"/>
+          <p:cNvSpPr>
+            <a:spLocks noGrp="1" noRot="1" noChangeAspect="1"/>
+          </p:cNvSpPr>
+          <p:nvPr>
+            <p:ph type="sldImg"/>
+          </p:nvPr>
+        </p:nvSpPr>
+        <p:spPr/>
+      </p:sp>
+      <p:sp>
+        <p:nvSpPr>
+          <p:cNvPr id="3" name="ノート プレースホルダー 2"/>
+          <p:cNvSpPr>
+            <a:spLocks noGrp="1"/>
+          </p:cNvSpPr>
+          <p:nvPr>
+            <p:ph type="body" idx="1"/>
+          </p:nvPr>
+        </p:nvSpPr>
+        <p:spPr/>
+        <p:txBody>
+          <a:bodyPr/>
+          <a:lstStyle/>
+          <a:p>
+            <a:r>
+              <a:rPr kumimoji="1" lang="ja-JP" altLang="en-US" dirty="0" smtClean="0"/>
+              <a:t>プラグラムの全体進展になります。現在基本機能の開発が一段落したので拡張機能の作成に取り掛かり始めたところです。その他の項目についても拡張機能と並行して進めていこうと考えております。</a:t>
+            </a:r>
+            <a:endParaRPr kumimoji="1" lang="ja-JP" altLang="en-US" dirty="0"/>
+          </a:p>
+        </p:txBody>
+      </p:sp>
+      <p:sp>
+        <p:nvSpPr>
+          <p:cNvPr id="4" name="スライド番号プレースホルダー 3"/>
+          <p:cNvSpPr>
+            <a:spLocks noGrp="1"/>
+          </p:cNvSpPr>
+          <p:nvPr>
+            <p:ph type="sldNum" sz="quarter" idx="10"/>
+          </p:nvPr>
+        </p:nvSpPr>
+        <p:spPr/>
+        <p:txBody>
+          <a:bodyPr/>
+          <a:lstStyle/>
+          <a:p>
+            <a:fld id="{4E55DDD7-A5DB-4A8D-9D8B-E8E9462611EA}" type="slidenum">
+              <a:rPr kumimoji="1" lang="ja-JP" altLang="en-US" smtClean="0"/>
+              <a:t>15</a:t>
+            </a:fld>
+            <a:endParaRPr kumimoji="1" lang="ja-JP" altLang="en-US"/>
+          </a:p>
+        </p:txBody>
+      </p:sp>
+    </p:spTree>
+    <p:extLst>
+      <p:ext uri="{BB962C8B-B14F-4D97-AF65-F5344CB8AC3E}">
+        <p14:creationId xmlns:p14="http://schemas.microsoft.com/office/powerpoint/2010/main" val="2594946976"/>
+      </p:ext>
+    </p:extLst>
+  </p:cSld>
+  <p:clrMapOvr>
+    <a:masterClrMapping/>
+  </p:clrMapOvr>
+</p:notes>
+</file>
+
+<file path=ppt/notesSlides/notesSlide16.xml><?xml version="1.0" encoding="utf-8"?>
+<p:notes xmlns:a="http://schemas.openxmlformats.org/drawingml/2006/main" xmlns:r="http://schemas.openxmlformats.org/officeDocument/2006/relationships" xmlns:p="http://schemas.openxmlformats.org/presentationml/2006/main">
+  <p:cSld>
+    <p:spTree>
+      <p:nvGrpSpPr>
+        <p:cNvPr id="1" name=""/>
+        <p:cNvGrpSpPr/>
+        <p:nvPr/>
+      </p:nvGrpSpPr>
+      <p:grpSpPr>
+        <a:xfrm>
+          <a:off x="0" y="0"/>
+          <a:ext cx="0" cy="0"/>
+          <a:chOff x="0" y="0"/>
+          <a:chExt cx="0" cy="0"/>
+        </a:xfrm>
+      </p:grpSpPr>
+      <p:sp>
+        <p:nvSpPr>
+          <p:cNvPr id="2" name="スライド イメージ プレースホルダー 1"/>
+          <p:cNvSpPr>
+            <a:spLocks noGrp="1" noRot="1" noChangeAspect="1"/>
+          </p:cNvSpPr>
+          <p:nvPr>
+            <p:ph type="sldImg"/>
+          </p:nvPr>
+        </p:nvSpPr>
+        <p:spPr/>
+      </p:sp>
+      <p:sp>
+        <p:nvSpPr>
+          <p:cNvPr id="3" name="ノート プレースホルダー 2"/>
+          <p:cNvSpPr>
+            <a:spLocks noGrp="1"/>
+          </p:cNvSpPr>
+          <p:nvPr>
+            <p:ph type="body" idx="1"/>
+          </p:nvPr>
+        </p:nvSpPr>
+        <p:spPr/>
+        <p:txBody>
+          <a:bodyPr/>
+          <a:lstStyle/>
+          <a:p>
+            <a:r>
+              <a:rPr kumimoji="1" lang="ja-JP" altLang="en-US" dirty="0" smtClean="0"/>
+              <a:t>最後にこれまででわかった課題と問題的について説明していきます。</a:t>
+            </a:r>
+            <a:endParaRPr kumimoji="1" lang="ja-JP" altLang="en-US" dirty="0"/>
+          </a:p>
+        </p:txBody>
+      </p:sp>
+      <p:sp>
+        <p:nvSpPr>
+          <p:cNvPr id="4" name="スライド番号プレースホルダー 3"/>
+          <p:cNvSpPr>
+            <a:spLocks noGrp="1"/>
+          </p:cNvSpPr>
+          <p:nvPr>
+            <p:ph type="sldNum" sz="quarter" idx="10"/>
+          </p:nvPr>
+        </p:nvSpPr>
+        <p:spPr/>
+        <p:txBody>
+          <a:bodyPr/>
+          <a:lstStyle/>
+          <a:p>
+            <a:fld id="{4E55DDD7-A5DB-4A8D-9D8B-E8E9462611EA}" type="slidenum">
+              <a:rPr kumimoji="1" lang="ja-JP" altLang="en-US" smtClean="0"/>
+              <a:t>16</a:t>
+            </a:fld>
+            <a:endParaRPr kumimoji="1" lang="ja-JP" altLang="en-US"/>
+          </a:p>
+        </p:txBody>
+      </p:sp>
+    </p:spTree>
+    <p:extLst>
+      <p:ext uri="{BB962C8B-B14F-4D97-AF65-F5344CB8AC3E}">
+        <p14:creationId xmlns:p14="http://schemas.microsoft.com/office/powerpoint/2010/main" val="2314242568"/>
+      </p:ext>
+    </p:extLst>
+  </p:cSld>
+  <p:clrMapOvr>
+    <a:masterClrMapping/>
+  </p:clrMapOvr>
+</p:notes>
+</file>
+
+<file path=ppt/notesSlides/notesSlide17.xml><?xml version="1.0" encoding="utf-8"?>
+<p:notes xmlns:a="http://schemas.openxmlformats.org/drawingml/2006/main" xmlns:r="http://schemas.openxmlformats.org/officeDocument/2006/relationships" xmlns:p="http://schemas.openxmlformats.org/presentationml/2006/main">
+  <p:cSld>
+    <p:spTree>
+      <p:nvGrpSpPr>
+        <p:cNvPr id="1" name=""/>
+        <p:cNvGrpSpPr/>
+        <p:nvPr/>
+      </p:nvGrpSpPr>
+      <p:grpSpPr>
+        <a:xfrm>
+          <a:off x="0" y="0"/>
+          <a:ext cx="0" cy="0"/>
+          <a:chOff x="0" y="0"/>
+          <a:chExt cx="0" cy="0"/>
+        </a:xfrm>
+      </p:grpSpPr>
+      <p:sp>
+        <p:nvSpPr>
+          <p:cNvPr id="2" name="スライド イメージ プレースホルダー 1"/>
+          <p:cNvSpPr>
+            <a:spLocks noGrp="1" noRot="1" noChangeAspect="1"/>
+          </p:cNvSpPr>
+          <p:nvPr>
+            <p:ph type="sldImg"/>
+          </p:nvPr>
+        </p:nvSpPr>
+        <p:spPr/>
+      </p:sp>
+      <p:sp>
+        <p:nvSpPr>
+          <p:cNvPr id="3" name="ノート プレースホルダー 2"/>
+          <p:cNvSpPr>
+            <a:spLocks noGrp="1"/>
+          </p:cNvSpPr>
+          <p:nvPr>
+            <p:ph type="body" idx="1"/>
+          </p:nvPr>
+        </p:nvSpPr>
+        <p:spPr/>
+        <p:txBody>
+          <a:bodyPr/>
+          <a:lstStyle/>
+          <a:p>
+            <a:r>
+              <a:rPr kumimoji="1" lang="ja-JP" altLang="en-US" dirty="0" smtClean="0"/>
+              <a:t>まずハムフィール現在最大の課題と致しましては、セキュリティがガハガハと言う所にあります。パスワードが暗号化されていないので外部から盗聴され放題、またシステムの脆弱性もひどく</a:t>
+            </a:r>
+            <a:r>
+              <a:rPr kumimoji="1" lang="en-US" altLang="ja-JP" dirty="0" smtClean="0"/>
+              <a:t>SQL</a:t>
+            </a:r>
+            <a:r>
+              <a:rPr kumimoji="1" lang="ja-JP" altLang="en-US" dirty="0" smtClean="0"/>
+              <a:t>インジェクションやクロスサイトスクリプティング等のセキュリティ対策が取れていません。</a:t>
+            </a:r>
+            <a:r>
+              <a:rPr kumimoji="1" lang="en-US" altLang="ja-JP" dirty="0" smtClean="0"/>
+              <a:t>2</a:t>
+            </a:r>
+            <a:r>
+              <a:rPr kumimoji="1" lang="ja-JP" altLang="en-US" dirty="0" smtClean="0"/>
+              <a:t>つ目は</a:t>
+            </a:r>
+            <a:r>
+              <a:rPr kumimoji="1" lang="en-US" altLang="ja-JP" dirty="0" smtClean="0"/>
+              <a:t>web</a:t>
+            </a:r>
+            <a:r>
+              <a:rPr kumimoji="1" lang="ja-JP" altLang="en-US" dirty="0" smtClean="0"/>
+              <a:t>上に公開したいのにサーバーが全く立っていないと言うことです。</a:t>
+            </a:r>
+            <a:endParaRPr kumimoji="1" lang="ja-JP" altLang="en-US" dirty="0"/>
+          </a:p>
+        </p:txBody>
+      </p:sp>
+      <p:sp>
+        <p:nvSpPr>
+          <p:cNvPr id="4" name="スライド番号プレースホルダー 3"/>
+          <p:cNvSpPr>
+            <a:spLocks noGrp="1"/>
+          </p:cNvSpPr>
+          <p:nvPr>
+            <p:ph type="sldNum" sz="quarter" idx="10"/>
+          </p:nvPr>
+        </p:nvSpPr>
+        <p:spPr/>
+        <p:txBody>
+          <a:bodyPr/>
+          <a:lstStyle/>
+          <a:p>
+            <a:fld id="{4E55DDD7-A5DB-4A8D-9D8B-E8E9462611EA}" type="slidenum">
+              <a:rPr kumimoji="1" lang="ja-JP" altLang="en-US" smtClean="0"/>
+              <a:t>17</a:t>
+            </a:fld>
+            <a:endParaRPr kumimoji="1" lang="ja-JP" altLang="en-US"/>
+          </a:p>
+        </p:txBody>
+      </p:sp>
+    </p:spTree>
+    <p:extLst>
+      <p:ext uri="{BB962C8B-B14F-4D97-AF65-F5344CB8AC3E}">
+        <p14:creationId xmlns:p14="http://schemas.microsoft.com/office/powerpoint/2010/main" val="558880594"/>
+      </p:ext>
+    </p:extLst>
+  </p:cSld>
+  <p:clrMapOvr>
+    <a:masterClrMapping/>
+  </p:clrMapOvr>
+</p:notes>
+</file>
+
+<file path=ppt/notesSlides/notesSlide18.xml><?xml version="1.0" encoding="utf-8"?>
+<p:notes xmlns:a="http://schemas.openxmlformats.org/drawingml/2006/main" xmlns:r="http://schemas.openxmlformats.org/officeDocument/2006/relationships" xmlns:p="http://schemas.openxmlformats.org/presentationml/2006/main">
+  <p:cSld>
+    <p:spTree>
+      <p:nvGrpSpPr>
+        <p:cNvPr id="1" name=""/>
+        <p:cNvGrpSpPr/>
+        <p:nvPr/>
+      </p:nvGrpSpPr>
+      <p:grpSpPr>
+        <a:xfrm>
+          <a:off x="0" y="0"/>
+          <a:ext cx="0" cy="0"/>
+          <a:chOff x="0" y="0"/>
+          <a:chExt cx="0" cy="0"/>
+        </a:xfrm>
+      </p:grpSpPr>
+      <p:sp>
+        <p:nvSpPr>
+          <p:cNvPr id="2" name="スライド イメージ プレースホルダー 1"/>
+          <p:cNvSpPr>
+            <a:spLocks noGrp="1" noRot="1" noChangeAspect="1"/>
+          </p:cNvSpPr>
+          <p:nvPr>
+            <p:ph type="sldImg"/>
+          </p:nvPr>
+        </p:nvSpPr>
+        <p:spPr/>
+      </p:sp>
+      <p:sp>
+        <p:nvSpPr>
+          <p:cNvPr id="3" name="ノート プレースホルダー 2"/>
+          <p:cNvSpPr>
+            <a:spLocks noGrp="1"/>
+          </p:cNvSpPr>
+          <p:nvPr>
+            <p:ph type="body" idx="1"/>
+          </p:nvPr>
+        </p:nvSpPr>
+        <p:spPr/>
+        <p:txBody>
+          <a:bodyPr/>
+          <a:lstStyle/>
+          <a:p>
+            <a:r>
+              <a:rPr kumimoji="1" lang="ja-JP" altLang="en-US" dirty="0" smtClean="0"/>
+              <a:t>解決するにはまずこれらは我々の班の一部の人を除いてこのようなセキュリティ対策やサーバーが必要な開発が初めてであり、始めての開発から来るセキュリティ関係技術力不足だと考えております。これら問題を解決するにはプロジェクト</a:t>
+            </a:r>
+            <a:r>
+              <a:rPr kumimoji="1" lang="en-US" altLang="ja-JP" dirty="0" smtClean="0"/>
+              <a:t>(</a:t>
+            </a:r>
+            <a:r>
+              <a:rPr kumimoji="1" lang="ja-JP" altLang="en-US" dirty="0" smtClean="0"/>
+              <a:t>開発</a:t>
+            </a:r>
+            <a:r>
+              <a:rPr kumimoji="1" lang="en-US" altLang="ja-JP" dirty="0" smtClean="0"/>
+              <a:t>)</a:t>
+            </a:r>
+            <a:r>
+              <a:rPr kumimoji="1" lang="ja-JP" altLang="en-US" dirty="0" smtClean="0"/>
+              <a:t>と平行して参考サイトや書籍などからセキュリティ関係を勉強していこうと考えております。</a:t>
+            </a:r>
+            <a:endParaRPr kumimoji="1" lang="ja-JP" altLang="en-US" dirty="0"/>
+          </a:p>
+        </p:txBody>
+      </p:sp>
+      <p:sp>
+        <p:nvSpPr>
+          <p:cNvPr id="4" name="スライド番号プレースホルダー 3"/>
+          <p:cNvSpPr>
+            <a:spLocks noGrp="1"/>
+          </p:cNvSpPr>
+          <p:nvPr>
+            <p:ph type="sldNum" sz="quarter" idx="10"/>
+          </p:nvPr>
+        </p:nvSpPr>
+        <p:spPr/>
+        <p:txBody>
+          <a:bodyPr/>
+          <a:lstStyle/>
+          <a:p>
+            <a:fld id="{4E55DDD7-A5DB-4A8D-9D8B-E8E9462611EA}" type="slidenum">
+              <a:rPr kumimoji="1" lang="ja-JP" altLang="en-US" smtClean="0"/>
+              <a:t>18</a:t>
+            </a:fld>
+            <a:endParaRPr kumimoji="1" lang="ja-JP" altLang="en-US"/>
+          </a:p>
+        </p:txBody>
+      </p:sp>
+    </p:spTree>
+    <p:extLst>
+      <p:ext uri="{BB962C8B-B14F-4D97-AF65-F5344CB8AC3E}">
+        <p14:creationId xmlns:p14="http://schemas.microsoft.com/office/powerpoint/2010/main" val="3095463306"/>
+      </p:ext>
+    </p:extLst>
+  </p:cSld>
+  <p:clrMapOvr>
+    <a:masterClrMapping/>
+  </p:clrMapOvr>
+</p:notes>
+</file>
+
+<file path=ppt/notesSlides/notesSlide19.xml><?xml version="1.0" encoding="utf-8"?>
+<p:notes xmlns:a="http://schemas.openxmlformats.org/drawingml/2006/main" xmlns:r="http://schemas.openxmlformats.org/officeDocument/2006/relationships" xmlns:p="http://schemas.openxmlformats.org/presentationml/2006/main">
+  <p:cSld>
+    <p:spTree>
+      <p:nvGrpSpPr>
+        <p:cNvPr id="1" name=""/>
+        <p:cNvGrpSpPr/>
+        <p:nvPr/>
+      </p:nvGrpSpPr>
+      <p:grpSpPr>
+        <a:xfrm>
+          <a:off x="0" y="0"/>
+          <a:ext cx="0" cy="0"/>
+          <a:chOff x="0" y="0"/>
+          <a:chExt cx="0" cy="0"/>
+        </a:xfrm>
+      </p:grpSpPr>
+      <p:sp>
+        <p:nvSpPr>
+          <p:cNvPr id="2" name="スライド イメージ プレースホルダー 1"/>
+          <p:cNvSpPr>
+            <a:spLocks noGrp="1" noRot="1" noChangeAspect="1"/>
+          </p:cNvSpPr>
+          <p:nvPr>
+            <p:ph type="sldImg"/>
+          </p:nvPr>
+        </p:nvSpPr>
+        <p:spPr/>
+      </p:sp>
+      <p:sp>
+        <p:nvSpPr>
+          <p:cNvPr id="3" name="ノート プレースホルダー 2"/>
+          <p:cNvSpPr>
+            <a:spLocks noGrp="1"/>
+          </p:cNvSpPr>
+          <p:nvPr>
+            <p:ph type="body" idx="1"/>
+          </p:nvPr>
+        </p:nvSpPr>
+        <p:spPr/>
+        <p:txBody>
+          <a:bodyPr/>
+          <a:lstStyle/>
+          <a:p>
+            <a:r>
+              <a:rPr kumimoji="1" lang="ja-JP" altLang="en-US" dirty="0" smtClean="0"/>
+              <a:t>これでハムロの残留意思の発表を終わりたいと思います。ご清聴ありがとうございました。</a:t>
+            </a:r>
+            <a:endParaRPr kumimoji="1" lang="ja-JP" altLang="en-US" dirty="0"/>
+          </a:p>
+        </p:txBody>
+      </p:sp>
+      <p:sp>
+        <p:nvSpPr>
+          <p:cNvPr id="4" name="スライド番号プレースホルダー 3"/>
+          <p:cNvSpPr>
+            <a:spLocks noGrp="1"/>
+          </p:cNvSpPr>
+          <p:nvPr>
+            <p:ph type="sldNum" sz="quarter" idx="10"/>
+          </p:nvPr>
+        </p:nvSpPr>
+        <p:spPr/>
+        <p:txBody>
+          <a:bodyPr/>
+          <a:lstStyle/>
+          <a:p>
+            <a:fld id="{4E55DDD7-A5DB-4A8D-9D8B-E8E9462611EA}" type="slidenum">
+              <a:rPr kumimoji="1" lang="ja-JP" altLang="en-US" smtClean="0"/>
+              <a:t>19</a:t>
+            </a:fld>
+            <a:endParaRPr kumimoji="1" lang="ja-JP" altLang="en-US"/>
+          </a:p>
+        </p:txBody>
+      </p:sp>
+    </p:spTree>
+    <p:extLst>
+      <p:ext uri="{BB962C8B-B14F-4D97-AF65-F5344CB8AC3E}">
+        <p14:creationId xmlns:p14="http://schemas.microsoft.com/office/powerpoint/2010/main" val="1758793039"/>
+      </p:ext>
+    </p:extLst>
+  </p:cSld>
+  <p:clrMapOvr>
+    <a:masterClrMapping/>
+  </p:clrMapOvr>
+</p:notes>
+</file>
+
+<file path=ppt/notesSlides/notesSlide2.xml><?xml version="1.0" encoding="utf-8"?>
+<p:notes xmlns:a="http://schemas.openxmlformats.org/drawingml/2006/main" xmlns:r="http://schemas.openxmlformats.org/officeDocument/2006/relationships" xmlns:p="http://schemas.openxmlformats.org/presentationml/2006/main">
+  <p:cSld>
+    <p:spTree>
+      <p:nvGrpSpPr>
+        <p:cNvPr id="1" name=""/>
+        <p:cNvGrpSpPr/>
+        <p:nvPr/>
+      </p:nvGrpSpPr>
+      <p:grpSpPr>
+        <a:xfrm>
+          <a:off x="0" y="0"/>
+          <a:ext cx="0" cy="0"/>
+          <a:chOff x="0" y="0"/>
+          <a:chExt cx="0" cy="0"/>
+        </a:xfrm>
+      </p:grpSpPr>
+      <p:sp>
+        <p:nvSpPr>
+          <p:cNvPr id="2" name="スライド イメージ プレースホルダー 1"/>
+          <p:cNvSpPr>
+            <a:spLocks noGrp="1" noRot="1" noChangeAspect="1"/>
+          </p:cNvSpPr>
+          <p:nvPr>
+            <p:ph type="sldImg"/>
+          </p:nvPr>
+        </p:nvSpPr>
+        <p:spPr/>
+      </p:sp>
+      <p:sp>
+        <p:nvSpPr>
+          <p:cNvPr id="3" name="ノート プレースホルダー 2"/>
+          <p:cNvSpPr>
+            <a:spLocks noGrp="1"/>
+          </p:cNvSpPr>
+          <p:nvPr>
+            <p:ph type="body" idx="1"/>
+          </p:nvPr>
+        </p:nvSpPr>
+        <p:spPr/>
+        <p:txBody>
+          <a:bodyPr/>
+          <a:lstStyle/>
+          <a:p>
+            <a:r>
+              <a:rPr kumimoji="1" lang="ja-JP" altLang="en-US" dirty="0" smtClean="0"/>
+              <a:t>目次なります。開発コンセプト、開発環境動作環境、進捗状況、最後</a:t>
+            </a:r>
+            <a:r>
+              <a:rPr kumimoji="1" lang="ja-JP" altLang="en-US" dirty="0" smtClean="0"/>
+              <a:t>にこのプロジェクトの課題と対策を</a:t>
+            </a:r>
+            <a:r>
+              <a:rPr kumimoji="1" lang="ja-JP" altLang="en-US" dirty="0" smtClean="0"/>
+              <a:t>説明して行きたいと思います。　</a:t>
+            </a:r>
+            <a:endParaRPr kumimoji="1" lang="en-US" altLang="ja-JP" dirty="0" smtClean="0"/>
+          </a:p>
+        </p:txBody>
+      </p:sp>
+      <p:sp>
+        <p:nvSpPr>
+          <p:cNvPr id="4" name="スライド番号プレースホルダー 3"/>
+          <p:cNvSpPr>
+            <a:spLocks noGrp="1"/>
+          </p:cNvSpPr>
+          <p:nvPr>
+            <p:ph type="sldNum" sz="quarter" idx="10"/>
+          </p:nvPr>
+        </p:nvSpPr>
+        <p:spPr/>
+        <p:txBody>
+          <a:bodyPr/>
+          <a:lstStyle/>
+          <a:p>
+            <a:fld id="{4E55DDD7-A5DB-4A8D-9D8B-E8E9462611EA}" type="slidenum">
+              <a:rPr kumimoji="1" lang="ja-JP" altLang="en-US" smtClean="0"/>
+              <a:t>2</a:t>
+            </a:fld>
+            <a:endParaRPr kumimoji="1" lang="ja-JP" altLang="en-US"/>
+          </a:p>
+        </p:txBody>
+      </p:sp>
+    </p:spTree>
+    <p:extLst>
+      <p:ext uri="{BB962C8B-B14F-4D97-AF65-F5344CB8AC3E}">
+        <p14:creationId xmlns:p14="http://schemas.microsoft.com/office/powerpoint/2010/main" val="3775726680"/>
+      </p:ext>
+    </p:extLst>
+  </p:cSld>
+  <p:clrMapOvr>
+    <a:masterClrMapping/>
+  </p:clrMapOvr>
+</p:notes>
+</file>
+
+<file path=ppt/notesSlides/notesSlide3.xml><?xml version="1.0" encoding="utf-8"?>
+<p:notes xmlns:a="http://schemas.openxmlformats.org/drawingml/2006/main" xmlns:r="http://schemas.openxmlformats.org/officeDocument/2006/relationships" xmlns:p="http://schemas.openxmlformats.org/presentationml/2006/main">
+  <p:cSld>
+    <p:spTree>
+      <p:nvGrpSpPr>
+        <p:cNvPr id="1" name=""/>
+        <p:cNvGrpSpPr/>
+        <p:nvPr/>
+      </p:nvGrpSpPr>
+      <p:grpSpPr>
+        <a:xfrm>
+          <a:off x="0" y="0"/>
+          <a:ext cx="0" cy="0"/>
+          <a:chOff x="0" y="0"/>
+          <a:chExt cx="0" cy="0"/>
+        </a:xfrm>
+      </p:grpSpPr>
+      <p:sp>
+        <p:nvSpPr>
+          <p:cNvPr id="2" name="スライド イメージ プレースホルダー 1"/>
+          <p:cNvSpPr>
+            <a:spLocks noGrp="1" noRot="1" noChangeAspect="1"/>
+          </p:cNvSpPr>
+          <p:nvPr>
+            <p:ph type="sldImg"/>
+          </p:nvPr>
+        </p:nvSpPr>
+        <p:spPr/>
+      </p:sp>
+      <p:sp>
+        <p:nvSpPr>
+          <p:cNvPr id="3" name="ノート プレースホルダー 2"/>
+          <p:cNvSpPr>
+            <a:spLocks noGrp="1"/>
+          </p:cNvSpPr>
+          <p:nvPr>
+            <p:ph type="body" idx="1"/>
+          </p:nvPr>
+        </p:nvSpPr>
+        <p:spPr/>
+        <p:txBody>
+          <a:bodyPr/>
+          <a:lstStyle/>
+          <a:p>
+            <a:r>
+              <a:rPr kumimoji="1" lang="ja-JP" altLang="en-US" dirty="0" smtClean="0"/>
+              <a:t>まず開発コンセプトから説明していきます。</a:t>
+            </a:r>
+            <a:endParaRPr kumimoji="1" lang="ja-JP" altLang="en-US" dirty="0"/>
+          </a:p>
+        </p:txBody>
+      </p:sp>
+      <p:sp>
+        <p:nvSpPr>
+          <p:cNvPr id="4" name="スライド番号プレースホルダー 3"/>
+          <p:cNvSpPr>
+            <a:spLocks noGrp="1"/>
+          </p:cNvSpPr>
+          <p:nvPr>
+            <p:ph type="sldNum" sz="quarter" idx="10"/>
+          </p:nvPr>
+        </p:nvSpPr>
+        <p:spPr/>
+        <p:txBody>
+          <a:bodyPr/>
+          <a:lstStyle/>
+          <a:p>
+            <a:fld id="{4E55DDD7-A5DB-4A8D-9D8B-E8E9462611EA}" type="slidenum">
+              <a:rPr kumimoji="1" lang="ja-JP" altLang="en-US" smtClean="0"/>
+              <a:t>3</a:t>
+            </a:fld>
+            <a:endParaRPr kumimoji="1" lang="ja-JP" altLang="en-US"/>
+          </a:p>
+        </p:txBody>
+      </p:sp>
+    </p:spTree>
+    <p:extLst>
+      <p:ext uri="{BB962C8B-B14F-4D97-AF65-F5344CB8AC3E}">
+        <p14:creationId xmlns:p14="http://schemas.microsoft.com/office/powerpoint/2010/main" val="1089956143"/>
+      </p:ext>
+    </p:extLst>
+  </p:cSld>
+  <p:clrMapOvr>
+    <a:masterClrMapping/>
+  </p:clrMapOvr>
+</p:notes>
+</file>
+
+<file path=ppt/notesSlides/notesSlide4.xml><?xml version="1.0" encoding="utf-8"?>
+<p:notes xmlns:a="http://schemas.openxmlformats.org/drawingml/2006/main" xmlns:r="http://schemas.openxmlformats.org/officeDocument/2006/relationships" xmlns:p="http://schemas.openxmlformats.org/presentationml/2006/main">
+  <p:cSld>
+    <p:spTree>
+      <p:nvGrpSpPr>
+        <p:cNvPr id="1" name=""/>
+        <p:cNvGrpSpPr/>
+        <p:nvPr/>
+      </p:nvGrpSpPr>
+      <p:grpSpPr>
+        <a:xfrm>
+          <a:off x="0" y="0"/>
+          <a:ext cx="0" cy="0"/>
+          <a:chOff x="0" y="0"/>
+          <a:chExt cx="0" cy="0"/>
+        </a:xfrm>
+      </p:grpSpPr>
+      <p:sp>
+        <p:nvSpPr>
+          <p:cNvPr id="2" name="スライド イメージ プレースホルダー 1"/>
+          <p:cNvSpPr>
+            <a:spLocks noGrp="1" noRot="1" noChangeAspect="1"/>
+          </p:cNvSpPr>
+          <p:nvPr>
+            <p:ph type="sldImg"/>
+          </p:nvPr>
+        </p:nvSpPr>
+        <p:spPr/>
+      </p:sp>
+      <p:sp>
+        <p:nvSpPr>
+          <p:cNvPr id="3" name="ノート プレースホルダー 2"/>
+          <p:cNvSpPr>
+            <a:spLocks noGrp="1"/>
+          </p:cNvSpPr>
+          <p:nvPr>
+            <p:ph type="body" idx="1"/>
+          </p:nvPr>
+        </p:nvSpPr>
+        <p:spPr/>
+        <p:txBody>
+          <a:bodyPr/>
+          <a:lstStyle/>
+          <a:p>
+            <a:r>
+              <a:rPr kumimoji="1" lang="ja-JP" altLang="en-US" dirty="0" smtClean="0"/>
+              <a:t>開発コンセプトと致しましては。今回なにを作成しようとグループの中で話し合いを進めていくうち、自分のプロフィール、趣味の事や自分の持っている技術</a:t>
+            </a:r>
+            <a:r>
+              <a:rPr kumimoji="1" lang="ja-JP" altLang="en-US" dirty="0" err="1" smtClean="0"/>
+              <a:t>なや</a:t>
+            </a:r>
+            <a:r>
+              <a:rPr kumimoji="1" lang="ja-JP" altLang="en-US" dirty="0" smtClean="0"/>
+              <a:t>資格などをみんなに知ってもらうサイトはないのか、と言う意見がでました。誰もが簡単に使えて尚且つ多くの人に自分の事を知ってもらうことができるページを個人で持つにはホームページなどを作成するのがよい方法ですが、それでは一般的なネットユーザーでは敷居が高くなります。そこで今回、他の</a:t>
+            </a:r>
+            <a:r>
+              <a:rPr kumimoji="1" lang="en-US" altLang="ja-JP" dirty="0" smtClean="0"/>
+              <a:t>SNS</a:t>
+            </a:r>
+            <a:r>
+              <a:rPr kumimoji="1" lang="ja-JP" altLang="en-US" dirty="0" smtClean="0"/>
+              <a:t>との連携を主眼に置き自分のプロフィールページを簡単に作成できるサービスを開発コンセプトとしました。次にイメージ画像を見てもらいます。</a:t>
+            </a:r>
+            <a:endParaRPr kumimoji="1" lang="ja-JP" altLang="en-US" dirty="0"/>
+          </a:p>
+        </p:txBody>
+      </p:sp>
+      <p:sp>
+        <p:nvSpPr>
+          <p:cNvPr id="4" name="スライド番号プレースホルダー 3"/>
+          <p:cNvSpPr>
+            <a:spLocks noGrp="1"/>
+          </p:cNvSpPr>
+          <p:nvPr>
+            <p:ph type="sldNum" sz="quarter" idx="10"/>
+          </p:nvPr>
+        </p:nvSpPr>
+        <p:spPr/>
+        <p:txBody>
+          <a:bodyPr/>
+          <a:lstStyle/>
+          <a:p>
+            <a:fld id="{4E55DDD7-A5DB-4A8D-9D8B-E8E9462611EA}" type="slidenum">
+              <a:rPr kumimoji="1" lang="ja-JP" altLang="en-US" smtClean="0"/>
+              <a:t>4</a:t>
+            </a:fld>
+            <a:endParaRPr kumimoji="1" lang="ja-JP" altLang="en-US"/>
+          </a:p>
+        </p:txBody>
+      </p:sp>
+    </p:spTree>
+    <p:extLst>
+      <p:ext uri="{BB962C8B-B14F-4D97-AF65-F5344CB8AC3E}">
+        <p14:creationId xmlns:p14="http://schemas.microsoft.com/office/powerpoint/2010/main" val="2327336256"/>
+      </p:ext>
+    </p:extLst>
+  </p:cSld>
+  <p:clrMapOvr>
+    <a:masterClrMapping/>
+  </p:clrMapOvr>
+</p:notes>
+</file>
+
+<file path=ppt/notesSlides/notesSlide5.xml><?xml version="1.0" encoding="utf-8"?>
+<p:notes xmlns:a="http://schemas.openxmlformats.org/drawingml/2006/main" xmlns:r="http://schemas.openxmlformats.org/officeDocument/2006/relationships" xmlns:p="http://schemas.openxmlformats.org/presentationml/2006/main">
+  <p:cSld>
+    <p:spTree>
+      <p:nvGrpSpPr>
+        <p:cNvPr id="1" name=""/>
+        <p:cNvGrpSpPr/>
+        <p:nvPr/>
+      </p:nvGrpSpPr>
+      <p:grpSpPr>
+        <a:xfrm>
+          <a:off x="0" y="0"/>
+          <a:ext cx="0" cy="0"/>
+          <a:chOff x="0" y="0"/>
+          <a:chExt cx="0" cy="0"/>
+        </a:xfrm>
+      </p:grpSpPr>
+      <p:sp>
+        <p:nvSpPr>
+          <p:cNvPr id="2" name="スライド イメージ プレースホルダー 1"/>
+          <p:cNvSpPr>
+            <a:spLocks noGrp="1" noRot="1" noChangeAspect="1"/>
+          </p:cNvSpPr>
+          <p:nvPr>
+            <p:ph type="sldImg"/>
+          </p:nvPr>
+        </p:nvSpPr>
+        <p:spPr/>
+      </p:sp>
+      <p:sp>
+        <p:nvSpPr>
+          <p:cNvPr id="3" name="ノート プレースホルダー 2"/>
+          <p:cNvSpPr>
+            <a:spLocks noGrp="1"/>
+          </p:cNvSpPr>
+          <p:nvPr>
+            <p:ph type="body" idx="1"/>
+          </p:nvPr>
+        </p:nvSpPr>
+        <p:spPr/>
+        <p:txBody>
+          <a:bodyPr/>
+          <a:lstStyle/>
+          <a:p>
+            <a:r>
+              <a:rPr kumimoji="1" lang="ja-JP" altLang="en-US" dirty="0" smtClean="0"/>
+              <a:t>自分のプロフィールページを作成するにはまずはアカウントを作成してもらう形になります。大体一般的な</a:t>
+            </a:r>
+            <a:r>
+              <a:rPr kumimoji="1" lang="en-US" altLang="ja-JP" dirty="0" err="1" smtClean="0"/>
+              <a:t>sns</a:t>
+            </a:r>
+            <a:r>
+              <a:rPr kumimoji="1" lang="ja-JP" altLang="en-US" dirty="0" smtClean="0"/>
+              <a:t>の登録と同じですね。</a:t>
+            </a:r>
+            <a:endParaRPr kumimoji="1" lang="ja-JP" altLang="en-US" dirty="0"/>
+          </a:p>
+        </p:txBody>
+      </p:sp>
+      <p:sp>
+        <p:nvSpPr>
+          <p:cNvPr id="4" name="スライド番号プレースホルダー 3"/>
+          <p:cNvSpPr>
+            <a:spLocks noGrp="1"/>
+          </p:cNvSpPr>
+          <p:nvPr>
+            <p:ph type="sldNum" sz="quarter" idx="10"/>
+          </p:nvPr>
+        </p:nvSpPr>
+        <p:spPr/>
+        <p:txBody>
+          <a:bodyPr/>
+          <a:lstStyle/>
+          <a:p>
+            <a:fld id="{4E55DDD7-A5DB-4A8D-9D8B-E8E9462611EA}" type="slidenum">
+              <a:rPr kumimoji="1" lang="ja-JP" altLang="en-US" smtClean="0"/>
+              <a:t>5</a:t>
+            </a:fld>
+            <a:endParaRPr kumimoji="1" lang="ja-JP" altLang="en-US"/>
+          </a:p>
+        </p:txBody>
+      </p:sp>
+    </p:spTree>
+    <p:extLst>
+      <p:ext uri="{BB962C8B-B14F-4D97-AF65-F5344CB8AC3E}">
+        <p14:creationId xmlns:p14="http://schemas.microsoft.com/office/powerpoint/2010/main" val="3894918114"/>
+      </p:ext>
+    </p:extLst>
+  </p:cSld>
+  <p:clrMapOvr>
+    <a:masterClrMapping/>
+  </p:clrMapOvr>
+</p:notes>
+</file>
+
+<file path=ppt/notesSlides/notesSlide6.xml><?xml version="1.0" encoding="utf-8"?>
+<p:notes xmlns:a="http://schemas.openxmlformats.org/drawingml/2006/main" xmlns:r="http://schemas.openxmlformats.org/officeDocument/2006/relationships" xmlns:p="http://schemas.openxmlformats.org/presentationml/2006/main">
+  <p:cSld>
+    <p:spTree>
+      <p:nvGrpSpPr>
+        <p:cNvPr id="1" name=""/>
+        <p:cNvGrpSpPr/>
+        <p:nvPr/>
+      </p:nvGrpSpPr>
+      <p:grpSpPr>
+        <a:xfrm>
+          <a:off x="0" y="0"/>
+          <a:ext cx="0" cy="0"/>
+          <a:chOff x="0" y="0"/>
+          <a:chExt cx="0" cy="0"/>
+        </a:xfrm>
+      </p:grpSpPr>
+      <p:sp>
+        <p:nvSpPr>
+          <p:cNvPr id="2" name="スライド イメージ プレースホルダー 1"/>
+          <p:cNvSpPr>
+            <a:spLocks noGrp="1" noRot="1" noChangeAspect="1"/>
+          </p:cNvSpPr>
+          <p:nvPr>
+            <p:ph type="sldImg"/>
+          </p:nvPr>
+        </p:nvSpPr>
+        <p:spPr/>
+      </p:sp>
+      <p:sp>
+        <p:nvSpPr>
+          <p:cNvPr id="3" name="ノート プレースホルダー 2"/>
+          <p:cNvSpPr>
+            <a:spLocks noGrp="1"/>
+          </p:cNvSpPr>
+          <p:nvPr>
+            <p:ph type="body" idx="1"/>
+          </p:nvPr>
+        </p:nvSpPr>
+        <p:spPr/>
+        <p:txBody>
+          <a:bodyPr/>
+          <a:lstStyle/>
+          <a:p>
+            <a:r>
+              <a:rPr kumimoji="1" lang="ja-JP" altLang="en-US" dirty="0" smtClean="0"/>
+              <a:t>ここがメインのプロフィールページです。他の人から見えるページで次のプロフィール編集で編集した画面が反映されます。</a:t>
+            </a:r>
+            <a:endParaRPr kumimoji="1" lang="ja-JP" altLang="en-US" dirty="0"/>
+          </a:p>
+        </p:txBody>
+      </p:sp>
+      <p:sp>
+        <p:nvSpPr>
+          <p:cNvPr id="4" name="スライド番号プレースホルダー 3"/>
+          <p:cNvSpPr>
+            <a:spLocks noGrp="1"/>
+          </p:cNvSpPr>
+          <p:nvPr>
+            <p:ph type="sldNum" sz="quarter" idx="10"/>
+          </p:nvPr>
+        </p:nvSpPr>
+        <p:spPr/>
+        <p:txBody>
+          <a:bodyPr/>
+          <a:lstStyle/>
+          <a:p>
+            <a:fld id="{4E55DDD7-A5DB-4A8D-9D8B-E8E9462611EA}" type="slidenum">
+              <a:rPr kumimoji="1" lang="ja-JP" altLang="en-US" smtClean="0"/>
+              <a:t>6</a:t>
+            </a:fld>
+            <a:endParaRPr kumimoji="1" lang="ja-JP" altLang="en-US"/>
+          </a:p>
+        </p:txBody>
+      </p:sp>
+    </p:spTree>
+    <p:extLst>
+      <p:ext uri="{BB962C8B-B14F-4D97-AF65-F5344CB8AC3E}">
+        <p14:creationId xmlns:p14="http://schemas.microsoft.com/office/powerpoint/2010/main" val="3895777649"/>
+      </p:ext>
+    </p:extLst>
+  </p:cSld>
+  <p:clrMapOvr>
+    <a:masterClrMapping/>
+  </p:clrMapOvr>
+</p:notes>
+</file>
+
+<file path=ppt/notesSlides/notesSlide7.xml><?xml version="1.0" encoding="utf-8"?>
+<p:notes xmlns:a="http://schemas.openxmlformats.org/drawingml/2006/main" xmlns:r="http://schemas.openxmlformats.org/officeDocument/2006/relationships" xmlns:p="http://schemas.openxmlformats.org/presentationml/2006/main">
+  <p:cSld>
+    <p:spTree>
+      <p:nvGrpSpPr>
+        <p:cNvPr id="1" name=""/>
+        <p:cNvGrpSpPr/>
+        <p:nvPr/>
+      </p:nvGrpSpPr>
+      <p:grpSpPr>
+        <a:xfrm>
+          <a:off x="0" y="0"/>
+          <a:ext cx="0" cy="0"/>
+          <a:chOff x="0" y="0"/>
+          <a:chExt cx="0" cy="0"/>
+        </a:xfrm>
+      </p:grpSpPr>
+      <p:sp>
+        <p:nvSpPr>
+          <p:cNvPr id="2" name="スライド イメージ プレースホルダー 1"/>
+          <p:cNvSpPr>
+            <a:spLocks noGrp="1" noRot="1" noChangeAspect="1"/>
+          </p:cNvSpPr>
+          <p:nvPr>
+            <p:ph type="sldImg"/>
+          </p:nvPr>
+        </p:nvSpPr>
+        <p:spPr/>
+      </p:sp>
+      <p:sp>
+        <p:nvSpPr>
+          <p:cNvPr id="3" name="ノート プレースホルダー 2"/>
+          <p:cNvSpPr>
+            <a:spLocks noGrp="1"/>
+          </p:cNvSpPr>
+          <p:nvPr>
+            <p:ph type="body" idx="1"/>
+          </p:nvPr>
+        </p:nvSpPr>
+        <p:spPr/>
+        <p:txBody>
+          <a:bodyPr/>
+          <a:lstStyle/>
+          <a:p>
+            <a:pPr marL="0" marR="0" lvl="0" indent="0" algn="l" defTabSz="914400" rtl="0" eaLnBrk="1" fontAlgn="auto" latinLnBrk="0" hangingPunct="1">
+              <a:lnSpc>
+                <a:spcPct val="100000"/>
+              </a:lnSpc>
+              <a:spcBef>
+                <a:spcPts val="0"/>
+              </a:spcBef>
+              <a:spcAft>
+                <a:spcPts val="0"/>
+              </a:spcAft>
+              <a:buClrTx/>
+              <a:buSzTx/>
+              <a:buFontTx/>
+              <a:buNone/>
+              <a:tabLst/>
+              <a:defRPr/>
+            </a:pPr>
+            <a:r>
+              <a:rPr kumimoji="1" lang="ja-JP" altLang="en-US" dirty="0" smtClean="0"/>
+              <a:t>プロフィール編集です。自分の好きな画像や趣味の事や資格など好きなことをカスタマイズしてもらいます。趣味や資格両方書きたいと言う方もいると思うので項目別にわけて登録できるように現在開発中です。</a:t>
+            </a:r>
+          </a:p>
+          <a:p>
+            <a:endParaRPr kumimoji="1" lang="ja-JP" altLang="en-US" dirty="0"/>
+          </a:p>
+        </p:txBody>
+      </p:sp>
+      <p:sp>
+        <p:nvSpPr>
+          <p:cNvPr id="4" name="スライド番号プレースホルダー 3"/>
+          <p:cNvSpPr>
+            <a:spLocks noGrp="1"/>
+          </p:cNvSpPr>
+          <p:nvPr>
+            <p:ph type="sldNum" sz="quarter" idx="10"/>
+          </p:nvPr>
+        </p:nvSpPr>
+        <p:spPr/>
+        <p:txBody>
+          <a:bodyPr/>
+          <a:lstStyle/>
+          <a:p>
+            <a:fld id="{4E55DDD7-A5DB-4A8D-9D8B-E8E9462611EA}" type="slidenum">
+              <a:rPr kumimoji="1" lang="ja-JP" altLang="en-US" smtClean="0"/>
+              <a:t>7</a:t>
+            </a:fld>
+            <a:endParaRPr kumimoji="1" lang="ja-JP" altLang="en-US"/>
+          </a:p>
+        </p:txBody>
+      </p:sp>
+    </p:spTree>
+    <p:extLst>
+      <p:ext uri="{BB962C8B-B14F-4D97-AF65-F5344CB8AC3E}">
+        <p14:creationId xmlns:p14="http://schemas.microsoft.com/office/powerpoint/2010/main" val="639164376"/>
+      </p:ext>
+    </p:extLst>
+  </p:cSld>
+  <p:clrMapOvr>
+    <a:masterClrMapping/>
+  </p:clrMapOvr>
+</p:notes>
+</file>
+
+<file path=ppt/notesSlides/notesSlide8.xml><?xml version="1.0" encoding="utf-8"?>
+<p:notes xmlns:a="http://schemas.openxmlformats.org/drawingml/2006/main" xmlns:r="http://schemas.openxmlformats.org/officeDocument/2006/relationships" xmlns:p="http://schemas.openxmlformats.org/presentationml/2006/main">
+  <p:cSld>
+    <p:spTree>
+      <p:nvGrpSpPr>
+        <p:cNvPr id="1" name=""/>
+        <p:cNvGrpSpPr/>
+        <p:nvPr/>
+      </p:nvGrpSpPr>
+      <p:grpSpPr>
+        <a:xfrm>
+          <a:off x="0" y="0"/>
+          <a:ext cx="0" cy="0"/>
+          <a:chOff x="0" y="0"/>
+          <a:chExt cx="0" cy="0"/>
+        </a:xfrm>
+      </p:grpSpPr>
+      <p:sp>
+        <p:nvSpPr>
+          <p:cNvPr id="2" name="スライド イメージ プレースホルダー 1"/>
+          <p:cNvSpPr>
+            <a:spLocks noGrp="1" noRot="1" noChangeAspect="1"/>
+          </p:cNvSpPr>
+          <p:nvPr>
+            <p:ph type="sldImg"/>
+          </p:nvPr>
+        </p:nvSpPr>
+        <p:spPr/>
+      </p:sp>
+      <p:sp>
+        <p:nvSpPr>
+          <p:cNvPr id="3" name="ノート プレースホルダー 2"/>
+          <p:cNvSpPr>
+            <a:spLocks noGrp="1"/>
+          </p:cNvSpPr>
+          <p:nvPr>
+            <p:ph type="body" idx="1"/>
+          </p:nvPr>
+        </p:nvSpPr>
+        <p:spPr/>
+        <p:txBody>
+          <a:bodyPr/>
+          <a:lstStyle/>
+          <a:p>
+            <a:r>
+              <a:rPr kumimoji="1" lang="ja-JP" altLang="en-US" dirty="0" smtClean="0"/>
+              <a:t>次に開発環境、動作環境について説明して行きたいと思います。</a:t>
+            </a:r>
+            <a:endParaRPr kumimoji="1" lang="ja-JP" altLang="en-US" dirty="0"/>
+          </a:p>
+        </p:txBody>
+      </p:sp>
+      <p:sp>
+        <p:nvSpPr>
+          <p:cNvPr id="4" name="スライド番号プレースホルダー 3"/>
+          <p:cNvSpPr>
+            <a:spLocks noGrp="1"/>
+          </p:cNvSpPr>
+          <p:nvPr>
+            <p:ph type="sldNum" sz="quarter" idx="10"/>
+          </p:nvPr>
+        </p:nvSpPr>
+        <p:spPr/>
+        <p:txBody>
+          <a:bodyPr/>
+          <a:lstStyle/>
+          <a:p>
+            <a:fld id="{4E55DDD7-A5DB-4A8D-9D8B-E8E9462611EA}" type="slidenum">
+              <a:rPr kumimoji="1" lang="ja-JP" altLang="en-US" smtClean="0"/>
+              <a:t>8</a:t>
+            </a:fld>
+            <a:endParaRPr kumimoji="1" lang="ja-JP" altLang="en-US"/>
+          </a:p>
+        </p:txBody>
+      </p:sp>
+    </p:spTree>
+    <p:extLst>
+      <p:ext uri="{BB962C8B-B14F-4D97-AF65-F5344CB8AC3E}">
+        <p14:creationId xmlns:p14="http://schemas.microsoft.com/office/powerpoint/2010/main" val="1685664898"/>
+      </p:ext>
+    </p:extLst>
+  </p:cSld>
+  <p:clrMapOvr>
+    <a:masterClrMapping/>
+  </p:clrMapOvr>
+</p:notes>
+</file>
+
+<file path=ppt/notesSlides/notesSlide9.xml><?xml version="1.0" encoding="utf-8"?>
+<p:notes xmlns:a="http://schemas.openxmlformats.org/drawingml/2006/main" xmlns:r="http://schemas.openxmlformats.org/officeDocument/2006/relationships" xmlns:p="http://schemas.openxmlformats.org/presentationml/2006/main">
+  <p:cSld>
+    <p:spTree>
+      <p:nvGrpSpPr>
+        <p:cNvPr id="1" name=""/>
+        <p:cNvGrpSpPr/>
+        <p:nvPr/>
+      </p:nvGrpSpPr>
+      <p:grpSpPr>
+        <a:xfrm>
+          <a:off x="0" y="0"/>
+          <a:ext cx="0" cy="0"/>
+          <a:chOff x="0" y="0"/>
+          <a:chExt cx="0" cy="0"/>
+        </a:xfrm>
+      </p:grpSpPr>
+      <p:sp>
+        <p:nvSpPr>
+          <p:cNvPr id="2" name="スライド イメージ プレースホルダー 1"/>
+          <p:cNvSpPr>
+            <a:spLocks noGrp="1" noRot="1" noChangeAspect="1"/>
+          </p:cNvSpPr>
+          <p:nvPr>
+            <p:ph type="sldImg"/>
+          </p:nvPr>
+        </p:nvSpPr>
+        <p:spPr/>
+      </p:sp>
+      <p:sp>
+        <p:nvSpPr>
+          <p:cNvPr id="3" name="ノート プレースホルダー 2"/>
+          <p:cNvSpPr>
+            <a:spLocks noGrp="1"/>
+          </p:cNvSpPr>
+          <p:nvPr>
+            <p:ph type="body" idx="1"/>
+          </p:nvPr>
+        </p:nvSpPr>
+        <p:spPr/>
+        <p:txBody>
+          <a:bodyPr/>
+          <a:lstStyle/>
+          <a:p>
+            <a:r>
+              <a:rPr kumimoji="1" lang="ja-JP" altLang="en-US" dirty="0" smtClean="0"/>
+              <a:t>開発言語は内部的な処理</a:t>
+            </a:r>
+            <a:r>
+              <a:rPr kumimoji="1" lang="en-US" altLang="ja-JP" dirty="0" smtClean="0"/>
+              <a:t>DB</a:t>
+            </a:r>
+            <a:r>
+              <a:rPr kumimoji="1" lang="ja-JP" altLang="en-US" dirty="0" smtClean="0"/>
+              <a:t>接続に</a:t>
+            </a:r>
+            <a:r>
+              <a:rPr kumimoji="1" lang="en-US" altLang="ja-JP" dirty="0" smtClean="0"/>
+              <a:t>java</a:t>
+            </a:r>
+            <a:r>
+              <a:rPr kumimoji="1" lang="ja-JP" altLang="en-US" dirty="0" smtClean="0"/>
+              <a:t>を使用し、サイトデザインなどには</a:t>
+            </a:r>
+            <a:r>
+              <a:rPr kumimoji="1" lang="en-US" altLang="ja-JP" dirty="0" smtClean="0"/>
+              <a:t>HTML</a:t>
+            </a:r>
+            <a:r>
+              <a:rPr kumimoji="1" lang="ja-JP" altLang="en-US" dirty="0" err="1" smtClean="0"/>
+              <a:t>、</a:t>
+            </a:r>
+            <a:r>
+              <a:rPr kumimoji="1" lang="en-US" altLang="ja-JP" dirty="0" smtClean="0"/>
+              <a:t>CSS</a:t>
+            </a:r>
+            <a:r>
+              <a:rPr kumimoji="1" lang="ja-JP" altLang="en-US" dirty="0" smtClean="0"/>
+              <a:t>を使用しております。</a:t>
+            </a:r>
+            <a:r>
+              <a:rPr kumimoji="1" lang="en-US" altLang="ja-JP" dirty="0" smtClean="0"/>
+              <a:t>CSS</a:t>
+            </a:r>
+            <a:r>
+              <a:rPr kumimoji="1" lang="ja-JP" altLang="en-US" dirty="0" smtClean="0"/>
+              <a:t>のフレームワークは</a:t>
+            </a:r>
+            <a:r>
+              <a:rPr kumimoji="1" lang="en-US" altLang="ja-JP" dirty="0" err="1" smtClean="0"/>
+              <a:t>picniccss</a:t>
+            </a:r>
+            <a:r>
+              <a:rPr kumimoji="1" lang="ja-JP" altLang="en-US" dirty="0" smtClean="0"/>
+              <a:t>を使用しています。</a:t>
+            </a:r>
+            <a:endParaRPr kumimoji="1" lang="ja-JP" altLang="en-US" dirty="0"/>
+          </a:p>
+        </p:txBody>
+      </p:sp>
+      <p:sp>
+        <p:nvSpPr>
+          <p:cNvPr id="4" name="スライド番号プレースホルダー 3"/>
+          <p:cNvSpPr>
+            <a:spLocks noGrp="1"/>
+          </p:cNvSpPr>
+          <p:nvPr>
+            <p:ph type="sldNum" sz="quarter" idx="10"/>
+          </p:nvPr>
+        </p:nvSpPr>
+        <p:spPr/>
+        <p:txBody>
+          <a:bodyPr/>
+          <a:lstStyle/>
+          <a:p>
+            <a:fld id="{4E55DDD7-A5DB-4A8D-9D8B-E8E9462611EA}" type="slidenum">
+              <a:rPr kumimoji="1" lang="ja-JP" altLang="en-US" smtClean="0"/>
+              <a:t>9</a:t>
+            </a:fld>
+            <a:endParaRPr kumimoji="1" lang="ja-JP" altLang="en-US"/>
+          </a:p>
+        </p:txBody>
+      </p:sp>
+    </p:spTree>
+    <p:extLst>
+      <p:ext uri="{BB962C8B-B14F-4D97-AF65-F5344CB8AC3E}">
+        <p14:creationId xmlns:p14="http://schemas.microsoft.com/office/powerpoint/2010/main" val="3114420855"/>
+      </p:ext>
+    </p:extLst>
+  </p:cSld>
+  <p:clrMapOvr>
+    <a:masterClrMapping/>
+  </p:clrMapOvr>
+</p:notes>
+</file>
+
 <file path=ppt/slideLayouts/slideLayout1.xml><?xml version="1.0" encoding="utf-8"?>
 <p:sldLayout xmlns:a="http://schemas.openxmlformats.org/drawingml/2006/main" xmlns:r="http://schemas.openxmlformats.org/officeDocument/2006/relationships" xmlns:p="http://schemas.openxmlformats.org/presentationml/2006/main" type="title" preserve="1">
   <p:cSld name="タイトル スライド">
@@ -4894,7 +7149,7 @@
           <a:p>
             <a:fld id="{BFAD3A34-8F14-4B69-8B11-A8D9DABF27D9}" type="datetimeFigureOut">
               <a:rPr kumimoji="1" lang="ja-JP" altLang="en-US" smtClean="0"/>
-              <a:t>2016/12/12</a:t>
+              <a:t>2016/12/13</a:t>
             </a:fld>
             <a:endParaRPr kumimoji="1" lang="ja-JP" altLang="en-US"/>
           </a:p>
@@ -5096,7 +7351,7 @@
           <a:p>
             <a:fld id="{BFAD3A34-8F14-4B69-8B11-A8D9DABF27D9}" type="datetimeFigureOut">
               <a:rPr kumimoji="1" lang="ja-JP" altLang="en-US" smtClean="0"/>
-              <a:t>2016/12/12</a:t>
+              <a:t>2016/12/13</a:t>
             </a:fld>
             <a:endParaRPr kumimoji="1" lang="ja-JP" altLang="en-US"/>
           </a:p>
@@ -5308,7 +7563,7 @@
           <a:p>
             <a:fld id="{BFAD3A34-8F14-4B69-8B11-A8D9DABF27D9}" type="datetimeFigureOut">
               <a:rPr kumimoji="1" lang="ja-JP" altLang="en-US" smtClean="0"/>
-              <a:t>2016/12/12</a:t>
+              <a:t>2016/12/13</a:t>
             </a:fld>
             <a:endParaRPr kumimoji="1" lang="ja-JP" altLang="en-US"/>
           </a:p>
@@ -5510,7 +7765,7 @@
           <a:p>
             <a:fld id="{BFAD3A34-8F14-4B69-8B11-A8D9DABF27D9}" type="datetimeFigureOut">
               <a:rPr kumimoji="1" lang="ja-JP" altLang="en-US" smtClean="0"/>
-              <a:t>2016/12/12</a:t>
+              <a:t>2016/12/13</a:t>
             </a:fld>
             <a:endParaRPr kumimoji="1" lang="ja-JP" altLang="en-US"/>
           </a:p>
@@ -5754,7 +8009,7 @@
           <a:p>
             <a:fld id="{BFAD3A34-8F14-4B69-8B11-A8D9DABF27D9}" type="datetimeFigureOut">
               <a:rPr kumimoji="1" lang="ja-JP" altLang="en-US" smtClean="0"/>
-              <a:t>2016/12/12</a:t>
+              <a:t>2016/12/13</a:t>
             </a:fld>
             <a:endParaRPr kumimoji="1" lang="ja-JP" altLang="en-US"/>
           </a:p>
@@ -6050,7 +8305,7 @@
           <a:p>
             <a:fld id="{BFAD3A34-8F14-4B69-8B11-A8D9DABF27D9}" type="datetimeFigureOut">
               <a:rPr kumimoji="1" lang="ja-JP" altLang="en-US" smtClean="0"/>
-              <a:t>2016/12/12</a:t>
+              <a:t>2016/12/13</a:t>
             </a:fld>
             <a:endParaRPr kumimoji="1" lang="ja-JP" altLang="en-US"/>
           </a:p>
@@ -6481,7 +8736,7 @@
           <a:p>
             <a:fld id="{BFAD3A34-8F14-4B69-8B11-A8D9DABF27D9}" type="datetimeFigureOut">
               <a:rPr kumimoji="1" lang="ja-JP" altLang="en-US" smtClean="0"/>
-              <a:t>2016/12/12</a:t>
+              <a:t>2016/12/13</a:t>
             </a:fld>
             <a:endParaRPr kumimoji="1" lang="ja-JP" altLang="en-US"/>
           </a:p>
@@ -6599,7 +8854,7 @@
           <a:p>
             <a:fld id="{BFAD3A34-8F14-4B69-8B11-A8D9DABF27D9}" type="datetimeFigureOut">
               <a:rPr kumimoji="1" lang="ja-JP" altLang="en-US" smtClean="0"/>
-              <a:t>2016/12/12</a:t>
+              <a:t>2016/12/13</a:t>
             </a:fld>
             <a:endParaRPr kumimoji="1" lang="ja-JP" altLang="en-US"/>
           </a:p>
@@ -6694,7 +8949,7 @@
           <a:p>
             <a:fld id="{BFAD3A34-8F14-4B69-8B11-A8D9DABF27D9}" type="datetimeFigureOut">
               <a:rPr kumimoji="1" lang="ja-JP" altLang="en-US" smtClean="0"/>
-              <a:t>2016/12/12</a:t>
+              <a:t>2016/12/13</a:t>
             </a:fld>
             <a:endParaRPr kumimoji="1" lang="ja-JP" altLang="en-US"/>
           </a:p>
@@ -7003,7 +9258,7 @@
           <a:p>
             <a:fld id="{BFAD3A34-8F14-4B69-8B11-A8D9DABF27D9}" type="datetimeFigureOut">
               <a:rPr kumimoji="1" lang="ja-JP" altLang="en-US" smtClean="0"/>
-              <a:t>2016/12/12</a:t>
+              <a:t>2016/12/13</a:t>
             </a:fld>
             <a:endParaRPr kumimoji="1" lang="ja-JP" altLang="en-US"/>
           </a:p>
@@ -7260,7 +9515,7 @@
           <a:p>
             <a:fld id="{BFAD3A34-8F14-4B69-8B11-A8D9DABF27D9}" type="datetimeFigureOut">
               <a:rPr kumimoji="1" lang="ja-JP" altLang="en-US" smtClean="0"/>
-              <a:t>2016/12/12</a:t>
+              <a:t>2016/12/13</a:t>
             </a:fld>
             <a:endParaRPr kumimoji="1" lang="ja-JP" altLang="en-US"/>
           </a:p>
@@ -7505,7 +9760,7 @@
           <a:p>
             <a:fld id="{BFAD3A34-8F14-4B69-8B11-A8D9DABF27D9}" type="datetimeFigureOut">
               <a:rPr kumimoji="1" lang="ja-JP" altLang="en-US" smtClean="0"/>
-              <a:t>2016/12/12</a:t>
+              <a:t>2016/12/13</a:t>
             </a:fld>
             <a:endParaRPr kumimoji="1" lang="ja-JP" altLang="en-US"/>
           </a:p>
@@ -8302,7 +10557,7 @@
           <p:nvPr/>
         </p:nvPicPr>
         <p:blipFill>
-          <a:blip r:embed="rId2">
+          <a:blip r:embed="rId3">
             <a:extLst>
               <a:ext uri="{28A0092B-C50C-407E-A947-70E740481C1C}">
                 <a14:useLocalDpi xmlns:a14="http://schemas.microsoft.com/office/drawing/2010/main" val="0"/>
@@ -8739,7 +10994,7 @@
               <a:t>Windows8</a:t>
             </a:r>
             <a:r>
-              <a:rPr lang="ja-JP" altLang="en-US" sz="3200" dirty="0" err="1" smtClean="0">
+              <a:rPr lang="ja-JP" altLang="en-US" sz="3200" dirty="0" smtClean="0">
                 <a:solidFill>
                   <a:schemeClr val="tx1">
                     <a:lumMod val="75000"/>
@@ -8898,7 +11153,7 @@
               <a:buChar char="•"/>
             </a:pPr>
             <a:r>
-              <a:rPr lang="en-US" altLang="ja-JP" sz="3200" dirty="0" err="1" smtClean="0">
+              <a:rPr lang="en-US" altLang="ja-JP" sz="3200" dirty="0" smtClean="0">
                 <a:solidFill>
                   <a:schemeClr val="tx1">
                     <a:lumMod val="75000"/>
@@ -8908,14 +11163,6 @@
               </a:rPr>
               <a:t>Git</a:t>
             </a:r>
-            <a:endParaRPr lang="en-US" altLang="ja-JP" sz="3200" dirty="0" smtClean="0">
-              <a:solidFill>
-                <a:schemeClr val="tx1">
-                  <a:lumMod val="75000"/>
-                  <a:lumOff val="25000"/>
-                </a:schemeClr>
-              </a:solidFill>
-            </a:endParaRPr>
           </a:p>
           <a:p>
             <a:pPr marL="285750" indent="-285750">
@@ -9667,7 +11914,7 @@
         </p:xfrm>
         <a:graphic>
           <a:graphicData uri="http://schemas.openxmlformats.org/drawingml/2006/chart">
-            <c:chart xmlns:c="http://schemas.openxmlformats.org/drawingml/2006/chart" xmlns:r="http://schemas.openxmlformats.org/officeDocument/2006/relationships" r:id="rId2"/>
+            <c:chart xmlns:c="http://schemas.openxmlformats.org/drawingml/2006/chart" xmlns:r="http://schemas.openxmlformats.org/officeDocument/2006/relationships" r:id="rId3"/>
           </a:graphicData>
         </a:graphic>
       </p:graphicFrame>
@@ -9689,7 +11936,7 @@
         </p:xfrm>
         <a:graphic>
           <a:graphicData uri="http://schemas.openxmlformats.org/drawingml/2006/chart">
-            <c:chart xmlns:c="http://schemas.openxmlformats.org/drawingml/2006/chart" xmlns:r="http://schemas.openxmlformats.org/officeDocument/2006/relationships" r:id="rId3"/>
+            <c:chart xmlns:c="http://schemas.openxmlformats.org/drawingml/2006/chart" xmlns:r="http://schemas.openxmlformats.org/officeDocument/2006/relationships" r:id="rId4"/>
           </a:graphicData>
         </a:graphic>
       </p:graphicFrame>
@@ -9736,7 +11983,7 @@
         <p:spPr>
           <a:xfrm>
             <a:off x="4374524" y="2147536"/>
-            <a:ext cx="4571999" cy="2954655"/>
+            <a:ext cx="4571999" cy="3471720"/>
           </a:xfrm>
           <a:prstGeom prst="rect">
             <a:avLst/>
@@ -9863,20 +12110,7 @@
                 <a:latin typeface="+mj-ea"/>
                 <a:ea typeface="+mj-ea"/>
               </a:rPr>
-              <a:t>プロフィール表示</a:t>
-            </a:r>
-            <a:r>
-              <a:rPr lang="ja-JP" altLang="en-US" sz="2800" dirty="0" smtClean="0">
-                <a:solidFill>
-                  <a:schemeClr val="tx1">
-                    <a:lumMod val="75000"/>
-                    <a:lumOff val="25000"/>
-                  </a:schemeClr>
-                </a:solidFill>
-                <a:latin typeface="+mj-ea"/>
-                <a:ea typeface="+mj-ea"/>
-              </a:rPr>
-              <a:t>ページ</a:t>
+              <a:t>プロフィール表示ページ</a:t>
             </a:r>
           </a:p>
           <a:p>
@@ -9899,6 +12133,38 @@
                 <a:ea typeface="+mj-ea"/>
               </a:rPr>
               <a:t>会員情報の削除変更</a:t>
+            </a:r>
+            <a:endParaRPr lang="en-US" altLang="ja-JP" sz="2800" dirty="0" smtClean="0">
+              <a:solidFill>
+                <a:schemeClr val="tx1">
+                  <a:lumMod val="75000"/>
+                  <a:lumOff val="25000"/>
+                </a:schemeClr>
+              </a:solidFill>
+              <a:latin typeface="+mj-ea"/>
+              <a:ea typeface="+mj-ea"/>
+            </a:endParaRPr>
+          </a:p>
+          <a:p>
+            <a:pPr marL="457200" indent="-457200">
+              <a:lnSpc>
+                <a:spcPct val="120000"/>
+              </a:lnSpc>
+              <a:buFont typeface="Arial" panose="020B0604020202020204" pitchFamily="34" charset="0"/>
+              <a:buChar char="•"/>
+            </a:pPr>
+            <a:r>
+              <a:rPr lang="ja-JP" altLang="en-US" sz="2800" dirty="0">
+                <a:solidFill>
+                  <a:schemeClr val="tx1">
+                    <a:lumMod val="75000"/>
+                    <a:lumOff val="25000"/>
+                  </a:schemeClr>
+                </a:solidFill>
+                <a:latin typeface="+mj-ea"/>
+                <a:ea typeface="+mj-ea"/>
+              </a:rPr>
+              <a:t>セッション管理</a:t>
             </a:r>
             <a:endParaRPr lang="en-US" altLang="ja-JP" sz="2800" dirty="0" smtClean="0">
               <a:solidFill>
@@ -10068,13 +12334,8 @@
           </a:bodyPr>
           <a:lstStyle/>
           <a:p>
-            <a:pPr>
-              <a:lnSpc>
-                <a:spcPct val="100000"/>
-              </a:lnSpc>
-            </a:pPr>
-            <a:r>
-              <a:rPr lang="ja-JP" altLang="en-US" sz="3200" dirty="0">
+            <a:r>
+              <a:rPr kumimoji="1" lang="ja-JP" altLang="en-US" sz="3200" dirty="0" smtClean="0">
                 <a:solidFill>
                   <a:schemeClr val="tx1">
                     <a:lumMod val="75000"/>
@@ -10083,19 +12344,7 @@
                 </a:solidFill>
                 <a:latin typeface="+mj-ea"/>
               </a:rPr>
-              <a:t>拡張</a:t>
-            </a:r>
-            <a:r>
-              <a:rPr lang="ja-JP" altLang="en-US" sz="3200" dirty="0" smtClean="0">
-                <a:solidFill>
-                  <a:schemeClr val="tx1">
-                    <a:lumMod val="75000"/>
-                    <a:lumOff val="25000"/>
-                  </a:schemeClr>
-                </a:solidFill>
-                <a:latin typeface="+mj-ea"/>
-              </a:rPr>
-              <a:t>機能の優先順位</a:t>
+              <a:t>進捗状況</a:t>
             </a:r>
             <a:endParaRPr kumimoji="1" lang="ja-JP" altLang="en-US" sz="3200" dirty="0">
               <a:solidFill>
@@ -10311,15 +12560,345 @@
           </a:p>
         </p:txBody>
       </p:sp>
-      <p:sp>
-        <p:nvSpPr>
-          <p:cNvPr id="8" name="正方形/長方形 7"/>
+      <p:graphicFrame>
+        <p:nvGraphicFramePr>
+          <p:cNvPr id="27" name="グラフ 26"/>
+          <p:cNvGraphicFramePr/>
+          <p:nvPr>
+            <p:extLst>
+              <p:ext uri="{D42A27DB-BD31-4B8C-83A1-F6EECF244321}">
+                <p14:modId xmlns:p14="http://schemas.microsoft.com/office/powerpoint/2010/main" val="3028457296"/>
+              </p:ext>
+            </p:extLst>
+          </p:nvPr>
+        </p:nvGraphicFramePr>
+        <p:xfrm>
+          <a:off x="1" y="1916030"/>
+          <a:ext cx="6096000" cy="4064000"/>
+        </p:xfrm>
+        <a:graphic>
+          <a:graphicData uri="http://schemas.openxmlformats.org/drawingml/2006/chart">
+            <c:chart xmlns:c="http://schemas.openxmlformats.org/drawingml/2006/chart" xmlns:r="http://schemas.openxmlformats.org/officeDocument/2006/relationships" r:id="rId3"/>
+          </a:graphicData>
+        </a:graphic>
+      </p:graphicFrame>
+      <p:graphicFrame>
+        <p:nvGraphicFramePr>
+          <p:cNvPr id="36" name="グラフ 35"/>
+          <p:cNvGraphicFramePr/>
+          <p:nvPr>
+            <p:extLst>
+              <p:ext uri="{D42A27DB-BD31-4B8C-83A1-F6EECF244321}">
+                <p14:modId xmlns:p14="http://schemas.microsoft.com/office/powerpoint/2010/main" val="3220141011"/>
+              </p:ext>
+            </p:extLst>
+          </p:nvPr>
+        </p:nvGraphicFramePr>
+        <p:xfrm>
+          <a:off x="-90152" y="1174528"/>
+          <a:ext cx="5589430" cy="4532114"/>
+        </p:xfrm>
+        <a:graphic>
+          <a:graphicData uri="http://schemas.openxmlformats.org/drawingml/2006/chart">
+            <c:chart xmlns:c="http://schemas.openxmlformats.org/drawingml/2006/chart" xmlns:r="http://schemas.openxmlformats.org/officeDocument/2006/relationships" r:id="rId4"/>
+          </a:graphicData>
+        </a:graphic>
+      </p:graphicFrame>
+      <p:sp>
+        <p:nvSpPr>
+          <p:cNvPr id="37" name="テキスト ボックス 36"/>
+          <p:cNvSpPr txBox="1"/>
+          <p:nvPr/>
+        </p:nvSpPr>
+        <p:spPr>
+          <a:xfrm>
+            <a:off x="2232339" y="3301699"/>
+            <a:ext cx="944449" cy="646331"/>
+          </a:xfrm>
+          <a:prstGeom prst="rect">
+            <a:avLst/>
+          </a:prstGeom>
+          <a:noFill/>
+        </p:spPr>
+        <p:txBody>
+          <a:bodyPr wrap="square" rtlCol="0">
+            <a:spAutoFit/>
+          </a:bodyPr>
+          <a:lstStyle/>
+          <a:p>
+            <a:r>
+              <a:rPr lang="en-US" altLang="ja-JP" sz="3600" dirty="0" smtClean="0">
+                <a:latin typeface="+mn-ea"/>
+              </a:rPr>
+              <a:t>10%</a:t>
+            </a:r>
+            <a:endParaRPr kumimoji="1" lang="ja-JP" altLang="en-US" sz="3600" dirty="0">
+              <a:latin typeface="+mn-ea"/>
+            </a:endParaRPr>
+          </a:p>
+        </p:txBody>
+      </p:sp>
+      <p:sp>
+        <p:nvSpPr>
+          <p:cNvPr id="40" name="テキスト ボックス 39"/>
+          <p:cNvSpPr txBox="1"/>
+          <p:nvPr/>
+        </p:nvSpPr>
+        <p:spPr>
+          <a:xfrm>
+            <a:off x="3535250" y="1331254"/>
+            <a:ext cx="3232598" cy="584775"/>
+          </a:xfrm>
+          <a:prstGeom prst="rect">
+            <a:avLst/>
+          </a:prstGeom>
+          <a:noFill/>
+        </p:spPr>
+        <p:txBody>
+          <a:bodyPr wrap="square" rtlCol="0">
+            <a:spAutoFit/>
+          </a:bodyPr>
+          <a:lstStyle/>
+          <a:p>
+            <a:r>
+              <a:rPr lang="ja-JP" altLang="en-US" sz="3200" dirty="0">
+                <a:solidFill>
+                  <a:schemeClr val="bg1">
+                    <a:lumMod val="50000"/>
+                  </a:schemeClr>
+                </a:solidFill>
+              </a:rPr>
+              <a:t>拡張</a:t>
+            </a:r>
+            <a:r>
+              <a:rPr kumimoji="1" lang="ja-JP" altLang="en-US" sz="3200" dirty="0" smtClean="0">
+                <a:solidFill>
+                  <a:schemeClr val="bg1">
+                    <a:lumMod val="50000"/>
+                  </a:schemeClr>
+                </a:solidFill>
+              </a:rPr>
+              <a:t>機能</a:t>
+            </a:r>
+            <a:endParaRPr kumimoji="1" lang="ja-JP" altLang="en-US" sz="3200" dirty="0">
+              <a:solidFill>
+                <a:schemeClr val="bg1">
+                  <a:lumMod val="50000"/>
+                </a:schemeClr>
+              </a:solidFill>
+            </a:endParaRPr>
+          </a:p>
+        </p:txBody>
+      </p:sp>
+      <p:sp>
+        <p:nvSpPr>
+          <p:cNvPr id="13" name="テキスト ボックス 12"/>
+          <p:cNvSpPr txBox="1"/>
+          <p:nvPr/>
+        </p:nvSpPr>
+        <p:spPr>
+          <a:xfrm>
+            <a:off x="4374524" y="2212170"/>
+            <a:ext cx="4571999" cy="3471720"/>
+          </a:xfrm>
+          <a:prstGeom prst="rect">
+            <a:avLst/>
+          </a:prstGeom>
+          <a:noFill/>
+        </p:spPr>
+        <p:txBody>
+          <a:bodyPr wrap="square" rtlCol="0">
+            <a:spAutoFit/>
+          </a:bodyPr>
+          <a:lstStyle/>
+          <a:p>
+            <a:pPr marL="457200" indent="-457200">
+              <a:lnSpc>
+                <a:spcPct val="120000"/>
+              </a:lnSpc>
+              <a:buFont typeface="Arial" panose="020B0604020202020204" pitchFamily="34" charset="0"/>
+              <a:buChar char="•"/>
+            </a:pPr>
+            <a:r>
+              <a:rPr lang="ja-JP" altLang="en-US" sz="2800" dirty="0" smtClean="0">
+                <a:solidFill>
+                  <a:schemeClr val="tx1">
+                    <a:lumMod val="75000"/>
+                    <a:lumOff val="25000"/>
+                  </a:schemeClr>
+                </a:solidFill>
+                <a:latin typeface="+mj-ea"/>
+                <a:ea typeface="+mj-ea"/>
+              </a:rPr>
+              <a:t>画像のアップロード関係</a:t>
+            </a:r>
+            <a:endParaRPr lang="en-US" altLang="ja-JP" sz="2800" dirty="0" smtClean="0">
+              <a:solidFill>
+                <a:schemeClr val="tx1">
+                  <a:lumMod val="75000"/>
+                  <a:lumOff val="25000"/>
+                </a:schemeClr>
+              </a:solidFill>
+              <a:latin typeface="+mj-ea"/>
+              <a:ea typeface="+mj-ea"/>
+            </a:endParaRPr>
+          </a:p>
+          <a:p>
+            <a:pPr marL="457200" indent="-457200">
+              <a:lnSpc>
+                <a:spcPct val="120000"/>
+              </a:lnSpc>
+              <a:buFont typeface="Arial" panose="020B0604020202020204" pitchFamily="34" charset="0"/>
+              <a:buChar char="•"/>
+            </a:pPr>
+            <a:r>
+              <a:rPr lang="ja-JP" altLang="en-US" sz="2800" dirty="0" smtClean="0">
+                <a:solidFill>
+                  <a:schemeClr val="tx1">
+                    <a:lumMod val="75000"/>
+                    <a:lumOff val="25000"/>
+                  </a:schemeClr>
+                </a:solidFill>
+                <a:latin typeface="+mj-ea"/>
+                <a:ea typeface="+mj-ea"/>
+              </a:rPr>
+              <a:t>プロフィール表示項目を増やす</a:t>
+            </a:r>
+            <a:endParaRPr lang="en-US" altLang="ja-JP" sz="2800" dirty="0" smtClean="0">
+              <a:solidFill>
+                <a:schemeClr val="tx1">
+                  <a:lumMod val="75000"/>
+                  <a:lumOff val="25000"/>
+                </a:schemeClr>
+              </a:solidFill>
+              <a:latin typeface="+mj-ea"/>
+              <a:ea typeface="+mj-ea"/>
+            </a:endParaRPr>
+          </a:p>
+          <a:p>
+            <a:pPr marL="457200" indent="-457200">
+              <a:lnSpc>
+                <a:spcPct val="120000"/>
+              </a:lnSpc>
+              <a:buFont typeface="Arial" panose="020B0604020202020204" pitchFamily="34" charset="0"/>
+              <a:buChar char="•"/>
+            </a:pPr>
+            <a:r>
+              <a:rPr lang="ja-JP" altLang="en-US" sz="2800" dirty="0" smtClean="0">
+                <a:solidFill>
+                  <a:schemeClr val="tx1">
+                    <a:lumMod val="75000"/>
+                    <a:lumOff val="25000"/>
+                  </a:schemeClr>
+                </a:solidFill>
+                <a:latin typeface="+mj-ea"/>
+                <a:ea typeface="+mj-ea"/>
+              </a:rPr>
+              <a:t>メール認証</a:t>
+            </a:r>
+            <a:endParaRPr lang="en-US" altLang="ja-JP" sz="2800" dirty="0" smtClean="0">
+              <a:solidFill>
+                <a:schemeClr val="tx1">
+                  <a:lumMod val="75000"/>
+                  <a:lumOff val="25000"/>
+                </a:schemeClr>
+              </a:solidFill>
+              <a:latin typeface="+mj-ea"/>
+              <a:ea typeface="+mj-ea"/>
+            </a:endParaRPr>
+          </a:p>
+          <a:p>
+            <a:pPr marL="457200" indent="-457200">
+              <a:lnSpc>
+                <a:spcPct val="120000"/>
+              </a:lnSpc>
+              <a:buFont typeface="Arial" panose="020B0604020202020204" pitchFamily="34" charset="0"/>
+              <a:buChar char="•"/>
+            </a:pPr>
+            <a:r>
+              <a:rPr lang="en-US" altLang="ja-JP" sz="2800" dirty="0" smtClean="0">
+                <a:solidFill>
+                  <a:schemeClr val="tx1">
+                    <a:lumMod val="75000"/>
+                    <a:lumOff val="25000"/>
+                  </a:schemeClr>
+                </a:solidFill>
+                <a:latin typeface="+mj-ea"/>
+                <a:ea typeface="+mj-ea"/>
+              </a:rPr>
+              <a:t>Web</a:t>
+            </a:r>
+            <a:r>
+              <a:rPr lang="ja-JP" altLang="en-US" sz="2800" dirty="0" smtClean="0">
+                <a:solidFill>
+                  <a:schemeClr val="tx1">
+                    <a:lumMod val="75000"/>
+                    <a:lumOff val="25000"/>
+                  </a:schemeClr>
+                </a:solidFill>
+                <a:latin typeface="+mj-ea"/>
+                <a:ea typeface="+mj-ea"/>
+              </a:rPr>
+              <a:t>上に公開</a:t>
+            </a:r>
+            <a:endParaRPr lang="en-US" altLang="ja-JP" sz="2800" dirty="0" smtClean="0">
+              <a:solidFill>
+                <a:schemeClr val="tx1">
+                  <a:lumMod val="75000"/>
+                  <a:lumOff val="25000"/>
+                </a:schemeClr>
+              </a:solidFill>
+              <a:latin typeface="+mj-ea"/>
+              <a:ea typeface="+mj-ea"/>
+            </a:endParaRPr>
+          </a:p>
+          <a:p>
+            <a:pPr>
+              <a:lnSpc>
+                <a:spcPct val="120000"/>
+              </a:lnSpc>
+            </a:pPr>
+            <a:r>
+              <a:rPr lang="ja-JP" altLang="en-US" sz="2800" dirty="0" smtClean="0">
+                <a:solidFill>
+                  <a:schemeClr val="tx1">
+                    <a:lumMod val="75000"/>
+                    <a:lumOff val="25000"/>
+                  </a:schemeClr>
+                </a:solidFill>
+                <a:latin typeface="+mj-ea"/>
+                <a:ea typeface="+mj-ea"/>
+              </a:rPr>
+              <a:t>　　　　　　　　　　　　　</a:t>
+            </a:r>
+            <a:r>
+              <a:rPr lang="en-US" altLang="ja-JP" sz="2800" dirty="0" smtClean="0">
+                <a:solidFill>
+                  <a:schemeClr val="tx1">
+                    <a:lumMod val="75000"/>
+                    <a:lumOff val="25000"/>
+                  </a:schemeClr>
+                </a:solidFill>
+                <a:latin typeface="+mj-ea"/>
+                <a:ea typeface="+mj-ea"/>
+              </a:rPr>
+              <a:t>etc…</a:t>
+            </a:r>
+          </a:p>
+          <a:p>
+            <a:endParaRPr kumimoji="1" lang="ja-JP" altLang="en-US" dirty="0"/>
+          </a:p>
+        </p:txBody>
+      </p:sp>
+      <p:sp>
+        <p:nvSpPr>
+          <p:cNvPr id="14" name="正方形/長方形 13"/>
           <p:cNvSpPr/>
           <p:nvPr/>
         </p:nvSpPr>
         <p:spPr>
           <a:xfrm>
-            <a:off x="-5603" y="6432997"/>
+            <a:off x="2" y="6426558"/>
             <a:ext cx="9144000" cy="283336"/>
           </a:xfrm>
           <a:prstGeom prst="rect">
@@ -10362,219 +12941,10 @@
           </a:p>
         </p:txBody>
       </p:sp>
-      <p:sp>
-        <p:nvSpPr>
-          <p:cNvPr id="9" name="テキスト ボックス 8"/>
-          <p:cNvSpPr txBox="1"/>
-          <p:nvPr/>
-        </p:nvSpPr>
-        <p:spPr>
-          <a:xfrm>
-            <a:off x="548189" y="1886313"/>
-            <a:ext cx="8347846" cy="3108543"/>
-          </a:xfrm>
-          <a:prstGeom prst="rect">
-            <a:avLst/>
-          </a:prstGeom>
-          <a:noFill/>
-        </p:spPr>
-        <p:txBody>
-          <a:bodyPr wrap="square" rtlCol="0">
-            <a:spAutoFit/>
-          </a:bodyPr>
-          <a:lstStyle/>
-          <a:p>
-            <a:pPr marL="514350" indent="-514350">
-              <a:buFont typeface="+mj-ea"/>
-              <a:buAutoNum type="circleNumDbPlain"/>
-            </a:pPr>
-            <a:r>
-              <a:rPr lang="ja-JP" altLang="en-US" sz="2800" dirty="0" smtClean="0">
-                <a:solidFill>
-                  <a:schemeClr val="tx1">
-                    <a:lumMod val="65000"/>
-                    <a:lumOff val="35000"/>
-                  </a:schemeClr>
-                </a:solidFill>
-              </a:rPr>
-              <a:t>登録</a:t>
-            </a:r>
-            <a:r>
-              <a:rPr lang="ja-JP" altLang="en-US" sz="2800" dirty="0">
-                <a:solidFill>
-                  <a:schemeClr val="tx1">
-                    <a:lumMod val="65000"/>
-                    <a:lumOff val="35000"/>
-                  </a:schemeClr>
-                </a:solidFill>
-              </a:rPr>
-              <a:t>された会員情報を変更、削除できる</a:t>
-            </a:r>
-            <a:r>
-              <a:rPr lang="ja-JP" altLang="en-US" sz="2800" dirty="0" smtClean="0">
-                <a:solidFill>
-                  <a:schemeClr val="tx1">
-                    <a:lumMod val="65000"/>
-                    <a:lumOff val="35000"/>
-                  </a:schemeClr>
-                </a:solidFill>
-              </a:rPr>
-              <a:t>機能</a:t>
-            </a:r>
-            <a:endParaRPr lang="en-US" altLang="ja-JP" sz="2800" dirty="0">
-              <a:solidFill>
-                <a:schemeClr val="tx1">
-                  <a:lumMod val="65000"/>
-                  <a:lumOff val="35000"/>
-                </a:schemeClr>
-              </a:solidFill>
-            </a:endParaRPr>
-          </a:p>
-          <a:p>
-            <a:pPr marL="514350" indent="-514350">
-              <a:buFont typeface="+mj-ea"/>
-              <a:buAutoNum type="circleNumDbPlain"/>
-            </a:pPr>
-            <a:r>
-              <a:rPr lang="ja-JP" altLang="en-US" sz="2800" dirty="0" smtClean="0">
-                <a:solidFill>
-                  <a:schemeClr val="tx1">
-                    <a:lumMod val="65000"/>
-                    <a:lumOff val="35000"/>
-                  </a:schemeClr>
-                </a:solidFill>
-              </a:rPr>
-              <a:t>アップロード</a:t>
-            </a:r>
-            <a:r>
-              <a:rPr lang="ja-JP" altLang="en-US" sz="2800" dirty="0">
-                <a:solidFill>
-                  <a:schemeClr val="tx1">
-                    <a:lumMod val="65000"/>
-                    <a:lumOff val="35000"/>
-                  </a:schemeClr>
-                </a:solidFill>
-              </a:rPr>
-              <a:t>時にアップロードファイルの拡張子と容量を規定にする。  </a:t>
-            </a:r>
-          </a:p>
-          <a:p>
-            <a:pPr marL="514350" indent="-514350">
-              <a:buFont typeface="+mj-ea"/>
-              <a:buAutoNum type="circleNumDbPlain"/>
-            </a:pPr>
-            <a:r>
-              <a:rPr lang="ja-JP" altLang="en-US" sz="2800" dirty="0" smtClean="0">
-                <a:solidFill>
-                  <a:schemeClr val="tx1">
-                    <a:lumMod val="65000"/>
-                    <a:lumOff val="35000"/>
-                  </a:schemeClr>
-                </a:solidFill>
-              </a:rPr>
-              <a:t>プロフィール</a:t>
-            </a:r>
-            <a:r>
-              <a:rPr lang="ja-JP" altLang="en-US" sz="2800" dirty="0">
-                <a:solidFill>
-                  <a:schemeClr val="tx1">
-                    <a:lumMod val="65000"/>
-                    <a:lumOff val="35000"/>
-                  </a:schemeClr>
-                </a:solidFill>
-              </a:rPr>
-              <a:t>編集ページで編集できる項目を</a:t>
-            </a:r>
-            <a:r>
-              <a:rPr lang="ja-JP" altLang="en-US" sz="2800" dirty="0" smtClean="0">
-                <a:solidFill>
-                  <a:schemeClr val="tx1">
-                    <a:lumMod val="65000"/>
-                    <a:lumOff val="35000"/>
-                  </a:schemeClr>
-                </a:solidFill>
-              </a:rPr>
-              <a:t>増やす</a:t>
-            </a:r>
-            <a:endParaRPr lang="en-US" altLang="ja-JP" sz="2800" dirty="0" smtClean="0">
-              <a:solidFill>
-                <a:schemeClr val="tx1">
-                  <a:lumMod val="65000"/>
-                  <a:lumOff val="35000"/>
-                </a:schemeClr>
-              </a:solidFill>
-            </a:endParaRPr>
-          </a:p>
-          <a:p>
-            <a:pPr marL="514350" indent="-514350">
-              <a:buFont typeface="+mj-ea"/>
-              <a:buAutoNum type="circleNumDbPlain"/>
-            </a:pPr>
-            <a:r>
-              <a:rPr lang="ja-JP" altLang="en-US" sz="2800" dirty="0" smtClean="0">
-                <a:solidFill>
-                  <a:schemeClr val="tx1">
-                    <a:lumMod val="65000"/>
-                    <a:lumOff val="35000"/>
-                  </a:schemeClr>
-                </a:solidFill>
-              </a:rPr>
-              <a:t>セッション</a:t>
-            </a:r>
-            <a:r>
-              <a:rPr lang="ja-JP" altLang="en-US" sz="2800" dirty="0">
-                <a:solidFill>
-                  <a:schemeClr val="tx1">
-                    <a:lumMod val="65000"/>
-                    <a:lumOff val="35000"/>
-                  </a:schemeClr>
-                </a:solidFill>
-              </a:rPr>
-              <a:t>管理を行う。複数人がアクセス可能にする。  </a:t>
-            </a:r>
-          </a:p>
-          <a:p>
-            <a:pPr marL="514350" indent="-514350">
-              <a:buFont typeface="+mj-ea"/>
-              <a:buAutoNum type="circleNumDbPlain"/>
-            </a:pPr>
-            <a:r>
-              <a:rPr lang="en-US" altLang="ja-JP" sz="2800" dirty="0" smtClean="0">
-                <a:solidFill>
-                  <a:schemeClr val="tx1">
-                    <a:lumMod val="65000"/>
-                    <a:lumOff val="35000"/>
-                  </a:schemeClr>
-                </a:solidFill>
-              </a:rPr>
-              <a:t>Web</a:t>
-            </a:r>
-            <a:r>
-              <a:rPr lang="ja-JP" altLang="en-US" sz="2800" dirty="0">
-                <a:solidFill>
-                  <a:schemeClr val="tx1">
-                    <a:lumMod val="65000"/>
-                    <a:lumOff val="35000"/>
-                  </a:schemeClr>
-                </a:solidFill>
-              </a:rPr>
-              <a:t>上に公開できるようにする。 </a:t>
-            </a:r>
-            <a:endParaRPr kumimoji="1" lang="ja-JP" altLang="en-US" sz="2800" dirty="0">
-              <a:solidFill>
-                <a:schemeClr val="tx1">
-                  <a:lumMod val="65000"/>
-                  <a:lumOff val="35000"/>
-                </a:schemeClr>
-              </a:solidFill>
-            </a:endParaRPr>
-          </a:p>
-        </p:txBody>
-      </p:sp>
     </p:spTree>
     <p:extLst>
       <p:ext uri="{BB962C8B-B14F-4D97-AF65-F5344CB8AC3E}">
-        <p14:creationId xmlns:p14="http://schemas.microsoft.com/office/powerpoint/2010/main" val="3151888551"/>
+        <p14:creationId xmlns:p14="http://schemas.microsoft.com/office/powerpoint/2010/main" val="1017141397"/>
       </p:ext>
     </p:extLst>
   </p:cSld>
@@ -10642,6 +13012,42 @@
               </a:rPr>
               <a:t>進捗状況</a:t>
             </a:r>
+            <a:r>
+              <a:rPr kumimoji="1" lang="en-US" altLang="ja-JP" sz="3200" dirty="0" smtClean="0">
+                <a:solidFill>
+                  <a:schemeClr val="tx1">
+                    <a:lumMod val="75000"/>
+                    <a:lumOff val="25000"/>
+                  </a:schemeClr>
+                </a:solidFill>
+                <a:latin typeface="+mj-ea"/>
+              </a:rPr>
+              <a:t>(</a:t>
+            </a:r>
+            <a:r>
+              <a:rPr kumimoji="1" lang="ja-JP" altLang="en-US" sz="3200" dirty="0" smtClean="0">
+                <a:solidFill>
+                  <a:schemeClr val="tx1">
+                    <a:lumMod val="75000"/>
+                    <a:lumOff val="25000"/>
+                  </a:schemeClr>
+                </a:solidFill>
+                <a:latin typeface="+mj-ea"/>
+              </a:rPr>
+              <a:t>書類</a:t>
+            </a:r>
+            <a:r>
+              <a:rPr kumimoji="1" lang="en-US" altLang="ja-JP" sz="3200" dirty="0" smtClean="0">
+                <a:solidFill>
+                  <a:schemeClr val="tx1">
+                    <a:lumMod val="75000"/>
+                    <a:lumOff val="25000"/>
+                  </a:schemeClr>
+                </a:solidFill>
+                <a:latin typeface="+mj-ea"/>
+              </a:rPr>
+              <a:t>)</a:t>
+            </a:r>
             <a:endParaRPr kumimoji="1" lang="ja-JP" altLang="en-US" sz="3200" dirty="0">
               <a:solidFill>
                 <a:schemeClr val="tx1">
@@ -10856,362 +13262,6 @@
           </a:p>
         </p:txBody>
       </p:sp>
-      <p:graphicFrame>
-        <p:nvGraphicFramePr>
-          <p:cNvPr id="27" name="グラフ 26"/>
-          <p:cNvGraphicFramePr/>
-          <p:nvPr>
-            <p:extLst>
-              <p:ext uri="{D42A27DB-BD31-4B8C-83A1-F6EECF244321}">
-                <p14:modId xmlns:p14="http://schemas.microsoft.com/office/powerpoint/2010/main" val="3028457296"/>
-              </p:ext>
-            </p:extLst>
-          </p:nvPr>
-        </p:nvGraphicFramePr>
-        <p:xfrm>
-          <a:off x="1" y="1916030"/>
-          <a:ext cx="6096000" cy="4064000"/>
-        </p:xfrm>
-        <a:graphic>
-          <a:graphicData uri="http://schemas.openxmlformats.org/drawingml/2006/chart">
-            <c:chart xmlns:c="http://schemas.openxmlformats.org/drawingml/2006/chart" xmlns:r="http://schemas.openxmlformats.org/officeDocument/2006/relationships" r:id="rId2"/>
-          </a:graphicData>
-        </a:graphic>
-      </p:graphicFrame>
-      <p:graphicFrame>
-        <p:nvGraphicFramePr>
-          <p:cNvPr id="36" name="グラフ 35"/>
-          <p:cNvGraphicFramePr/>
-          <p:nvPr>
-            <p:extLst>
-              <p:ext uri="{D42A27DB-BD31-4B8C-83A1-F6EECF244321}">
-                <p14:modId xmlns:p14="http://schemas.microsoft.com/office/powerpoint/2010/main" val="3220141011"/>
-              </p:ext>
-            </p:extLst>
-          </p:nvPr>
-        </p:nvGraphicFramePr>
-        <p:xfrm>
-          <a:off x="-90152" y="1174528"/>
-          <a:ext cx="5589430" cy="4532114"/>
-        </p:xfrm>
-        <a:graphic>
-          <a:graphicData uri="http://schemas.openxmlformats.org/drawingml/2006/chart">
-            <c:chart xmlns:c="http://schemas.openxmlformats.org/drawingml/2006/chart" xmlns:r="http://schemas.openxmlformats.org/officeDocument/2006/relationships" r:id="rId3"/>
-          </a:graphicData>
-        </a:graphic>
-      </p:graphicFrame>
-      <p:sp>
-        <p:nvSpPr>
-          <p:cNvPr id="37" name="テキスト ボックス 36"/>
-          <p:cNvSpPr txBox="1"/>
-          <p:nvPr/>
-        </p:nvSpPr>
-        <p:spPr>
-          <a:xfrm>
-            <a:off x="2232339" y="3301699"/>
-            <a:ext cx="944449" cy="646331"/>
-          </a:xfrm>
-          <a:prstGeom prst="rect">
-            <a:avLst/>
-          </a:prstGeom>
-          <a:noFill/>
-        </p:spPr>
-        <p:txBody>
-          <a:bodyPr wrap="square" rtlCol="0">
-            <a:spAutoFit/>
-          </a:bodyPr>
-          <a:lstStyle/>
-          <a:p>
-            <a:r>
-              <a:rPr lang="en-US" altLang="ja-JP" sz="3600" dirty="0" smtClean="0">
-                <a:latin typeface="+mn-ea"/>
-              </a:rPr>
-              <a:t>10%</a:t>
-            </a:r>
-            <a:endParaRPr kumimoji="1" lang="ja-JP" altLang="en-US" sz="3600" dirty="0">
-              <a:latin typeface="+mn-ea"/>
-            </a:endParaRPr>
-          </a:p>
-        </p:txBody>
-      </p:sp>
-      <p:sp>
-        <p:nvSpPr>
-          <p:cNvPr id="40" name="テキスト ボックス 39"/>
-          <p:cNvSpPr txBox="1"/>
-          <p:nvPr/>
-        </p:nvSpPr>
-        <p:spPr>
-          <a:xfrm>
-            <a:off x="3535250" y="1331254"/>
-            <a:ext cx="3232598" cy="584775"/>
-          </a:xfrm>
-          <a:prstGeom prst="rect">
-            <a:avLst/>
-          </a:prstGeom>
-          <a:noFill/>
-        </p:spPr>
-        <p:txBody>
-          <a:bodyPr wrap="square" rtlCol="0">
-            <a:spAutoFit/>
-          </a:bodyPr>
-          <a:lstStyle/>
-          <a:p>
-            <a:r>
-              <a:rPr lang="ja-JP" altLang="en-US" sz="3200" dirty="0">
-                <a:solidFill>
-                  <a:schemeClr val="bg1">
-                    <a:lumMod val="50000"/>
-                  </a:schemeClr>
-                </a:solidFill>
-              </a:rPr>
-              <a:t>拡張</a:t>
-            </a:r>
-            <a:r>
-              <a:rPr kumimoji="1" lang="ja-JP" altLang="en-US" sz="3200" dirty="0" smtClean="0">
-                <a:solidFill>
-                  <a:schemeClr val="bg1">
-                    <a:lumMod val="50000"/>
-                  </a:schemeClr>
-                </a:solidFill>
-              </a:rPr>
-              <a:t>機能</a:t>
-            </a:r>
-            <a:endParaRPr kumimoji="1" lang="ja-JP" altLang="en-US" sz="3200" dirty="0">
-              <a:solidFill>
-                <a:schemeClr val="bg1">
-                  <a:lumMod val="50000"/>
-                </a:schemeClr>
-              </a:solidFill>
-            </a:endParaRPr>
-          </a:p>
-        </p:txBody>
-      </p:sp>
-      <p:sp>
-        <p:nvSpPr>
-          <p:cNvPr id="13" name="テキスト ボックス 12"/>
-          <p:cNvSpPr txBox="1"/>
-          <p:nvPr/>
-        </p:nvSpPr>
-        <p:spPr>
-          <a:xfrm>
-            <a:off x="4374524" y="2212170"/>
-            <a:ext cx="4571999" cy="3471720"/>
-          </a:xfrm>
-          <a:prstGeom prst="rect">
-            <a:avLst/>
-          </a:prstGeom>
-          <a:noFill/>
-        </p:spPr>
-        <p:txBody>
-          <a:bodyPr wrap="square" rtlCol="0">
-            <a:spAutoFit/>
-          </a:bodyPr>
-          <a:lstStyle/>
-          <a:p>
-            <a:pPr marL="457200" indent="-457200">
-              <a:lnSpc>
-                <a:spcPct val="120000"/>
-              </a:lnSpc>
-              <a:buFont typeface="Arial" panose="020B0604020202020204" pitchFamily="34" charset="0"/>
-              <a:buChar char="•"/>
-            </a:pPr>
-            <a:r>
-              <a:rPr lang="ja-JP" altLang="en-US" sz="2800" dirty="0" smtClean="0">
-                <a:solidFill>
-                  <a:schemeClr val="tx1">
-                    <a:lumMod val="75000"/>
-                    <a:lumOff val="25000"/>
-                  </a:schemeClr>
-                </a:solidFill>
-                <a:latin typeface="+mj-ea"/>
-                <a:ea typeface="+mj-ea"/>
-              </a:rPr>
-              <a:t>画像のアップロード関係</a:t>
-            </a:r>
-            <a:endParaRPr kumimoji="1" lang="en-US" altLang="ja-JP" sz="2800" dirty="0" smtClean="0">
-              <a:solidFill>
-                <a:schemeClr val="tx1">
-                  <a:lumMod val="75000"/>
-                  <a:lumOff val="25000"/>
-                </a:schemeClr>
-              </a:solidFill>
-              <a:latin typeface="+mj-ea"/>
-              <a:ea typeface="+mj-ea"/>
-            </a:endParaRPr>
-          </a:p>
-          <a:p>
-            <a:pPr marL="457200" indent="-457200">
-              <a:lnSpc>
-                <a:spcPct val="120000"/>
-              </a:lnSpc>
-              <a:buFont typeface="Arial" panose="020B0604020202020204" pitchFamily="34" charset="0"/>
-              <a:buChar char="•"/>
-            </a:pPr>
-            <a:r>
-              <a:rPr lang="ja-JP" altLang="en-US" sz="2800" dirty="0" smtClean="0">
-                <a:solidFill>
-                  <a:schemeClr val="tx1">
-                    <a:lumMod val="75000"/>
-                    <a:lumOff val="25000"/>
-                  </a:schemeClr>
-                </a:solidFill>
-                <a:latin typeface="+mj-ea"/>
-                <a:ea typeface="+mj-ea"/>
-              </a:rPr>
-              <a:t>セッション管理</a:t>
-            </a:r>
-            <a:endParaRPr lang="en-US" altLang="ja-JP" sz="2800" dirty="0" smtClean="0">
-              <a:solidFill>
-                <a:schemeClr val="tx1">
-                  <a:lumMod val="75000"/>
-                  <a:lumOff val="25000"/>
-                </a:schemeClr>
-              </a:solidFill>
-              <a:latin typeface="+mj-ea"/>
-              <a:ea typeface="+mj-ea"/>
-            </a:endParaRPr>
-          </a:p>
-          <a:p>
-            <a:pPr marL="457200" indent="-457200">
-              <a:lnSpc>
-                <a:spcPct val="120000"/>
-              </a:lnSpc>
-              <a:buFont typeface="Arial" panose="020B0604020202020204" pitchFamily="34" charset="0"/>
-              <a:buChar char="•"/>
-            </a:pPr>
-            <a:r>
-              <a:rPr lang="ja-JP" altLang="en-US" sz="2800" dirty="0" smtClean="0">
-                <a:solidFill>
-                  <a:schemeClr val="tx1">
-                    <a:lumMod val="75000"/>
-                    <a:lumOff val="25000"/>
-                  </a:schemeClr>
-                </a:solidFill>
-                <a:latin typeface="+mj-ea"/>
-                <a:ea typeface="+mj-ea"/>
-              </a:rPr>
-              <a:t>プロフィール表示項目を</a:t>
-            </a:r>
-            <a:r>
-              <a:rPr lang="ja-JP" altLang="en-US" sz="2800" dirty="0" smtClean="0">
-                <a:solidFill>
-                  <a:schemeClr val="tx1">
-                    <a:lumMod val="75000"/>
-                    <a:lumOff val="25000"/>
-                  </a:schemeClr>
-                </a:solidFill>
-                <a:latin typeface="+mj-ea"/>
-                <a:ea typeface="+mj-ea"/>
-              </a:rPr>
-              <a:t>増やす</a:t>
-            </a:r>
-            <a:endParaRPr lang="en-US" altLang="ja-JP" sz="2800" dirty="0" smtClean="0">
-              <a:solidFill>
-                <a:schemeClr val="tx1">
-                  <a:lumMod val="75000"/>
-                  <a:lumOff val="25000"/>
-                </a:schemeClr>
-              </a:solidFill>
-              <a:latin typeface="+mj-ea"/>
-              <a:ea typeface="+mj-ea"/>
-            </a:endParaRPr>
-          </a:p>
-          <a:p>
-            <a:pPr marL="457200" indent="-457200">
-              <a:lnSpc>
-                <a:spcPct val="120000"/>
-              </a:lnSpc>
-              <a:buFont typeface="Arial" panose="020B0604020202020204" pitchFamily="34" charset="0"/>
-              <a:buChar char="•"/>
-            </a:pPr>
-            <a:r>
-              <a:rPr lang="en-US" altLang="ja-JP" sz="2800" dirty="0" smtClean="0">
-                <a:solidFill>
-                  <a:schemeClr val="tx1">
-                    <a:lumMod val="75000"/>
-                    <a:lumOff val="25000"/>
-                  </a:schemeClr>
-                </a:solidFill>
-                <a:latin typeface="+mj-ea"/>
-                <a:ea typeface="+mj-ea"/>
-              </a:rPr>
-              <a:t>Web</a:t>
-            </a:r>
-            <a:r>
-              <a:rPr lang="ja-JP" altLang="en-US" sz="2800" dirty="0" smtClean="0">
-                <a:solidFill>
-                  <a:schemeClr val="tx1">
-                    <a:lumMod val="75000"/>
-                    <a:lumOff val="25000"/>
-                  </a:schemeClr>
-                </a:solidFill>
-                <a:latin typeface="+mj-ea"/>
-                <a:ea typeface="+mj-ea"/>
-              </a:rPr>
-              <a:t>上に公開</a:t>
-            </a:r>
-            <a:endParaRPr lang="en-US" altLang="ja-JP" sz="2800" dirty="0" smtClean="0">
-              <a:solidFill>
-                <a:schemeClr val="tx1">
-                  <a:lumMod val="75000"/>
-                  <a:lumOff val="25000"/>
-                </a:schemeClr>
-              </a:solidFill>
-              <a:latin typeface="+mj-ea"/>
-              <a:ea typeface="+mj-ea"/>
-            </a:endParaRPr>
-          </a:p>
-          <a:p>
-            <a:pPr>
-              <a:lnSpc>
-                <a:spcPct val="120000"/>
-              </a:lnSpc>
-            </a:pPr>
-            <a:r>
-              <a:rPr lang="ja-JP" altLang="en-US" sz="2800" dirty="0" smtClean="0">
-                <a:solidFill>
-                  <a:schemeClr val="tx1">
-                    <a:lumMod val="75000"/>
-                    <a:lumOff val="25000"/>
-                  </a:schemeClr>
-                </a:solidFill>
-                <a:latin typeface="+mj-ea"/>
-                <a:ea typeface="+mj-ea"/>
-              </a:rPr>
-              <a:t>　　　　　　　　　　　　　</a:t>
-            </a:r>
-            <a:r>
-              <a:rPr lang="en-US" altLang="ja-JP" sz="2800" dirty="0" err="1" smtClean="0">
-                <a:solidFill>
-                  <a:schemeClr val="tx1">
-                    <a:lumMod val="75000"/>
-                    <a:lumOff val="25000"/>
-                  </a:schemeClr>
-                </a:solidFill>
-                <a:latin typeface="+mj-ea"/>
-                <a:ea typeface="+mj-ea"/>
-              </a:rPr>
-              <a:t>etc</a:t>
-            </a:r>
-            <a:r>
-              <a:rPr lang="en-US" altLang="ja-JP" sz="2800" dirty="0" smtClean="0">
-                <a:solidFill>
-                  <a:schemeClr val="tx1">
-                    <a:lumMod val="75000"/>
-                    <a:lumOff val="25000"/>
-                  </a:schemeClr>
-                </a:solidFill>
-                <a:latin typeface="+mj-ea"/>
-                <a:ea typeface="+mj-ea"/>
-              </a:rPr>
-              <a:t>…</a:t>
-            </a:r>
-          </a:p>
-          <a:p>
-            <a:endParaRPr kumimoji="1" lang="ja-JP" altLang="en-US" dirty="0"/>
-          </a:p>
-        </p:txBody>
-      </p:sp>
       <p:sp>
         <p:nvSpPr>
           <p:cNvPr id="14" name="正方形/長方形 13"/>
@@ -11263,10 +13313,32 @@
           </a:p>
         </p:txBody>
       </p:sp>
+      <p:graphicFrame>
+        <p:nvGraphicFramePr>
+          <p:cNvPr id="11" name="グラフ 10"/>
+          <p:cNvGraphicFramePr/>
+          <p:nvPr>
+            <p:extLst>
+              <p:ext uri="{D42A27DB-BD31-4B8C-83A1-F6EECF244321}">
+                <p14:modId xmlns:p14="http://schemas.microsoft.com/office/powerpoint/2010/main" val="32150139"/>
+              </p:ext>
+            </p:extLst>
+          </p:nvPr>
+        </p:nvGraphicFramePr>
+        <p:xfrm>
+          <a:off x="274210" y="725067"/>
+          <a:ext cx="8599334" cy="5701489"/>
+        </p:xfrm>
+        <a:graphic>
+          <a:graphicData uri="http://schemas.openxmlformats.org/drawingml/2006/chart">
+            <c:chart xmlns:c="http://schemas.openxmlformats.org/drawingml/2006/chart" xmlns:r="http://schemas.openxmlformats.org/officeDocument/2006/relationships" r:id="rId3"/>
+          </a:graphicData>
+        </a:graphic>
+      </p:graphicFrame>
     </p:spTree>
     <p:extLst>
       <p:ext uri="{BB962C8B-B14F-4D97-AF65-F5344CB8AC3E}">
-        <p14:creationId xmlns:p14="http://schemas.microsoft.com/office/powerpoint/2010/main" val="1017141397"/>
+        <p14:creationId xmlns:p14="http://schemas.microsoft.com/office/powerpoint/2010/main" val="968281433"/>
       </p:ext>
     </p:extLst>
   </p:cSld>
@@ -11323,7 +13395,7 @@
           <a:lstStyle/>
           <a:p>
             <a:r>
-              <a:rPr kumimoji="1" lang="ja-JP" altLang="en-US" sz="3200" dirty="0" smtClean="0">
+              <a:rPr lang="ja-JP" altLang="en-US" sz="3200" dirty="0">
                 <a:solidFill>
                   <a:schemeClr val="tx1">
                     <a:lumMod val="75000"/>
@@ -11332,43 +13404,7 @@
                 </a:solidFill>
                 <a:latin typeface="+mj-ea"/>
               </a:rPr>
-              <a:t>進捗状況</a:t>
-            </a:r>
-            <a:r>
-              <a:rPr kumimoji="1" lang="en-US" altLang="ja-JP" sz="3200" dirty="0" smtClean="0">
-                <a:solidFill>
-                  <a:schemeClr val="tx1">
-                    <a:lumMod val="75000"/>
-                    <a:lumOff val="25000"/>
-                  </a:schemeClr>
-                </a:solidFill>
-                <a:latin typeface="+mj-ea"/>
-              </a:rPr>
-              <a:t>(</a:t>
-            </a:r>
-            <a:r>
-              <a:rPr kumimoji="1" lang="ja-JP" altLang="en-US" sz="3200" dirty="0" smtClean="0">
-                <a:solidFill>
-                  <a:schemeClr val="tx1">
-                    <a:lumMod val="75000"/>
-                    <a:lumOff val="25000"/>
-                  </a:schemeClr>
-                </a:solidFill>
-                <a:latin typeface="+mj-ea"/>
-              </a:rPr>
-              <a:t>書類</a:t>
-            </a:r>
-            <a:r>
-              <a:rPr kumimoji="1" lang="en-US" altLang="ja-JP" sz="3200" dirty="0" smtClean="0">
-                <a:solidFill>
-                  <a:schemeClr val="tx1">
-                    <a:lumMod val="75000"/>
-                    <a:lumOff val="25000"/>
-                  </a:schemeClr>
-                </a:solidFill>
-                <a:latin typeface="+mj-ea"/>
-              </a:rPr>
-              <a:t>)</a:t>
+              <a:t>進展状況</a:t>
             </a:r>
             <a:endParaRPr kumimoji="1" lang="ja-JP" altLang="en-US" sz="3200" dirty="0">
               <a:solidFill>
@@ -11584,9 +13620,31 @@
           </a:p>
         </p:txBody>
       </p:sp>
-      <p:sp>
-        <p:nvSpPr>
-          <p:cNvPr id="14" name="正方形/長方形 13"/>
+      <p:graphicFrame>
+        <p:nvGraphicFramePr>
+          <p:cNvPr id="11" name="グラフ 10"/>
+          <p:cNvGraphicFramePr/>
+          <p:nvPr>
+            <p:extLst>
+              <p:ext uri="{D42A27DB-BD31-4B8C-83A1-F6EECF244321}">
+                <p14:modId xmlns:p14="http://schemas.microsoft.com/office/powerpoint/2010/main" val="521787735"/>
+              </p:ext>
+            </p:extLst>
+          </p:nvPr>
+        </p:nvGraphicFramePr>
+        <p:xfrm>
+          <a:off x="274210" y="725067"/>
+          <a:ext cx="8599334" cy="5701489"/>
+        </p:xfrm>
+        <a:graphic>
+          <a:graphicData uri="http://schemas.openxmlformats.org/drawingml/2006/chart">
+            <c:chart xmlns:c="http://schemas.openxmlformats.org/drawingml/2006/chart" xmlns:r="http://schemas.openxmlformats.org/officeDocument/2006/relationships" r:id="rId3"/>
+          </a:graphicData>
+        </a:graphic>
+      </p:graphicFrame>
+      <p:sp>
+        <p:nvSpPr>
+          <p:cNvPr id="8" name="正方形/長方形 7"/>
           <p:cNvSpPr/>
           <p:nvPr/>
         </p:nvSpPr>
@@ -11635,32 +13693,10 @@
           </a:p>
         </p:txBody>
       </p:sp>
-      <p:graphicFrame>
-        <p:nvGraphicFramePr>
-          <p:cNvPr id="11" name="グラフ 10"/>
-          <p:cNvGraphicFramePr/>
-          <p:nvPr>
-            <p:extLst>
-              <p:ext uri="{D42A27DB-BD31-4B8C-83A1-F6EECF244321}">
-                <p14:modId xmlns:p14="http://schemas.microsoft.com/office/powerpoint/2010/main" val="32150139"/>
-              </p:ext>
-            </p:extLst>
-          </p:nvPr>
-        </p:nvGraphicFramePr>
-        <p:xfrm>
-          <a:off x="274210" y="725067"/>
-          <a:ext cx="8599334" cy="5701489"/>
-        </p:xfrm>
-        <a:graphic>
-          <a:graphicData uri="http://schemas.openxmlformats.org/drawingml/2006/chart">
-            <c:chart xmlns:c="http://schemas.openxmlformats.org/drawingml/2006/chart" xmlns:r="http://schemas.openxmlformats.org/officeDocument/2006/relationships" r:id="rId2"/>
-          </a:graphicData>
-        </a:graphic>
-      </p:graphicFrame>
     </p:spTree>
     <p:extLst>
       <p:ext uri="{BB962C8B-B14F-4D97-AF65-F5344CB8AC3E}">
-        <p14:creationId xmlns:p14="http://schemas.microsoft.com/office/powerpoint/2010/main" val="968281433"/>
+        <p14:creationId xmlns:p14="http://schemas.microsoft.com/office/powerpoint/2010/main" val="2269015073"/>
       </p:ext>
     </p:extLst>
   </p:cSld>
@@ -11696,6 +13732,461 @@
       </p:grpSpPr>
       <p:sp>
         <p:nvSpPr>
+          <p:cNvPr id="11" name="テキスト ボックス 10"/>
+          <p:cNvSpPr txBox="1"/>
+          <p:nvPr/>
+        </p:nvSpPr>
+        <p:spPr>
+          <a:xfrm>
+            <a:off x="0" y="1209153"/>
+            <a:ext cx="9144000" cy="1015663"/>
+          </a:xfrm>
+          <a:prstGeom prst="rect">
+            <a:avLst/>
+          </a:prstGeom>
+          <a:noFill/>
+        </p:spPr>
+        <p:txBody>
+          <a:bodyPr wrap="square" rtlCol="0">
+            <a:spAutoFit/>
+          </a:bodyPr>
+          <a:lstStyle/>
+          <a:p>
+            <a:r>
+              <a:rPr lang="ja-JP" altLang="en-US" sz="5400" dirty="0" smtClean="0">
+                <a:solidFill>
+                  <a:schemeClr val="bg1">
+                    <a:lumMod val="50000"/>
+                  </a:schemeClr>
+                </a:solidFill>
+                <a:latin typeface="HGP明朝B" panose="02020800000000000000" pitchFamily="18" charset="-128"/>
+                <a:ea typeface="HGP明朝B" panose="02020800000000000000" pitchFamily="18" charset="-128"/>
+              </a:rPr>
+              <a:t>　　　　 </a:t>
+            </a:r>
+            <a:r>
+              <a:rPr lang="en-US" altLang="ja-JP" sz="6000" dirty="0" smtClean="0">
+                <a:solidFill>
+                  <a:schemeClr val="tx1">
+                    <a:lumMod val="65000"/>
+                    <a:lumOff val="35000"/>
+                  </a:schemeClr>
+                </a:solidFill>
+                <a:latin typeface="HGP明朝E" panose="02020900000000000000" pitchFamily="18" charset="-128"/>
+                <a:ea typeface="HGP明朝E" panose="02020900000000000000" pitchFamily="18" charset="-128"/>
+              </a:rPr>
+              <a:t>1</a:t>
+            </a:r>
+            <a:r>
+              <a:rPr lang="en-US" altLang="ja-JP" sz="5400" dirty="0" smtClean="0">
+                <a:solidFill>
+                  <a:schemeClr val="bg1">
+                    <a:lumMod val="50000"/>
+                  </a:schemeClr>
+                </a:solidFill>
+                <a:latin typeface="+mj-ea"/>
+                <a:ea typeface="+mj-ea"/>
+              </a:rPr>
+              <a:t>  </a:t>
+            </a:r>
+            <a:r>
+              <a:rPr lang="ja-JP" altLang="en-US" sz="3200" dirty="0" smtClean="0">
+                <a:solidFill>
+                  <a:schemeClr val="tx1">
+                    <a:lumMod val="65000"/>
+                    <a:lumOff val="35000"/>
+                  </a:schemeClr>
+                </a:solidFill>
+                <a:latin typeface="+mj-ea"/>
+                <a:ea typeface="+mj-ea"/>
+              </a:rPr>
+              <a:t>開発コンセプト</a:t>
+            </a:r>
+            <a:r>
+              <a:rPr kumimoji="1" lang="en-US" altLang="ja-JP" sz="3200" dirty="0" smtClean="0">
+                <a:solidFill>
+                  <a:schemeClr val="tx1">
+                    <a:lumMod val="65000"/>
+                    <a:lumOff val="35000"/>
+                  </a:schemeClr>
+                </a:solidFill>
+                <a:latin typeface="+mj-ea"/>
+                <a:ea typeface="+mj-ea"/>
+              </a:rPr>
+              <a:t>  </a:t>
+            </a:r>
+            <a:endParaRPr kumimoji="1" lang="ja-JP" altLang="en-US" sz="3200" dirty="0">
+              <a:solidFill>
+                <a:schemeClr val="tx1">
+                  <a:lumMod val="65000"/>
+                  <a:lumOff val="35000"/>
+                </a:schemeClr>
+              </a:solidFill>
+              <a:latin typeface="+mj-ea"/>
+              <a:ea typeface="+mj-ea"/>
+            </a:endParaRPr>
+          </a:p>
+        </p:txBody>
+      </p:sp>
+      <p:sp>
+        <p:nvSpPr>
+          <p:cNvPr id="12" name="テキスト ボックス 11"/>
+          <p:cNvSpPr txBox="1"/>
+          <p:nvPr/>
+        </p:nvSpPr>
+        <p:spPr>
+          <a:xfrm>
+            <a:off x="0" y="2132483"/>
+            <a:ext cx="9144000" cy="1015663"/>
+          </a:xfrm>
+          <a:prstGeom prst="rect">
+            <a:avLst/>
+          </a:prstGeom>
+          <a:noFill/>
+        </p:spPr>
+        <p:txBody>
+          <a:bodyPr wrap="square" rtlCol="0">
+            <a:spAutoFit/>
+          </a:bodyPr>
+          <a:lstStyle/>
+          <a:p>
+            <a:r>
+              <a:rPr lang="ja-JP" altLang="en-US" sz="5400" dirty="0" smtClean="0">
+                <a:solidFill>
+                  <a:schemeClr val="bg1">
+                    <a:lumMod val="50000"/>
+                  </a:schemeClr>
+                </a:solidFill>
+                <a:latin typeface="HGP明朝B" panose="02020800000000000000" pitchFamily="18" charset="-128"/>
+                <a:ea typeface="HGP明朝B" panose="02020800000000000000" pitchFamily="18" charset="-128"/>
+              </a:rPr>
+              <a:t>　　　</a:t>
+            </a:r>
+            <a:r>
+              <a:rPr lang="ja-JP" altLang="en-US" sz="5400" dirty="0" smtClean="0">
+                <a:solidFill>
+                  <a:schemeClr val="bg1"/>
+                </a:solidFill>
+                <a:latin typeface="HGP明朝B" panose="02020800000000000000" pitchFamily="18" charset="-128"/>
+                <a:ea typeface="HGP明朝B" panose="02020800000000000000" pitchFamily="18" charset="-128"/>
+              </a:rPr>
+              <a:t>　 </a:t>
+            </a:r>
+            <a:r>
+              <a:rPr lang="en-US" altLang="ja-JP" sz="6000" dirty="0" smtClean="0">
+                <a:solidFill>
+                  <a:schemeClr val="tx1">
+                    <a:lumMod val="65000"/>
+                    <a:lumOff val="35000"/>
+                  </a:schemeClr>
+                </a:solidFill>
+                <a:latin typeface="HGP明朝E" panose="02020900000000000000" pitchFamily="18" charset="-128"/>
+                <a:ea typeface="HGP明朝E" panose="02020900000000000000" pitchFamily="18" charset="-128"/>
+              </a:rPr>
+              <a:t>2</a:t>
+            </a:r>
+            <a:r>
+              <a:rPr lang="en-US" altLang="ja-JP" sz="5400" dirty="0" smtClean="0">
+                <a:solidFill>
+                  <a:schemeClr val="tx1">
+                    <a:lumMod val="65000"/>
+                    <a:lumOff val="35000"/>
+                  </a:schemeClr>
+                </a:solidFill>
+                <a:latin typeface="+mj-ea"/>
+                <a:ea typeface="+mj-ea"/>
+              </a:rPr>
+              <a:t>  </a:t>
+            </a:r>
+            <a:r>
+              <a:rPr lang="ja-JP" altLang="en-US" sz="3200" dirty="0" smtClean="0">
+                <a:solidFill>
+                  <a:schemeClr val="tx1">
+                    <a:lumMod val="65000"/>
+                    <a:lumOff val="35000"/>
+                  </a:schemeClr>
+                </a:solidFill>
+                <a:latin typeface="+mj-ea"/>
+                <a:ea typeface="+mj-ea"/>
+              </a:rPr>
+              <a:t>開発環境、動作環境</a:t>
+            </a:r>
+            <a:r>
+              <a:rPr kumimoji="1" lang="en-US" altLang="ja-JP" sz="3200" dirty="0" smtClean="0">
+                <a:solidFill>
+                  <a:schemeClr val="tx1">
+                    <a:lumMod val="65000"/>
+                    <a:lumOff val="35000"/>
+                  </a:schemeClr>
+                </a:solidFill>
+                <a:latin typeface="+mj-ea"/>
+                <a:ea typeface="+mj-ea"/>
+              </a:rPr>
+              <a:t>  </a:t>
+            </a:r>
+            <a:endParaRPr kumimoji="1" lang="ja-JP" altLang="en-US" sz="3200" dirty="0">
+              <a:solidFill>
+                <a:schemeClr val="tx1">
+                  <a:lumMod val="65000"/>
+                  <a:lumOff val="35000"/>
+                </a:schemeClr>
+              </a:solidFill>
+              <a:latin typeface="+mj-ea"/>
+              <a:ea typeface="+mj-ea"/>
+            </a:endParaRPr>
+          </a:p>
+        </p:txBody>
+      </p:sp>
+      <p:sp>
+        <p:nvSpPr>
+          <p:cNvPr id="13" name="テキスト ボックス 12"/>
+          <p:cNvSpPr txBox="1"/>
+          <p:nvPr/>
+        </p:nvSpPr>
+        <p:spPr>
+          <a:xfrm>
+            <a:off x="0" y="3055813"/>
+            <a:ext cx="9144000" cy="1015663"/>
+          </a:xfrm>
+          <a:prstGeom prst="rect">
+            <a:avLst/>
+          </a:prstGeom>
+          <a:noFill/>
+        </p:spPr>
+        <p:txBody>
+          <a:bodyPr wrap="square" rtlCol="0">
+            <a:spAutoFit/>
+          </a:bodyPr>
+          <a:lstStyle/>
+          <a:p>
+            <a:r>
+              <a:rPr lang="ja-JP" altLang="en-US" sz="5400" dirty="0" smtClean="0">
+                <a:solidFill>
+                  <a:schemeClr val="bg1">
+                    <a:lumMod val="50000"/>
+                  </a:schemeClr>
+                </a:solidFill>
+                <a:latin typeface="HGP明朝B" panose="02020800000000000000" pitchFamily="18" charset="-128"/>
+                <a:ea typeface="HGP明朝B" panose="02020800000000000000" pitchFamily="18" charset="-128"/>
+              </a:rPr>
+              <a:t>　　　</a:t>
+            </a:r>
+            <a:r>
+              <a:rPr lang="ja-JP" altLang="en-US" sz="5400" dirty="0" smtClean="0">
+                <a:solidFill>
+                  <a:schemeClr val="bg1"/>
+                </a:solidFill>
+                <a:latin typeface="HGP明朝B" panose="02020800000000000000" pitchFamily="18" charset="-128"/>
+                <a:ea typeface="HGP明朝B" panose="02020800000000000000" pitchFamily="18" charset="-128"/>
+              </a:rPr>
+              <a:t>　 </a:t>
+            </a:r>
+            <a:r>
+              <a:rPr lang="en-US" altLang="ja-JP" sz="6000" dirty="0" smtClean="0">
+                <a:solidFill>
+                  <a:schemeClr val="tx1">
+                    <a:lumMod val="65000"/>
+                    <a:lumOff val="35000"/>
+                  </a:schemeClr>
+                </a:solidFill>
+                <a:latin typeface="HGP明朝E" panose="02020900000000000000" pitchFamily="18" charset="-128"/>
+                <a:ea typeface="HGP明朝E" panose="02020900000000000000" pitchFamily="18" charset="-128"/>
+              </a:rPr>
+              <a:t>3</a:t>
+            </a:r>
+            <a:r>
+              <a:rPr lang="en-US" altLang="ja-JP" sz="5400" dirty="0" smtClean="0">
+                <a:solidFill>
+                  <a:schemeClr val="tx1">
+                    <a:lumMod val="65000"/>
+                    <a:lumOff val="35000"/>
+                  </a:schemeClr>
+                </a:solidFill>
+                <a:latin typeface="+mn-ea"/>
+              </a:rPr>
+              <a:t>  </a:t>
+            </a:r>
+            <a:r>
+              <a:rPr lang="ja-JP" altLang="en-US" sz="3200" dirty="0" smtClean="0">
+                <a:solidFill>
+                  <a:schemeClr val="tx1">
+                    <a:lumMod val="65000"/>
+                    <a:lumOff val="35000"/>
+                  </a:schemeClr>
+                </a:solidFill>
+                <a:latin typeface="+mn-ea"/>
+              </a:rPr>
+              <a:t>進捗状況</a:t>
+            </a:r>
+            <a:r>
+              <a:rPr kumimoji="1" lang="en-US" altLang="ja-JP" sz="3200" dirty="0" smtClean="0">
+                <a:solidFill>
+                  <a:schemeClr val="tx1">
+                    <a:lumMod val="65000"/>
+                    <a:lumOff val="35000"/>
+                  </a:schemeClr>
+                </a:solidFill>
+                <a:latin typeface="+mn-ea"/>
+              </a:rPr>
+              <a:t>  </a:t>
+            </a:r>
+            <a:endParaRPr kumimoji="1" lang="ja-JP" altLang="en-US" sz="3200" dirty="0">
+              <a:solidFill>
+                <a:schemeClr val="tx1">
+                  <a:lumMod val="65000"/>
+                  <a:lumOff val="35000"/>
+                </a:schemeClr>
+              </a:solidFill>
+              <a:latin typeface="+mn-ea"/>
+            </a:endParaRPr>
+          </a:p>
+        </p:txBody>
+      </p:sp>
+      <p:sp>
+        <p:nvSpPr>
+          <p:cNvPr id="15" name="テキスト ボックス 14"/>
+          <p:cNvSpPr txBox="1"/>
+          <p:nvPr/>
+        </p:nvSpPr>
+        <p:spPr>
+          <a:xfrm>
+            <a:off x="0" y="4071476"/>
+            <a:ext cx="9144000" cy="1015663"/>
+          </a:xfrm>
+          <a:prstGeom prst="rect">
+            <a:avLst/>
+          </a:prstGeom>
+          <a:solidFill>
+            <a:srgbClr val="92D050"/>
+          </a:solidFill>
+        </p:spPr>
+        <p:txBody>
+          <a:bodyPr wrap="square" rtlCol="0">
+            <a:spAutoFit/>
+          </a:bodyPr>
+          <a:lstStyle/>
+          <a:p>
+            <a:r>
+              <a:rPr lang="ja-JP" altLang="en-US" sz="5400" dirty="0" smtClean="0">
+                <a:solidFill>
+                  <a:schemeClr val="bg1">
+                    <a:lumMod val="50000"/>
+                  </a:schemeClr>
+                </a:solidFill>
+                <a:latin typeface="HGP明朝B" panose="02020800000000000000" pitchFamily="18" charset="-128"/>
+                <a:ea typeface="HGP明朝B" panose="02020800000000000000" pitchFamily="18" charset="-128"/>
+              </a:rPr>
+              <a:t>　　　　 </a:t>
+            </a:r>
+            <a:r>
+              <a:rPr lang="en-US" altLang="ja-JP" sz="6000" dirty="0">
+                <a:solidFill>
+                  <a:schemeClr val="bg1"/>
+                </a:solidFill>
+                <a:latin typeface="HGP明朝E" panose="02020900000000000000" pitchFamily="18" charset="-128"/>
+                <a:ea typeface="HGP明朝E" panose="02020900000000000000" pitchFamily="18" charset="-128"/>
+              </a:rPr>
+              <a:t>4</a:t>
+            </a:r>
+            <a:r>
+              <a:rPr lang="en-US" altLang="ja-JP" sz="5400" dirty="0" smtClean="0">
+                <a:solidFill>
+                  <a:schemeClr val="bg1"/>
+                </a:solidFill>
+                <a:latin typeface="+mj-ea"/>
+                <a:ea typeface="+mj-ea"/>
+              </a:rPr>
+              <a:t>  </a:t>
+            </a:r>
+            <a:r>
+              <a:rPr lang="ja-JP" altLang="en-US" sz="3200" dirty="0">
+                <a:solidFill>
+                  <a:schemeClr val="bg1"/>
+                </a:solidFill>
+                <a:latin typeface="+mj-ea"/>
+                <a:ea typeface="+mj-ea"/>
+              </a:rPr>
+              <a:t>課題</a:t>
+            </a:r>
+            <a:r>
+              <a:rPr lang="ja-JP" altLang="en-US" sz="3200" dirty="0" smtClean="0">
+                <a:solidFill>
+                  <a:schemeClr val="bg1"/>
+                </a:solidFill>
+                <a:latin typeface="+mj-ea"/>
+                <a:ea typeface="+mj-ea"/>
+              </a:rPr>
+              <a:t>と</a:t>
+            </a:r>
+            <a:r>
+              <a:rPr lang="ja-JP" altLang="en-US" sz="3200" dirty="0">
+                <a:solidFill>
+                  <a:schemeClr val="bg1"/>
+                </a:solidFill>
+                <a:latin typeface="+mj-ea"/>
+                <a:ea typeface="+mj-ea"/>
+              </a:rPr>
+              <a:t>対応策</a:t>
+            </a:r>
+            <a:r>
+              <a:rPr kumimoji="1" lang="en-US" altLang="ja-JP" sz="3200" dirty="0" smtClean="0">
+                <a:solidFill>
+                  <a:schemeClr val="bg1"/>
+                </a:solidFill>
+                <a:latin typeface="+mj-ea"/>
+                <a:ea typeface="+mj-ea"/>
+              </a:rPr>
+              <a:t>  </a:t>
+            </a:r>
+            <a:endParaRPr kumimoji="1" lang="ja-JP" altLang="en-US" sz="3200" dirty="0">
+              <a:solidFill>
+                <a:schemeClr val="bg1"/>
+              </a:solidFill>
+              <a:latin typeface="+mj-ea"/>
+              <a:ea typeface="+mj-ea"/>
+            </a:endParaRPr>
+          </a:p>
+        </p:txBody>
+      </p:sp>
+    </p:spTree>
+    <p:extLst>
+      <p:ext uri="{BB962C8B-B14F-4D97-AF65-F5344CB8AC3E}">
+        <p14:creationId xmlns:p14="http://schemas.microsoft.com/office/powerpoint/2010/main" val="3493003504"/>
+      </p:ext>
+    </p:extLst>
+  </p:cSld>
+  <p:clrMapOvr>
+    <a:masterClrMapping/>
+  </p:clrMapOvr>
+  <p:timing>
+    <p:tnLst>
+      <p:par>
+        <p:cTn id="1" dur="indefinite" restart="never" nodeType="tmRoot"/>
+      </p:par>
+    </p:tnLst>
+  </p:timing>
+</p:sld>
+</file>
+
+<file path=ppt/slides/slide17.xml><?xml version="1.0" encoding="utf-8"?>
+<p:sld xmlns:a="http://schemas.openxmlformats.org/drawingml/2006/main" xmlns:r="http://schemas.openxmlformats.org/officeDocument/2006/relationships" xmlns:p="http://schemas.openxmlformats.org/presentationml/2006/main">
+  <p:cSld>
+    <p:spTree>
+      <p:nvGrpSpPr>
+        <p:cNvPr id="1" name=""/>
+        <p:cNvGrpSpPr/>
+        <p:nvPr/>
+      </p:nvGrpSpPr>
+      <p:grpSpPr>
+        <a:xfrm>
+          <a:off x="0" y="0"/>
+          <a:ext cx="0" cy="0"/>
+          <a:chOff x="0" y="0"/>
+          <a:chExt cx="0" cy="0"/>
+        </a:xfrm>
+      </p:grpSpPr>
+      <p:sp>
+        <p:nvSpPr>
           <p:cNvPr id="2" name="タイトル 1"/>
           <p:cNvSpPr>
             <a:spLocks noGrp="1"/>
@@ -11717,7 +14208,7 @@
           <a:lstStyle/>
           <a:p>
             <a:r>
-              <a:rPr lang="ja-JP" altLang="en-US" sz="3200" dirty="0">
+              <a:rPr lang="ja-JP" altLang="en-US" sz="3200" dirty="0" smtClean="0">
                 <a:solidFill>
                   <a:schemeClr val="tx1">
                     <a:lumMod val="75000"/>
@@ -11726,7 +14217,7 @@
                 </a:solidFill>
                 <a:latin typeface="+mj-ea"/>
               </a:rPr>
-              <a:t>進展状況</a:t>
+              <a:t>プロジェクトの課題</a:t>
             </a:r>
             <a:endParaRPr kumimoji="1" lang="ja-JP" altLang="en-US" sz="3200" dirty="0">
               <a:solidFill>
@@ -11942,31 +14433,232 @@
           </a:p>
         </p:txBody>
       </p:sp>
-      <p:graphicFrame>
-        <p:nvGraphicFramePr>
-          <p:cNvPr id="11" name="グラフ 10"/>
-          <p:cNvGraphicFramePr/>
-          <p:nvPr>
-            <p:extLst>
-              <p:ext uri="{D42A27DB-BD31-4B8C-83A1-F6EECF244321}">
-                <p14:modId xmlns:p14="http://schemas.microsoft.com/office/powerpoint/2010/main" val="521787735"/>
-              </p:ext>
-            </p:extLst>
-          </p:nvPr>
-        </p:nvGraphicFramePr>
-        <p:xfrm>
-          <a:off x="274210" y="725067"/>
-          <a:ext cx="8599334" cy="5701489"/>
-        </p:xfrm>
-        <a:graphic>
-          <a:graphicData uri="http://schemas.openxmlformats.org/drawingml/2006/chart">
-            <c:chart xmlns:c="http://schemas.openxmlformats.org/drawingml/2006/chart" xmlns:r="http://schemas.openxmlformats.org/officeDocument/2006/relationships" r:id="rId2"/>
-          </a:graphicData>
-        </a:graphic>
-      </p:graphicFrame>
-      <p:sp>
-        <p:nvSpPr>
-          <p:cNvPr id="8" name="正方形/長方形 7"/>
+      <p:sp>
+        <p:nvSpPr>
+          <p:cNvPr id="3" name="テキスト ボックス 2"/>
+          <p:cNvSpPr txBox="1"/>
+          <p:nvPr/>
+        </p:nvSpPr>
+        <p:spPr>
+          <a:xfrm>
+            <a:off x="736343" y="1239775"/>
+            <a:ext cx="7952484" cy="2893100"/>
+          </a:xfrm>
+          <a:prstGeom prst="rect">
+            <a:avLst/>
+          </a:prstGeom>
+          <a:noFill/>
+        </p:spPr>
+        <p:txBody>
+          <a:bodyPr wrap="square" rtlCol="0">
+            <a:spAutoFit/>
+          </a:bodyPr>
+          <a:lstStyle/>
+          <a:p>
+            <a:pPr marL="457200" indent="-457200">
+              <a:lnSpc>
+                <a:spcPct val="130000"/>
+              </a:lnSpc>
+              <a:buFont typeface="Arial" panose="020B0604020202020204" pitchFamily="34" charset="0"/>
+              <a:buChar char="•"/>
+            </a:pPr>
+            <a:r>
+              <a:rPr lang="ja-JP" altLang="en-US" sz="2800" dirty="0" smtClean="0">
+                <a:solidFill>
+                  <a:schemeClr val="tx1">
+                    <a:lumMod val="65000"/>
+                    <a:lumOff val="35000"/>
+                  </a:schemeClr>
+                </a:solidFill>
+              </a:rPr>
+              <a:t>パスワード</a:t>
+            </a:r>
+            <a:r>
+              <a:rPr lang="ja-JP" altLang="en-US" sz="2800" dirty="0">
+                <a:solidFill>
+                  <a:schemeClr val="tx1">
+                    <a:lumMod val="65000"/>
+                    <a:lumOff val="35000"/>
+                  </a:schemeClr>
+                </a:solidFill>
+              </a:rPr>
+              <a:t>が</a:t>
+            </a:r>
+            <a:r>
+              <a:rPr lang="en-US" altLang="ja-JP" sz="2800" dirty="0">
+                <a:solidFill>
+                  <a:schemeClr val="tx1">
+                    <a:lumMod val="65000"/>
+                    <a:lumOff val="35000"/>
+                  </a:schemeClr>
+                </a:solidFill>
+              </a:rPr>
+              <a:t>DB</a:t>
+            </a:r>
+            <a:r>
+              <a:rPr lang="ja-JP" altLang="en-US" sz="2800" dirty="0">
+                <a:solidFill>
+                  <a:schemeClr val="tx1">
+                    <a:lumMod val="65000"/>
+                    <a:lumOff val="35000"/>
+                  </a:schemeClr>
+                </a:solidFill>
+              </a:rPr>
+              <a:t>上で暗号化</a:t>
+            </a:r>
+            <a:r>
+              <a:rPr lang="ja-JP" altLang="en-US" sz="2800" dirty="0" smtClean="0">
+                <a:solidFill>
+                  <a:schemeClr val="tx1">
+                    <a:lumMod val="65000"/>
+                    <a:lumOff val="35000"/>
+                  </a:schemeClr>
+                </a:solidFill>
+              </a:rPr>
+              <a:t>されていない</a:t>
+            </a:r>
+            <a:endParaRPr lang="en-US" altLang="ja-JP" sz="2800" dirty="0" smtClean="0">
+              <a:solidFill>
+                <a:schemeClr val="tx1">
+                  <a:lumMod val="65000"/>
+                  <a:lumOff val="35000"/>
+                </a:schemeClr>
+              </a:solidFill>
+            </a:endParaRPr>
+          </a:p>
+          <a:p>
+            <a:pPr marL="457200" indent="-457200">
+              <a:lnSpc>
+                <a:spcPct val="130000"/>
+              </a:lnSpc>
+              <a:buFont typeface="Arial" panose="020B0604020202020204" pitchFamily="34" charset="0"/>
+              <a:buChar char="•"/>
+            </a:pPr>
+            <a:r>
+              <a:rPr lang="ja-JP" altLang="en-US" sz="2800" dirty="0" smtClean="0">
+                <a:solidFill>
+                  <a:schemeClr val="tx1">
+                    <a:lumMod val="65000"/>
+                    <a:lumOff val="35000"/>
+                  </a:schemeClr>
+                </a:solidFill>
+              </a:rPr>
+              <a:t>システムの脆弱性</a:t>
+            </a:r>
+            <a:r>
+              <a:rPr lang="ja-JP" altLang="en-US" sz="2800" dirty="0">
+                <a:solidFill>
+                  <a:schemeClr val="tx1">
+                    <a:lumMod val="65000"/>
+                    <a:lumOff val="35000"/>
+                  </a:schemeClr>
+                </a:solidFill>
+              </a:rPr>
+              <a:t>が</a:t>
+            </a:r>
+            <a:r>
+              <a:rPr lang="ja-JP" altLang="en-US" sz="2800" dirty="0" smtClean="0">
+                <a:solidFill>
+                  <a:schemeClr val="tx1">
+                    <a:lumMod val="65000"/>
+                    <a:lumOff val="35000"/>
+                  </a:schemeClr>
+                </a:solidFill>
+              </a:rPr>
+              <a:t>ひどい。  </a:t>
+            </a:r>
+            <a:endParaRPr lang="en-US" altLang="ja-JP" sz="2800" dirty="0" smtClean="0">
+              <a:solidFill>
+                <a:schemeClr val="tx1">
+                  <a:lumMod val="65000"/>
+                  <a:lumOff val="35000"/>
+                </a:schemeClr>
+              </a:solidFill>
+            </a:endParaRPr>
+          </a:p>
+          <a:p>
+            <a:pPr marL="457200" indent="-457200">
+              <a:lnSpc>
+                <a:spcPct val="130000"/>
+              </a:lnSpc>
+              <a:buFont typeface="Arial" panose="020B0604020202020204" pitchFamily="34" charset="0"/>
+              <a:buChar char="•"/>
+            </a:pPr>
+            <a:r>
+              <a:rPr lang="ja-JP" altLang="en-US" sz="2800" dirty="0" smtClean="0">
+                <a:solidFill>
+                  <a:schemeClr val="tx1">
+                    <a:lumMod val="65000"/>
+                    <a:lumOff val="35000"/>
+                  </a:schemeClr>
+                </a:solidFill>
+              </a:rPr>
+              <a:t>セキュリティを実装</a:t>
+            </a:r>
+            <a:r>
+              <a:rPr lang="ja-JP" altLang="en-US" sz="2800" dirty="0">
+                <a:solidFill>
+                  <a:schemeClr val="tx1">
+                    <a:lumMod val="65000"/>
+                    <a:lumOff val="35000"/>
+                  </a:schemeClr>
+                </a:solidFill>
+              </a:rPr>
+              <a:t>する上での</a:t>
+            </a:r>
+            <a:r>
+              <a:rPr lang="ja-JP" altLang="en-US" sz="2800" dirty="0" smtClean="0">
+                <a:solidFill>
+                  <a:schemeClr val="tx1">
+                    <a:lumMod val="65000"/>
+                    <a:lumOff val="35000"/>
+                  </a:schemeClr>
+                </a:solidFill>
+              </a:rPr>
+              <a:t>技術力が不足している</a:t>
+            </a:r>
+            <a:endParaRPr lang="en-US" altLang="ja-JP" sz="2800" dirty="0" smtClean="0">
+              <a:solidFill>
+                <a:schemeClr val="tx1">
+                  <a:lumMod val="65000"/>
+                  <a:lumOff val="35000"/>
+                </a:schemeClr>
+              </a:solidFill>
+            </a:endParaRPr>
+          </a:p>
+          <a:p>
+            <a:pPr marL="457200" indent="-457200">
+              <a:lnSpc>
+                <a:spcPct val="130000"/>
+              </a:lnSpc>
+              <a:buFont typeface="Arial" panose="020B0604020202020204" pitchFamily="34" charset="0"/>
+              <a:buChar char="•"/>
+            </a:pPr>
+            <a:r>
+              <a:rPr kumimoji="1" lang="ja-JP" altLang="en-US" sz="2800" dirty="0" smtClean="0">
+                <a:solidFill>
+                  <a:schemeClr val="tx1">
+                    <a:lumMod val="65000"/>
+                    <a:lumOff val="35000"/>
+                  </a:schemeClr>
+                </a:solidFill>
+              </a:rPr>
+              <a:t>サーバー関係</a:t>
+            </a:r>
+            <a:endParaRPr kumimoji="1" lang="ja-JP" altLang="en-US" sz="2800" dirty="0">
+              <a:solidFill>
+                <a:schemeClr val="tx1">
+                  <a:lumMod val="65000"/>
+                  <a:lumOff val="35000"/>
+                </a:schemeClr>
+              </a:solidFill>
+            </a:endParaRPr>
+          </a:p>
+        </p:txBody>
+      </p:sp>
+      <p:sp>
+        <p:nvSpPr>
+          <p:cNvPr id="9" name="正方形/長方形 8"/>
           <p:cNvSpPr/>
           <p:nvPr/>
         </p:nvSpPr>
@@ -12015,972 +14707,6 @@
           </a:p>
         </p:txBody>
       </p:sp>
-    </p:spTree>
-    <p:extLst>
-      <p:ext uri="{BB962C8B-B14F-4D97-AF65-F5344CB8AC3E}">
-        <p14:creationId xmlns:p14="http://schemas.microsoft.com/office/powerpoint/2010/main" val="2269015073"/>
-      </p:ext>
-    </p:extLst>
-  </p:cSld>
-  <p:clrMapOvr>
-    <a:masterClrMapping/>
-  </p:clrMapOvr>
-  <p:timing>
-    <p:tnLst>
-      <p:par>
-        <p:cTn id="1" dur="indefinite" restart="never" nodeType="tmRoot"/>
-      </p:par>
-    </p:tnLst>
-  </p:timing>
-</p:sld>
-</file>
-
-<file path=ppt/slides/slide17.xml><?xml version="1.0" encoding="utf-8"?>
-<p:sld xmlns:a="http://schemas.openxmlformats.org/drawingml/2006/main" xmlns:r="http://schemas.openxmlformats.org/officeDocument/2006/relationships" xmlns:p="http://schemas.openxmlformats.org/presentationml/2006/main">
-  <p:cSld>
-    <p:spTree>
-      <p:nvGrpSpPr>
-        <p:cNvPr id="1" name=""/>
-        <p:cNvGrpSpPr/>
-        <p:nvPr/>
-      </p:nvGrpSpPr>
-      <p:grpSpPr>
-        <a:xfrm>
-          <a:off x="0" y="0"/>
-          <a:ext cx="0" cy="0"/>
-          <a:chOff x="0" y="0"/>
-          <a:chExt cx="0" cy="0"/>
-        </a:xfrm>
-      </p:grpSpPr>
-      <p:sp>
-        <p:nvSpPr>
-          <p:cNvPr id="11" name="テキスト ボックス 10"/>
-          <p:cNvSpPr txBox="1"/>
-          <p:nvPr/>
-        </p:nvSpPr>
-        <p:spPr>
-          <a:xfrm>
-            <a:off x="0" y="1209153"/>
-            <a:ext cx="9144000" cy="1015663"/>
-          </a:xfrm>
-          <a:prstGeom prst="rect">
-            <a:avLst/>
-          </a:prstGeom>
-          <a:noFill/>
-        </p:spPr>
-        <p:txBody>
-          <a:bodyPr wrap="square" rtlCol="0">
-            <a:spAutoFit/>
-          </a:bodyPr>
-          <a:lstStyle/>
-          <a:p>
-            <a:r>
-              <a:rPr lang="ja-JP" altLang="en-US" sz="5400" dirty="0" smtClean="0">
-                <a:solidFill>
-                  <a:schemeClr val="bg1">
-                    <a:lumMod val="50000"/>
-                  </a:schemeClr>
-                </a:solidFill>
-                <a:latin typeface="HGP明朝B" panose="02020800000000000000" pitchFamily="18" charset="-128"/>
-                <a:ea typeface="HGP明朝B" panose="02020800000000000000" pitchFamily="18" charset="-128"/>
-              </a:rPr>
-              <a:t>　　　　 </a:t>
-            </a:r>
-            <a:r>
-              <a:rPr lang="en-US" altLang="ja-JP" sz="6000" dirty="0" smtClean="0">
-                <a:solidFill>
-                  <a:schemeClr val="tx1">
-                    <a:lumMod val="65000"/>
-                    <a:lumOff val="35000"/>
-                  </a:schemeClr>
-                </a:solidFill>
-                <a:latin typeface="HGP明朝E" panose="02020900000000000000" pitchFamily="18" charset="-128"/>
-                <a:ea typeface="HGP明朝E" panose="02020900000000000000" pitchFamily="18" charset="-128"/>
-              </a:rPr>
-              <a:t>1</a:t>
-            </a:r>
-            <a:r>
-              <a:rPr lang="en-US" altLang="ja-JP" sz="5400" dirty="0" smtClean="0">
-                <a:solidFill>
-                  <a:schemeClr val="bg1">
-                    <a:lumMod val="50000"/>
-                  </a:schemeClr>
-                </a:solidFill>
-                <a:latin typeface="+mj-ea"/>
-                <a:ea typeface="+mj-ea"/>
-              </a:rPr>
-              <a:t>  </a:t>
-            </a:r>
-            <a:r>
-              <a:rPr lang="ja-JP" altLang="en-US" sz="3200" dirty="0" smtClean="0">
-                <a:solidFill>
-                  <a:schemeClr val="tx1">
-                    <a:lumMod val="65000"/>
-                    <a:lumOff val="35000"/>
-                  </a:schemeClr>
-                </a:solidFill>
-                <a:latin typeface="+mj-ea"/>
-                <a:ea typeface="+mj-ea"/>
-              </a:rPr>
-              <a:t>開発コンセプト</a:t>
-            </a:r>
-            <a:r>
-              <a:rPr kumimoji="1" lang="en-US" altLang="ja-JP" sz="3200" dirty="0" smtClean="0">
-                <a:solidFill>
-                  <a:schemeClr val="tx1">
-                    <a:lumMod val="65000"/>
-                    <a:lumOff val="35000"/>
-                  </a:schemeClr>
-                </a:solidFill>
-                <a:latin typeface="+mj-ea"/>
-                <a:ea typeface="+mj-ea"/>
-              </a:rPr>
-              <a:t>  </a:t>
-            </a:r>
-            <a:endParaRPr kumimoji="1" lang="ja-JP" altLang="en-US" sz="3200" dirty="0">
-              <a:solidFill>
-                <a:schemeClr val="tx1">
-                  <a:lumMod val="65000"/>
-                  <a:lumOff val="35000"/>
-                </a:schemeClr>
-              </a:solidFill>
-              <a:latin typeface="+mj-ea"/>
-              <a:ea typeface="+mj-ea"/>
-            </a:endParaRPr>
-          </a:p>
-        </p:txBody>
-      </p:sp>
-      <p:sp>
-        <p:nvSpPr>
-          <p:cNvPr id="12" name="テキスト ボックス 11"/>
-          <p:cNvSpPr txBox="1"/>
-          <p:nvPr/>
-        </p:nvSpPr>
-        <p:spPr>
-          <a:xfrm>
-            <a:off x="0" y="2132483"/>
-            <a:ext cx="9144000" cy="1015663"/>
-          </a:xfrm>
-          <a:prstGeom prst="rect">
-            <a:avLst/>
-          </a:prstGeom>
-          <a:noFill/>
-        </p:spPr>
-        <p:txBody>
-          <a:bodyPr wrap="square" rtlCol="0">
-            <a:spAutoFit/>
-          </a:bodyPr>
-          <a:lstStyle/>
-          <a:p>
-            <a:r>
-              <a:rPr lang="ja-JP" altLang="en-US" sz="5400" dirty="0" smtClean="0">
-                <a:solidFill>
-                  <a:schemeClr val="bg1">
-                    <a:lumMod val="50000"/>
-                  </a:schemeClr>
-                </a:solidFill>
-                <a:latin typeface="HGP明朝B" panose="02020800000000000000" pitchFamily="18" charset="-128"/>
-                <a:ea typeface="HGP明朝B" panose="02020800000000000000" pitchFamily="18" charset="-128"/>
-              </a:rPr>
-              <a:t>　　　</a:t>
-            </a:r>
-            <a:r>
-              <a:rPr lang="ja-JP" altLang="en-US" sz="5400" dirty="0" smtClean="0">
-                <a:solidFill>
-                  <a:schemeClr val="bg1"/>
-                </a:solidFill>
-                <a:latin typeface="HGP明朝B" panose="02020800000000000000" pitchFamily="18" charset="-128"/>
-                <a:ea typeface="HGP明朝B" panose="02020800000000000000" pitchFamily="18" charset="-128"/>
-              </a:rPr>
-              <a:t>　 </a:t>
-            </a:r>
-            <a:r>
-              <a:rPr lang="en-US" altLang="ja-JP" sz="6000" dirty="0" smtClean="0">
-                <a:solidFill>
-                  <a:schemeClr val="tx1">
-                    <a:lumMod val="65000"/>
-                    <a:lumOff val="35000"/>
-                  </a:schemeClr>
-                </a:solidFill>
-                <a:latin typeface="HGP明朝E" panose="02020900000000000000" pitchFamily="18" charset="-128"/>
-                <a:ea typeface="HGP明朝E" panose="02020900000000000000" pitchFamily="18" charset="-128"/>
-              </a:rPr>
-              <a:t>2</a:t>
-            </a:r>
-            <a:r>
-              <a:rPr lang="en-US" altLang="ja-JP" sz="5400" dirty="0" smtClean="0">
-                <a:solidFill>
-                  <a:schemeClr val="tx1">
-                    <a:lumMod val="65000"/>
-                    <a:lumOff val="35000"/>
-                  </a:schemeClr>
-                </a:solidFill>
-                <a:latin typeface="+mj-ea"/>
-                <a:ea typeface="+mj-ea"/>
-              </a:rPr>
-              <a:t>  </a:t>
-            </a:r>
-            <a:r>
-              <a:rPr lang="ja-JP" altLang="en-US" sz="3200" dirty="0" smtClean="0">
-                <a:solidFill>
-                  <a:schemeClr val="tx1">
-                    <a:lumMod val="65000"/>
-                    <a:lumOff val="35000"/>
-                  </a:schemeClr>
-                </a:solidFill>
-                <a:latin typeface="+mj-ea"/>
-                <a:ea typeface="+mj-ea"/>
-              </a:rPr>
-              <a:t>開発環境、動作環境</a:t>
-            </a:r>
-            <a:r>
-              <a:rPr kumimoji="1" lang="en-US" altLang="ja-JP" sz="3200" dirty="0" smtClean="0">
-                <a:solidFill>
-                  <a:schemeClr val="tx1">
-                    <a:lumMod val="65000"/>
-                    <a:lumOff val="35000"/>
-                  </a:schemeClr>
-                </a:solidFill>
-                <a:latin typeface="+mj-ea"/>
-                <a:ea typeface="+mj-ea"/>
-              </a:rPr>
-              <a:t>  </a:t>
-            </a:r>
-            <a:endParaRPr kumimoji="1" lang="ja-JP" altLang="en-US" sz="3200" dirty="0">
-              <a:solidFill>
-                <a:schemeClr val="tx1">
-                  <a:lumMod val="65000"/>
-                  <a:lumOff val="35000"/>
-                </a:schemeClr>
-              </a:solidFill>
-              <a:latin typeface="+mj-ea"/>
-              <a:ea typeface="+mj-ea"/>
-            </a:endParaRPr>
-          </a:p>
-        </p:txBody>
-      </p:sp>
-      <p:sp>
-        <p:nvSpPr>
-          <p:cNvPr id="13" name="テキスト ボックス 12"/>
-          <p:cNvSpPr txBox="1"/>
-          <p:nvPr/>
-        </p:nvSpPr>
-        <p:spPr>
-          <a:xfrm>
-            <a:off x="0" y="3055813"/>
-            <a:ext cx="9144000" cy="1015663"/>
-          </a:xfrm>
-          <a:prstGeom prst="rect">
-            <a:avLst/>
-          </a:prstGeom>
-          <a:noFill/>
-        </p:spPr>
-        <p:txBody>
-          <a:bodyPr wrap="square" rtlCol="0">
-            <a:spAutoFit/>
-          </a:bodyPr>
-          <a:lstStyle/>
-          <a:p>
-            <a:r>
-              <a:rPr lang="ja-JP" altLang="en-US" sz="5400" dirty="0" smtClean="0">
-                <a:solidFill>
-                  <a:schemeClr val="bg1">
-                    <a:lumMod val="50000"/>
-                  </a:schemeClr>
-                </a:solidFill>
-                <a:latin typeface="HGP明朝B" panose="02020800000000000000" pitchFamily="18" charset="-128"/>
-                <a:ea typeface="HGP明朝B" panose="02020800000000000000" pitchFamily="18" charset="-128"/>
-              </a:rPr>
-              <a:t>　　　</a:t>
-            </a:r>
-            <a:r>
-              <a:rPr lang="ja-JP" altLang="en-US" sz="5400" dirty="0" smtClean="0">
-                <a:solidFill>
-                  <a:schemeClr val="bg1"/>
-                </a:solidFill>
-                <a:latin typeface="HGP明朝B" panose="02020800000000000000" pitchFamily="18" charset="-128"/>
-                <a:ea typeface="HGP明朝B" panose="02020800000000000000" pitchFamily="18" charset="-128"/>
-              </a:rPr>
-              <a:t>　 </a:t>
-            </a:r>
-            <a:r>
-              <a:rPr lang="en-US" altLang="ja-JP" sz="6000" dirty="0" smtClean="0">
-                <a:solidFill>
-                  <a:schemeClr val="tx1">
-                    <a:lumMod val="65000"/>
-                    <a:lumOff val="35000"/>
-                  </a:schemeClr>
-                </a:solidFill>
-                <a:latin typeface="HGP明朝E" panose="02020900000000000000" pitchFamily="18" charset="-128"/>
-                <a:ea typeface="HGP明朝E" panose="02020900000000000000" pitchFamily="18" charset="-128"/>
-              </a:rPr>
-              <a:t>3</a:t>
-            </a:r>
-            <a:r>
-              <a:rPr lang="en-US" altLang="ja-JP" sz="5400" dirty="0" smtClean="0">
-                <a:solidFill>
-                  <a:schemeClr val="tx1">
-                    <a:lumMod val="65000"/>
-                    <a:lumOff val="35000"/>
-                  </a:schemeClr>
-                </a:solidFill>
-                <a:latin typeface="+mn-ea"/>
-              </a:rPr>
-              <a:t>  </a:t>
-            </a:r>
-            <a:r>
-              <a:rPr lang="ja-JP" altLang="en-US" sz="3200" dirty="0" smtClean="0">
-                <a:solidFill>
-                  <a:schemeClr val="tx1">
-                    <a:lumMod val="65000"/>
-                    <a:lumOff val="35000"/>
-                  </a:schemeClr>
-                </a:solidFill>
-                <a:latin typeface="+mn-ea"/>
-              </a:rPr>
-              <a:t>進捗状況</a:t>
-            </a:r>
-            <a:r>
-              <a:rPr kumimoji="1" lang="en-US" altLang="ja-JP" sz="3200" dirty="0" smtClean="0">
-                <a:solidFill>
-                  <a:schemeClr val="tx1">
-                    <a:lumMod val="65000"/>
-                    <a:lumOff val="35000"/>
-                  </a:schemeClr>
-                </a:solidFill>
-                <a:latin typeface="+mn-ea"/>
-              </a:rPr>
-              <a:t>  </a:t>
-            </a:r>
-            <a:endParaRPr kumimoji="1" lang="ja-JP" altLang="en-US" sz="3200" dirty="0">
-              <a:solidFill>
-                <a:schemeClr val="tx1">
-                  <a:lumMod val="65000"/>
-                  <a:lumOff val="35000"/>
-                </a:schemeClr>
-              </a:solidFill>
-              <a:latin typeface="+mn-ea"/>
-            </a:endParaRPr>
-          </a:p>
-        </p:txBody>
-      </p:sp>
-      <p:sp>
-        <p:nvSpPr>
-          <p:cNvPr id="15" name="テキスト ボックス 14"/>
-          <p:cNvSpPr txBox="1"/>
-          <p:nvPr/>
-        </p:nvSpPr>
-        <p:spPr>
-          <a:xfrm>
-            <a:off x="0" y="4071476"/>
-            <a:ext cx="9144000" cy="1015663"/>
-          </a:xfrm>
-          <a:prstGeom prst="rect">
-            <a:avLst/>
-          </a:prstGeom>
-          <a:solidFill>
-            <a:srgbClr val="92D050"/>
-          </a:solidFill>
-        </p:spPr>
-        <p:txBody>
-          <a:bodyPr wrap="square" rtlCol="0">
-            <a:spAutoFit/>
-          </a:bodyPr>
-          <a:lstStyle/>
-          <a:p>
-            <a:r>
-              <a:rPr lang="ja-JP" altLang="en-US" sz="5400" dirty="0" smtClean="0">
-                <a:solidFill>
-                  <a:schemeClr val="bg1">
-                    <a:lumMod val="50000"/>
-                  </a:schemeClr>
-                </a:solidFill>
-                <a:latin typeface="HGP明朝B" panose="02020800000000000000" pitchFamily="18" charset="-128"/>
-                <a:ea typeface="HGP明朝B" panose="02020800000000000000" pitchFamily="18" charset="-128"/>
-              </a:rPr>
-              <a:t>　　　　 </a:t>
-            </a:r>
-            <a:r>
-              <a:rPr lang="en-US" altLang="ja-JP" sz="6000" dirty="0">
-                <a:solidFill>
-                  <a:schemeClr val="bg1"/>
-                </a:solidFill>
-                <a:latin typeface="HGP明朝E" panose="02020900000000000000" pitchFamily="18" charset="-128"/>
-                <a:ea typeface="HGP明朝E" panose="02020900000000000000" pitchFamily="18" charset="-128"/>
-              </a:rPr>
-              <a:t>4</a:t>
-            </a:r>
-            <a:r>
-              <a:rPr lang="en-US" altLang="ja-JP" sz="5400" dirty="0" smtClean="0">
-                <a:solidFill>
-                  <a:schemeClr val="bg1"/>
-                </a:solidFill>
-                <a:latin typeface="+mj-ea"/>
-                <a:ea typeface="+mj-ea"/>
-              </a:rPr>
-              <a:t>  </a:t>
-            </a:r>
-            <a:r>
-              <a:rPr lang="ja-JP" altLang="en-US" sz="3200" dirty="0" smtClean="0">
-                <a:solidFill>
-                  <a:schemeClr val="bg1"/>
-                </a:solidFill>
-                <a:latin typeface="+mj-ea"/>
-                <a:ea typeface="+mj-ea"/>
-              </a:rPr>
-              <a:t>問題点と改善点</a:t>
-            </a:r>
-            <a:r>
-              <a:rPr kumimoji="1" lang="en-US" altLang="ja-JP" sz="3200" dirty="0" smtClean="0">
-                <a:solidFill>
-                  <a:schemeClr val="bg1"/>
-                </a:solidFill>
-                <a:latin typeface="+mj-ea"/>
-                <a:ea typeface="+mj-ea"/>
-              </a:rPr>
-              <a:t>  </a:t>
-            </a:r>
-            <a:endParaRPr kumimoji="1" lang="ja-JP" altLang="en-US" sz="3200" dirty="0">
-              <a:solidFill>
-                <a:schemeClr val="bg1"/>
-              </a:solidFill>
-              <a:latin typeface="+mj-ea"/>
-              <a:ea typeface="+mj-ea"/>
-            </a:endParaRPr>
-          </a:p>
-        </p:txBody>
-      </p:sp>
-    </p:spTree>
-    <p:extLst>
-      <p:ext uri="{BB962C8B-B14F-4D97-AF65-F5344CB8AC3E}">
-        <p14:creationId xmlns:p14="http://schemas.microsoft.com/office/powerpoint/2010/main" val="3493003504"/>
-      </p:ext>
-    </p:extLst>
-  </p:cSld>
-  <p:clrMapOvr>
-    <a:masterClrMapping/>
-  </p:clrMapOvr>
-  <p:timing>
-    <p:tnLst>
-      <p:par>
-        <p:cTn id="1" dur="indefinite" restart="never" nodeType="tmRoot"/>
-      </p:par>
-    </p:tnLst>
-  </p:timing>
-</p:sld>
-</file>
-
-<file path=ppt/slides/slide18.xml><?xml version="1.0" encoding="utf-8"?>
-<p:sld xmlns:a="http://schemas.openxmlformats.org/drawingml/2006/main" xmlns:r="http://schemas.openxmlformats.org/officeDocument/2006/relationships" xmlns:p="http://schemas.openxmlformats.org/presentationml/2006/main">
-  <p:cSld>
-    <p:spTree>
-      <p:nvGrpSpPr>
-        <p:cNvPr id="1" name=""/>
-        <p:cNvGrpSpPr/>
-        <p:nvPr/>
-      </p:nvGrpSpPr>
-      <p:grpSpPr>
-        <a:xfrm>
-          <a:off x="0" y="0"/>
-          <a:ext cx="0" cy="0"/>
-          <a:chOff x="0" y="0"/>
-          <a:chExt cx="0" cy="0"/>
-        </a:xfrm>
-      </p:grpSpPr>
-      <p:sp>
-        <p:nvSpPr>
-          <p:cNvPr id="2" name="タイトル 1"/>
-          <p:cNvSpPr>
-            <a:spLocks noGrp="1"/>
-          </p:cNvSpPr>
-          <p:nvPr>
-            <p:ph type="title"/>
-          </p:nvPr>
-        </p:nvSpPr>
-        <p:spPr>
-          <a:xfrm>
-            <a:off x="969890" y="1"/>
-            <a:ext cx="7718937" cy="725068"/>
-          </a:xfrm>
-        </p:spPr>
-        <p:txBody>
-          <a:bodyPr>
-            <a:normAutofit/>
-          </a:bodyPr>
-          <a:lstStyle/>
-          <a:p>
-            <a:r>
-              <a:rPr lang="ja-JP" altLang="en-US" sz="3200" dirty="0" smtClean="0">
-                <a:solidFill>
-                  <a:schemeClr val="tx1">
-                    <a:lumMod val="75000"/>
-                    <a:lumOff val="25000"/>
-                  </a:schemeClr>
-                </a:solidFill>
-                <a:latin typeface="+mj-ea"/>
-              </a:rPr>
-              <a:t>プロジェクトの課題</a:t>
-            </a:r>
-            <a:endParaRPr kumimoji="1" lang="ja-JP" altLang="en-US" sz="3200" dirty="0">
-              <a:solidFill>
-                <a:schemeClr val="tx1">
-                  <a:lumMod val="75000"/>
-                  <a:lumOff val="25000"/>
-                </a:schemeClr>
-              </a:solidFill>
-              <a:latin typeface="+mj-ea"/>
-            </a:endParaRPr>
-          </a:p>
-        </p:txBody>
-      </p:sp>
-      <p:sp>
-        <p:nvSpPr>
-          <p:cNvPr id="4" name="正方形/長方形 3"/>
-          <p:cNvSpPr/>
-          <p:nvPr/>
-        </p:nvSpPr>
-        <p:spPr>
-          <a:xfrm>
-            <a:off x="548189" y="141783"/>
-            <a:ext cx="421701" cy="407214"/>
-          </a:xfrm>
-          <a:prstGeom prst="rect">
-            <a:avLst/>
-          </a:prstGeom>
-          <a:solidFill>
-            <a:srgbClr val="92D050"/>
-          </a:solidFill>
-        </p:spPr>
-        <p:style>
-          <a:lnRef idx="2">
-            <a:schemeClr val="accent1">
-              <a:shade val="50000"/>
-            </a:schemeClr>
-          </a:lnRef>
-          <a:fillRef idx="1">
-            <a:schemeClr val="accent1"/>
-          </a:fillRef>
-          <a:effectRef idx="0">
-            <a:schemeClr val="accent1"/>
-          </a:effectRef>
-          <a:fontRef idx="minor">
-            <a:schemeClr val="lt1"/>
-          </a:fontRef>
-        </p:style>
-        <p:txBody>
-          <a:bodyPr rot="0" spcFirstLastPara="0" vertOverflow="overflow" horzOverflow="overflow" vert="horz" wrap="square" lIns="68580" tIns="34290" rIns="68580" bIns="34290" numCol="1" spcCol="0" rtlCol="0" fromWordArt="0" anchor="ctr" anchorCtr="0" forceAA="0" compatLnSpc="1">
-            <a:prstTxWarp prst="textNoShape">
-              <a:avLst/>
-            </a:prstTxWarp>
-            <a:noAutofit/>
-          </a:bodyPr>
-          <a:lstStyle/>
-          <a:p>
-            <a:pPr algn="ctr"/>
-            <a:endParaRPr lang="ja-JP" altLang="en-US" sz="1350"/>
-          </a:p>
-        </p:txBody>
-      </p:sp>
-      <p:sp>
-        <p:nvSpPr>
-          <p:cNvPr id="5" name="正方形/長方形 4"/>
-          <p:cNvSpPr/>
-          <p:nvPr/>
-        </p:nvSpPr>
-        <p:spPr>
-          <a:xfrm>
-            <a:off x="274210" y="327316"/>
-            <a:ext cx="210736" cy="221681"/>
-          </a:xfrm>
-          <a:prstGeom prst="rect">
-            <a:avLst/>
-          </a:prstGeom>
-          <a:solidFill>
-            <a:srgbClr val="92D050">
-              <a:alpha val="64000"/>
-            </a:srgbClr>
-          </a:solidFill>
-        </p:spPr>
-        <p:style>
-          <a:lnRef idx="2">
-            <a:schemeClr val="accent1">
-              <a:shade val="50000"/>
-            </a:schemeClr>
-          </a:lnRef>
-          <a:fillRef idx="1">
-            <a:schemeClr val="accent1"/>
-          </a:fillRef>
-          <a:effectRef idx="0">
-            <a:schemeClr val="accent1"/>
-          </a:effectRef>
-          <a:fontRef idx="minor">
-            <a:schemeClr val="lt1"/>
-          </a:fontRef>
-        </p:style>
-        <p:txBody>
-          <a:bodyPr rot="0" spcFirstLastPara="0" vertOverflow="overflow" horzOverflow="overflow" vert="horz" wrap="square" lIns="68580" tIns="34290" rIns="68580" bIns="34290" numCol="1" spcCol="0" rtlCol="0" fromWordArt="0" anchor="ctr" anchorCtr="0" forceAA="0" compatLnSpc="1">
-            <a:prstTxWarp prst="textNoShape">
-              <a:avLst/>
-            </a:prstTxWarp>
-            <a:noAutofit/>
-          </a:bodyPr>
-          <a:lstStyle/>
-          <a:p>
-            <a:pPr algn="ctr"/>
-            <a:endParaRPr lang="ja-JP" altLang="en-US" sz="1350"/>
-          </a:p>
-        </p:txBody>
-      </p:sp>
-      <p:sp>
-        <p:nvSpPr>
-          <p:cNvPr id="6" name="正方形/長方形 5"/>
-          <p:cNvSpPr/>
-          <p:nvPr/>
-        </p:nvSpPr>
-        <p:spPr>
-          <a:xfrm>
-            <a:off x="614748" y="801564"/>
-            <a:ext cx="288581" cy="264317"/>
-          </a:xfrm>
-          <a:prstGeom prst="rect">
-            <a:avLst/>
-          </a:prstGeom>
-          <a:solidFill>
-            <a:schemeClr val="bg1">
-              <a:lumMod val="85000"/>
-            </a:schemeClr>
-          </a:solidFill>
-          <a:ln>
-            <a:noFill/>
-          </a:ln>
-        </p:spPr>
-        <p:style>
-          <a:lnRef idx="2">
-            <a:schemeClr val="accent1">
-              <a:shade val="50000"/>
-            </a:schemeClr>
-          </a:lnRef>
-          <a:fillRef idx="1">
-            <a:schemeClr val="accent1"/>
-          </a:fillRef>
-          <a:effectRef idx="0">
-            <a:schemeClr val="accent1"/>
-          </a:effectRef>
-          <a:fontRef idx="minor">
-            <a:schemeClr val="lt1"/>
-          </a:fontRef>
-        </p:style>
-        <p:txBody>
-          <a:bodyPr rot="0" spcFirstLastPara="0" vertOverflow="overflow" horzOverflow="overflow" vert="horz" wrap="square" lIns="68580" tIns="34290" rIns="68580" bIns="34290" numCol="1" spcCol="0" rtlCol="0" fromWordArt="0" anchor="ctr" anchorCtr="0" forceAA="0" compatLnSpc="1">
-            <a:prstTxWarp prst="textNoShape">
-              <a:avLst/>
-            </a:prstTxWarp>
-            <a:noAutofit/>
-          </a:bodyPr>
-          <a:lstStyle/>
-          <a:p>
-            <a:pPr algn="ctr"/>
-            <a:endParaRPr lang="ja-JP" altLang="en-US" sz="1350"/>
-          </a:p>
-        </p:txBody>
-      </p:sp>
-      <p:sp>
-        <p:nvSpPr>
-          <p:cNvPr id="7" name="正方形/長方形 6"/>
-          <p:cNvSpPr/>
-          <p:nvPr/>
-        </p:nvSpPr>
-        <p:spPr>
-          <a:xfrm>
-            <a:off x="1" y="690779"/>
-            <a:ext cx="9144001" cy="34289"/>
-          </a:xfrm>
-          <a:prstGeom prst="rect">
-            <a:avLst/>
-          </a:prstGeom>
-          <a:solidFill>
-            <a:srgbClr val="92D050"/>
-          </a:solidFill>
-          <a:ln>
-            <a:noFill/>
-          </a:ln>
-        </p:spPr>
-        <p:style>
-          <a:lnRef idx="2">
-            <a:schemeClr val="accent1">
-              <a:shade val="50000"/>
-            </a:schemeClr>
-          </a:lnRef>
-          <a:fillRef idx="1">
-            <a:schemeClr val="accent1"/>
-          </a:fillRef>
-          <a:effectRef idx="0">
-            <a:schemeClr val="accent1"/>
-          </a:effectRef>
-          <a:fontRef idx="minor">
-            <a:schemeClr val="lt1"/>
-          </a:fontRef>
-        </p:style>
-        <p:txBody>
-          <a:bodyPr rot="0" spcFirstLastPara="0" vertOverflow="overflow" horzOverflow="overflow" vert="horz" wrap="square" lIns="68580" tIns="34290" rIns="68580" bIns="34290" numCol="1" spcCol="0" rtlCol="0" fromWordArt="0" anchor="ctr" anchorCtr="0" forceAA="0" compatLnSpc="1">
-            <a:prstTxWarp prst="textNoShape">
-              <a:avLst/>
-            </a:prstTxWarp>
-            <a:noAutofit/>
-          </a:bodyPr>
-          <a:lstStyle/>
-          <a:p>
-            <a:pPr algn="ctr"/>
-            <a:endParaRPr lang="ja-JP" altLang="en-US" sz="1350"/>
-          </a:p>
-        </p:txBody>
-      </p:sp>
-      <p:sp>
-        <p:nvSpPr>
-          <p:cNvPr id="3" name="テキスト ボックス 2"/>
-          <p:cNvSpPr txBox="1"/>
-          <p:nvPr/>
-        </p:nvSpPr>
-        <p:spPr>
-          <a:xfrm>
-            <a:off x="903329" y="1797057"/>
-            <a:ext cx="7952484" cy="2332946"/>
-          </a:xfrm>
-          <a:prstGeom prst="rect">
-            <a:avLst/>
-          </a:prstGeom>
-          <a:noFill/>
-        </p:spPr>
-        <p:txBody>
-          <a:bodyPr wrap="square" rtlCol="0">
-            <a:spAutoFit/>
-          </a:bodyPr>
-          <a:lstStyle/>
-          <a:p>
-            <a:pPr marL="457200" indent="-457200">
-              <a:lnSpc>
-                <a:spcPct val="130000"/>
-              </a:lnSpc>
-              <a:buFont typeface="Arial" panose="020B0604020202020204" pitchFamily="34" charset="0"/>
-              <a:buChar char="•"/>
-            </a:pPr>
-            <a:r>
-              <a:rPr lang="ja-JP" altLang="en-US" sz="2800" dirty="0" smtClean="0">
-                <a:solidFill>
-                  <a:schemeClr val="tx1">
-                    <a:lumMod val="65000"/>
-                    <a:lumOff val="35000"/>
-                  </a:schemeClr>
-                </a:solidFill>
-              </a:rPr>
-              <a:t>パスワード</a:t>
-            </a:r>
-            <a:r>
-              <a:rPr lang="ja-JP" altLang="en-US" sz="2800" dirty="0">
-                <a:solidFill>
-                  <a:schemeClr val="tx1">
-                    <a:lumMod val="65000"/>
-                    <a:lumOff val="35000"/>
-                  </a:schemeClr>
-                </a:solidFill>
-              </a:rPr>
-              <a:t>が</a:t>
-            </a:r>
-            <a:r>
-              <a:rPr lang="en-US" altLang="ja-JP" sz="2800" dirty="0">
-                <a:solidFill>
-                  <a:schemeClr val="tx1">
-                    <a:lumMod val="65000"/>
-                    <a:lumOff val="35000"/>
-                  </a:schemeClr>
-                </a:solidFill>
-              </a:rPr>
-              <a:t>DB</a:t>
-            </a:r>
-            <a:r>
-              <a:rPr lang="ja-JP" altLang="en-US" sz="2800" dirty="0">
-                <a:solidFill>
-                  <a:schemeClr val="tx1">
-                    <a:lumMod val="65000"/>
-                    <a:lumOff val="35000"/>
-                  </a:schemeClr>
-                </a:solidFill>
-              </a:rPr>
-              <a:t>上で暗号化</a:t>
-            </a:r>
-            <a:r>
-              <a:rPr lang="ja-JP" altLang="en-US" sz="2800" dirty="0" smtClean="0">
-                <a:solidFill>
-                  <a:schemeClr val="tx1">
-                    <a:lumMod val="65000"/>
-                    <a:lumOff val="35000"/>
-                  </a:schemeClr>
-                </a:solidFill>
-              </a:rPr>
-              <a:t>されていない</a:t>
-            </a:r>
-            <a:endParaRPr lang="en-US" altLang="ja-JP" sz="2800" dirty="0" smtClean="0">
-              <a:solidFill>
-                <a:schemeClr val="tx1">
-                  <a:lumMod val="65000"/>
-                  <a:lumOff val="35000"/>
-                </a:schemeClr>
-              </a:solidFill>
-            </a:endParaRPr>
-          </a:p>
-          <a:p>
-            <a:pPr marL="457200" indent="-457200">
-              <a:lnSpc>
-                <a:spcPct val="130000"/>
-              </a:lnSpc>
-              <a:buFont typeface="Arial" panose="020B0604020202020204" pitchFamily="34" charset="0"/>
-              <a:buChar char="•"/>
-            </a:pPr>
-            <a:r>
-              <a:rPr lang="ja-JP" altLang="en-US" sz="2800" dirty="0" smtClean="0">
-                <a:solidFill>
-                  <a:schemeClr val="tx1">
-                    <a:lumMod val="65000"/>
-                    <a:lumOff val="35000"/>
-                  </a:schemeClr>
-                </a:solidFill>
-              </a:rPr>
-              <a:t>システムの脆弱性</a:t>
-            </a:r>
-            <a:r>
-              <a:rPr lang="ja-JP" altLang="en-US" sz="2800" dirty="0">
-                <a:solidFill>
-                  <a:schemeClr val="tx1">
-                    <a:lumMod val="65000"/>
-                    <a:lumOff val="35000"/>
-                  </a:schemeClr>
-                </a:solidFill>
-              </a:rPr>
-              <a:t>が</a:t>
-            </a:r>
-            <a:r>
-              <a:rPr lang="ja-JP" altLang="en-US" sz="2800" dirty="0" smtClean="0">
-                <a:solidFill>
-                  <a:schemeClr val="tx1">
-                    <a:lumMod val="65000"/>
-                    <a:lumOff val="35000"/>
-                  </a:schemeClr>
-                </a:solidFill>
-              </a:rPr>
-              <a:t>ひどい。  </a:t>
-            </a:r>
-            <a:endParaRPr lang="en-US" altLang="ja-JP" sz="2800" dirty="0" smtClean="0">
-              <a:solidFill>
-                <a:schemeClr val="tx1">
-                  <a:lumMod val="65000"/>
-                  <a:lumOff val="35000"/>
-                </a:schemeClr>
-              </a:solidFill>
-            </a:endParaRPr>
-          </a:p>
-          <a:p>
-            <a:pPr marL="457200" indent="-457200">
-              <a:lnSpc>
-                <a:spcPct val="130000"/>
-              </a:lnSpc>
-              <a:buFont typeface="Arial" panose="020B0604020202020204" pitchFamily="34" charset="0"/>
-              <a:buChar char="•"/>
-            </a:pPr>
-            <a:r>
-              <a:rPr lang="ja-JP" altLang="en-US" sz="2800" dirty="0" smtClean="0">
-                <a:solidFill>
-                  <a:schemeClr val="tx1">
-                    <a:lumMod val="65000"/>
-                    <a:lumOff val="35000"/>
-                  </a:schemeClr>
-                </a:solidFill>
-              </a:rPr>
-              <a:t>セキュリティを実装</a:t>
-            </a:r>
-            <a:r>
-              <a:rPr lang="ja-JP" altLang="en-US" sz="2800" dirty="0">
-                <a:solidFill>
-                  <a:schemeClr val="tx1">
-                    <a:lumMod val="65000"/>
-                    <a:lumOff val="35000"/>
-                  </a:schemeClr>
-                </a:solidFill>
-              </a:rPr>
-              <a:t>する上での</a:t>
-            </a:r>
-            <a:r>
-              <a:rPr lang="ja-JP" altLang="en-US" sz="2800" dirty="0" smtClean="0">
-                <a:solidFill>
-                  <a:schemeClr val="tx1">
-                    <a:lumMod val="65000"/>
-                    <a:lumOff val="35000"/>
-                  </a:schemeClr>
-                </a:solidFill>
-              </a:rPr>
-              <a:t>技術力が不足している</a:t>
-            </a:r>
-            <a:endParaRPr kumimoji="1" lang="ja-JP" altLang="en-US" sz="2800" dirty="0">
-              <a:solidFill>
-                <a:schemeClr val="tx1">
-                  <a:lumMod val="65000"/>
-                  <a:lumOff val="35000"/>
-                </a:schemeClr>
-              </a:solidFill>
-            </a:endParaRPr>
-          </a:p>
-        </p:txBody>
-      </p:sp>
-      <p:sp>
-        <p:nvSpPr>
-          <p:cNvPr id="9" name="正方形/長方形 8"/>
-          <p:cNvSpPr/>
-          <p:nvPr/>
-        </p:nvSpPr>
-        <p:spPr>
-          <a:xfrm>
-            <a:off x="2" y="6426558"/>
-            <a:ext cx="9144000" cy="283336"/>
-          </a:xfrm>
-          <a:prstGeom prst="rect">
-            <a:avLst/>
-          </a:prstGeom>
-          <a:solidFill>
-            <a:srgbClr val="92D050"/>
-          </a:solidFill>
-          <a:ln>
-            <a:noFill/>
-          </a:ln>
-        </p:spPr>
-        <p:style>
-          <a:lnRef idx="2">
-            <a:schemeClr val="accent1">
-              <a:shade val="50000"/>
-            </a:schemeClr>
-          </a:lnRef>
-          <a:fillRef idx="1">
-            <a:schemeClr val="accent1"/>
-          </a:fillRef>
-          <a:effectRef idx="0">
-            <a:schemeClr val="accent1"/>
-          </a:effectRef>
-          <a:fontRef idx="minor">
-            <a:schemeClr val="lt1"/>
-          </a:fontRef>
-        </p:style>
-        <p:txBody>
-          <a:bodyPr rot="0" spcFirstLastPara="0" vertOverflow="overflow" horzOverflow="overflow" vert="horz" wrap="square" lIns="68580" tIns="34290" rIns="68580" bIns="34290" numCol="1" spcCol="0" rtlCol="0" fromWordArt="0" anchor="ctr" anchorCtr="0" forceAA="0" compatLnSpc="1">
-            <a:prstTxWarp prst="textNoShape">
-              <a:avLst/>
-            </a:prstTxWarp>
-            <a:noAutofit/>
-          </a:bodyPr>
-          <a:lstStyle/>
-          <a:p>
-            <a:pPr algn="ctr"/>
-            <a:endParaRPr lang="ja-JP" altLang="en-US" sz="1350"/>
-          </a:p>
-        </p:txBody>
-      </p:sp>
       <p:pic>
         <p:nvPicPr>
           <p:cNvPr id="10" name="図 9"/>
@@ -12990,7 +14716,7 @@
           <p:nvPr/>
         </p:nvPicPr>
         <p:blipFill>
-          <a:blip r:embed="rId2">
+          <a:blip r:embed="rId3">
             <a:extLst>
               <a:ext uri="{28A0092B-C50C-407E-A947-70E740481C1C}">
                 <a14:useLocalDpi xmlns:a14="http://schemas.microsoft.com/office/drawing/2010/main" val="0"/>
@@ -13031,7 +14757,7 @@
 </p:sld>
 </file>
 
-<file path=ppt/slides/slide19.xml><?xml version="1.0" encoding="utf-8"?>
+<file path=ppt/slides/slide18.xml><?xml version="1.0" encoding="utf-8"?>
 <p:sld xmlns:a="http://schemas.openxmlformats.org/drawingml/2006/main" xmlns:r="http://schemas.openxmlformats.org/officeDocument/2006/relationships" xmlns:p="http://schemas.openxmlformats.org/presentationml/2006/main">
   <p:cSld>
     <p:spTree>
@@ -13467,7 +15193,7 @@
           <p:nvPr/>
         </p:nvPicPr>
         <p:blipFill>
-          <a:blip r:embed="rId2">
+          <a:blip r:embed="rId3">
             <a:extLst>
               <a:ext uri="{28A0092B-C50C-407E-A947-70E740481C1C}">
                 <a14:useLocalDpi xmlns:a14="http://schemas.microsoft.com/office/drawing/2010/main" val="0"/>
@@ -13508,6 +15234,72 @@
 </p:sld>
 </file>
 
+<file path=ppt/slides/slide19.xml><?xml version="1.0" encoding="utf-8"?>
+<p:sld xmlns:a="http://schemas.openxmlformats.org/drawingml/2006/main" xmlns:r="http://schemas.openxmlformats.org/officeDocument/2006/relationships" xmlns:p="http://schemas.openxmlformats.org/presentationml/2006/main">
+  <p:cSld>
+    <p:spTree>
+      <p:nvGrpSpPr>
+        <p:cNvPr id="1" name=""/>
+        <p:cNvGrpSpPr/>
+        <p:nvPr/>
+      </p:nvGrpSpPr>
+      <p:grpSpPr>
+        <a:xfrm>
+          <a:off x="0" y="0"/>
+          <a:ext cx="0" cy="0"/>
+          <a:chOff x="0" y="0"/>
+          <a:chExt cx="0" cy="0"/>
+        </a:xfrm>
+      </p:grpSpPr>
+      <p:pic>
+        <p:nvPicPr>
+          <p:cNvPr id="4" name="コンテンツ プレースホルダー 3"/>
+          <p:cNvPicPr>
+            <a:picLocks noGrp="1" noChangeAspect="1"/>
+          </p:cNvPicPr>
+          <p:nvPr>
+            <p:ph idx="1"/>
+          </p:nvPr>
+        </p:nvPicPr>
+        <p:blipFill>
+          <a:blip r:embed="rId3">
+            <a:extLst>
+              <a:ext uri="{28A0092B-C50C-407E-A947-70E740481C1C}">
+                <a14:useLocalDpi xmlns:a14="http://schemas.microsoft.com/office/drawing/2010/main" val="0"/>
+              </a:ext>
+            </a:extLst>
+          </a:blip>
+          <a:stretch>
+            <a:fillRect/>
+          </a:stretch>
+        </p:blipFill>
+        <p:spPr>
+          <a:xfrm>
+            <a:off x="1635616" y="644548"/>
+            <a:ext cx="5380003" cy="6456004"/>
+          </a:xfrm>
+        </p:spPr>
+      </p:pic>
+    </p:spTree>
+    <p:extLst>
+      <p:ext uri="{BB962C8B-B14F-4D97-AF65-F5344CB8AC3E}">
+        <p14:creationId xmlns:p14="http://schemas.microsoft.com/office/powerpoint/2010/main" val="113275288"/>
+      </p:ext>
+    </p:extLst>
+  </p:cSld>
+  <p:clrMapOvr>
+    <a:masterClrMapping/>
+  </p:clrMapOvr>
+  <p:timing>
+    <p:tnLst>
+      <p:par>
+        <p:cTn id="1" dur="indefinite" restart="never" nodeType="tmRoot"/>
+      </p:par>
+    </p:tnLst>
+  </p:timing>
+</p:sld>
+</file>
+
 <file path=ppt/slides/slide2.xml><?xml version="1.0" encoding="utf-8"?>
 <p:sld xmlns:a="http://schemas.openxmlformats.org/drawingml/2006/main" xmlns:r="http://schemas.openxmlformats.org/officeDocument/2006/relationships" xmlns:p="http://schemas.openxmlformats.org/presentationml/2006/main">
   <p:cSld>
@@ -13813,57 +15605,6 @@
               <a:latin typeface="+mj-ea"/>
               <a:ea typeface="+mj-ea"/>
             </a:endParaRPr>
-          </a:p>
-        </p:txBody>
-      </p:sp>
-      <p:sp>
-        <p:nvSpPr>
-          <p:cNvPr id="14" name="正方形/長方形 13"/>
-          <p:cNvSpPr/>
-          <p:nvPr/>
-        </p:nvSpPr>
-        <p:spPr>
-          <a:xfrm>
-            <a:off x="1" y="6156102"/>
-            <a:ext cx="9144000" cy="283336"/>
-          </a:xfrm>
-          <a:prstGeom prst="rect">
-            <a:avLst/>
-          </a:prstGeom>
-          <a:solidFill>
-            <a:srgbClr val="92D050"/>
-          </a:solidFill>
-          <a:ln>
-            <a:noFill/>
-          </a:ln>
-        </p:spPr>
-        <p:style>
-          <a:lnRef idx="2">
-            <a:schemeClr val="accent1">
-              <a:shade val="50000"/>
-            </a:schemeClr>
-          </a:lnRef>
-          <a:fillRef idx="1">
-            <a:schemeClr val="accent1"/>
-          </a:fillRef>
-          <a:effectRef idx="0">
-            <a:schemeClr val="accent1"/>
-          </a:effectRef>
-          <a:fontRef idx="minor">
-            <a:schemeClr val="lt1"/>
-          </a:fontRef>
-        </p:style>
-        <p:txBody>
-          <a:bodyPr rot="0" spcFirstLastPara="0" vertOverflow="overflow" horzOverflow="overflow" vert="horz" wrap="square" lIns="68580" tIns="34290" rIns="68580" bIns="34290" numCol="1" spcCol="0" rtlCol="0" fromWordArt="0" anchor="ctr" anchorCtr="0" forceAA="0" compatLnSpc="1">
-            <a:prstTxWarp prst="textNoShape">
-              <a:avLst/>
-            </a:prstTxWarp>
-            <a:noAutofit/>
-          </a:bodyPr>
-          <a:lstStyle/>
-          <a:p>
-            <a:pPr algn="ctr"/>
-            <a:endParaRPr lang="ja-JP" altLang="en-US" sz="1350"/>
           </a:p>
         </p:txBody>
       </p:sp>
@@ -14023,8 +15764,8 @@
         </p:nvSpPr>
         <p:spPr>
           <a:xfrm>
-            <a:off x="193185" y="-12762"/>
-            <a:ext cx="1481069" cy="1339402"/>
+            <a:off x="193185" y="-12763"/>
+            <a:ext cx="1429553" cy="1376271"/>
           </a:xfrm>
           <a:prstGeom prst="ellipse">
             <a:avLst/>
@@ -14080,143 +15821,6 @@
           <p:nvPr/>
         </p:nvPicPr>
         <p:blipFill>
-          <a:blip r:embed="rId2">
-            <a:extLst>
-              <a:ext uri="{28A0092B-C50C-407E-A947-70E740481C1C}">
-                <a14:useLocalDpi xmlns:a14="http://schemas.microsoft.com/office/drawing/2010/main" val="0"/>
-              </a:ext>
-            </a:extLst>
-          </a:blip>
-          <a:stretch>
-            <a:fillRect/>
-          </a:stretch>
-        </p:blipFill>
-        <p:spPr>
-          <a:xfrm>
-            <a:off x="4942267" y="1762938"/>
-            <a:ext cx="5132231" cy="5132231"/>
-          </a:xfrm>
-          <a:prstGeom prst="rect">
-            <a:avLst/>
-          </a:prstGeom>
-        </p:spPr>
-      </p:pic>
-    </p:spTree>
-    <p:extLst>
-      <p:ext uri="{BB962C8B-B14F-4D97-AF65-F5344CB8AC3E}">
-        <p14:creationId xmlns:p14="http://schemas.microsoft.com/office/powerpoint/2010/main" val="1224562827"/>
-      </p:ext>
-    </p:extLst>
-  </p:cSld>
-  <p:clrMapOvr>
-    <a:masterClrMapping/>
-  </p:clrMapOvr>
-  <p:timing>
-    <p:tnLst>
-      <p:par>
-        <p:cTn id="1" dur="indefinite" restart="never" nodeType="tmRoot"/>
-      </p:par>
-    </p:tnLst>
-  </p:timing>
-</p:sld>
-</file>
-
-<file path=ppt/slides/slide20.xml><?xml version="1.0" encoding="utf-8"?>
-<p:sld xmlns:a="http://schemas.openxmlformats.org/drawingml/2006/main" xmlns:r="http://schemas.openxmlformats.org/officeDocument/2006/relationships" xmlns:p="http://schemas.openxmlformats.org/presentationml/2006/main">
-  <p:cSld>
-    <p:spTree>
-      <p:nvGrpSpPr>
-        <p:cNvPr id="1" name=""/>
-        <p:cNvGrpSpPr/>
-        <p:nvPr/>
-      </p:nvGrpSpPr>
-      <p:grpSpPr>
-        <a:xfrm>
-          <a:off x="0" y="0"/>
-          <a:ext cx="0" cy="0"/>
-          <a:chOff x="0" y="0"/>
-          <a:chExt cx="0" cy="0"/>
-        </a:xfrm>
-      </p:grpSpPr>
-      <p:sp>
-        <p:nvSpPr>
-          <p:cNvPr id="3" name="コンテンツ プレースホルダー 2"/>
-          <p:cNvSpPr>
-            <a:spLocks noGrp="1"/>
-          </p:cNvSpPr>
-          <p:nvPr>
-            <p:ph idx="1"/>
-          </p:nvPr>
-        </p:nvSpPr>
-        <p:spPr>
-          <a:xfrm>
-            <a:off x="1143805" y="795316"/>
-            <a:ext cx="7886700" cy="4351338"/>
-          </a:xfrm>
-        </p:spPr>
-        <p:txBody>
-          <a:bodyPr/>
-          <a:lstStyle/>
-          <a:p>
-            <a:r>
-              <a:rPr kumimoji="1" lang="ja-JP" altLang="en-US" dirty="0" smtClean="0"/>
-              <a:t>ご清聴ありがとうございました！</a:t>
-            </a:r>
-            <a:r>
-              <a:rPr lang="en-US" altLang="ja-JP" dirty="0" smtClean="0"/>
-              <a:t>(</a:t>
-            </a:r>
-            <a:r>
-              <a:rPr lang="ja-JP" altLang="en-US" dirty="0" smtClean="0"/>
-              <a:t>仮</a:t>
-            </a:r>
-            <a:r>
-              <a:rPr lang="en-US" altLang="ja-JP" dirty="0" smtClean="0"/>
-              <a:t>)</a:t>
-            </a:r>
-            <a:endParaRPr kumimoji="1" lang="ja-JP" altLang="en-US" dirty="0"/>
-          </a:p>
-        </p:txBody>
-      </p:sp>
-      <p:pic>
-        <p:nvPicPr>
-          <p:cNvPr id="5" name="図 4"/>
-          <p:cNvPicPr>
-            <a:picLocks noChangeAspect="1"/>
-          </p:cNvPicPr>
-          <p:nvPr/>
-        </p:nvPicPr>
-        <p:blipFill>
-          <a:blip r:embed="rId2" cstate="print">
-            <a:extLst>
-              <a:ext uri="{28A0092B-C50C-407E-A947-70E740481C1C}">
-                <a14:useLocalDpi xmlns:a14="http://schemas.microsoft.com/office/drawing/2010/main" val="0"/>
-              </a:ext>
-            </a:extLst>
-          </a:blip>
-          <a:stretch>
-            <a:fillRect/>
-          </a:stretch>
-        </p:blipFill>
-        <p:spPr>
-          <a:xfrm rot="5400000">
-            <a:off x="2630912" y="1545463"/>
-            <a:ext cx="3425781" cy="3425781"/>
-          </a:xfrm>
-          <a:prstGeom prst="rect">
-            <a:avLst/>
-          </a:prstGeom>
-        </p:spPr>
-      </p:pic>
-      <p:pic>
-        <p:nvPicPr>
-          <p:cNvPr id="6" name="図 5"/>
-          <p:cNvPicPr>
-            <a:picLocks noChangeAspect="1"/>
-          </p:cNvPicPr>
-          <p:nvPr/>
-        </p:nvPicPr>
-        <p:blipFill>
           <a:blip r:embed="rId3">
             <a:extLst>
               <a:ext uri="{28A0092B-C50C-407E-A947-70E740481C1C}">
@@ -14230,48 +15834,69 @@
         </p:blipFill>
         <p:spPr>
           <a:xfrm>
-            <a:off x="0" y="2125014"/>
-            <a:ext cx="3068389" cy="4320862"/>
+            <a:off x="5289997" y="2007637"/>
+            <a:ext cx="5132231" cy="5132231"/>
           </a:xfrm>
           <a:prstGeom prst="rect">
             <a:avLst/>
           </a:prstGeom>
         </p:spPr>
       </p:pic>
-      <p:pic>
-        <p:nvPicPr>
-          <p:cNvPr id="7" name="図 6"/>
-          <p:cNvPicPr>
-            <a:picLocks noChangeAspect="1"/>
-          </p:cNvPicPr>
+      <p:sp>
+        <p:nvSpPr>
+          <p:cNvPr id="10" name="正方形/長方形 9"/>
+          <p:cNvSpPr/>
           <p:nvPr/>
-        </p:nvPicPr>
-        <p:blipFill>
-          <a:blip r:embed="rId4">
-            <a:extLst>
-              <a:ext uri="{28A0092B-C50C-407E-A947-70E740481C1C}">
-                <a14:useLocalDpi xmlns:a14="http://schemas.microsoft.com/office/drawing/2010/main" val="0"/>
-              </a:ext>
-            </a:extLst>
-          </a:blip>
-          <a:stretch>
-            <a:fillRect/>
-          </a:stretch>
-        </p:blipFill>
+        </p:nvSpPr>
         <p:spPr>
           <a:xfrm>
-            <a:off x="6056894" y="1642056"/>
-            <a:ext cx="3087106" cy="5286777"/>
+            <a:off x="0" y="6426560"/>
+            <a:ext cx="9144000" cy="283336"/>
           </a:xfrm>
           <a:prstGeom prst="rect">
             <a:avLst/>
           </a:prstGeom>
+          <a:solidFill>
+            <a:srgbClr val="92D050"/>
+          </a:solidFill>
+          <a:ln>
+            <a:noFill/>
+          </a:ln>
         </p:spPr>
-      </p:pic>
+        <p:style>
+          <a:lnRef idx="2">
+            <a:schemeClr val="accent1">
+              <a:shade val="50000"/>
+            </a:schemeClr>
+          </a:lnRef>
+          <a:fillRef idx="1">
+            <a:schemeClr val="accent1"/>
+          </a:fillRef>
+          <a:effectRef idx="0">
+            <a:schemeClr val="accent1"/>
+          </a:effectRef>
+          <a:fontRef idx="minor">
+            <a:schemeClr val="lt1"/>
+          </a:fontRef>
+        </p:style>
+        <p:txBody>
+          <a:bodyPr rot="0" spcFirstLastPara="0" vertOverflow="overflow" horzOverflow="overflow" vert="horz" wrap="square" lIns="68580" tIns="34290" rIns="68580" bIns="34290" numCol="1" spcCol="0" rtlCol="0" fromWordArt="0" anchor="ctr" anchorCtr="0" forceAA="0" compatLnSpc="1">
+            <a:prstTxWarp prst="textNoShape">
+              <a:avLst/>
+            </a:prstTxWarp>
+            <a:noAutofit/>
+          </a:bodyPr>
+          <a:lstStyle/>
+          <a:p>
+            <a:pPr algn="ctr"/>
+            <a:endParaRPr lang="ja-JP" altLang="en-US" sz="1350"/>
+          </a:p>
+        </p:txBody>
+      </p:sp>
     </p:spTree>
     <p:extLst>
       <p:ext uri="{BB962C8B-B14F-4D97-AF65-F5344CB8AC3E}">
-        <p14:creationId xmlns:p14="http://schemas.microsoft.com/office/powerpoint/2010/main" val="455011210"/>
+        <p14:creationId xmlns:p14="http://schemas.microsoft.com/office/powerpoint/2010/main" val="1224562827"/>
       </p:ext>
     </p:extLst>
   </p:cSld>
@@ -15076,162 +16701,170 @@
           <a:bodyPr/>
           <a:lstStyle/>
           <a:p>
-            <a:pPr>
+            <a:pPr marL="0" indent="0">
               <a:lnSpc>
-                <a:spcPct val="130000"/>
+                <a:spcPct val="120000"/>
               </a:lnSpc>
+              <a:buNone/>
             </a:pPr>
             <a:r>
-              <a:rPr lang="ja-JP" altLang="ja-JP" sz="2700" dirty="0">
+              <a:rPr lang="ja-JP" altLang="ja-JP" dirty="0">
                 <a:solidFill>
                   <a:schemeClr val="tx1">
-                    <a:lumMod val="75000"/>
-                    <a:lumOff val="25000"/>
+                    <a:lumMod val="65000"/>
+                    <a:lumOff val="35000"/>
                   </a:schemeClr>
                 </a:solidFill>
               </a:rPr>
-              <a:t>簡易的な</a:t>
-            </a:r>
-            <a:r>
-              <a:rPr lang="en-US" altLang="ja-JP" sz="2700" dirty="0" smtClean="0">
+              <a:t>既存のサービスとは違った、自分のプロフィールが作成</a:t>
+            </a:r>
+            <a:r>
+              <a:rPr lang="ja-JP" altLang="ja-JP" dirty="0" smtClean="0">
                 <a:solidFill>
                   <a:schemeClr val="tx1">
-                    <a:lumMod val="75000"/>
-                    <a:lumOff val="25000"/>
+                    <a:lumMod val="65000"/>
+                    <a:lumOff val="35000"/>
                   </a:schemeClr>
                 </a:solidFill>
               </a:rPr>
-              <a:t>SNS</a:t>
-            </a:r>
-            <a:endParaRPr lang="en-US" altLang="ja-JP" sz="2700" dirty="0">
+              <a:t>できる</a:t>
+            </a:r>
+            <a:r>
+              <a:rPr lang="en-US" altLang="ja-JP" dirty="0">
+                <a:solidFill>
+                  <a:schemeClr val="tx1">
+                    <a:lumMod val="65000"/>
+                    <a:lumOff val="35000"/>
+                  </a:schemeClr>
+                </a:solidFill>
+              </a:rPr>
+              <a:t>web</a:t>
+            </a:r>
+            <a:r>
+              <a:rPr lang="ja-JP" altLang="ja-JP" dirty="0">
+                <a:solidFill>
+                  <a:schemeClr val="tx1">
+                    <a:lumMod val="65000"/>
+                    <a:lumOff val="35000"/>
+                  </a:schemeClr>
+                </a:solidFill>
+              </a:rPr>
+              <a:t>サービス</a:t>
+            </a:r>
+            <a:r>
+              <a:rPr lang="ja-JP" altLang="ja-JP" dirty="0" smtClean="0">
+                <a:solidFill>
+                  <a:schemeClr val="tx1">
+                    <a:lumMod val="65000"/>
+                    <a:lumOff val="35000"/>
+                  </a:schemeClr>
+                </a:solidFill>
+              </a:rPr>
+              <a:t>。</a:t>
+            </a:r>
+            <a:endParaRPr lang="en-US" altLang="ja-JP" dirty="0" smtClean="0">
               <a:solidFill>
                 <a:schemeClr val="tx1">
-                  <a:lumMod val="75000"/>
-                  <a:lumOff val="25000"/>
+                  <a:lumMod val="65000"/>
+                  <a:lumOff val="35000"/>
                 </a:schemeClr>
               </a:solidFill>
             </a:endParaRPr>
           </a:p>
           <a:p>
-            <a:pPr>
+            <a:pPr marL="0" indent="0">
               <a:lnSpc>
-                <a:spcPct val="130000"/>
+                <a:spcPct val="120000"/>
               </a:lnSpc>
+              <a:buNone/>
             </a:pPr>
             <a:r>
-              <a:rPr lang="ja-JP" altLang="ja-JP" sz="2700" dirty="0" smtClean="0">
+              <a:rPr lang="en-US" altLang="ja-JP" dirty="0" smtClean="0">
                 <a:solidFill>
                   <a:schemeClr val="tx1">
-                    <a:lumMod val="75000"/>
-                    <a:lumOff val="25000"/>
+                    <a:lumMod val="65000"/>
+                    <a:lumOff val="35000"/>
                   </a:schemeClr>
                 </a:solidFill>
               </a:rPr>
-              <a:t>プロフィール</a:t>
-            </a:r>
-            <a:r>
-              <a:rPr lang="ja-JP" altLang="ja-JP" sz="2700" dirty="0">
+              <a:t>SNS</a:t>
+            </a:r>
+            <a:r>
+              <a:rPr lang="ja-JP" altLang="en-US" dirty="0" smtClean="0">
                 <a:solidFill>
                   <a:schemeClr val="tx1">
-                    <a:lumMod val="75000"/>
-                    <a:lumOff val="25000"/>
+                    <a:lumMod val="65000"/>
+                    <a:lumOff val="35000"/>
                   </a:schemeClr>
                 </a:solidFill>
               </a:rPr>
-              <a:t>を登録し、自分の興味のある他ユーザと簡単にコンタクトを取ることが</a:t>
-            </a:r>
-            <a:r>
-              <a:rPr lang="ja-JP" altLang="ja-JP" sz="2700" dirty="0" smtClean="0">
+              <a:t>に</a:t>
+            </a:r>
+            <a:r>
+              <a:rPr lang="en-US" altLang="ja-JP" dirty="0" smtClean="0">
                 <a:solidFill>
                   <a:schemeClr val="tx1">
-                    <a:lumMod val="75000"/>
-                    <a:lumOff val="25000"/>
+                    <a:lumMod val="65000"/>
+                    <a:lumOff val="35000"/>
                   </a:schemeClr>
                 </a:solidFill>
-              </a:rPr>
-              <a:t>出来</a:t>
-            </a:r>
-            <a:r>
-              <a:rPr lang="ja-JP" altLang="en-US" sz="2700" dirty="0" smtClean="0">
+                <a:latin typeface="+mj-ea"/>
+              </a:rPr>
+              <a:t>Hamfile</a:t>
+            </a:r>
+            <a:r>
+              <a:rPr lang="ja-JP" altLang="en-US" dirty="0" smtClean="0">
                 <a:solidFill>
                   <a:schemeClr val="tx1">
-                    <a:lumMod val="75000"/>
-                    <a:lumOff val="25000"/>
+                    <a:lumMod val="65000"/>
+                    <a:lumOff val="35000"/>
                   </a:schemeClr>
                 </a:solidFill>
-              </a:rPr>
-              <a:t>る</a:t>
-            </a:r>
-            <a:endParaRPr lang="en-US" altLang="ja-JP" sz="2700" dirty="0" smtClean="0">
+                <a:latin typeface="+mj-ea"/>
+              </a:rPr>
+              <a:t>の</a:t>
+            </a:r>
+            <a:r>
+              <a:rPr lang="ja-JP" altLang="en-US" dirty="0" smtClean="0">
+                <a:solidFill>
+                  <a:schemeClr val="tx1">
+                    <a:lumMod val="65000"/>
+                    <a:lumOff val="35000"/>
+                  </a:schemeClr>
+                </a:solidFill>
+              </a:rPr>
+              <a:t>プロフィールページを</a:t>
+            </a:r>
+            <a:r>
+              <a:rPr lang="ja-JP" altLang="en-US" dirty="0">
+                <a:solidFill>
+                  <a:schemeClr val="tx1">
+                    <a:lumMod val="65000"/>
+                    <a:lumOff val="35000"/>
+                  </a:schemeClr>
+                </a:solidFill>
+              </a:rPr>
+              <a:t>貼ること</a:t>
+            </a:r>
+            <a:r>
+              <a:rPr lang="ja-JP" altLang="en-US" dirty="0" smtClean="0">
+                <a:solidFill>
+                  <a:schemeClr val="tx1">
+                    <a:lumMod val="65000"/>
+                    <a:lumOff val="35000"/>
+                  </a:schemeClr>
+                </a:solidFill>
+              </a:rPr>
+              <a:t>で自分のプロフィールを公開できる。</a:t>
+            </a:r>
+            <a:endParaRPr kumimoji="1" lang="ja-JP" altLang="en-US" dirty="0">
               <a:solidFill>
                 <a:schemeClr val="tx1">
-                  <a:lumMod val="75000"/>
-                  <a:lumOff val="25000"/>
+                  <a:lumMod val="65000"/>
+                  <a:lumOff val="35000"/>
                 </a:schemeClr>
               </a:solidFill>
             </a:endParaRPr>
-          </a:p>
-          <a:p>
-            <a:pPr>
-              <a:lnSpc>
-                <a:spcPct val="130000"/>
-              </a:lnSpc>
-            </a:pPr>
-            <a:r>
-              <a:rPr lang="ja-JP" altLang="ja-JP" sz="2700" dirty="0" smtClean="0">
-                <a:solidFill>
-                  <a:schemeClr val="tx1">
-                    <a:lumMod val="75000"/>
-                    <a:lumOff val="25000"/>
-                  </a:schemeClr>
-                </a:solidFill>
-              </a:rPr>
-              <a:t>必要</a:t>
-            </a:r>
-            <a:r>
-              <a:rPr lang="ja-JP" altLang="ja-JP" sz="2700" dirty="0">
-                <a:solidFill>
-                  <a:schemeClr val="tx1">
-                    <a:lumMod val="75000"/>
-                    <a:lumOff val="25000"/>
-                  </a:schemeClr>
-                </a:solidFill>
-              </a:rPr>
-              <a:t>以上のコミュニケーションを排除し、淡白な繋がりを実現</a:t>
-            </a:r>
-            <a:r>
-              <a:rPr lang="ja-JP" altLang="ja-JP" sz="2700" dirty="0" smtClean="0">
-                <a:solidFill>
-                  <a:schemeClr val="tx1">
-                    <a:lumMod val="75000"/>
-                    <a:lumOff val="25000"/>
-                  </a:schemeClr>
-                </a:solidFill>
-              </a:rPr>
-              <a:t>させ</a:t>
-            </a:r>
-            <a:r>
-              <a:rPr lang="ja-JP" altLang="en-US" sz="2700" dirty="0">
-                <a:solidFill>
-                  <a:schemeClr val="tx1">
-                    <a:lumMod val="75000"/>
-                    <a:lumOff val="25000"/>
-                  </a:schemeClr>
-                </a:solidFill>
-              </a:rPr>
-              <a:t>る</a:t>
-            </a:r>
-            <a:endParaRPr lang="ja-JP" altLang="ja-JP" sz="2700" dirty="0">
-              <a:solidFill>
-                <a:schemeClr val="tx1">
-                  <a:lumMod val="75000"/>
-                  <a:lumOff val="25000"/>
-                </a:schemeClr>
-              </a:solidFill>
-            </a:endParaRPr>
-          </a:p>
-          <a:p>
-            <a:endParaRPr kumimoji="1" lang="ja-JP" altLang="en-US" dirty="0"/>
           </a:p>
         </p:txBody>
       </p:sp>
@@ -15423,7 +17056,7 @@
       </p:sp>
       <p:pic>
         <p:nvPicPr>
-          <p:cNvPr id="11" name="コンテンツ プレースホルダー 10"/>
+          <p:cNvPr id="4" name="コンテンツ プレースホルダー 3"/>
           <p:cNvPicPr>
             <a:picLocks noGrp="1" noChangeAspect="1"/>
           </p:cNvPicPr>
@@ -15432,7 +17065,7 @@
           </p:nvPr>
         </p:nvPicPr>
         <p:blipFill>
-          <a:blip r:embed="rId2">
+          <a:blip r:embed="rId3">
             <a:extLst>
               <a:ext uri="{28A0092B-C50C-407E-A947-70E740481C1C}">
                 <a14:useLocalDpi xmlns:a14="http://schemas.microsoft.com/office/drawing/2010/main" val="0"/>
@@ -15445,8 +17078,8 @@
         </p:blipFill>
         <p:spPr>
           <a:xfrm>
-            <a:off x="526752" y="1275008"/>
-            <a:ext cx="8102094" cy="4353060"/>
+            <a:off x="553792" y="1287887"/>
+            <a:ext cx="8062174" cy="4288665"/>
           </a:xfrm>
         </p:spPr>
       </p:pic>
@@ -15638,7 +17271,7 @@
       </p:sp>
       <p:pic>
         <p:nvPicPr>
-          <p:cNvPr id="4" name="コンテンツ プレースホルダー 3"/>
+          <p:cNvPr id="5" name="コンテンツ プレースホルダー 4"/>
           <p:cNvPicPr>
             <a:picLocks noGrp="1" noChangeAspect="1"/>
           </p:cNvPicPr>
@@ -15647,7 +17280,7 @@
           </p:nvPr>
         </p:nvPicPr>
         <p:blipFill>
-          <a:blip r:embed="rId2">
+          <a:blip r:embed="rId3">
             <a:extLst>
               <a:ext uri="{28A0092B-C50C-407E-A947-70E740481C1C}">
                 <a14:useLocalDpi xmlns:a14="http://schemas.microsoft.com/office/drawing/2010/main" val="0"/>
@@ -15660,8 +17293,8 @@
         </p:blipFill>
         <p:spPr>
           <a:xfrm>
-            <a:off x="538497" y="1287886"/>
-            <a:ext cx="8090347" cy="4288665"/>
+            <a:off x="540913" y="1287887"/>
+            <a:ext cx="8075053" cy="4301544"/>
           </a:xfrm>
         </p:spPr>
       </p:pic>
@@ -15853,7 +17486,7 @@
       </p:sp>
       <p:pic>
         <p:nvPicPr>
-          <p:cNvPr id="5" name="コンテンツ プレースホルダー 4"/>
+          <p:cNvPr id="9" name="コンテンツ プレースホルダー 8"/>
           <p:cNvPicPr>
             <a:picLocks noGrp="1" noChangeAspect="1"/>
           </p:cNvPicPr>
@@ -15862,7 +17495,7 @@
           </p:nvPr>
         </p:nvPicPr>
         <p:blipFill>
-          <a:blip r:embed="rId2">
+          <a:blip r:embed="rId3">
             <a:extLst>
               <a:ext uri="{28A0092B-C50C-407E-A947-70E740481C1C}">
                 <a14:useLocalDpi xmlns:a14="http://schemas.microsoft.com/office/drawing/2010/main" val="0"/>
@@ -15875,8 +17508,8 @@
         </p:blipFill>
         <p:spPr>
           <a:xfrm>
-            <a:off x="528034" y="1287887"/>
-            <a:ext cx="8087932" cy="4301543"/>
+            <a:off x="553792" y="1287888"/>
+            <a:ext cx="8049295" cy="4301544"/>
           </a:xfrm>
         </p:spPr>
       </p:pic>
@@ -16738,7 +18371,7 @@
               <a:buChar char="•"/>
             </a:pPr>
             <a:r>
-              <a:rPr lang="en-US" altLang="ja-JP" sz="3200" dirty="0" err="1" smtClean="0">
+              <a:rPr lang="en-US" altLang="ja-JP" sz="3200" dirty="0" smtClean="0">
                 <a:solidFill>
                   <a:schemeClr val="tx1">
                     <a:lumMod val="75000"/>
@@ -16925,18 +18558,7 @@
                   </a:schemeClr>
                 </a:solidFill>
               </a:rPr>
-              <a:t>P</a:t>
-            </a:r>
-            <a:r>
-              <a:rPr lang="en-US" altLang="ja-JP" sz="3200" dirty="0" smtClean="0">
-                <a:solidFill>
-                  <a:schemeClr val="tx1">
-                    <a:lumMod val="75000"/>
-                    <a:lumOff val="25000"/>
-                  </a:schemeClr>
-                </a:solidFill>
-              </a:rPr>
-              <a:t>icnic CSS</a:t>
+              <a:t>Picnic CSS</a:t>
             </a:r>
             <a:endParaRPr kumimoji="1" lang="en-US" altLang="ja-JP" sz="3200" dirty="0" smtClean="0">
               <a:solidFill>
@@ -17325,4 +18947,265 @@
     </a:ext>
   </a:extLst>
 </a:theme>
+</file>
+
+<file path=ppt/theme/theme2.xml><?xml version="1.0" encoding="utf-8"?>
+<a:theme xmlns:a="http://schemas.openxmlformats.org/drawingml/2006/main" name="Office テーマ">
+  <a:themeElements>
+    <a:clrScheme name="Office">
+      <a:dk1>
+        <a:sysClr val="windowText" lastClr="000000"/>
+      </a:dk1>
+      <a:lt1>
+        <a:sysClr val="window" lastClr="FFFFFF"/>
+      </a:lt1>
+      <a:dk2>
+        <a:srgbClr val="44546A"/>
+      </a:dk2>
+      <a:lt2>
+        <a:srgbClr val="E7E6E6"/>
+      </a:lt2>
+      <a:accent1>
+        <a:srgbClr val="5B9BD5"/>
+      </a:accent1>
+      <a:accent2>
+        <a:srgbClr val="ED7D31"/>
+      </a:accent2>
+      <a:accent3>
+        <a:srgbClr val="A5A5A5"/>
+      </a:accent3>
+      <a:accent4>
+        <a:srgbClr val="FFC000"/>
+      </a:accent4>
+      <a:accent5>
+        <a:srgbClr val="4472C4"/>
+      </a:accent5>
+      <a:accent6>
+        <a:srgbClr val="70AD47"/>
+      </a:accent6>
+      <a:hlink>
+        <a:srgbClr val="0563C1"/>
+      </a:hlink>
+      <a:folHlink>
+        <a:srgbClr val="954F72"/>
+      </a:folHlink>
+    </a:clrScheme>
+    <a:fontScheme name="Office">
+      <a:majorFont>
+        <a:latin typeface="Calibri Light" panose="020F0302020204030204"/>
+        <a:ea typeface=""/>
+        <a:cs typeface=""/>
+        <a:font script="Jpan" typeface="ＭＳ Ｐゴシック"/>
+        <a:font script="Hang" typeface="맑은 고딕"/>
+        <a:font script="Hans" typeface="宋体"/>
+        <a:font script="Hant" typeface="新細明體"/>
+        <a:font script="Arab" typeface="Times New Roman"/>
+        <a:font script="Hebr" typeface="Times New Roman"/>
+        <a:font script="Thai" typeface="Angsana New"/>
+        <a:font script="Ethi" typeface="Nyala"/>
+        <a:font script="Beng" typeface="Vrinda"/>
+        <a:font script="Gujr" typeface="Shruti"/>
+        <a:font script="Khmr" typeface="MoolBoran"/>
+        <a:font script="Knda" typeface="Tunga"/>
+        <a:font script="Guru" typeface="Raavi"/>
+        <a:font script="Cans" typeface="Euphemia"/>
+        <a:font script="Cher" typeface="Plantagenet Cherokee"/>
+        <a:font script="Yiii" typeface="Microsoft Yi Baiti"/>
+        <a:font script="Tibt" typeface="Microsoft Himalaya"/>
+        <a:font script="Thaa" typeface="MV Boli"/>
+        <a:font script="Deva" typeface="Mangal"/>
+        <a:font script="Telu" typeface="Gautami"/>
+        <a:font script="Taml" typeface="Latha"/>
+        <a:font script="Syrc" typeface="Estrangelo Edessa"/>
+        <a:font script="Orya" typeface="Kalinga"/>
+        <a:font script="Mlym" typeface="Kartika"/>
+        <a:font script="Laoo" typeface="DokChampa"/>
+        <a:font script="Sinh" typeface="Iskoola Pota"/>
+        <a:font script="Mong" typeface="Mongolian Baiti"/>
+        <a:font script="Viet" typeface="Times New Roman"/>
+        <a:font script="Uigh" typeface="Microsoft Uighur"/>
+        <a:font script="Geor" typeface="Sylfaen"/>
+      </a:majorFont>
+      <a:minorFont>
+        <a:latin typeface="Calibri" panose="020F0502020204030204"/>
+        <a:ea typeface=""/>
+        <a:cs typeface=""/>
+        <a:font script="Jpan" typeface="ＭＳ Ｐゴシック"/>
+        <a:font script="Hang" typeface="맑은 고딕"/>
+        <a:font script="Hans" typeface="宋体"/>
+        <a:font script="Hant" typeface="新細明體"/>
+        <a:font script="Arab" typeface="Arial"/>
+        <a:font script="Hebr" typeface="Arial"/>
+        <a:font script="Thai" typeface="Cordia New"/>
+        <a:font script="Ethi" typeface="Nyala"/>
+        <a:font script="Beng" typeface="Vrinda"/>
+        <a:font script="Gujr" typeface="Shruti"/>
+        <a:font script="Khmr" typeface="DaunPenh"/>
+        <a:font script="Knda" typeface="Tunga"/>
+        <a:font script="Guru" typeface="Raavi"/>
+        <a:font script="Cans" typeface="Euphemia"/>
+        <a:font script="Cher" typeface="Plantagenet Cherokee"/>
+        <a:font script="Yiii" typeface="Microsoft Yi Baiti"/>
+        <a:font script="Tibt" typeface="Microsoft Himalaya"/>
+        <a:font script="Thaa" typeface="MV Boli"/>
+        <a:font script="Deva" typeface="Mangal"/>
+        <a:font script="Telu" typeface="Gautami"/>
+        <a:font script="Taml" typeface="Latha"/>
+        <a:font script="Syrc" typeface="Estrangelo Edessa"/>
+        <a:font script="Orya" typeface="Kalinga"/>
+        <a:font script="Mlym" typeface="Kartika"/>
+        <a:font script="Laoo" typeface="DokChampa"/>
+        <a:font script="Sinh" typeface="Iskoola Pota"/>
+        <a:font script="Mong" typeface="Mongolian Baiti"/>
+        <a:font script="Viet" typeface="Arial"/>
+        <a:font script="Uigh" typeface="Microsoft Uighur"/>
+        <a:font script="Geor" typeface="Sylfaen"/>
+      </a:minorFont>
+    </a:fontScheme>
+    <a:fmtScheme name="Office">
+      <a:fillStyleLst>
+        <a:solidFill>
+          <a:schemeClr val="phClr"/>
+        </a:solidFill>
+        <a:gradFill rotWithShape="1">
+          <a:gsLst>
+            <a:gs pos="0">
+              <a:schemeClr val="phClr">
+                <a:lumMod val="110000"/>
+                <a:satMod val="105000"/>
+                <a:tint val="67000"/>
+              </a:schemeClr>
+            </a:gs>
+            <a:gs pos="50000">
+              <a:schemeClr val="phClr">
+                <a:lumMod val="105000"/>
+                <a:satMod val="103000"/>
+                <a:tint val="73000"/>
+              </a:schemeClr>
+            </a:gs>
+            <a:gs pos="100000">
+              <a:schemeClr val="phClr">
+                <a:lumMod val="105000"/>
+                <a:satMod val="109000"/>
+                <a:tint val="81000"/>
+              </a:schemeClr>
+            </a:gs>
+          </a:gsLst>
+          <a:lin ang="5400000" scaled="0"/>
+        </a:gradFill>
+        <a:gradFill rotWithShape="1">
+          <a:gsLst>
+            <a:gs pos="0">
+              <a:schemeClr val="phClr">
+                <a:satMod val="103000"/>
+                <a:lumMod val="102000"/>
+                <a:tint val="94000"/>
+              </a:schemeClr>
+            </a:gs>
+            <a:gs pos="50000">
+              <a:schemeClr val="phClr">
+                <a:satMod val="110000"/>
+                <a:lumMod val="100000"/>
+                <a:shade val="100000"/>
+              </a:schemeClr>
+            </a:gs>
+            <a:gs pos="100000">
+              <a:schemeClr val="phClr">
+                <a:lumMod val="99000"/>
+                <a:satMod val="120000"/>
+                <a:shade val="78000"/>
+              </a:schemeClr>
+            </a:gs>
+          </a:gsLst>
+          <a:lin ang="5400000" scaled="0"/>
+        </a:gradFill>
+      </a:fillStyleLst>
+      <a:lnStyleLst>
+        <a:ln w="6350" cap="flat" cmpd="sng" algn="ctr">
+          <a:solidFill>
+            <a:schemeClr val="phClr"/>
+          </a:solidFill>
+          <a:prstDash val="solid"/>
+          <a:miter lim="800000"/>
+        </a:ln>
+        <a:ln w="12700" cap="flat" cmpd="sng" algn="ctr">
+          <a:solidFill>
+            <a:schemeClr val="phClr"/>
+          </a:solidFill>
+          <a:prstDash val="solid"/>
+          <a:miter lim="800000"/>
+        </a:ln>
+        <a:ln w="19050" cap="flat" cmpd="sng" algn="ctr">
+          <a:solidFill>
+            <a:schemeClr val="phClr"/>
+          </a:solidFill>
+          <a:prstDash val="solid"/>
+          <a:miter lim="800000"/>
+        </a:ln>
+      </a:lnStyleLst>
+      <a:effectStyleLst>
+        <a:effectStyle>
+          <a:effectLst/>
+        </a:effectStyle>
+        <a:effectStyle>
+          <a:effectLst/>
+        </a:effectStyle>
+        <a:effectStyle>
+          <a:effectLst>
+            <a:outerShdw blurRad="57150" dist="19050" dir="5400000" algn="ctr" rotWithShape="0">
+              <a:srgbClr val="000000">
+                <a:alpha val="63000"/>
+              </a:srgbClr>
+            </a:outerShdw>
+          </a:effectLst>
+        </a:effectStyle>
+      </a:effectStyleLst>
+      <a:bgFillStyleLst>
+        <a:solidFill>
+          <a:schemeClr val="phClr"/>
+        </a:solidFill>
+        <a:solidFill>
+          <a:schemeClr val="phClr">
+            <a:tint val="95000"/>
+            <a:satMod val="170000"/>
+          </a:schemeClr>
+        </a:solidFill>
+        <a:gradFill rotWithShape="1">
+          <a:gsLst>
+            <a:gs pos="0">
+              <a:schemeClr val="phClr">
+                <a:tint val="93000"/>
+                <a:satMod val="150000"/>
+                <a:shade val="98000"/>
+                <a:lumMod val="102000"/>
+              </a:schemeClr>
+            </a:gs>
+            <a:gs pos="50000">
+              <a:schemeClr val="phClr">
+                <a:tint val="98000"/>
+                <a:satMod val="130000"/>
+                <a:shade val="90000"/>
+                <a:lumMod val="103000"/>
+              </a:schemeClr>
+            </a:gs>
+            <a:gs pos="100000">
+              <a:schemeClr val="phClr">
+                <a:shade val="63000"/>
+                <a:satMod val="120000"/>
+              </a:schemeClr>
+            </a:gs>
+          </a:gsLst>
+          <a:lin ang="5400000" scaled="0"/>
+        </a:gradFill>
+      </a:bgFillStyleLst>
+    </a:fmtScheme>
+  </a:themeElements>
+  <a:objectDefaults/>
+  <a:extraClrSchemeLst/>
+  <a:extLst>
+    <a:ext uri="{05A4C25C-085E-4340-85A3-A5531E510DB2}">
+      <thm15:themeFamily xmlns:thm15="http://schemas.microsoft.com/office/thememl/2012/main" name="Office Theme" id="{62F939B6-93AF-4DB8-9C6B-D6C7DFDC589F}" vid="{4A3C46E8-61CC-4603-A589-7422A47A8E4A}"/>
+    </a:ext>
+  </a:extLst>
+</a:theme>
 </file>
--- a/資料/発表資料.pptx
+++ b/資料/発表資料.pptx
@@ -125,7 +125,7 @@
       </a:defRPr>
     </a:lvl9pPr>
   </p:defaultTextStyle>
-  <p:modifyVerifier cryptProviderType="rsaAES" cryptAlgorithmClass="hash" cryptAlgorithmType="typeAny" cryptAlgorithmSid="14" spinCount="100000" saltData="5j71lYqDlYCL0DO/FgTiHA==" hashData="QnP4GfR/L6967+bGpiym9vkdBaP0gOK4LKxge5LxVTCPohqsq1tWmLPM3LwkTZkJXbg2fvLZs0Uws4Qv8T1j3w=="/>
+  <p:modifyVerifier cryptProviderType="rsaAES" cryptAlgorithmClass="hash" cryptAlgorithmType="typeAny" cryptAlgorithmSid="14" spinCount="100000" saltData="GwGgeLno3LfZsFZ8aOHA2g==" hashData="1As1bJaPaNOfejakOunoQN/+UvTOa393qhizY1zFEBsN7VUQrN2TllXyBODPN5Avli0FIFCKg/CDT8t4PlFXww=="/>
   <p:extLst>
     <p:ext uri="{EFAFB233-063F-42B5-8137-9DF3F51BA10A}">
       <p15:sldGuideLst xmlns:p15="http://schemas.microsoft.com/office/powerpoint/2012/main"/>
@@ -734,6 +734,7 @@
           </a:p>
         </c:rich>
       </c:tx>
+      <c:layout/>
       <c:overlay val="0"/>
       <c:spPr>
         <a:noFill/>
@@ -926,11 +927,11 @@
         </c:dLbls>
         <c:gapWidth val="150"/>
         <c:overlap val="100"/>
-        <c:axId val="262475824"/>
-        <c:axId val="262473472"/>
+        <c:axId val="337183776"/>
+        <c:axId val="339835856"/>
       </c:barChart>
       <c:catAx>
-        <c:axId val="262475824"/>
+        <c:axId val="337183776"/>
         <c:scaling>
           <c:orientation val="minMax"/>
         </c:scaling>
@@ -973,7 +974,7 @@
             <a:endParaRPr lang="ja-JP"/>
           </a:p>
         </c:txPr>
-        <c:crossAx val="262473472"/>
+        <c:crossAx val="339835856"/>
         <c:crosses val="autoZero"/>
         <c:auto val="1"/>
         <c:lblAlgn val="ctr"/>
@@ -981,7 +982,7 @@
         <c:noMultiLvlLbl val="0"/>
       </c:catAx>
       <c:valAx>
-        <c:axId val="262473472"/>
+        <c:axId val="339835856"/>
         <c:scaling>
           <c:orientation val="minMax"/>
         </c:scaling>
@@ -1032,7 +1033,7 @@
             <a:endParaRPr lang="ja-JP"/>
           </a:p>
         </c:txPr>
-        <c:crossAx val="262475824"/>
+        <c:crossAx val="337183776"/>
         <c:crosses val="autoZero"/>
         <c:crossBetween val="between"/>
       </c:valAx>
@@ -1112,6 +1113,7 @@
           </a:p>
         </c:rich>
       </c:tx>
+      <c:layout/>
       <c:overlay val="0"/>
       <c:spPr>
         <a:noFill/>
@@ -1292,11 +1294,11 @@
         </c:dLbls>
         <c:gapWidth val="150"/>
         <c:overlap val="100"/>
-        <c:axId val="262474256"/>
-        <c:axId val="306213752"/>
+        <c:axId val="339830760"/>
+        <c:axId val="339833896"/>
       </c:barChart>
       <c:catAx>
-        <c:axId val="262474256"/>
+        <c:axId val="339830760"/>
         <c:scaling>
           <c:orientation val="minMax"/>
         </c:scaling>
@@ -1339,7 +1341,7 @@
             <a:endParaRPr lang="ja-JP"/>
           </a:p>
         </c:txPr>
-        <c:crossAx val="306213752"/>
+        <c:crossAx val="339833896"/>
         <c:crosses val="autoZero"/>
         <c:auto val="1"/>
         <c:lblAlgn val="ctr"/>
@@ -1347,7 +1349,7 @@
         <c:noMultiLvlLbl val="0"/>
       </c:catAx>
       <c:valAx>
-        <c:axId val="306213752"/>
+        <c:axId val="339833896"/>
         <c:scaling>
           <c:orientation val="minMax"/>
         </c:scaling>
@@ -1398,7 +1400,7 @@
             <a:endParaRPr lang="ja-JP"/>
           </a:p>
         </c:txPr>
-        <c:crossAx val="262474256"/>
+        <c:crossAx val="339830760"/>
         <c:crosses val="autoZero"/>
         <c:crossBetween val="between"/>
       </c:valAx>
@@ -5294,7 +5296,7 @@
               <a:t>Windows10</a:t>
             </a:r>
             <a:r>
-              <a:rPr kumimoji="1" lang="ja-JP" altLang="en-US" dirty="0" err="1" smtClean="0"/>
+              <a:rPr kumimoji="1" lang="ja-JP" altLang="en-US" dirty="0" smtClean="0"/>
               <a:t>、</a:t>
             </a:r>
             <a:r>
@@ -5302,20 +5304,20 @@
               <a:t>8</a:t>
             </a:r>
             <a:r>
-              <a:rPr kumimoji="1" lang="ja-JP" altLang="en-US" dirty="0" err="1" smtClean="0"/>
-              <a:t>、</a:t>
-            </a:r>
-            <a:r>
               <a:rPr kumimoji="1" lang="ja-JP" altLang="en-US" dirty="0" smtClean="0"/>
-              <a:t>インターネット環境となっております。開発ツールはプロジェクトをスムーズに進めるためにバージョン管理システムとして</a:t>
+              <a:t>、インターネット環境となっております。開発ツールはプロジェクトをスムーズに進めるためにバージョン管理システムとして</a:t>
             </a:r>
             <a:r>
               <a:rPr kumimoji="1" lang="en-US" altLang="ja-JP" dirty="0" err="1" smtClean="0"/>
-              <a:t>github</a:t>
+              <a:t>git</a:t>
             </a:r>
             <a:r>
               <a:rPr kumimoji="1" lang="ja-JP" altLang="en-US" dirty="0" smtClean="0"/>
-              <a:t>を使用しています。</a:t>
+              <a:t>を</a:t>
+            </a:r>
+            <a:r>
+              <a:rPr kumimoji="1" lang="ja-JP" altLang="en-US" dirty="0" smtClean="0"/>
+              <a:t>使用しています。</a:t>
             </a:r>
             <a:endParaRPr kumimoji="1" lang="ja-JP" altLang="en-US" dirty="0"/>
           </a:p>
@@ -5594,15 +5596,7 @@
             </a:r>
             <a:r>
               <a:rPr kumimoji="1" lang="ja-JP" altLang="en-US" dirty="0" smtClean="0"/>
-              <a:t>上に公開することも視野にいれて開発を進めて</a:t>
-            </a:r>
-            <a:r>
-              <a:rPr kumimoji="1" lang="ja-JP" altLang="en-US" dirty="0" err="1" smtClean="0"/>
-              <a:t>めて</a:t>
-            </a:r>
-            <a:r>
-              <a:rPr kumimoji="1" lang="ja-JP" altLang="en-US" dirty="0" smtClean="0"/>
-              <a:t>います。</a:t>
+              <a:t>上に公開することも視野にいれて開発を進めてめています。</a:t>
             </a:r>
             <a:endParaRPr kumimoji="1" lang="en-US" altLang="ja-JP" dirty="0" smtClean="0"/>
           </a:p>
@@ -5957,7 +5951,7 @@
           <a:p>
             <a:r>
               <a:rPr kumimoji="1" lang="ja-JP" altLang="en-US" dirty="0" smtClean="0"/>
-              <a:t>まずハムフィール現在最大の課題と致しましては、セキュリティがガハガハと言う所にあります。パスワードが暗号化されていないので外部から盗聴され放題、またシステムの脆弱性もひどく</a:t>
+              <a:t>まずハムフィール現在最大の課題と致しましては、セキュリティがガハガハと言う所にあります。パスワードが暗号化されていないので外部から盗聴され放題、またシステムに脆弱性があり</a:t>
             </a:r>
             <a:r>
               <a:rPr kumimoji="1" lang="en-US" altLang="ja-JP" dirty="0" smtClean="0"/>
@@ -6261,15 +6255,7 @@
           <a:p>
             <a:r>
               <a:rPr kumimoji="1" lang="ja-JP" altLang="en-US" dirty="0" smtClean="0"/>
-              <a:t>目次なります。開発コンセプト、開発環境動作環境、進捗状況、最後</a:t>
-            </a:r>
-            <a:r>
-              <a:rPr kumimoji="1" lang="ja-JP" altLang="en-US" dirty="0" smtClean="0"/>
-              <a:t>にこのプロジェクトの課題と対策を</a:t>
-            </a:r>
-            <a:r>
-              <a:rPr kumimoji="1" lang="ja-JP" altLang="en-US" dirty="0" smtClean="0"/>
-              <a:t>説明して行きたいと思います。　</a:t>
+              <a:t>目次なります。開発コンセプト、開発環境動作環境、進捗状況、最後にこのプロジェクトの課題と対策を説明して行きたいと思います。　</a:t>
             </a:r>
             <a:endParaRPr kumimoji="1" lang="en-US" altLang="ja-JP" dirty="0" smtClean="0"/>
           </a:p>
@@ -6445,15 +6431,7 @@
           <a:p>
             <a:r>
               <a:rPr kumimoji="1" lang="ja-JP" altLang="en-US" dirty="0" smtClean="0"/>
-              <a:t>開発コンセプトと致しましては。今回なにを作成しようとグループの中で話し合いを進めていくうち、自分のプロフィール、趣味の事や自分の持っている技術</a:t>
-            </a:r>
-            <a:r>
-              <a:rPr kumimoji="1" lang="ja-JP" altLang="en-US" dirty="0" err="1" smtClean="0"/>
-              <a:t>なや</a:t>
-            </a:r>
-            <a:r>
-              <a:rPr kumimoji="1" lang="ja-JP" altLang="en-US" dirty="0" smtClean="0"/>
-              <a:t>資格などをみんなに知ってもらうサイトはないのか、と言う意見がでました。誰もが簡単に使えて尚且つ多くの人に自分の事を知ってもらうことができるページを個人で持つにはホームページなどを作成するのがよい方法ですが、それでは一般的なネットユーザーでは敷居が高くなります。そこで今回、他の</a:t>
+              <a:t>開発コンセプトと致しましては。今回なにを作成しようとグループの中で話し合いを進めていくうち、自分のプロフィール、趣味の事や自分の持っている技術や資格などをみんなに知ってもらうサイトはないのか、と言う意見がでました。誰もが簡単に使えて尚且つ多くの人に自分の事を知ってもらうことができるページを個人で持つにはホームページなどを作成するのがよい方法ですが、それでは一般的なネットユーザーでは敷居が高くなります。そこで今回、他の</a:t>
             </a:r>
             <a:r>
               <a:rPr kumimoji="1" lang="en-US" altLang="ja-JP" dirty="0" smtClean="0"/>
@@ -6951,7 +6929,7 @@
               <a:t>HTML</a:t>
             </a:r>
             <a:r>
-              <a:rPr kumimoji="1" lang="ja-JP" altLang="en-US" dirty="0" err="1" smtClean="0"/>
+              <a:rPr kumimoji="1" lang="ja-JP" altLang="en-US" dirty="0" smtClean="0"/>
               <a:t>、</a:t>
             </a:r>
             <a:r>
@@ -6971,7 +6949,7 @@
               <a:t>のフレームワークは</a:t>
             </a:r>
             <a:r>
-              <a:rPr kumimoji="1" lang="en-US" altLang="ja-JP" dirty="0" err="1" smtClean="0"/>
+              <a:rPr kumimoji="1" lang="en-US" altLang="ja-JP" dirty="0" smtClean="0"/>
               <a:t>picniccss</a:t>
             </a:r>
             <a:r>
@@ -14515,7 +14493,7 @@
                   </a:schemeClr>
                 </a:solidFill>
               </a:rPr>
-              <a:t>されていない</a:t>
+              <a:t>されていない。</a:t>
             </a:r>
             <a:endParaRPr lang="en-US" altLang="ja-JP" sz="2800" dirty="0" smtClean="0">
               <a:solidFill>
@@ -14543,29 +14521,7 @@
                   </a:schemeClr>
                 </a:solidFill>
               </a:rPr>
-              <a:t>システムの脆弱性</a:t>
-            </a:r>
-            <a:r>
-              <a:rPr lang="ja-JP" altLang="en-US" sz="2800" dirty="0">
-                <a:solidFill>
-                  <a:schemeClr val="tx1">
-                    <a:lumMod val="65000"/>
-                    <a:lumOff val="35000"/>
-                  </a:schemeClr>
-                </a:solidFill>
-              </a:rPr>
-              <a:t>が</a:t>
-            </a:r>
-            <a:r>
-              <a:rPr lang="ja-JP" altLang="en-US" sz="2800" dirty="0" smtClean="0">
-                <a:solidFill>
-                  <a:schemeClr val="tx1">
-                    <a:lumMod val="65000"/>
-                    <a:lumOff val="35000"/>
-                  </a:schemeClr>
-                </a:solidFill>
-              </a:rPr>
-              <a:t>ひどい。  </a:t>
+              <a:t>システムに脆弱性がある 。 </a:t>
             </a:r>
             <a:endParaRPr lang="en-US" altLang="ja-JP" sz="2800" dirty="0" smtClean="0">
               <a:solidFill>
@@ -14615,7 +14571,7 @@
                   </a:schemeClr>
                 </a:solidFill>
               </a:rPr>
-              <a:t>技術力が不足している</a:t>
+              <a:t>技術力が不足している。</a:t>
             </a:r>
             <a:endParaRPr lang="en-US" altLang="ja-JP" sz="2800" dirty="0" smtClean="0">
               <a:solidFill>
@@ -14643,7 +14599,7 @@
                   </a:schemeClr>
                 </a:solidFill>
               </a:rPr>
-              <a:t>サーバー関係</a:t>
+              <a:t>サーバー関係。</a:t>
             </a:r>
             <a:endParaRPr kumimoji="1" lang="ja-JP" altLang="en-US" sz="2800" dirty="0">
               <a:solidFill>
@@ -15061,7 +15017,7 @@
                 </a:solidFill>
                 <a:latin typeface="+mn-ea"/>
               </a:rPr>
-              <a:t>これら問題点は技術的不足からくるもの</a:t>
+              <a:t>これら問題点は技術的不足からくるもの。</a:t>
             </a:r>
             <a:endParaRPr kumimoji="1" lang="en-US" altLang="ja-JP" sz="2800" dirty="0" smtClean="0">
               <a:solidFill>
@@ -15091,7 +15047,7 @@
                 </a:solidFill>
                 <a:latin typeface="+mn-ea"/>
               </a:rPr>
-              <a:t>引き続きセキュリティの脆弱性を解決するために</a:t>
+              <a:t>引き続きセキュリティの脆弱性を解決するために。</a:t>
             </a:r>
             <a:endParaRPr lang="en-US" altLang="ja-JP" sz="2800" dirty="0" smtClean="0">
               <a:solidFill>

--- a/資料/発表資料.pptx
+++ b/資料/発表資料.pptx
@@ -125,7 +125,6 @@
       </a:defRPr>
     </a:lvl9pPr>
   </p:defaultTextStyle>
-  <p:modifyVerifier cryptProviderType="rsaAES" cryptAlgorithmClass="hash" cryptAlgorithmType="typeAny" cryptAlgorithmSid="14" spinCount="100000" saltData="GwGgeLno3LfZsFZ8aOHA2g==" hashData="1As1bJaPaNOfejakOunoQN/+UvTOa393qhizY1zFEBsN7VUQrN2TllXyBODPN5Avli0FIFCKg/CDT8t4PlFXww=="/>
   <p:extLst>
     <p:ext uri="{EFAFB233-063F-42B5-8137-9DF3F51BA10A}">
       <p15:sldGuideLst xmlns:p15="http://schemas.microsoft.com/office/powerpoint/2012/main"/>
@@ -454,7 +453,6 @@
     </c:plotArea>
     <c:legend>
       <c:legendPos val="b"/>
-      <c:layout/>
       <c:overlay val="0"/>
       <c:spPr>
         <a:noFill/>
@@ -734,7 +732,6 @@
           </a:p>
         </c:rich>
       </c:tx>
-      <c:layout/>
       <c:overlay val="0"/>
       <c:spPr>
         <a:noFill/>
@@ -927,11 +924,11 @@
         </c:dLbls>
         <c:gapWidth val="150"/>
         <c:overlap val="100"/>
-        <c:axId val="337183776"/>
-        <c:axId val="339835856"/>
+        <c:axId val="340225448"/>
+        <c:axId val="340226232"/>
       </c:barChart>
       <c:catAx>
-        <c:axId val="337183776"/>
+        <c:axId val="340225448"/>
         <c:scaling>
           <c:orientation val="minMax"/>
         </c:scaling>
@@ -974,7 +971,7 @@
             <a:endParaRPr lang="ja-JP"/>
           </a:p>
         </c:txPr>
-        <c:crossAx val="339835856"/>
+        <c:crossAx val="340226232"/>
         <c:crosses val="autoZero"/>
         <c:auto val="1"/>
         <c:lblAlgn val="ctr"/>
@@ -982,7 +979,7 @@
         <c:noMultiLvlLbl val="0"/>
       </c:catAx>
       <c:valAx>
-        <c:axId val="339835856"/>
+        <c:axId val="340226232"/>
         <c:scaling>
           <c:orientation val="minMax"/>
         </c:scaling>
@@ -1033,7 +1030,7 @@
             <a:endParaRPr lang="ja-JP"/>
           </a:p>
         </c:txPr>
-        <c:crossAx val="337183776"/>
+        <c:crossAx val="340225448"/>
         <c:crosses val="autoZero"/>
         <c:crossBetween val="between"/>
       </c:valAx>
@@ -1113,7 +1110,6 @@
           </a:p>
         </c:rich>
       </c:tx>
-      <c:layout/>
       <c:overlay val="0"/>
       <c:spPr>
         <a:noFill/>
@@ -1294,11 +1290,11 @@
         </c:dLbls>
         <c:gapWidth val="150"/>
         <c:overlap val="100"/>
-        <c:axId val="339830760"/>
-        <c:axId val="339833896"/>
+        <c:axId val="339797176"/>
+        <c:axId val="339793256"/>
       </c:barChart>
       <c:catAx>
-        <c:axId val="339830760"/>
+        <c:axId val="339797176"/>
         <c:scaling>
           <c:orientation val="minMax"/>
         </c:scaling>
@@ -1341,7 +1337,7 @@
             <a:endParaRPr lang="ja-JP"/>
           </a:p>
         </c:txPr>
-        <c:crossAx val="339833896"/>
+        <c:crossAx val="339793256"/>
         <c:crosses val="autoZero"/>
         <c:auto val="1"/>
         <c:lblAlgn val="ctr"/>
@@ -1349,7 +1345,7 @@
         <c:noMultiLvlLbl val="0"/>
       </c:catAx>
       <c:valAx>
-        <c:axId val="339833896"/>
+        <c:axId val="339793256"/>
         <c:scaling>
           <c:orientation val="minMax"/>
         </c:scaling>
@@ -1400,7 +1396,7 @@
             <a:endParaRPr lang="ja-JP"/>
           </a:p>
         </c:txPr>
-        <c:crossAx val="339830760"/>
+        <c:crossAx val="339797176"/>
         <c:crosses val="autoZero"/>
         <c:crossBetween val="between"/>
       </c:valAx>
@@ -4847,7 +4843,7 @@
           <a:p>
             <a:fld id="{92B01385-5A79-4CA9-A1A7-EEE61B079AA0}" type="datetimeFigureOut">
               <a:rPr kumimoji="1" lang="ja-JP" altLang="en-US" smtClean="0"/>
-              <a:t>2016/12/13</a:t>
+              <a:t>2016/12/14</a:t>
             </a:fld>
             <a:endParaRPr kumimoji="1" lang="ja-JP" altLang="en-US"/>
           </a:p>
@@ -5296,7 +5292,7 @@
               <a:t>Windows10</a:t>
             </a:r>
             <a:r>
-              <a:rPr kumimoji="1" lang="ja-JP" altLang="en-US" dirty="0" smtClean="0"/>
+              <a:rPr kumimoji="1" lang="ja-JP" altLang="en-US" dirty="0" err="1" smtClean="0"/>
               <a:t>、</a:t>
             </a:r>
             <a:r>
@@ -5304,8 +5300,12 @@
               <a:t>8</a:t>
             </a:r>
             <a:r>
+              <a:rPr kumimoji="1" lang="ja-JP" altLang="en-US" dirty="0" err="1" smtClean="0"/>
+              <a:t>、</a:t>
+            </a:r>
+            <a:r>
               <a:rPr kumimoji="1" lang="ja-JP" altLang="en-US" dirty="0" smtClean="0"/>
-              <a:t>、インターネット環境となっております。開発ツールはプロジェクトをスムーズに進めるためにバージョン管理システムとして</a:t>
+              <a:t>インターネット環境となっております。開発ツールはプロジェクトをスムーズに進めるためにバージョン管理システムとして</a:t>
             </a:r>
             <a:r>
               <a:rPr kumimoji="1" lang="en-US" altLang="ja-JP" dirty="0" err="1" smtClean="0"/>
@@ -5313,11 +5313,7 @@
             </a:r>
             <a:r>
               <a:rPr kumimoji="1" lang="ja-JP" altLang="en-US" dirty="0" smtClean="0"/>
-              <a:t>を</a:t>
-            </a:r>
-            <a:r>
-              <a:rPr kumimoji="1" lang="ja-JP" altLang="en-US" dirty="0" smtClean="0"/>
-              <a:t>使用しています。</a:t>
+              <a:t>を使用しています。</a:t>
             </a:r>
             <a:endParaRPr kumimoji="1" lang="ja-JP" altLang="en-US" dirty="0"/>
           </a:p>
@@ -6439,7 +6435,7 @@
             </a:r>
             <a:r>
               <a:rPr kumimoji="1" lang="ja-JP" altLang="en-US" dirty="0" smtClean="0"/>
-              <a:t>との連携を主眼に置き自分のプロフィールページを簡単に作成できるサービスを開発コンセプトとしました。次にイメージ画像を見てもらいます。</a:t>
+              <a:t>との連携を主眼に置き自分のプロフィールページを簡単に作成できるサービスを開発コンセプトとしました。次にイメージ画像を見てもらおうと思います。</a:t>
             </a:r>
             <a:endParaRPr kumimoji="1" lang="ja-JP" altLang="en-US" dirty="0"/>
           </a:p>
@@ -7127,7 +7123,7 @@
           <a:p>
             <a:fld id="{BFAD3A34-8F14-4B69-8B11-A8D9DABF27D9}" type="datetimeFigureOut">
               <a:rPr kumimoji="1" lang="ja-JP" altLang="en-US" smtClean="0"/>
-              <a:t>2016/12/13</a:t>
+              <a:t>2016/12/14</a:t>
             </a:fld>
             <a:endParaRPr kumimoji="1" lang="ja-JP" altLang="en-US"/>
           </a:p>
@@ -7329,7 +7325,7 @@
           <a:p>
             <a:fld id="{BFAD3A34-8F14-4B69-8B11-A8D9DABF27D9}" type="datetimeFigureOut">
               <a:rPr kumimoji="1" lang="ja-JP" altLang="en-US" smtClean="0"/>
-              <a:t>2016/12/13</a:t>
+              <a:t>2016/12/14</a:t>
             </a:fld>
             <a:endParaRPr kumimoji="1" lang="ja-JP" altLang="en-US"/>
           </a:p>
@@ -7541,7 +7537,7 @@
           <a:p>
             <a:fld id="{BFAD3A34-8F14-4B69-8B11-A8D9DABF27D9}" type="datetimeFigureOut">
               <a:rPr kumimoji="1" lang="ja-JP" altLang="en-US" smtClean="0"/>
-              <a:t>2016/12/13</a:t>
+              <a:t>2016/12/14</a:t>
             </a:fld>
             <a:endParaRPr kumimoji="1" lang="ja-JP" altLang="en-US"/>
           </a:p>
@@ -7743,7 +7739,7 @@
           <a:p>
             <a:fld id="{BFAD3A34-8F14-4B69-8B11-A8D9DABF27D9}" type="datetimeFigureOut">
               <a:rPr kumimoji="1" lang="ja-JP" altLang="en-US" smtClean="0"/>
-              <a:t>2016/12/13</a:t>
+              <a:t>2016/12/14</a:t>
             </a:fld>
             <a:endParaRPr kumimoji="1" lang="ja-JP" altLang="en-US"/>
           </a:p>
@@ -7987,7 +7983,7 @@
           <a:p>
             <a:fld id="{BFAD3A34-8F14-4B69-8B11-A8D9DABF27D9}" type="datetimeFigureOut">
               <a:rPr kumimoji="1" lang="ja-JP" altLang="en-US" smtClean="0"/>
-              <a:t>2016/12/13</a:t>
+              <a:t>2016/12/14</a:t>
             </a:fld>
             <a:endParaRPr kumimoji="1" lang="ja-JP" altLang="en-US"/>
           </a:p>
@@ -8283,7 +8279,7 @@
           <a:p>
             <a:fld id="{BFAD3A34-8F14-4B69-8B11-A8D9DABF27D9}" type="datetimeFigureOut">
               <a:rPr kumimoji="1" lang="ja-JP" altLang="en-US" smtClean="0"/>
-              <a:t>2016/12/13</a:t>
+              <a:t>2016/12/14</a:t>
             </a:fld>
             <a:endParaRPr kumimoji="1" lang="ja-JP" altLang="en-US"/>
           </a:p>
@@ -8714,7 +8710,7 @@
           <a:p>
             <a:fld id="{BFAD3A34-8F14-4B69-8B11-A8D9DABF27D9}" type="datetimeFigureOut">
               <a:rPr kumimoji="1" lang="ja-JP" altLang="en-US" smtClean="0"/>
-              <a:t>2016/12/13</a:t>
+              <a:t>2016/12/14</a:t>
             </a:fld>
             <a:endParaRPr kumimoji="1" lang="ja-JP" altLang="en-US"/>
           </a:p>
@@ -8832,7 +8828,7 @@
           <a:p>
             <a:fld id="{BFAD3A34-8F14-4B69-8B11-A8D9DABF27D9}" type="datetimeFigureOut">
               <a:rPr kumimoji="1" lang="ja-JP" altLang="en-US" smtClean="0"/>
-              <a:t>2016/12/13</a:t>
+              <a:t>2016/12/14</a:t>
             </a:fld>
             <a:endParaRPr kumimoji="1" lang="ja-JP" altLang="en-US"/>
           </a:p>
@@ -8927,7 +8923,7 @@
           <a:p>
             <a:fld id="{BFAD3A34-8F14-4B69-8B11-A8D9DABF27D9}" type="datetimeFigureOut">
               <a:rPr kumimoji="1" lang="ja-JP" altLang="en-US" smtClean="0"/>
-              <a:t>2016/12/13</a:t>
+              <a:t>2016/12/14</a:t>
             </a:fld>
             <a:endParaRPr kumimoji="1" lang="ja-JP" altLang="en-US"/>
           </a:p>
@@ -9236,7 +9232,7 @@
           <a:p>
             <a:fld id="{BFAD3A34-8F14-4B69-8B11-A8D9DABF27D9}" type="datetimeFigureOut">
               <a:rPr kumimoji="1" lang="ja-JP" altLang="en-US" smtClean="0"/>
-              <a:t>2016/12/13</a:t>
+              <a:t>2016/12/14</a:t>
             </a:fld>
             <a:endParaRPr kumimoji="1" lang="ja-JP" altLang="en-US"/>
           </a:p>
@@ -9493,7 +9489,7 @@
           <a:p>
             <a:fld id="{BFAD3A34-8F14-4B69-8B11-A8D9DABF27D9}" type="datetimeFigureOut">
               <a:rPr kumimoji="1" lang="ja-JP" altLang="en-US" smtClean="0"/>
-              <a:t>2016/12/13</a:t>
+              <a:t>2016/12/14</a:t>
             </a:fld>
             <a:endParaRPr kumimoji="1" lang="ja-JP" altLang="en-US"/>
           </a:p>
@@ -9738,7 +9734,7 @@
           <a:p>
             <a:fld id="{BFAD3A34-8F14-4B69-8B11-A8D9DABF27D9}" type="datetimeFigureOut">
               <a:rPr kumimoji="1" lang="ja-JP" altLang="en-US" smtClean="0"/>
-              <a:t>2016/12/13</a:t>
+              <a:t>2016/12/14</a:t>
             </a:fld>
             <a:endParaRPr kumimoji="1" lang="ja-JP" altLang="en-US"/>
           </a:p>
@@ -11158,6 +11154,48 @@
           </a:p>
         </p:txBody>
       </p:sp>
+      <p:sp>
+        <p:nvSpPr>
+          <p:cNvPr id="12" name="テキスト ボックス 11"/>
+          <p:cNvSpPr txBox="1"/>
+          <p:nvPr/>
+        </p:nvSpPr>
+        <p:spPr>
+          <a:xfrm>
+            <a:off x="8404447" y="6309079"/>
+            <a:ext cx="885825" cy="461665"/>
+          </a:xfrm>
+          <a:prstGeom prst="rect">
+            <a:avLst/>
+          </a:prstGeom>
+          <a:noFill/>
+        </p:spPr>
+        <p:txBody>
+          <a:bodyPr wrap="square" rtlCol="0">
+            <a:spAutoFit/>
+          </a:bodyPr>
+          <a:lstStyle/>
+          <a:p>
+            <a:r>
+              <a:rPr lang="en-US" altLang="ja-JP" sz="2400" dirty="0">
+                <a:solidFill>
+                  <a:schemeClr val="bg1"/>
+                </a:solidFill>
+                <a:latin typeface="+mj-ea"/>
+                <a:ea typeface="+mj-ea"/>
+              </a:rPr>
+              <a:t>7</a:t>
+            </a:r>
+            <a:endParaRPr kumimoji="1" lang="ja-JP" altLang="en-US" sz="2400" dirty="0">
+              <a:solidFill>
+                <a:schemeClr val="bg1"/>
+              </a:solidFill>
+              <a:latin typeface="+mj-ea"/>
+              <a:ea typeface="+mj-ea"/>
+            </a:endParaRPr>
+          </a:p>
+        </p:txBody>
+      </p:sp>
     </p:spTree>
     <p:extLst>
       <p:ext uri="{BB962C8B-B14F-4D97-AF65-F5344CB8AC3E}">
@@ -12253,6 +12291,48 @@
           </a:p>
         </p:txBody>
       </p:sp>
+      <p:sp>
+        <p:nvSpPr>
+          <p:cNvPr id="14" name="テキスト ボックス 13"/>
+          <p:cNvSpPr txBox="1"/>
+          <p:nvPr/>
+        </p:nvSpPr>
+        <p:spPr>
+          <a:xfrm>
+            <a:off x="8404447" y="6309079"/>
+            <a:ext cx="885825" cy="461665"/>
+          </a:xfrm>
+          <a:prstGeom prst="rect">
+            <a:avLst/>
+          </a:prstGeom>
+          <a:noFill/>
+        </p:spPr>
+        <p:txBody>
+          <a:bodyPr wrap="square" rtlCol="0">
+            <a:spAutoFit/>
+          </a:bodyPr>
+          <a:lstStyle/>
+          <a:p>
+            <a:r>
+              <a:rPr lang="en-US" altLang="ja-JP" sz="2400" dirty="0">
+                <a:solidFill>
+                  <a:schemeClr val="bg1"/>
+                </a:solidFill>
+                <a:latin typeface="+mj-ea"/>
+                <a:ea typeface="+mj-ea"/>
+              </a:rPr>
+              <a:t>8</a:t>
+            </a:r>
+            <a:endParaRPr kumimoji="1" lang="ja-JP" altLang="en-US" sz="2400" dirty="0">
+              <a:solidFill>
+                <a:schemeClr val="bg1"/>
+              </a:solidFill>
+              <a:latin typeface="+mj-ea"/>
+              <a:ea typeface="+mj-ea"/>
+            </a:endParaRPr>
+          </a:p>
+        </p:txBody>
+      </p:sp>
     </p:spTree>
     <p:extLst>
       <p:ext uri="{BB962C8B-B14F-4D97-AF65-F5344CB8AC3E}">
@@ -12919,6 +12999,48 @@
           </a:p>
         </p:txBody>
       </p:sp>
+      <p:sp>
+        <p:nvSpPr>
+          <p:cNvPr id="15" name="テキスト ボックス 14"/>
+          <p:cNvSpPr txBox="1"/>
+          <p:nvPr/>
+        </p:nvSpPr>
+        <p:spPr>
+          <a:xfrm>
+            <a:off x="8404447" y="6309079"/>
+            <a:ext cx="885825" cy="461665"/>
+          </a:xfrm>
+          <a:prstGeom prst="rect">
+            <a:avLst/>
+          </a:prstGeom>
+          <a:noFill/>
+        </p:spPr>
+        <p:txBody>
+          <a:bodyPr wrap="square" rtlCol="0">
+            <a:spAutoFit/>
+          </a:bodyPr>
+          <a:lstStyle/>
+          <a:p>
+            <a:r>
+              <a:rPr lang="en-US" altLang="ja-JP" sz="2400" dirty="0">
+                <a:solidFill>
+                  <a:schemeClr val="bg1"/>
+                </a:solidFill>
+                <a:latin typeface="+mj-ea"/>
+                <a:ea typeface="+mj-ea"/>
+              </a:rPr>
+              <a:t>9</a:t>
+            </a:r>
+            <a:endParaRPr kumimoji="1" lang="ja-JP" altLang="en-US" sz="2400" dirty="0">
+              <a:solidFill>
+                <a:schemeClr val="bg1"/>
+              </a:solidFill>
+              <a:latin typeface="+mj-ea"/>
+              <a:ea typeface="+mj-ea"/>
+            </a:endParaRPr>
+          </a:p>
+        </p:txBody>
+      </p:sp>
     </p:spTree>
     <p:extLst>
       <p:ext uri="{BB962C8B-B14F-4D97-AF65-F5344CB8AC3E}">
@@ -13313,6 +13435,48 @@
           </a:graphicData>
         </a:graphic>
       </p:graphicFrame>
+      <p:sp>
+        <p:nvSpPr>
+          <p:cNvPr id="9" name="テキスト ボックス 8"/>
+          <p:cNvSpPr txBox="1"/>
+          <p:nvPr/>
+        </p:nvSpPr>
+        <p:spPr>
+          <a:xfrm>
+            <a:off x="8404447" y="6309079"/>
+            <a:ext cx="885825" cy="461665"/>
+          </a:xfrm>
+          <a:prstGeom prst="rect">
+            <a:avLst/>
+          </a:prstGeom>
+          <a:noFill/>
+        </p:spPr>
+        <p:txBody>
+          <a:bodyPr wrap="square" rtlCol="0">
+            <a:spAutoFit/>
+          </a:bodyPr>
+          <a:lstStyle/>
+          <a:p>
+            <a:r>
+              <a:rPr lang="en-US" altLang="ja-JP" sz="2400" dirty="0" smtClean="0">
+                <a:solidFill>
+                  <a:schemeClr val="bg1"/>
+                </a:solidFill>
+                <a:latin typeface="+mj-ea"/>
+                <a:ea typeface="+mj-ea"/>
+              </a:rPr>
+              <a:t>10</a:t>
+            </a:r>
+            <a:endParaRPr kumimoji="1" lang="ja-JP" altLang="en-US" sz="2400" dirty="0">
+              <a:solidFill>
+                <a:schemeClr val="bg1"/>
+              </a:solidFill>
+              <a:latin typeface="+mj-ea"/>
+              <a:ea typeface="+mj-ea"/>
+            </a:endParaRPr>
+          </a:p>
+        </p:txBody>
+      </p:sp>
     </p:spTree>
     <p:extLst>
       <p:ext uri="{BB962C8B-B14F-4D97-AF65-F5344CB8AC3E}">
@@ -13671,6 +13835,48 @@
           </a:p>
         </p:txBody>
       </p:sp>
+      <p:sp>
+        <p:nvSpPr>
+          <p:cNvPr id="9" name="テキスト ボックス 8"/>
+          <p:cNvSpPr txBox="1"/>
+          <p:nvPr/>
+        </p:nvSpPr>
+        <p:spPr>
+          <a:xfrm>
+            <a:off x="8404447" y="6309079"/>
+            <a:ext cx="885825" cy="461665"/>
+          </a:xfrm>
+          <a:prstGeom prst="rect">
+            <a:avLst/>
+          </a:prstGeom>
+          <a:noFill/>
+        </p:spPr>
+        <p:txBody>
+          <a:bodyPr wrap="square" rtlCol="0">
+            <a:spAutoFit/>
+          </a:bodyPr>
+          <a:lstStyle/>
+          <a:p>
+            <a:r>
+              <a:rPr lang="en-US" altLang="ja-JP" sz="2400" dirty="0" smtClean="0">
+                <a:solidFill>
+                  <a:schemeClr val="bg1"/>
+                </a:solidFill>
+                <a:latin typeface="+mj-ea"/>
+                <a:ea typeface="+mj-ea"/>
+              </a:rPr>
+              <a:t>11</a:t>
+            </a:r>
+            <a:endParaRPr kumimoji="1" lang="ja-JP" altLang="en-US" sz="2400" dirty="0">
+              <a:solidFill>
+                <a:schemeClr val="bg1"/>
+              </a:solidFill>
+              <a:latin typeface="+mj-ea"/>
+              <a:ea typeface="+mj-ea"/>
+            </a:endParaRPr>
+          </a:p>
+        </p:txBody>
+      </p:sp>
     </p:spTree>
     <p:extLst>
       <p:ext uri="{BB962C8B-B14F-4D97-AF65-F5344CB8AC3E}">
@@ -14693,6 +14899,48 @@
           </a:prstGeom>
         </p:spPr>
       </p:pic>
+      <p:sp>
+        <p:nvSpPr>
+          <p:cNvPr id="11" name="テキスト ボックス 10"/>
+          <p:cNvSpPr txBox="1"/>
+          <p:nvPr/>
+        </p:nvSpPr>
+        <p:spPr>
+          <a:xfrm>
+            <a:off x="8404447" y="6309079"/>
+            <a:ext cx="885825" cy="461665"/>
+          </a:xfrm>
+          <a:prstGeom prst="rect">
+            <a:avLst/>
+          </a:prstGeom>
+          <a:noFill/>
+        </p:spPr>
+        <p:txBody>
+          <a:bodyPr wrap="square" rtlCol="0">
+            <a:spAutoFit/>
+          </a:bodyPr>
+          <a:lstStyle/>
+          <a:p>
+            <a:r>
+              <a:rPr lang="en-US" altLang="ja-JP" sz="2400" dirty="0" smtClean="0">
+                <a:solidFill>
+                  <a:schemeClr val="bg1"/>
+                </a:solidFill>
+                <a:latin typeface="+mj-ea"/>
+                <a:ea typeface="+mj-ea"/>
+              </a:rPr>
+              <a:t>12</a:t>
+            </a:r>
+            <a:endParaRPr kumimoji="1" lang="ja-JP" altLang="en-US" sz="2400" dirty="0">
+              <a:solidFill>
+                <a:schemeClr val="bg1"/>
+              </a:solidFill>
+              <a:latin typeface="+mj-ea"/>
+              <a:ea typeface="+mj-ea"/>
+            </a:endParaRPr>
+          </a:p>
+        </p:txBody>
+      </p:sp>
     </p:spTree>
     <p:extLst>
       <p:ext uri="{BB962C8B-B14F-4D97-AF65-F5344CB8AC3E}">
@@ -15170,6 +15418,48 @@
           </a:prstGeom>
         </p:spPr>
       </p:pic>
+      <p:sp>
+        <p:nvSpPr>
+          <p:cNvPr id="12" name="テキスト ボックス 11"/>
+          <p:cNvSpPr txBox="1"/>
+          <p:nvPr/>
+        </p:nvSpPr>
+        <p:spPr>
+          <a:xfrm>
+            <a:off x="8404447" y="6309079"/>
+            <a:ext cx="885825" cy="461665"/>
+          </a:xfrm>
+          <a:prstGeom prst="rect">
+            <a:avLst/>
+          </a:prstGeom>
+          <a:noFill/>
+        </p:spPr>
+        <p:txBody>
+          <a:bodyPr wrap="square" rtlCol="0">
+            <a:spAutoFit/>
+          </a:bodyPr>
+          <a:lstStyle/>
+          <a:p>
+            <a:r>
+              <a:rPr lang="en-US" altLang="ja-JP" sz="2400" dirty="0" smtClean="0">
+                <a:solidFill>
+                  <a:schemeClr val="bg1"/>
+                </a:solidFill>
+                <a:latin typeface="+mj-ea"/>
+                <a:ea typeface="+mj-ea"/>
+              </a:rPr>
+              <a:t>13</a:t>
+            </a:r>
+            <a:endParaRPr kumimoji="1" lang="ja-JP" altLang="en-US" sz="2400" dirty="0">
+              <a:solidFill>
+                <a:schemeClr val="bg1"/>
+              </a:solidFill>
+              <a:latin typeface="+mj-ea"/>
+              <a:ea typeface="+mj-ea"/>
+            </a:endParaRPr>
+          </a:p>
+        </p:txBody>
+      </p:sp>
     </p:spTree>
     <p:extLst>
       <p:ext uri="{BB962C8B-B14F-4D97-AF65-F5344CB8AC3E}">
@@ -15231,7 +15521,7 @@
         </p:blipFill>
         <p:spPr>
           <a:xfrm>
-            <a:off x="1635616" y="644548"/>
+            <a:off x="1978516" y="601685"/>
             <a:ext cx="5380003" cy="6456004"/>
           </a:xfrm>
         </p:spPr>
@@ -15849,6 +16139,48 @@
           </a:p>
         </p:txBody>
       </p:sp>
+      <p:sp>
+        <p:nvSpPr>
+          <p:cNvPr id="18" name="テキスト ボックス 17"/>
+          <p:cNvSpPr txBox="1"/>
+          <p:nvPr/>
+        </p:nvSpPr>
+        <p:spPr>
+          <a:xfrm>
+            <a:off x="8404447" y="6309079"/>
+            <a:ext cx="885825" cy="461665"/>
+          </a:xfrm>
+          <a:prstGeom prst="rect">
+            <a:avLst/>
+          </a:prstGeom>
+          <a:noFill/>
+        </p:spPr>
+        <p:txBody>
+          <a:bodyPr wrap="square" rtlCol="0">
+            <a:spAutoFit/>
+          </a:bodyPr>
+          <a:lstStyle/>
+          <a:p>
+            <a:r>
+              <a:rPr lang="en-US" altLang="ja-JP" sz="2400" dirty="0" smtClean="0">
+                <a:solidFill>
+                  <a:schemeClr val="bg1"/>
+                </a:solidFill>
+                <a:latin typeface="+mj-ea"/>
+                <a:ea typeface="+mj-ea"/>
+              </a:rPr>
+              <a:t>1</a:t>
+            </a:r>
+            <a:endParaRPr kumimoji="1" lang="ja-JP" altLang="en-US" sz="2400" dirty="0">
+              <a:solidFill>
+                <a:schemeClr val="bg1"/>
+              </a:solidFill>
+              <a:latin typeface="+mj-ea"/>
+              <a:ea typeface="+mj-ea"/>
+            </a:endParaRPr>
+          </a:p>
+        </p:txBody>
+      </p:sp>
     </p:spTree>
     <p:extLst>
       <p:ext uri="{BB962C8B-B14F-4D97-AF65-F5344CB8AC3E}">
@@ -16824,6 +17156,71 @@
           </a:p>
         </p:txBody>
       </p:sp>
+      <p:sp>
+        <p:nvSpPr>
+          <p:cNvPr id="9" name="テキスト ボックス 8"/>
+          <p:cNvSpPr txBox="1"/>
+          <p:nvPr/>
+        </p:nvSpPr>
+        <p:spPr>
+          <a:xfrm>
+            <a:off x="8404447" y="6309079"/>
+            <a:ext cx="885825" cy="461665"/>
+          </a:xfrm>
+          <a:prstGeom prst="rect">
+            <a:avLst/>
+          </a:prstGeom>
+          <a:noFill/>
+        </p:spPr>
+        <p:txBody>
+          <a:bodyPr wrap="square" rtlCol="0">
+            <a:spAutoFit/>
+          </a:bodyPr>
+          <a:lstStyle/>
+          <a:p>
+            <a:r>
+              <a:rPr lang="en-US" altLang="ja-JP" sz="2400" dirty="0" smtClean="0">
+                <a:solidFill>
+                  <a:schemeClr val="bg1"/>
+                </a:solidFill>
+                <a:latin typeface="+mj-ea"/>
+                <a:ea typeface="+mj-ea"/>
+              </a:rPr>
+              <a:t>2</a:t>
+            </a:r>
+          </a:p>
+        </p:txBody>
+      </p:sp>
+      <p:pic>
+        <p:nvPicPr>
+          <p:cNvPr id="3" name="図 2"/>
+          <p:cNvPicPr>
+            <a:picLocks noChangeAspect="1"/>
+          </p:cNvPicPr>
+          <p:nvPr/>
+        </p:nvPicPr>
+        <p:blipFill>
+          <a:blip r:embed="rId3">
+            <a:extLst>
+              <a:ext uri="{28A0092B-C50C-407E-A947-70E740481C1C}">
+                <a14:useLocalDpi xmlns:a14="http://schemas.microsoft.com/office/drawing/2010/main" val="0"/>
+              </a:ext>
+            </a:extLst>
+          </a:blip>
+          <a:stretch>
+            <a:fillRect/>
+          </a:stretch>
+        </p:blipFill>
+        <p:spPr>
+          <a:xfrm>
+            <a:off x="3725699" y="1749969"/>
+            <a:ext cx="6350326" cy="6350326"/>
+          </a:xfrm>
+          <a:prstGeom prst="rect">
+            <a:avLst/>
+          </a:prstGeom>
+        </p:spPr>
+      </p:pic>
     </p:spTree>
     <p:extLst>
       <p:ext uri="{BB962C8B-B14F-4D97-AF65-F5344CB8AC3E}">
@@ -17034,11 +17431,46 @@
         </p:blipFill>
         <p:spPr>
           <a:xfrm>
-            <a:off x="553792" y="1287887"/>
-            <a:ext cx="8062174" cy="4288665"/>
+            <a:off x="257175" y="1287887"/>
+            <a:ext cx="8629650" cy="4288665"/>
           </a:xfrm>
         </p:spPr>
       </p:pic>
+      <p:sp>
+        <p:nvSpPr>
+          <p:cNvPr id="6" name="テキスト ボックス 5"/>
+          <p:cNvSpPr txBox="1"/>
+          <p:nvPr/>
+        </p:nvSpPr>
+        <p:spPr>
+          <a:xfrm>
+            <a:off x="8404447" y="6309079"/>
+            <a:ext cx="885825" cy="461665"/>
+          </a:xfrm>
+          <a:prstGeom prst="rect">
+            <a:avLst/>
+          </a:prstGeom>
+          <a:noFill/>
+        </p:spPr>
+        <p:txBody>
+          <a:bodyPr wrap="square" rtlCol="0">
+            <a:spAutoFit/>
+          </a:bodyPr>
+          <a:lstStyle/>
+          <a:p>
+            <a:r>
+              <a:rPr lang="en-US" altLang="ja-JP" sz="2400" dirty="0" smtClean="0">
+                <a:solidFill>
+                  <a:schemeClr val="bg1"/>
+                </a:solidFill>
+                <a:latin typeface="+mj-ea"/>
+                <a:ea typeface="+mj-ea"/>
+              </a:rPr>
+              <a:t>3</a:t>
+            </a:r>
+          </a:p>
+        </p:txBody>
+      </p:sp>
     </p:spTree>
     <p:extLst>
       <p:ext uri="{BB962C8B-B14F-4D97-AF65-F5344CB8AC3E}">
@@ -17249,11 +17681,53 @@
         </p:blipFill>
         <p:spPr>
           <a:xfrm>
-            <a:off x="540913" y="1287887"/>
-            <a:ext cx="8075053" cy="4301544"/>
+            <a:off x="314325" y="1287887"/>
+            <a:ext cx="8572500" cy="4301544"/>
           </a:xfrm>
         </p:spPr>
       </p:pic>
+      <p:sp>
+        <p:nvSpPr>
+          <p:cNvPr id="6" name="テキスト ボックス 5"/>
+          <p:cNvSpPr txBox="1"/>
+          <p:nvPr/>
+        </p:nvSpPr>
+        <p:spPr>
+          <a:xfrm>
+            <a:off x="8404447" y="6309079"/>
+            <a:ext cx="885825" cy="461665"/>
+          </a:xfrm>
+          <a:prstGeom prst="rect">
+            <a:avLst/>
+          </a:prstGeom>
+          <a:noFill/>
+        </p:spPr>
+        <p:txBody>
+          <a:bodyPr wrap="square" rtlCol="0">
+            <a:spAutoFit/>
+          </a:bodyPr>
+          <a:lstStyle/>
+          <a:p>
+            <a:r>
+              <a:rPr lang="en-US" altLang="ja-JP" sz="2400" dirty="0">
+                <a:solidFill>
+                  <a:schemeClr val="bg1"/>
+                </a:solidFill>
+                <a:latin typeface="+mj-ea"/>
+                <a:ea typeface="+mj-ea"/>
+              </a:rPr>
+              <a:t>4</a:t>
+            </a:r>
+            <a:endParaRPr kumimoji="1" lang="ja-JP" altLang="en-US" sz="2400" dirty="0">
+              <a:solidFill>
+                <a:schemeClr val="bg1"/>
+              </a:solidFill>
+              <a:latin typeface="+mj-ea"/>
+              <a:ea typeface="+mj-ea"/>
+            </a:endParaRPr>
+          </a:p>
+        </p:txBody>
+      </p:sp>
     </p:spTree>
     <p:extLst>
       <p:ext uri="{BB962C8B-B14F-4D97-AF65-F5344CB8AC3E}">
@@ -17464,11 +17938,53 @@
         </p:blipFill>
         <p:spPr>
           <a:xfrm>
-            <a:off x="553792" y="1287888"/>
-            <a:ext cx="8049295" cy="4301544"/>
+            <a:off x="271463" y="1287888"/>
+            <a:ext cx="8615361" cy="4301544"/>
           </a:xfrm>
         </p:spPr>
       </p:pic>
+      <p:sp>
+        <p:nvSpPr>
+          <p:cNvPr id="6" name="テキスト ボックス 5"/>
+          <p:cNvSpPr txBox="1"/>
+          <p:nvPr/>
+        </p:nvSpPr>
+        <p:spPr>
+          <a:xfrm>
+            <a:off x="8404447" y="6309079"/>
+            <a:ext cx="885825" cy="461665"/>
+          </a:xfrm>
+          <a:prstGeom prst="rect">
+            <a:avLst/>
+          </a:prstGeom>
+          <a:noFill/>
+        </p:spPr>
+        <p:txBody>
+          <a:bodyPr wrap="square" rtlCol="0">
+            <a:spAutoFit/>
+          </a:bodyPr>
+          <a:lstStyle/>
+          <a:p>
+            <a:r>
+              <a:rPr lang="en-US" altLang="ja-JP" sz="2400" dirty="0">
+                <a:solidFill>
+                  <a:schemeClr val="bg1"/>
+                </a:solidFill>
+                <a:latin typeface="+mj-ea"/>
+                <a:ea typeface="+mj-ea"/>
+              </a:rPr>
+              <a:t>5</a:t>
+            </a:r>
+            <a:endParaRPr kumimoji="1" lang="ja-JP" altLang="en-US" sz="2400" dirty="0">
+              <a:solidFill>
+                <a:schemeClr val="bg1"/>
+              </a:solidFill>
+              <a:latin typeface="+mj-ea"/>
+              <a:ea typeface="+mj-ea"/>
+            </a:endParaRPr>
+          </a:p>
+        </p:txBody>
+      </p:sp>
     </p:spTree>
     <p:extLst>
       <p:ext uri="{BB962C8B-B14F-4D97-AF65-F5344CB8AC3E}">
@@ -18621,6 +19137,48 @@
               <a:buChar char="•"/>
             </a:pPr>
             <a:endParaRPr kumimoji="1" lang="ja-JP" altLang="en-US" dirty="0"/>
+          </a:p>
+        </p:txBody>
+      </p:sp>
+      <p:sp>
+        <p:nvSpPr>
+          <p:cNvPr id="3" name="テキスト ボックス 2"/>
+          <p:cNvSpPr txBox="1"/>
+          <p:nvPr/>
+        </p:nvSpPr>
+        <p:spPr>
+          <a:xfrm>
+            <a:off x="8404447" y="6309079"/>
+            <a:ext cx="885825" cy="461665"/>
+          </a:xfrm>
+          <a:prstGeom prst="rect">
+            <a:avLst/>
+          </a:prstGeom>
+          <a:noFill/>
+        </p:spPr>
+        <p:txBody>
+          <a:bodyPr wrap="square" rtlCol="0">
+            <a:spAutoFit/>
+          </a:bodyPr>
+          <a:lstStyle/>
+          <a:p>
+            <a:r>
+              <a:rPr lang="en-US" altLang="ja-JP" sz="2400" dirty="0" smtClean="0">
+                <a:solidFill>
+                  <a:schemeClr val="bg1"/>
+                </a:solidFill>
+                <a:latin typeface="+mj-ea"/>
+                <a:ea typeface="+mj-ea"/>
+              </a:rPr>
+              <a:t>6</a:t>
+            </a:r>
+            <a:endParaRPr kumimoji="1" lang="ja-JP" altLang="en-US" sz="2400" dirty="0">
+              <a:solidFill>
+                <a:schemeClr val="bg1"/>
+              </a:solidFill>
+              <a:latin typeface="+mj-ea"/>
+              <a:ea typeface="+mj-ea"/>
+            </a:endParaRPr>
           </a:p>
         </p:txBody>
       </p:sp>
